--- a/Presentation/CurseWorkYakuba.pptx
+++ b/Presentation/CurseWorkYakuba.pptx
@@ -15,12 +15,16 @@
     <p:sldId id="264" r:id="rId9"/>
     <p:sldId id="265" r:id="rId10"/>
     <p:sldId id="266" r:id="rId11"/>
-    <p:sldId id="267" r:id="rId12"/>
-    <p:sldId id="268" r:id="rId13"/>
-    <p:sldId id="269" r:id="rId14"/>
-    <p:sldId id="270" r:id="rId15"/>
-    <p:sldId id="271" r:id="rId16"/>
-    <p:sldId id="273" r:id="rId17"/>
+    <p:sldId id="268" r:id="rId12"/>
+    <p:sldId id="274" r:id="rId13"/>
+    <p:sldId id="275" r:id="rId14"/>
+    <p:sldId id="269" r:id="rId15"/>
+    <p:sldId id="270" r:id="rId16"/>
+    <p:sldId id="276" r:id="rId17"/>
+    <p:sldId id="277" r:id="rId18"/>
+    <p:sldId id="271" r:id="rId19"/>
+    <p:sldId id="278" r:id="rId20"/>
+    <p:sldId id="273" r:id="rId21"/>
   </p:sldIdLst>
   <p:sldSz cx="12192000" cy="6858000"/>
   <p:notesSz cx="6858000" cy="9144000"/>
@@ -119,7 +123,1143 @@
       </a:defRPr>
     </a:lvl9pPr>
   </p:defaultTextStyle>
+  <p:extLst>
+    <p:ext uri="{EFAFB233-063F-42B5-8137-9DF3F51BA10A}">
+      <p15:sldGuideLst xmlns:p15="http://schemas.microsoft.com/office/powerpoint/2012/main"/>
+    </p:ext>
+  </p:extLst>
 </p:presentation>
+</file>
+
+<file path=ppt/charts/chart1.xml><?xml version="1.0" encoding="utf-8"?>
+<c:chartSpace xmlns:c="http://schemas.openxmlformats.org/drawingml/2006/chart" xmlns:a="http://schemas.openxmlformats.org/drawingml/2006/main" xmlns:r="http://schemas.openxmlformats.org/officeDocument/2006/relationships" xmlns:c16r2="http://schemas.microsoft.com/office/drawing/2015/06/chart">
+  <c:date1904 val="0"/>
+  <c:lang val="ru-RU"/>
+  <c:roundedCorners val="0"/>
+  <mc:AlternateContent xmlns:mc="http://schemas.openxmlformats.org/markup-compatibility/2006">
+    <mc:Choice xmlns:c14="http://schemas.microsoft.com/office/drawing/2007/8/2/chart" Requires="c14">
+      <c14:style val="102"/>
+    </mc:Choice>
+    <mc:Fallback>
+      <c:style val="2"/>
+    </mc:Fallback>
+  </mc:AlternateContent>
+  <c:chart>
+    <c:autoTitleDeleted val="1"/>
+    <c:plotArea>
+      <c:layout/>
+      <c:lineChart>
+        <c:grouping val="standard"/>
+        <c:varyColors val="0"/>
+        <c:ser>
+          <c:idx val="0"/>
+          <c:order val="0"/>
+          <c:tx>
+            <c:strRef>
+              <c:f>Лист1!$B$1</c:f>
+              <c:strCache>
+                <c:ptCount val="1"/>
+                <c:pt idx="0">
+                  <c:v>Без использования OpenMP</c:v>
+                </c:pt>
+              </c:strCache>
+            </c:strRef>
+          </c:tx>
+          <c:spPr>
+            <a:ln w="38100" cap="flat" cmpd="dbl" algn="ctr">
+              <a:solidFill>
+                <a:schemeClr val="tx1"/>
+              </a:solidFill>
+              <a:miter lim="800000"/>
+            </a:ln>
+            <a:effectLst/>
+          </c:spPr>
+          <c:marker>
+            <c:symbol val="none"/>
+          </c:marker>
+          <c:cat>
+            <c:strRef>
+              <c:f>Лист1!$A$2:$A$12</c:f>
+              <c:strCache>
+                <c:ptCount val="11"/>
+                <c:pt idx="0">
+                  <c:v>1x1</c:v>
+                </c:pt>
+                <c:pt idx="1">
+                  <c:v>2x2</c:v>
+                </c:pt>
+                <c:pt idx="2">
+                  <c:v>3x3</c:v>
+                </c:pt>
+                <c:pt idx="3">
+                  <c:v>4x4</c:v>
+                </c:pt>
+                <c:pt idx="4">
+                  <c:v>5x5</c:v>
+                </c:pt>
+                <c:pt idx="5">
+                  <c:v>6x6</c:v>
+                </c:pt>
+                <c:pt idx="6">
+                  <c:v>7x7</c:v>
+                </c:pt>
+                <c:pt idx="7">
+                  <c:v>8x8</c:v>
+                </c:pt>
+                <c:pt idx="8">
+                  <c:v>9x9</c:v>
+                </c:pt>
+                <c:pt idx="9">
+                  <c:v>10x10</c:v>
+                </c:pt>
+                <c:pt idx="10">
+                  <c:v>15x15</c:v>
+                </c:pt>
+              </c:strCache>
+            </c:strRef>
+          </c:cat>
+          <c:val>
+            <c:numRef>
+              <c:f>Лист1!$B$2:$B$12</c:f>
+              <c:numCache>
+                <c:formatCode>General</c:formatCode>
+                <c:ptCount val="11"/>
+                <c:pt idx="0">
+                  <c:v>11487080</c:v>
+                </c:pt>
+                <c:pt idx="1">
+                  <c:v>13978160</c:v>
+                </c:pt>
+                <c:pt idx="2">
+                  <c:v>18750780</c:v>
+                </c:pt>
+                <c:pt idx="3">
+                  <c:v>23137300</c:v>
+                </c:pt>
+                <c:pt idx="4">
+                  <c:v>27348240</c:v>
+                </c:pt>
+                <c:pt idx="5">
+                  <c:v>35428960</c:v>
+                </c:pt>
+                <c:pt idx="6">
+                  <c:v>42608800</c:v>
+                </c:pt>
+                <c:pt idx="7">
+                  <c:v>52409440</c:v>
+                </c:pt>
+                <c:pt idx="8">
+                  <c:v>64260000</c:v>
+                </c:pt>
+                <c:pt idx="9">
+                  <c:v>77460920</c:v>
+                </c:pt>
+                <c:pt idx="10">
+                  <c:v>116354360</c:v>
+                </c:pt>
+              </c:numCache>
+            </c:numRef>
+          </c:val>
+          <c:smooth val="0"/>
+          <c:extLst>
+            <c:ext xmlns:c16="http://schemas.microsoft.com/office/drawing/2014/chart" uri="{C3380CC4-5D6E-409C-BE32-E72D297353CC}">
+              <c16:uniqueId val="{00000000-4AB7-4DE8-A947-2DF75BF08109}"/>
+            </c:ext>
+          </c:extLst>
+        </c:ser>
+        <c:ser>
+          <c:idx val="1"/>
+          <c:order val="1"/>
+          <c:tx>
+            <c:strRef>
+              <c:f>Лист1!$C$1</c:f>
+              <c:strCache>
+                <c:ptCount val="1"/>
+                <c:pt idx="0">
+                  <c:v>С использованием OpenMP</c:v>
+                </c:pt>
+              </c:strCache>
+            </c:strRef>
+          </c:tx>
+          <c:spPr>
+            <a:ln w="38100" cap="flat" cmpd="dbl" algn="ctr">
+              <a:solidFill>
+                <a:srgbClr val="00B050"/>
+              </a:solidFill>
+              <a:miter lim="800000"/>
+            </a:ln>
+            <a:effectLst/>
+          </c:spPr>
+          <c:marker>
+            <c:symbol val="none"/>
+          </c:marker>
+          <c:cat>
+            <c:strRef>
+              <c:f>Лист1!$A$2:$A$12</c:f>
+              <c:strCache>
+                <c:ptCount val="11"/>
+                <c:pt idx="0">
+                  <c:v>1x1</c:v>
+                </c:pt>
+                <c:pt idx="1">
+                  <c:v>2x2</c:v>
+                </c:pt>
+                <c:pt idx="2">
+                  <c:v>3x3</c:v>
+                </c:pt>
+                <c:pt idx="3">
+                  <c:v>4x4</c:v>
+                </c:pt>
+                <c:pt idx="4">
+                  <c:v>5x5</c:v>
+                </c:pt>
+                <c:pt idx="5">
+                  <c:v>6x6</c:v>
+                </c:pt>
+                <c:pt idx="6">
+                  <c:v>7x7</c:v>
+                </c:pt>
+                <c:pt idx="7">
+                  <c:v>8x8</c:v>
+                </c:pt>
+                <c:pt idx="8">
+                  <c:v>9x9</c:v>
+                </c:pt>
+                <c:pt idx="9">
+                  <c:v>10x10</c:v>
+                </c:pt>
+                <c:pt idx="10">
+                  <c:v>15x15</c:v>
+                </c:pt>
+              </c:strCache>
+            </c:strRef>
+          </c:cat>
+          <c:val>
+            <c:numRef>
+              <c:f>Лист1!$C$2:$C$12</c:f>
+              <c:numCache>
+                <c:formatCode>General</c:formatCode>
+                <c:ptCount val="11"/>
+                <c:pt idx="0">
+                  <c:v>11369020</c:v>
+                </c:pt>
+                <c:pt idx="1">
+                  <c:v>12566300</c:v>
+                </c:pt>
+                <c:pt idx="2">
+                  <c:v>14361360</c:v>
+                </c:pt>
+                <c:pt idx="3">
+                  <c:v>16664360</c:v>
+                </c:pt>
+                <c:pt idx="4">
+                  <c:v>21447120</c:v>
+                </c:pt>
+                <c:pt idx="5">
+                  <c:v>25247440</c:v>
+                </c:pt>
+                <c:pt idx="6">
+                  <c:v>28029060</c:v>
+                </c:pt>
+                <c:pt idx="7">
+                  <c:v>33310100</c:v>
+                </c:pt>
+                <c:pt idx="8">
+                  <c:v>39199560</c:v>
+                </c:pt>
+                <c:pt idx="9">
+                  <c:v>47672280</c:v>
+                </c:pt>
+                <c:pt idx="10">
+                  <c:v>73403680</c:v>
+                </c:pt>
+              </c:numCache>
+            </c:numRef>
+          </c:val>
+          <c:smooth val="0"/>
+          <c:extLst>
+            <c:ext xmlns:c16="http://schemas.microsoft.com/office/drawing/2014/chart" uri="{C3380CC4-5D6E-409C-BE32-E72D297353CC}">
+              <c16:uniqueId val="{00000001-4AB7-4DE8-A947-2DF75BF08109}"/>
+            </c:ext>
+          </c:extLst>
+        </c:ser>
+        <c:dLbls>
+          <c:showLegendKey val="0"/>
+          <c:showVal val="0"/>
+          <c:showCatName val="0"/>
+          <c:showSerName val="0"/>
+          <c:showPercent val="0"/>
+          <c:showBubbleSize val="0"/>
+        </c:dLbls>
+        <c:smooth val="0"/>
+        <c:axId val="38749423"/>
+        <c:axId val="36680655"/>
+      </c:lineChart>
+      <c:catAx>
+        <c:axId val="38749423"/>
+        <c:scaling>
+          <c:orientation val="minMax"/>
+        </c:scaling>
+        <c:delete val="0"/>
+        <c:axPos val="b"/>
+        <c:majorGridlines>
+          <c:spPr>
+            <a:ln w="9525" cap="flat" cmpd="sng" algn="ctr">
+              <a:solidFill>
+                <a:schemeClr val="tx1">
+                  <a:lumMod val="15000"/>
+                  <a:lumOff val="85000"/>
+                  <a:alpha val="32000"/>
+                </a:schemeClr>
+              </a:solidFill>
+              <a:round/>
+            </a:ln>
+            <a:effectLst/>
+          </c:spPr>
+        </c:majorGridlines>
+        <c:title>
+          <c:tx>
+            <c:rich>
+              <a:bodyPr rot="0" spcFirstLastPara="1" vertOverflow="ellipsis" vert="horz" wrap="square" anchor="ctr" anchorCtr="1"/>
+              <a:lstStyle/>
+              <a:p>
+                <a:pPr>
+                  <a:defRPr sz="1197" b="0" i="0" u="none" strike="noStrike" kern="1200" cap="all" baseline="0">
+                    <a:solidFill>
+                      <a:schemeClr val="tx1">
+                        <a:lumMod val="65000"/>
+                        <a:lumOff val="35000"/>
+                      </a:schemeClr>
+                    </a:solidFill>
+                    <a:latin typeface="+mn-lt"/>
+                    <a:ea typeface="+mn-ea"/>
+                    <a:cs typeface="+mn-cs"/>
+                  </a:defRPr>
+                </a:pPr>
+                <a:r>
+                  <a:rPr lang="ru-RU"/>
+                  <a:t>Размеры плоскости</a:t>
+                </a:r>
+              </a:p>
+            </c:rich>
+          </c:tx>
+          <c:overlay val="0"/>
+          <c:spPr>
+            <a:noFill/>
+            <a:ln>
+              <a:noFill/>
+            </a:ln>
+            <a:effectLst/>
+          </c:spPr>
+          <c:txPr>
+            <a:bodyPr rot="0" spcFirstLastPara="1" vertOverflow="ellipsis" vert="horz" wrap="square" anchor="ctr" anchorCtr="1"/>
+            <a:lstStyle/>
+            <a:p>
+              <a:pPr>
+                <a:defRPr sz="1197" b="0" i="0" u="none" strike="noStrike" kern="1200" cap="all" baseline="0">
+                  <a:solidFill>
+                    <a:schemeClr val="tx1">
+                      <a:lumMod val="65000"/>
+                      <a:lumOff val="35000"/>
+                    </a:schemeClr>
+                  </a:solidFill>
+                  <a:latin typeface="+mn-lt"/>
+                  <a:ea typeface="+mn-ea"/>
+                  <a:cs typeface="+mn-cs"/>
+                </a:defRPr>
+              </a:pPr>
+              <a:endParaRPr lang="ru-RU"/>
+            </a:p>
+          </c:txPr>
+        </c:title>
+        <c:numFmt formatCode="General" sourceLinked="1"/>
+        <c:majorTickMark val="none"/>
+        <c:minorTickMark val="none"/>
+        <c:tickLblPos val="nextTo"/>
+        <c:spPr>
+          <a:noFill/>
+          <a:ln w="3175" cap="flat" cmpd="sng" algn="ctr">
+            <a:solidFill>
+              <a:schemeClr val="tx1">
+                <a:lumMod val="15000"/>
+                <a:lumOff val="85000"/>
+              </a:schemeClr>
+            </a:solidFill>
+            <a:round/>
+            <a:tailEnd type="none" w="med" len="lg"/>
+          </a:ln>
+          <a:effectLst/>
+        </c:spPr>
+        <c:txPr>
+          <a:bodyPr rot="-60000000" spcFirstLastPara="1" vertOverflow="ellipsis" vert="horz" wrap="square" anchor="ctr" anchorCtr="1"/>
+          <a:lstStyle/>
+          <a:p>
+            <a:pPr>
+              <a:defRPr sz="1197" b="0" i="0" u="none" strike="noStrike" kern="1200" baseline="0">
+                <a:solidFill>
+                  <a:schemeClr val="tx1">
+                    <a:lumMod val="65000"/>
+                    <a:lumOff val="35000"/>
+                  </a:schemeClr>
+                </a:solidFill>
+                <a:latin typeface="+mn-lt"/>
+                <a:ea typeface="+mn-ea"/>
+                <a:cs typeface="+mn-cs"/>
+              </a:defRPr>
+            </a:pPr>
+            <a:endParaRPr lang="ru-RU"/>
+          </a:p>
+        </c:txPr>
+        <c:crossAx val="36680655"/>
+        <c:crosses val="autoZero"/>
+        <c:auto val="1"/>
+        <c:lblAlgn val="ctr"/>
+        <c:lblOffset val="100"/>
+        <c:noMultiLvlLbl val="0"/>
+      </c:catAx>
+      <c:valAx>
+        <c:axId val="36680655"/>
+        <c:scaling>
+          <c:orientation val="minMax"/>
+        </c:scaling>
+        <c:delete val="0"/>
+        <c:axPos val="l"/>
+        <c:majorGridlines>
+          <c:spPr>
+            <a:ln w="9525" cap="flat" cmpd="sng" algn="ctr">
+              <a:solidFill>
+                <a:schemeClr val="tx1">
+                  <a:lumMod val="15000"/>
+                  <a:lumOff val="85000"/>
+                  <a:alpha val="32000"/>
+                </a:schemeClr>
+              </a:solidFill>
+              <a:round/>
+            </a:ln>
+            <a:effectLst/>
+          </c:spPr>
+        </c:majorGridlines>
+        <c:title>
+          <c:tx>
+            <c:rich>
+              <a:bodyPr rot="-5400000" spcFirstLastPara="1" vertOverflow="ellipsis" vert="horz" wrap="square" anchor="ctr" anchorCtr="1"/>
+              <a:lstStyle/>
+              <a:p>
+                <a:pPr>
+                  <a:defRPr sz="1197" b="0" i="0" u="none" strike="noStrike" kern="1200" cap="all" baseline="0">
+                    <a:solidFill>
+                      <a:schemeClr val="tx1">
+                        <a:lumMod val="65000"/>
+                        <a:lumOff val="35000"/>
+                      </a:schemeClr>
+                    </a:solidFill>
+                    <a:latin typeface="+mn-lt"/>
+                    <a:ea typeface="+mn-ea"/>
+                    <a:cs typeface="+mn-cs"/>
+                  </a:defRPr>
+                </a:pPr>
+                <a:r>
+                  <a:rPr lang="ru-RU"/>
+                  <a:t>Время выполнения, нс</a:t>
+                </a:r>
+              </a:p>
+            </c:rich>
+          </c:tx>
+          <c:overlay val="0"/>
+          <c:spPr>
+            <a:noFill/>
+            <a:ln>
+              <a:noFill/>
+            </a:ln>
+            <a:effectLst/>
+          </c:spPr>
+          <c:txPr>
+            <a:bodyPr rot="-5400000" spcFirstLastPara="1" vertOverflow="ellipsis" vert="horz" wrap="square" anchor="ctr" anchorCtr="1"/>
+            <a:lstStyle/>
+            <a:p>
+              <a:pPr>
+                <a:defRPr sz="1197" b="0" i="0" u="none" strike="noStrike" kern="1200" cap="all" baseline="0">
+                  <a:solidFill>
+                    <a:schemeClr val="tx1">
+                      <a:lumMod val="65000"/>
+                      <a:lumOff val="35000"/>
+                    </a:schemeClr>
+                  </a:solidFill>
+                  <a:latin typeface="+mn-lt"/>
+                  <a:ea typeface="+mn-ea"/>
+                  <a:cs typeface="+mn-cs"/>
+                </a:defRPr>
+              </a:pPr>
+              <a:endParaRPr lang="ru-RU"/>
+            </a:p>
+          </c:txPr>
+        </c:title>
+        <c:numFmt formatCode="General" sourceLinked="1"/>
+        <c:majorTickMark val="none"/>
+        <c:minorTickMark val="none"/>
+        <c:tickLblPos val="nextTo"/>
+        <c:spPr>
+          <a:noFill/>
+          <a:ln w="3175" cap="flat" cmpd="sng" algn="ctr">
+            <a:solidFill>
+              <a:schemeClr val="tx1">
+                <a:lumMod val="15000"/>
+                <a:lumOff val="85000"/>
+              </a:schemeClr>
+            </a:solidFill>
+            <a:round/>
+            <a:tailEnd type="none" w="med" len="lg"/>
+          </a:ln>
+          <a:effectLst/>
+        </c:spPr>
+        <c:txPr>
+          <a:bodyPr rot="-60000000" spcFirstLastPara="1" vertOverflow="ellipsis" vert="horz" wrap="square" anchor="ctr" anchorCtr="1"/>
+          <a:lstStyle/>
+          <a:p>
+            <a:pPr>
+              <a:defRPr sz="1197" b="0" i="0" u="none" strike="noStrike" kern="1200" baseline="0">
+                <a:solidFill>
+                  <a:schemeClr val="tx1">
+                    <a:lumMod val="65000"/>
+                    <a:lumOff val="35000"/>
+                  </a:schemeClr>
+                </a:solidFill>
+                <a:latin typeface="+mn-lt"/>
+                <a:ea typeface="+mn-ea"/>
+                <a:cs typeface="+mn-cs"/>
+              </a:defRPr>
+            </a:pPr>
+            <a:endParaRPr lang="ru-RU"/>
+          </a:p>
+        </c:txPr>
+        <c:crossAx val="38749423"/>
+        <c:crosses val="autoZero"/>
+        <c:crossBetween val="between"/>
+      </c:valAx>
+      <c:spPr>
+        <a:noFill/>
+        <a:ln>
+          <a:noFill/>
+        </a:ln>
+        <a:effectLst/>
+      </c:spPr>
+    </c:plotArea>
+    <c:legend>
+      <c:legendPos val="t"/>
+      <c:overlay val="0"/>
+      <c:spPr>
+        <a:noFill/>
+        <a:ln>
+          <a:noFill/>
+        </a:ln>
+        <a:effectLst/>
+      </c:spPr>
+      <c:txPr>
+        <a:bodyPr rot="0" spcFirstLastPara="1" vertOverflow="ellipsis" vert="horz" wrap="square" anchor="ctr" anchorCtr="1"/>
+        <a:lstStyle/>
+        <a:p>
+          <a:pPr>
+            <a:defRPr sz="1197" b="0" i="0" u="none" strike="noStrike" kern="1200" baseline="0">
+              <a:solidFill>
+                <a:schemeClr val="tx1">
+                  <a:lumMod val="65000"/>
+                  <a:lumOff val="35000"/>
+                </a:schemeClr>
+              </a:solidFill>
+              <a:latin typeface="+mn-lt"/>
+              <a:ea typeface="+mn-ea"/>
+              <a:cs typeface="+mn-cs"/>
+            </a:defRPr>
+          </a:pPr>
+          <a:endParaRPr lang="ru-RU"/>
+        </a:p>
+      </c:txPr>
+    </c:legend>
+    <c:plotVisOnly val="1"/>
+    <c:dispBlanksAs val="gap"/>
+    <c:extLst>
+      <c:ext xmlns:c16r3="http://schemas.microsoft.com/office/drawing/2017/03/chart" uri="{56B9EC1D-385E-4148-901F-78D8002777C0}">
+        <c16r3:dataDisplayOptions16>
+          <c16r3:dispNaAsBlank val="1"/>
+        </c16r3:dataDisplayOptions16>
+      </c:ext>
+    </c:extLst>
+    <c:showDLblsOverMax val="0"/>
+  </c:chart>
+  <c:spPr>
+    <a:noFill/>
+    <a:ln>
+      <a:noFill/>
+    </a:ln>
+    <a:effectLst/>
+  </c:spPr>
+  <c:txPr>
+    <a:bodyPr/>
+    <a:lstStyle/>
+    <a:p>
+      <a:pPr>
+        <a:defRPr/>
+      </a:pPr>
+      <a:endParaRPr lang="ru-RU"/>
+    </a:p>
+  </c:txPr>
+  <c:externalData r:id="rId3">
+    <c:autoUpdate val="0"/>
+  </c:externalData>
+</c:chartSpace>
+</file>
+
+<file path=ppt/charts/colors1.xml><?xml version="1.0" encoding="utf-8"?>
+<cs:colorStyle xmlns:cs="http://schemas.microsoft.com/office/drawing/2012/chartStyle" xmlns:a="http://schemas.openxmlformats.org/drawingml/2006/main" meth="cycle" id="10">
+  <a:schemeClr val="accent1"/>
+  <a:schemeClr val="accent2"/>
+  <a:schemeClr val="accent3"/>
+  <a:schemeClr val="accent4"/>
+  <a:schemeClr val="accent5"/>
+  <a:schemeClr val="accent6"/>
+  <cs:variation/>
+  <cs:variation>
+    <a:lumMod val="60000"/>
+  </cs:variation>
+  <cs:variation>
+    <a:lumMod val="80000"/>
+    <a:lumOff val="20000"/>
+  </cs:variation>
+  <cs:variation>
+    <a:lumMod val="80000"/>
+  </cs:variation>
+  <cs:variation>
+    <a:lumMod val="60000"/>
+    <a:lumOff val="40000"/>
+  </cs:variation>
+  <cs:variation>
+    <a:lumMod val="50000"/>
+  </cs:variation>
+  <cs:variation>
+    <a:lumMod val="70000"/>
+    <a:lumOff val="30000"/>
+  </cs:variation>
+  <cs:variation>
+    <a:lumMod val="70000"/>
+  </cs:variation>
+  <cs:variation>
+    <a:lumMod val="50000"/>
+    <a:lumOff val="50000"/>
+  </cs:variation>
+</cs:colorStyle>
+</file>
+
+<file path=ppt/charts/style1.xml><?xml version="1.0" encoding="utf-8"?>
+<cs:chartStyle xmlns:cs="http://schemas.microsoft.com/office/drawing/2012/chartStyle" xmlns:a="http://schemas.openxmlformats.org/drawingml/2006/main" id="237">
+  <cs:axisTitle>
+    <cs:lnRef idx="0"/>
+    <cs:fillRef idx="0"/>
+    <cs:effectRef idx="0"/>
+    <cs:fontRef idx="minor">
+      <a:schemeClr val="tx1">
+        <a:lumMod val="65000"/>
+        <a:lumOff val="35000"/>
+      </a:schemeClr>
+    </cs:fontRef>
+    <cs:defRPr sz="1197" kern="1200" cap="all"/>
+  </cs:axisTitle>
+  <cs:categoryAxis>
+    <cs:lnRef idx="0"/>
+    <cs:fillRef idx="0"/>
+    <cs:effectRef idx="0"/>
+    <cs:fontRef idx="minor">
+      <a:schemeClr val="tx1">
+        <a:lumMod val="65000"/>
+        <a:lumOff val="35000"/>
+      </a:schemeClr>
+    </cs:fontRef>
+    <cs:spPr>
+      <a:ln w="3175" cap="flat" cmpd="sng" algn="ctr">
+        <a:solidFill>
+          <a:schemeClr val="tx1">
+            <a:lumMod val="15000"/>
+            <a:lumOff val="85000"/>
+          </a:schemeClr>
+        </a:solidFill>
+        <a:round/>
+        <a:tailEnd type="none" w="med" len="lg"/>
+      </a:ln>
+    </cs:spPr>
+    <cs:defRPr sz="1197" kern="1200"/>
+  </cs:categoryAxis>
+  <cs:chartArea mods="allowNoFillOverride allowNoLineOverride">
+    <cs:lnRef idx="0"/>
+    <cs:fillRef idx="0"/>
+    <cs:effectRef idx="0"/>
+    <cs:fontRef idx="minor">
+      <a:schemeClr val="tx1"/>
+    </cs:fontRef>
+    <cs:spPr>
+      <a:solidFill>
+        <a:schemeClr val="bg1"/>
+      </a:solidFill>
+      <a:ln w="9525" cap="flat" cmpd="sng" algn="ctr">
+        <a:solidFill>
+          <a:schemeClr val="tx1">
+            <a:lumMod val="15000"/>
+            <a:lumOff val="85000"/>
+          </a:schemeClr>
+        </a:solidFill>
+        <a:round/>
+      </a:ln>
+    </cs:spPr>
+    <cs:defRPr sz="1197" kern="1200"/>
+  </cs:chartArea>
+  <cs:dataLabel>
+    <cs:lnRef idx="0"/>
+    <cs:fillRef idx="0"/>
+    <cs:effectRef idx="0"/>
+    <cs:fontRef idx="minor">
+      <a:schemeClr val="tx1">
+        <a:lumMod val="75000"/>
+        <a:lumOff val="25000"/>
+      </a:schemeClr>
+    </cs:fontRef>
+    <cs:defRPr sz="1197" kern="1200"/>
+  </cs:dataLabel>
+  <cs:dataLabelCallout>
+    <cs:lnRef idx="0"/>
+    <cs:fillRef idx="0"/>
+    <cs:effectRef idx="0"/>
+    <cs:fontRef idx="minor">
+      <a:schemeClr val="dk1">
+        <a:lumMod val="65000"/>
+        <a:lumOff val="35000"/>
+      </a:schemeClr>
+    </cs:fontRef>
+    <cs:spPr>
+      <a:solidFill>
+        <a:schemeClr val="lt1"/>
+      </a:solidFill>
+      <a:ln>
+        <a:solidFill>
+          <a:schemeClr val="dk1">
+            <a:lumMod val="25000"/>
+            <a:lumOff val="75000"/>
+          </a:schemeClr>
+        </a:solidFill>
+      </a:ln>
+    </cs:spPr>
+    <cs:defRPr sz="1197" kern="1200"/>
+    <cs:bodyPr rot="0" spcFirstLastPara="1" vertOverflow="clip" horzOverflow="clip" vert="horz" wrap="square" lIns="36576" tIns="18288" rIns="36576" bIns="18288" anchor="ctr" anchorCtr="1">
+      <a:spAutoFit/>
+    </cs:bodyPr>
+  </cs:dataLabelCallout>
+  <cs:dataPoint>
+    <cs:lnRef idx="0"/>
+    <cs:fillRef idx="0">
+      <cs:styleClr val="auto"/>
+    </cs:fillRef>
+    <cs:effectRef idx="0"/>
+    <cs:fontRef idx="minor">
+      <a:schemeClr val="tx1"/>
+    </cs:fontRef>
+    <cs:spPr>
+      <a:solidFill>
+        <a:schemeClr val="phClr"/>
+      </a:solidFill>
+    </cs:spPr>
+  </cs:dataPoint>
+  <cs:dataPoint3D>
+    <cs:lnRef idx="0"/>
+    <cs:fillRef idx="0">
+      <cs:styleClr val="auto"/>
+    </cs:fillRef>
+    <cs:effectRef idx="0"/>
+    <cs:fontRef idx="minor">
+      <a:schemeClr val="tx1"/>
+    </cs:fontRef>
+    <cs:spPr>
+      <a:solidFill>
+        <a:schemeClr val="phClr"/>
+      </a:solidFill>
+    </cs:spPr>
+  </cs:dataPoint3D>
+  <cs:dataPointLine>
+    <cs:lnRef idx="0">
+      <cs:styleClr val="auto"/>
+    </cs:lnRef>
+    <cs:fillRef idx="0"/>
+    <cs:effectRef idx="0"/>
+    <cs:fontRef idx="minor">
+      <a:schemeClr val="tx1"/>
+    </cs:fontRef>
+    <cs:spPr>
+      <a:ln w="38100" cap="flat" cmpd="dbl" algn="ctr">
+        <a:solidFill>
+          <a:schemeClr val="phClr"/>
+        </a:solidFill>
+        <a:miter lim="800000"/>
+      </a:ln>
+    </cs:spPr>
+  </cs:dataPointLine>
+  <cs:dataPointMarker>
+    <cs:lnRef idx="0">
+      <cs:styleClr val="auto"/>
+    </cs:lnRef>
+    <cs:fillRef idx="0">
+      <cs:styleClr val="auto"/>
+    </cs:fillRef>
+    <cs:effectRef idx="0"/>
+    <cs:fontRef idx="minor">
+      <a:schemeClr val="tx1"/>
+    </cs:fontRef>
+    <cs:spPr>
+      <a:solidFill>
+        <a:schemeClr val="phClr"/>
+      </a:solidFill>
+      <a:ln w="9525" cap="flat" cmpd="sng" algn="ctr">
+        <a:solidFill>
+          <a:schemeClr val="lt1"/>
+        </a:solidFill>
+        <a:round/>
+      </a:ln>
+    </cs:spPr>
+  </cs:dataPointMarker>
+  <cs:dataPointMarkerLayout symbol="circle" size="6"/>
+  <cs:dataPointWireframe>
+    <cs:lnRef idx="0">
+      <cs:styleClr val="auto"/>
+    </cs:lnRef>
+    <cs:fillRef idx="0"/>
+    <cs:effectRef idx="0"/>
+    <cs:fontRef idx="minor">
+      <a:schemeClr val="tx1"/>
+    </cs:fontRef>
+    <cs:spPr>
+      <a:ln w="9525" cap="rnd">
+        <a:solidFill>
+          <a:schemeClr val="phClr"/>
+        </a:solidFill>
+        <a:round/>
+      </a:ln>
+    </cs:spPr>
+  </cs:dataPointWireframe>
+  <cs:dataTable>
+    <cs:lnRef idx="0"/>
+    <cs:fillRef idx="0"/>
+    <cs:effectRef idx="0"/>
+    <cs:fontRef idx="minor">
+      <a:schemeClr val="tx1">
+        <a:lumMod val="65000"/>
+        <a:lumOff val="35000"/>
+      </a:schemeClr>
+    </cs:fontRef>
+    <cs:spPr>
+      <a:ln w="9525">
+        <a:solidFill>
+          <a:schemeClr val="tx1">
+            <a:lumMod val="15000"/>
+            <a:lumOff val="85000"/>
+          </a:schemeClr>
+        </a:solidFill>
+      </a:ln>
+    </cs:spPr>
+    <cs:defRPr sz="1197" kern="1200"/>
+  </cs:dataTable>
+  <cs:downBar>
+    <cs:lnRef idx="0"/>
+    <cs:fillRef idx="0"/>
+    <cs:effectRef idx="0"/>
+    <cs:fontRef idx="minor">
+      <a:schemeClr val="tx1"/>
+    </cs:fontRef>
+    <cs:spPr>
+      <a:solidFill>
+        <a:schemeClr val="dk1">
+          <a:lumMod val="75000"/>
+          <a:lumOff val="25000"/>
+        </a:schemeClr>
+      </a:solidFill>
+      <a:ln w="9525">
+        <a:solidFill>
+          <a:schemeClr val="tx1">
+            <a:lumMod val="65000"/>
+            <a:lumOff val="35000"/>
+          </a:schemeClr>
+        </a:solidFill>
+      </a:ln>
+    </cs:spPr>
+  </cs:downBar>
+  <cs:dropLine>
+    <cs:lnRef idx="0"/>
+    <cs:fillRef idx="0"/>
+    <cs:effectRef idx="0"/>
+    <cs:fontRef idx="minor">
+      <a:schemeClr val="tx1"/>
+    </cs:fontRef>
+    <cs:spPr>
+      <a:ln w="9525">
+        <a:solidFill>
+          <a:schemeClr val="tx1">
+            <a:lumMod val="35000"/>
+            <a:lumOff val="65000"/>
+          </a:schemeClr>
+        </a:solidFill>
+      </a:ln>
+    </cs:spPr>
+  </cs:dropLine>
+  <cs:errorBar>
+    <cs:lnRef idx="0"/>
+    <cs:fillRef idx="0"/>
+    <cs:effectRef idx="0"/>
+    <cs:fontRef idx="minor">
+      <a:schemeClr val="tx1"/>
+    </cs:fontRef>
+    <cs:spPr>
+      <a:ln w="9525">
+        <a:solidFill>
+          <a:schemeClr val="tx1">
+            <a:lumMod val="65000"/>
+            <a:lumOff val="35000"/>
+          </a:schemeClr>
+        </a:solidFill>
+      </a:ln>
+    </cs:spPr>
+  </cs:errorBar>
+  <cs:floor>
+    <cs:lnRef idx="0"/>
+    <cs:fillRef idx="0"/>
+    <cs:effectRef idx="0"/>
+    <cs:fontRef idx="minor">
+      <a:schemeClr val="tx1"/>
+    </cs:fontRef>
+  </cs:floor>
+  <cs:gridlineMajor>
+    <cs:lnRef idx="0"/>
+    <cs:fillRef idx="0"/>
+    <cs:effectRef idx="0"/>
+    <cs:fontRef idx="minor">
+      <a:schemeClr val="tx1"/>
+    </cs:fontRef>
+    <cs:spPr>
+      <a:ln w="9525" cap="flat" cmpd="sng" algn="ctr">
+        <a:solidFill>
+          <a:schemeClr val="tx1">
+            <a:lumMod val="15000"/>
+            <a:lumOff val="85000"/>
+            <a:alpha val="32000"/>
+          </a:schemeClr>
+        </a:solidFill>
+        <a:round/>
+      </a:ln>
+    </cs:spPr>
+  </cs:gridlineMajor>
+  <cs:gridlineMinor>
+    <cs:lnRef idx="0"/>
+    <cs:fillRef idx="0"/>
+    <cs:effectRef idx="0"/>
+    <cs:fontRef idx="minor">
+      <a:schemeClr val="tx1"/>
+    </cs:fontRef>
+    <cs:spPr>
+      <a:ln>
+        <a:solidFill>
+          <a:schemeClr val="tx1">
+            <a:lumMod val="5000"/>
+            <a:lumOff val="95000"/>
+            <a:alpha val="32000"/>
+          </a:schemeClr>
+        </a:solidFill>
+      </a:ln>
+    </cs:spPr>
+  </cs:gridlineMinor>
+  <cs:hiLoLine>
+    <cs:lnRef idx="0"/>
+    <cs:fillRef idx="0"/>
+    <cs:effectRef idx="0"/>
+    <cs:fontRef idx="minor">
+      <a:schemeClr val="tx1"/>
+    </cs:fontRef>
+    <cs:spPr>
+      <a:ln w="9525">
+        <a:solidFill>
+          <a:schemeClr val="tx1"/>
+        </a:solidFill>
+      </a:ln>
+    </cs:spPr>
+  </cs:hiLoLine>
+  <cs:leaderLine>
+    <cs:lnRef idx="0"/>
+    <cs:fillRef idx="0"/>
+    <cs:effectRef idx="0"/>
+    <cs:fontRef idx="minor">
+      <a:schemeClr val="tx1"/>
+    </cs:fontRef>
+    <cs:spPr>
+      <a:ln w="9525">
+        <a:solidFill>
+          <a:schemeClr val="tx1">
+            <a:lumMod val="35000"/>
+            <a:lumOff val="65000"/>
+          </a:schemeClr>
+        </a:solidFill>
+      </a:ln>
+    </cs:spPr>
+  </cs:leaderLine>
+  <cs:legend>
+    <cs:lnRef idx="0"/>
+    <cs:fillRef idx="0"/>
+    <cs:effectRef idx="0"/>
+    <cs:fontRef idx="minor">
+      <a:schemeClr val="tx1">
+        <a:lumMod val="65000"/>
+        <a:lumOff val="35000"/>
+      </a:schemeClr>
+    </cs:fontRef>
+    <cs:defRPr sz="1197" kern="1200"/>
+  </cs:legend>
+  <cs:plotArea mods="allowNoFillOverride allowNoLineOverride">
+    <cs:lnRef idx="0"/>
+    <cs:fillRef idx="0"/>
+    <cs:effectRef idx="0"/>
+    <cs:fontRef idx="minor">
+      <a:schemeClr val="tx1"/>
+    </cs:fontRef>
+  </cs:plotArea>
+  <cs:plotArea3D mods="allowNoFillOverride allowNoLineOverride">
+    <cs:lnRef idx="0"/>
+    <cs:fillRef idx="0"/>
+    <cs:effectRef idx="0"/>
+    <cs:fontRef idx="minor">
+      <a:schemeClr val="tx1"/>
+    </cs:fontRef>
+  </cs:plotArea3D>
+  <cs:seriesAxis>
+    <cs:lnRef idx="0"/>
+    <cs:fillRef idx="0"/>
+    <cs:effectRef idx="0"/>
+    <cs:fontRef idx="minor">
+      <a:schemeClr val="tx1"/>
+    </cs:fontRef>
+    <cs:spPr>
+      <a:ln w="3175" cap="flat" cmpd="sng" algn="ctr">
+        <a:solidFill>
+          <a:schemeClr val="tx1">
+            <a:lumMod val="15000"/>
+            <a:lumOff val="85000"/>
+          </a:schemeClr>
+        </a:solidFill>
+        <a:round/>
+        <a:tailEnd type="none" w="med" len="lg"/>
+      </a:ln>
+    </cs:spPr>
+    <cs:defRPr sz="1197" kern="1200"/>
+  </cs:seriesAxis>
+  <cs:seriesLine>
+    <cs:lnRef idx="0"/>
+    <cs:fillRef idx="0"/>
+    <cs:effectRef idx="0"/>
+    <cs:fontRef idx="minor">
+      <a:schemeClr val="tx1"/>
+    </cs:fontRef>
+    <cs:spPr>
+      <a:ln w="9525">
+        <a:solidFill>
+          <a:schemeClr val="tx1">
+            <a:lumMod val="35000"/>
+            <a:lumOff val="65000"/>
+          </a:schemeClr>
+        </a:solidFill>
+      </a:ln>
+    </cs:spPr>
+  </cs:seriesLine>
+  <cs:title>
+    <cs:lnRef idx="0"/>
+    <cs:fillRef idx="0"/>
+    <cs:effectRef idx="0"/>
+    <cs:fontRef idx="minor">
+      <a:schemeClr val="tx1">
+        <a:lumMod val="50000"/>
+        <a:lumOff val="50000"/>
+      </a:schemeClr>
+    </cs:fontRef>
+    <cs:defRPr sz="2200" b="1" kern="1200" cap="all" spc="150" baseline="0"/>
+  </cs:title>
+  <cs:trendline>
+    <cs:lnRef idx="0">
+      <cs:styleClr val="auto"/>
+    </cs:lnRef>
+    <cs:fillRef idx="0"/>
+    <cs:effectRef idx="0"/>
+    <cs:fontRef idx="minor">
+      <a:schemeClr val="tx1"/>
+    </cs:fontRef>
+    <cs:spPr>
+      <a:ln w="12700" cap="rnd"/>
+    </cs:spPr>
+  </cs:trendline>
+  <cs:trendlineLabel>
+    <cs:lnRef idx="0"/>
+    <cs:fillRef idx="0"/>
+    <cs:effectRef idx="0"/>
+    <cs:fontRef idx="minor">
+      <a:schemeClr val="tx1">
+        <a:lumMod val="65000"/>
+        <a:lumOff val="35000"/>
+      </a:schemeClr>
+    </cs:fontRef>
+    <cs:defRPr sz="1197" kern="1200"/>
+  </cs:trendlineLabel>
+  <cs:upBar>
+    <cs:lnRef idx="0"/>
+    <cs:fillRef idx="0"/>
+    <cs:effectRef idx="0"/>
+    <cs:fontRef idx="minor">
+      <a:schemeClr val="tx1"/>
+    </cs:fontRef>
+    <cs:spPr>
+      <a:solidFill>
+        <a:schemeClr val="lt1"/>
+      </a:solidFill>
+      <a:ln w="9525">
+        <a:solidFill>
+          <a:schemeClr val="tx1">
+            <a:lumMod val="65000"/>
+            <a:lumOff val="35000"/>
+          </a:schemeClr>
+        </a:solidFill>
+      </a:ln>
+    </cs:spPr>
+  </cs:upBar>
+  <cs:valueAxis>
+    <cs:lnRef idx="0"/>
+    <cs:fillRef idx="0"/>
+    <cs:effectRef idx="0"/>
+    <cs:fontRef idx="minor">
+      <a:schemeClr val="tx1">
+        <a:lumMod val="65000"/>
+        <a:lumOff val="35000"/>
+      </a:schemeClr>
+    </cs:fontRef>
+    <cs:spPr>
+      <a:ln w="3175" cap="flat" cmpd="sng" algn="ctr">
+        <a:solidFill>
+          <a:schemeClr val="tx1">
+            <a:lumMod val="15000"/>
+            <a:lumOff val="85000"/>
+          </a:schemeClr>
+        </a:solidFill>
+        <a:round/>
+        <a:tailEnd type="none" w="med" len="lg"/>
+      </a:ln>
+    </cs:spPr>
+    <cs:defRPr sz="1197" kern="1200"/>
+  </cs:valueAxis>
+  <cs:wall>
+    <cs:lnRef idx="0"/>
+    <cs:fillRef idx="0"/>
+    <cs:effectRef idx="0"/>
+    <cs:fontRef idx="minor">
+      <a:schemeClr val="tx1"/>
+    </cs:fontRef>
+  </cs:wall>
+</cs:chartStyle>
 </file>
 
 <file path=ppt/slideLayouts/slideLayout1.xml><?xml version="1.0" encoding="utf-8"?>
@@ -3960,11 +5100,108 @@
                 <a:latin typeface="Times New Roman" panose="02020603050405020304" pitchFamily="18" charset="0"/>
                 <a:cs typeface="Times New Roman" panose="02020603050405020304" pitchFamily="18" charset="0"/>
               </a:rPr>
-              <a:t>Продолжение: структура и состав классов</a:t>
+              <a:t>Структура и состав классов: продолжение</a:t>
             </a:r>
           </a:p>
         </p:txBody>
       </p:sp>
+      <p:pic>
+        <p:nvPicPr>
+          <p:cNvPr id="3" name="Рисунок 2">
+            <a:extLst>
+              <a:ext uri="{FF2B5EF4-FFF2-40B4-BE49-F238E27FC236}">
+                <a16:creationId xmlns:a16="http://schemas.microsoft.com/office/drawing/2014/main" id="{4BDA1891-608B-4EBE-9B15-066F2B5D4F02}"/>
+              </a:ext>
+            </a:extLst>
+          </p:cNvPr>
+          <p:cNvPicPr/>
+          <p:nvPr/>
+        </p:nvPicPr>
+        <p:blipFill>
+          <a:blip r:embed="rId2">
+            <a:extLst>
+              <a:ext uri="{28A0092B-C50C-407E-A947-70E740481C1C}">
+                <a14:useLocalDpi xmlns:a14="http://schemas.microsoft.com/office/drawing/2010/main" val="0"/>
+              </a:ext>
+            </a:extLst>
+          </a:blip>
+          <a:srcRect/>
+          <a:stretch>
+            <a:fillRect/>
+          </a:stretch>
+        </p:blipFill>
+        <p:spPr bwMode="auto">
+          <a:xfrm>
+            <a:off x="191347" y="1854200"/>
+            <a:ext cx="4837853" cy="4315882"/>
+          </a:xfrm>
+          <a:prstGeom prst="rect">
+            <a:avLst/>
+          </a:prstGeom>
+          <a:ln w="38100" cap="sq">
+            <a:solidFill>
+              <a:srgbClr val="000000"/>
+            </a:solidFill>
+            <a:prstDash val="solid"/>
+            <a:miter lim="800000"/>
+          </a:ln>
+          <a:effectLst>
+            <a:outerShdw blurRad="50800" dist="38100" dir="2700000" algn="tl" rotWithShape="0">
+              <a:srgbClr val="000000">
+                <a:alpha val="43000"/>
+              </a:srgbClr>
+            </a:outerShdw>
+          </a:effectLst>
+        </p:spPr>
+      </p:pic>
+      <p:pic>
+        <p:nvPicPr>
+          <p:cNvPr id="4" name="Рисунок 3">
+            <a:extLst>
+              <a:ext uri="{FF2B5EF4-FFF2-40B4-BE49-F238E27FC236}">
+                <a16:creationId xmlns:a16="http://schemas.microsoft.com/office/drawing/2014/main" id="{9D052469-FFE4-4076-865A-DD955F15EA49}"/>
+              </a:ext>
+            </a:extLst>
+          </p:cNvPr>
+          <p:cNvPicPr/>
+          <p:nvPr/>
+        </p:nvPicPr>
+        <p:blipFill>
+          <a:blip r:embed="rId3">
+            <a:extLst>
+              <a:ext uri="{28A0092B-C50C-407E-A947-70E740481C1C}">
+                <a14:useLocalDpi xmlns:a14="http://schemas.microsoft.com/office/drawing/2010/main" val="0"/>
+              </a:ext>
+            </a:extLst>
+          </a:blip>
+          <a:stretch>
+            <a:fillRect/>
+          </a:stretch>
+        </p:blipFill>
+        <p:spPr bwMode="auto">
+          <a:xfrm>
+            <a:off x="5674783" y="2271607"/>
+            <a:ext cx="6136216" cy="3257126"/>
+          </a:xfrm>
+          <a:prstGeom prst="rect">
+            <a:avLst/>
+          </a:prstGeom>
+          <a:ln w="38100" cap="sq">
+            <a:solidFill>
+              <a:srgbClr val="000000"/>
+            </a:solidFill>
+            <a:prstDash val="solid"/>
+            <a:miter lim="800000"/>
+          </a:ln>
+          <a:effectLst>
+            <a:outerShdw blurRad="50800" dist="38100" dir="2700000" algn="tl" rotWithShape="0">
+              <a:srgbClr val="000000">
+                <a:alpha val="43000"/>
+              </a:srgbClr>
+            </a:outerShdw>
+          </a:effectLst>
+        </p:spPr>
+      </p:pic>
     </p:spTree>
     <p:extLst>
       <p:ext uri="{BB962C8B-B14F-4D97-AF65-F5344CB8AC3E}">
@@ -4021,21 +5258,135 @@
                 <a:latin typeface="Times New Roman" panose="02020603050405020304" pitchFamily="18" charset="0"/>
                 <a:cs typeface="Times New Roman" panose="02020603050405020304" pitchFamily="18" charset="0"/>
               </a:rPr>
-              <a:t>Модифицированный алгоритм </a:t>
-            </a:r>
-            <a:r>
-              <a:rPr lang="en-US" dirty="0">
+              <a:t>Пользовательский интерфейс программного обеспечения</a:t>
+            </a:r>
+          </a:p>
+        </p:txBody>
+      </p:sp>
+      <p:pic>
+        <p:nvPicPr>
+          <p:cNvPr id="4" name="Рисунок 3">
+            <a:extLst>
+              <a:ext uri="{FF2B5EF4-FFF2-40B4-BE49-F238E27FC236}">
+                <a16:creationId xmlns:a16="http://schemas.microsoft.com/office/drawing/2014/main" id="{CA55956E-64A9-43FE-AE7D-748279D5105E}"/>
+              </a:ext>
+            </a:extLst>
+          </p:cNvPr>
+          <p:cNvPicPr>
+            <a:picLocks noChangeAspect="1"/>
+          </p:cNvPicPr>
+          <p:nvPr/>
+        </p:nvPicPr>
+        <p:blipFill>
+          <a:blip r:embed="rId2"/>
+          <a:stretch>
+            <a:fillRect/>
+          </a:stretch>
+        </p:blipFill>
+        <p:spPr>
+          <a:xfrm>
+            <a:off x="8156312" y="1889050"/>
+            <a:ext cx="3366822" cy="4807099"/>
+          </a:xfrm>
+          <a:prstGeom prst="rect">
+            <a:avLst/>
+          </a:prstGeom>
+          <a:ln w="38100" cap="sq">
+            <a:solidFill>
+              <a:srgbClr val="000000"/>
+            </a:solidFill>
+            <a:prstDash val="solid"/>
+            <a:miter lim="800000"/>
+          </a:ln>
+          <a:effectLst>
+            <a:outerShdw blurRad="50800" dist="38100" dir="2700000" algn="tl" rotWithShape="0">
+              <a:srgbClr val="000000">
+                <a:alpha val="43000"/>
+              </a:srgbClr>
+            </a:outerShdw>
+          </a:effectLst>
+        </p:spPr>
+      </p:pic>
+      <p:sp>
+        <p:nvSpPr>
+          <p:cNvPr id="6" name="TextBox 5">
+            <a:extLst>
+              <a:ext uri="{FF2B5EF4-FFF2-40B4-BE49-F238E27FC236}">
+                <a16:creationId xmlns:a16="http://schemas.microsoft.com/office/drawing/2014/main" id="{A77E0A83-D59E-40F9-ADE7-F02974B2E34C}"/>
+              </a:ext>
+            </a:extLst>
+          </p:cNvPr>
+          <p:cNvSpPr txBox="1"/>
+          <p:nvPr/>
+        </p:nvSpPr>
+        <p:spPr>
+          <a:xfrm>
+            <a:off x="668866" y="1889050"/>
+            <a:ext cx="7289800" cy="3469155"/>
+          </a:xfrm>
+          <a:prstGeom prst="rect">
+            <a:avLst/>
+          </a:prstGeom>
+          <a:noFill/>
+        </p:spPr>
+        <p:txBody>
+          <a:bodyPr wrap="square">
+            <a:spAutoFit/>
+          </a:bodyPr>
+          <a:lstStyle/>
+          <a:p>
+            <a:pPr indent="450215" algn="just">
+              <a:lnSpc>
+                <a:spcPct val="150000"/>
+              </a:lnSpc>
+              <a:spcAft>
+                <a:spcPts val="800"/>
+              </a:spcAft>
+            </a:pPr>
+            <a:r>
+              <a:rPr lang="ru-RU" sz="1800" dirty="0">
+                <a:effectLst/>
                 <a:latin typeface="Times New Roman" panose="02020603050405020304" pitchFamily="18" charset="0"/>
-                <a:cs typeface="Times New Roman" panose="02020603050405020304" pitchFamily="18" charset="0"/>
+                <a:ea typeface="Times New Roman" panose="02020603050405020304" pitchFamily="18" charset="0"/>
               </a:rPr>
-              <a:t>z-</a:t>
-            </a:r>
+              <a:t>Интерфейс главного окна приложения, изображенного на рисунке 	3.4, включает в себя:</a:t>
+            </a:r>
+          </a:p>
+          <a:p>
+            <a:pPr marL="800100" lvl="1" indent="-342900" algn="just">
+              <a:lnSpc>
+                <a:spcPct val="150000"/>
+              </a:lnSpc>
+              <a:buFont typeface="Symbol" panose="05050102010706020507" pitchFamily="18" charset="2"/>
+              <a:buChar char=""/>
+            </a:pPr>
             <a:r>
               <a:rPr lang="ru-RU" dirty="0">
+                <a:effectLst/>
                 <a:latin typeface="Times New Roman" panose="02020603050405020304" pitchFamily="18" charset="0"/>
-                <a:cs typeface="Times New Roman" panose="02020603050405020304" pitchFamily="18" charset="0"/>
+                <a:ea typeface="Times New Roman" panose="02020603050405020304" pitchFamily="18" charset="0"/>
               </a:rPr>
-              <a:t>буфера</a:t>
+              <a:t>Группу работы с объектами сцены. Позволяет добавлять, удалять объекты, а также изменять положение добавленных объектов;</a:t>
+            </a:r>
+          </a:p>
+          <a:p>
+            <a:pPr marL="800100" lvl="1" indent="-342900" algn="just">
+              <a:lnSpc>
+                <a:spcPct val="150000"/>
+              </a:lnSpc>
+              <a:spcAft>
+                <a:spcPts val="800"/>
+              </a:spcAft>
+              <a:buFont typeface="Symbol" panose="05050102010706020507" pitchFamily="18" charset="2"/>
+              <a:buChar char=""/>
+            </a:pPr>
+            <a:r>
+              <a:rPr lang="ru-RU" dirty="0">
+                <a:effectLst/>
+                <a:latin typeface="Times New Roman" panose="02020603050405020304" pitchFamily="18" charset="0"/>
+                <a:ea typeface="Times New Roman" panose="02020603050405020304" pitchFamily="18" charset="0"/>
+              </a:rPr>
+              <a:t>Группу работы со сцены. Позволяет создавать сцену, изменять параметры текущей сцены и переместить сцену в центр преобразований.</a:t>
             </a:r>
           </a:p>
         </p:txBody>
@@ -4043,7 +5394,7 @@
     </p:spTree>
     <p:extLst>
       <p:ext uri="{BB962C8B-B14F-4D97-AF65-F5344CB8AC3E}">
-        <p14:creationId xmlns:p14="http://schemas.microsoft.com/office/powerpoint/2010/main" val="1706859455"/>
+        <p14:creationId xmlns:p14="http://schemas.microsoft.com/office/powerpoint/2010/main" val="3930141032"/>
       </p:ext>
     </p:extLst>
   </p:cSld>
@@ -4088,7 +5439,9 @@
         </p:nvSpPr>
         <p:spPr/>
         <p:txBody>
-          <a:bodyPr/>
+          <a:bodyPr>
+            <a:normAutofit fontScale="90000"/>
+          </a:bodyPr>
           <a:lstStyle/>
           <a:p>
             <a:r>
@@ -4096,15 +5449,175 @@
                 <a:latin typeface="Times New Roman" panose="02020603050405020304" pitchFamily="18" charset="0"/>
                 <a:cs typeface="Times New Roman" panose="02020603050405020304" pitchFamily="18" charset="0"/>
               </a:rPr>
-              <a:t>Пользовательский интерфейс программного обеспечения</a:t>
-            </a:r>
+              <a:t>Пользовательский интерфейс программного обеспечения: продолжение</a:t>
+            </a:r>
+          </a:p>
+        </p:txBody>
+      </p:sp>
+      <p:pic>
+        <p:nvPicPr>
+          <p:cNvPr id="7" name="Рисунок 6">
+            <a:extLst>
+              <a:ext uri="{FF2B5EF4-FFF2-40B4-BE49-F238E27FC236}">
+                <a16:creationId xmlns:a16="http://schemas.microsoft.com/office/drawing/2014/main" id="{852D8790-3FF1-4F8A-95EF-5B5EE7B6433E}"/>
+              </a:ext>
+            </a:extLst>
+          </p:cNvPr>
+          <p:cNvPicPr/>
+          <p:nvPr/>
+        </p:nvPicPr>
+        <p:blipFill>
+          <a:blip r:embed="rId2"/>
+          <a:stretch>
+            <a:fillRect/>
+          </a:stretch>
+        </p:blipFill>
+        <p:spPr>
+          <a:xfrm>
+            <a:off x="1341121" y="2976032"/>
+            <a:ext cx="3829050" cy="2667000"/>
+          </a:xfrm>
+          <a:prstGeom prst="rect">
+            <a:avLst/>
+          </a:prstGeom>
+          <a:ln w="38100" cap="sq">
+            <a:solidFill>
+              <a:srgbClr val="000000"/>
+            </a:solidFill>
+            <a:prstDash val="solid"/>
+            <a:miter lim="800000"/>
+          </a:ln>
+          <a:effectLst>
+            <a:outerShdw blurRad="50800" dist="38100" dir="2700000" algn="tl" rotWithShape="0">
+              <a:srgbClr val="000000">
+                <a:alpha val="43000"/>
+              </a:srgbClr>
+            </a:outerShdw>
+          </a:effectLst>
+        </p:spPr>
+      </p:pic>
+      <p:pic>
+        <p:nvPicPr>
+          <p:cNvPr id="11" name="Рисунок 10">
+            <a:extLst>
+              <a:ext uri="{FF2B5EF4-FFF2-40B4-BE49-F238E27FC236}">
+                <a16:creationId xmlns:a16="http://schemas.microsoft.com/office/drawing/2014/main" id="{A111DE59-A99D-40A1-AD52-E6C93060BFAF}"/>
+              </a:ext>
+            </a:extLst>
+          </p:cNvPr>
+          <p:cNvPicPr/>
+          <p:nvPr/>
+        </p:nvPicPr>
+        <p:blipFill>
+          <a:blip r:embed="rId3"/>
+          <a:stretch>
+            <a:fillRect/>
+          </a:stretch>
+        </p:blipFill>
+        <p:spPr>
+          <a:xfrm>
+            <a:off x="7021830" y="2976032"/>
+            <a:ext cx="4133850" cy="1990725"/>
+          </a:xfrm>
+          <a:prstGeom prst="rect">
+            <a:avLst/>
+          </a:prstGeom>
+          <a:ln w="38100" cap="sq">
+            <a:solidFill>
+              <a:srgbClr val="000000"/>
+            </a:solidFill>
+            <a:prstDash val="solid"/>
+            <a:miter lim="800000"/>
+          </a:ln>
+          <a:effectLst>
+            <a:outerShdw blurRad="50800" dist="38100" dir="2700000" algn="tl" rotWithShape="0">
+              <a:srgbClr val="000000">
+                <a:alpha val="43000"/>
+              </a:srgbClr>
+            </a:outerShdw>
+          </a:effectLst>
+        </p:spPr>
+      </p:pic>
+      <p:sp>
+        <p:nvSpPr>
+          <p:cNvPr id="12" name="TextBox 11">
+            <a:extLst>
+              <a:ext uri="{FF2B5EF4-FFF2-40B4-BE49-F238E27FC236}">
+                <a16:creationId xmlns:a16="http://schemas.microsoft.com/office/drawing/2014/main" id="{4DE8A48F-1A75-4F17-809A-DCF6E1B45AF3}"/>
+              </a:ext>
+            </a:extLst>
+          </p:cNvPr>
+          <p:cNvSpPr txBox="1"/>
+          <p:nvPr/>
+        </p:nvSpPr>
+        <p:spPr>
+          <a:xfrm>
+            <a:off x="1097280" y="2599601"/>
+            <a:ext cx="4754879" cy="369332"/>
+          </a:xfrm>
+          <a:prstGeom prst="rect">
+            <a:avLst/>
+          </a:prstGeom>
+          <a:noFill/>
+        </p:spPr>
+        <p:txBody>
+          <a:bodyPr wrap="square">
+            <a:spAutoFit/>
+          </a:bodyPr>
+          <a:lstStyle/>
+          <a:p>
+            <a:r>
+              <a:rPr lang="ru-RU" dirty="0">
+                <a:latin typeface="Times New Roman" panose="02020603050405020304" pitchFamily="18" charset="0"/>
+              </a:rPr>
+              <a:t>Окно выбора параметров добавляемой модели</a:t>
+            </a:r>
+            <a:endParaRPr lang="ru-RU" dirty="0"/>
+          </a:p>
+        </p:txBody>
+      </p:sp>
+      <p:sp>
+        <p:nvSpPr>
+          <p:cNvPr id="13" name="TextBox 12">
+            <a:extLst>
+              <a:ext uri="{FF2B5EF4-FFF2-40B4-BE49-F238E27FC236}">
+                <a16:creationId xmlns:a16="http://schemas.microsoft.com/office/drawing/2014/main" id="{36233016-9B03-4C46-8954-3CECAA97916D}"/>
+              </a:ext>
+            </a:extLst>
+          </p:cNvPr>
+          <p:cNvSpPr txBox="1"/>
+          <p:nvPr/>
+        </p:nvSpPr>
+        <p:spPr>
+          <a:xfrm>
+            <a:off x="7021830" y="2599601"/>
+            <a:ext cx="3590925" cy="369332"/>
+          </a:xfrm>
+          <a:prstGeom prst="rect">
+            <a:avLst/>
+          </a:prstGeom>
+          <a:noFill/>
+        </p:spPr>
+        <p:txBody>
+          <a:bodyPr wrap="square">
+            <a:spAutoFit/>
+          </a:bodyPr>
+          <a:lstStyle/>
+          <a:p>
+            <a:r>
+              <a:rPr lang="ru-RU" dirty="0">
+                <a:latin typeface="Times New Roman" panose="02020603050405020304" pitchFamily="18" charset="0"/>
+              </a:rPr>
+              <a:t>Окно изменения размеров сцены</a:t>
+            </a:r>
+            <a:endParaRPr lang="ru-RU" dirty="0"/>
           </a:p>
         </p:txBody>
       </p:sp>
     </p:spTree>
     <p:extLst>
       <p:ext uri="{BB962C8B-B14F-4D97-AF65-F5344CB8AC3E}">
-        <p14:creationId xmlns:p14="http://schemas.microsoft.com/office/powerpoint/2010/main" val="3930141032"/>
+        <p14:creationId xmlns:p14="http://schemas.microsoft.com/office/powerpoint/2010/main" val="2115249739"/>
       </p:ext>
     </p:extLst>
   </p:cSld>
@@ -4149,7 +5662,9 @@
         </p:nvSpPr>
         <p:spPr/>
         <p:txBody>
-          <a:bodyPr/>
+          <a:bodyPr>
+            <a:normAutofit fontScale="90000"/>
+          </a:bodyPr>
           <a:lstStyle/>
           <a:p>
             <a:r>
@@ -4157,15 +5672,335 @@
                 <a:latin typeface="Times New Roman" panose="02020603050405020304" pitchFamily="18" charset="0"/>
                 <a:cs typeface="Times New Roman" panose="02020603050405020304" pitchFamily="18" charset="0"/>
               </a:rPr>
-              <a:t>Пример работы программного обеспечения</a:t>
-            </a:r>
+              <a:t>Пользовательский интерфейс программного обеспечения: продолжение</a:t>
+            </a:r>
+          </a:p>
+        </p:txBody>
+      </p:sp>
+      <p:pic>
+        <p:nvPicPr>
+          <p:cNvPr id="5" name="Рисунок 4">
+            <a:extLst>
+              <a:ext uri="{FF2B5EF4-FFF2-40B4-BE49-F238E27FC236}">
+                <a16:creationId xmlns:a16="http://schemas.microsoft.com/office/drawing/2014/main" id="{32B17207-6E32-4177-B3D3-AC62618298D8}"/>
+              </a:ext>
+            </a:extLst>
+          </p:cNvPr>
+          <p:cNvPicPr/>
+          <p:nvPr/>
+        </p:nvPicPr>
+        <p:blipFill>
+          <a:blip r:embed="rId2"/>
+          <a:stretch>
+            <a:fillRect/>
+          </a:stretch>
+        </p:blipFill>
+        <p:spPr>
+          <a:xfrm>
+            <a:off x="2599317" y="2435695"/>
+            <a:ext cx="3590925" cy="1543050"/>
+          </a:xfrm>
+          <a:prstGeom prst="rect">
+            <a:avLst/>
+          </a:prstGeom>
+          <a:ln w="38100" cap="sq">
+            <a:solidFill>
+              <a:srgbClr val="000000"/>
+            </a:solidFill>
+            <a:prstDash val="solid"/>
+            <a:miter lim="800000"/>
+          </a:ln>
+          <a:effectLst>
+            <a:outerShdw blurRad="50800" dist="38100" dir="2700000" algn="tl" rotWithShape="0">
+              <a:srgbClr val="000000">
+                <a:alpha val="43000"/>
+              </a:srgbClr>
+            </a:outerShdw>
+          </a:effectLst>
+        </p:spPr>
+      </p:pic>
+      <p:pic>
+        <p:nvPicPr>
+          <p:cNvPr id="8" name="Рисунок 7">
+            <a:extLst>
+              <a:ext uri="{FF2B5EF4-FFF2-40B4-BE49-F238E27FC236}">
+                <a16:creationId xmlns:a16="http://schemas.microsoft.com/office/drawing/2014/main" id="{D7DF9961-DA68-4F46-8B68-E7FDA141DBE8}"/>
+              </a:ext>
+            </a:extLst>
+          </p:cNvPr>
+          <p:cNvPicPr/>
+          <p:nvPr/>
+        </p:nvPicPr>
+        <p:blipFill>
+          <a:blip r:embed="rId3"/>
+          <a:stretch>
+            <a:fillRect/>
+          </a:stretch>
+        </p:blipFill>
+        <p:spPr>
+          <a:xfrm>
+            <a:off x="2599317" y="4535727"/>
+            <a:ext cx="3705225" cy="1352550"/>
+          </a:xfrm>
+          <a:prstGeom prst="rect">
+            <a:avLst/>
+          </a:prstGeom>
+          <a:ln w="38100" cap="sq">
+            <a:solidFill>
+              <a:srgbClr val="000000"/>
+            </a:solidFill>
+            <a:prstDash val="solid"/>
+            <a:miter lim="800000"/>
+          </a:ln>
+          <a:effectLst>
+            <a:outerShdw blurRad="50800" dist="38100" dir="2700000" algn="tl" rotWithShape="0">
+              <a:srgbClr val="000000">
+                <a:alpha val="43000"/>
+              </a:srgbClr>
+            </a:outerShdw>
+          </a:effectLst>
+        </p:spPr>
+      </p:pic>
+      <p:pic>
+        <p:nvPicPr>
+          <p:cNvPr id="9" name="Рисунок 8">
+            <a:extLst>
+              <a:ext uri="{FF2B5EF4-FFF2-40B4-BE49-F238E27FC236}">
+                <a16:creationId xmlns:a16="http://schemas.microsoft.com/office/drawing/2014/main" id="{1FD897D7-ACB3-48B4-96AF-8B5873AE7B32}"/>
+              </a:ext>
+            </a:extLst>
+          </p:cNvPr>
+          <p:cNvPicPr/>
+          <p:nvPr/>
+        </p:nvPicPr>
+        <p:blipFill>
+          <a:blip r:embed="rId4"/>
+          <a:stretch>
+            <a:fillRect/>
+          </a:stretch>
+        </p:blipFill>
+        <p:spPr>
+          <a:xfrm>
+            <a:off x="8904551" y="1981144"/>
+            <a:ext cx="2476500" cy="2055968"/>
+          </a:xfrm>
+          <a:prstGeom prst="rect">
+            <a:avLst/>
+          </a:prstGeom>
+          <a:ln w="38100" cap="sq">
+            <a:solidFill>
+              <a:srgbClr val="000000"/>
+            </a:solidFill>
+            <a:prstDash val="solid"/>
+            <a:miter lim="800000"/>
+          </a:ln>
+          <a:effectLst>
+            <a:outerShdw blurRad="50800" dist="38100" dir="2700000" algn="tl" rotWithShape="0">
+              <a:srgbClr val="000000">
+                <a:alpha val="43000"/>
+              </a:srgbClr>
+            </a:outerShdw>
+          </a:effectLst>
+        </p:spPr>
+      </p:pic>
+      <p:pic>
+        <p:nvPicPr>
+          <p:cNvPr id="10" name="Рисунок 9">
+            <a:extLst>
+              <a:ext uri="{FF2B5EF4-FFF2-40B4-BE49-F238E27FC236}">
+                <a16:creationId xmlns:a16="http://schemas.microsoft.com/office/drawing/2014/main" id="{24ECB6D8-AD7A-486F-9368-1DB5E4D5E9DF}"/>
+              </a:ext>
+            </a:extLst>
+          </p:cNvPr>
+          <p:cNvPicPr/>
+          <p:nvPr/>
+        </p:nvPicPr>
+        <p:blipFill>
+          <a:blip r:embed="rId5"/>
+          <a:stretch>
+            <a:fillRect/>
+          </a:stretch>
+        </p:blipFill>
+        <p:spPr>
+          <a:xfrm>
+            <a:off x="9023614" y="4542547"/>
+            <a:ext cx="2238375" cy="1352550"/>
+          </a:xfrm>
+          <a:prstGeom prst="rect">
+            <a:avLst/>
+          </a:prstGeom>
+          <a:ln w="38100" cap="sq">
+            <a:solidFill>
+              <a:srgbClr val="000000"/>
+            </a:solidFill>
+            <a:prstDash val="solid"/>
+            <a:miter lim="800000"/>
+          </a:ln>
+          <a:effectLst>
+            <a:outerShdw blurRad="50800" dist="38100" dir="2700000" algn="tl" rotWithShape="0">
+              <a:srgbClr val="000000">
+                <a:alpha val="43000"/>
+              </a:srgbClr>
+            </a:outerShdw>
+          </a:effectLst>
+        </p:spPr>
+      </p:pic>
+      <p:sp>
+        <p:nvSpPr>
+          <p:cNvPr id="12" name="TextBox 11">
+            <a:extLst>
+              <a:ext uri="{FF2B5EF4-FFF2-40B4-BE49-F238E27FC236}">
+                <a16:creationId xmlns:a16="http://schemas.microsoft.com/office/drawing/2014/main" id="{EA8A7B70-3A1F-439B-9084-C57F9EAF1238}"/>
+              </a:ext>
+            </a:extLst>
+          </p:cNvPr>
+          <p:cNvSpPr txBox="1"/>
+          <p:nvPr/>
+        </p:nvSpPr>
+        <p:spPr>
+          <a:xfrm>
+            <a:off x="734748" y="2845999"/>
+            <a:ext cx="1745985" cy="646331"/>
+          </a:xfrm>
+          <a:prstGeom prst="rect">
+            <a:avLst/>
+          </a:prstGeom>
+          <a:noFill/>
+        </p:spPr>
+        <p:txBody>
+          <a:bodyPr wrap="square">
+            <a:spAutoFit/>
+          </a:bodyPr>
+          <a:lstStyle/>
+          <a:p>
+            <a:r>
+              <a:rPr lang="ru-RU" dirty="0">
+                <a:latin typeface="Times New Roman" panose="02020603050405020304" pitchFamily="18" charset="0"/>
+              </a:rPr>
+              <a:t>Окно выбора размера сцены</a:t>
+            </a:r>
+            <a:endParaRPr lang="ru-RU" dirty="0"/>
+          </a:p>
+        </p:txBody>
+      </p:sp>
+      <p:sp>
+        <p:nvSpPr>
+          <p:cNvPr id="13" name="TextBox 12">
+            <a:extLst>
+              <a:ext uri="{FF2B5EF4-FFF2-40B4-BE49-F238E27FC236}">
+                <a16:creationId xmlns:a16="http://schemas.microsoft.com/office/drawing/2014/main" id="{E4AD3FEB-0F5F-488E-9A37-94179AFD9A6B}"/>
+              </a:ext>
+            </a:extLst>
+          </p:cNvPr>
+          <p:cNvSpPr txBox="1"/>
+          <p:nvPr/>
+        </p:nvSpPr>
+        <p:spPr>
+          <a:xfrm>
+            <a:off x="642906" y="4757157"/>
+            <a:ext cx="1814940" cy="923330"/>
+          </a:xfrm>
+          <a:prstGeom prst="rect">
+            <a:avLst/>
+          </a:prstGeom>
+          <a:noFill/>
+        </p:spPr>
+        <p:txBody>
+          <a:bodyPr wrap="square">
+            <a:spAutoFit/>
+          </a:bodyPr>
+          <a:lstStyle/>
+          <a:p>
+            <a:r>
+              <a:rPr lang="ru-RU" dirty="0">
+                <a:latin typeface="Times New Roman" panose="02020603050405020304" pitchFamily="18" charset="0"/>
+              </a:rPr>
+              <a:t>Окно выбора параметров источника света</a:t>
+            </a:r>
+            <a:endParaRPr lang="ru-RU" dirty="0"/>
+          </a:p>
+        </p:txBody>
+      </p:sp>
+      <p:sp>
+        <p:nvSpPr>
+          <p:cNvPr id="14" name="TextBox 13">
+            <a:extLst>
+              <a:ext uri="{FF2B5EF4-FFF2-40B4-BE49-F238E27FC236}">
+                <a16:creationId xmlns:a16="http://schemas.microsoft.com/office/drawing/2014/main" id="{8A879EAA-EA39-45DF-B9FF-48B47EE97CAF}"/>
+              </a:ext>
+            </a:extLst>
+          </p:cNvPr>
+          <p:cNvSpPr txBox="1"/>
+          <p:nvPr/>
+        </p:nvSpPr>
+        <p:spPr>
+          <a:xfrm>
+            <a:off x="6925732" y="2824462"/>
+            <a:ext cx="1881455" cy="646331"/>
+          </a:xfrm>
+          <a:prstGeom prst="rect">
+            <a:avLst/>
+          </a:prstGeom>
+          <a:noFill/>
+        </p:spPr>
+        <p:txBody>
+          <a:bodyPr wrap="square">
+            <a:spAutoFit/>
+          </a:bodyPr>
+          <a:lstStyle/>
+          <a:p>
+            <a:r>
+              <a:rPr lang="ru-RU" dirty="0">
+                <a:latin typeface="Times New Roman" panose="02020603050405020304" pitchFamily="18" charset="0"/>
+              </a:rPr>
+              <a:t>Окно изменения объектов сцены</a:t>
+            </a:r>
+            <a:endParaRPr lang="ru-RU" dirty="0"/>
+          </a:p>
+        </p:txBody>
+      </p:sp>
+      <p:sp>
+        <p:nvSpPr>
+          <p:cNvPr id="15" name="TextBox 14">
+            <a:extLst>
+              <a:ext uri="{FF2B5EF4-FFF2-40B4-BE49-F238E27FC236}">
+                <a16:creationId xmlns:a16="http://schemas.microsoft.com/office/drawing/2014/main" id="{5DB6724D-DB80-4425-99F2-507257D27066}"/>
+              </a:ext>
+            </a:extLst>
+          </p:cNvPr>
+          <p:cNvSpPr txBox="1"/>
+          <p:nvPr/>
+        </p:nvSpPr>
+        <p:spPr>
+          <a:xfrm>
+            <a:off x="6925732" y="4870936"/>
+            <a:ext cx="2097882" cy="923330"/>
+          </a:xfrm>
+          <a:prstGeom prst="rect">
+            <a:avLst/>
+          </a:prstGeom>
+          <a:noFill/>
+        </p:spPr>
+        <p:txBody>
+          <a:bodyPr wrap="square">
+            <a:spAutoFit/>
+          </a:bodyPr>
+          <a:lstStyle/>
+          <a:p>
+            <a:r>
+              <a:rPr lang="ru-RU" dirty="0">
+                <a:latin typeface="Times New Roman" panose="02020603050405020304" pitchFamily="18" charset="0"/>
+              </a:rPr>
+              <a:t>Окно задания нового положения на сцене модели</a:t>
+            </a:r>
+            <a:endParaRPr lang="ru-RU" dirty="0"/>
           </a:p>
         </p:txBody>
       </p:sp>
     </p:spTree>
     <p:extLst>
       <p:ext uri="{BB962C8B-B14F-4D97-AF65-F5344CB8AC3E}">
-        <p14:creationId xmlns:p14="http://schemas.microsoft.com/office/powerpoint/2010/main" val="2350258733"/>
+        <p14:creationId xmlns:p14="http://schemas.microsoft.com/office/powerpoint/2010/main" val="814262044"/>
       </p:ext>
     </p:extLst>
   </p:cSld>
@@ -4218,15 +6053,57 @@
                 <a:latin typeface="Times New Roman" panose="02020603050405020304" pitchFamily="18" charset="0"/>
                 <a:cs typeface="Times New Roman" panose="02020603050405020304" pitchFamily="18" charset="0"/>
               </a:rPr>
-              <a:t>Продолжение: пример работы программного обеспечения</a:t>
+              <a:t>Пример работы программного обеспечения</a:t>
             </a:r>
           </a:p>
         </p:txBody>
       </p:sp>
+      <p:pic>
+        <p:nvPicPr>
+          <p:cNvPr id="3" name="Рисунок 2">
+            <a:extLst>
+              <a:ext uri="{FF2B5EF4-FFF2-40B4-BE49-F238E27FC236}">
+                <a16:creationId xmlns:a16="http://schemas.microsoft.com/office/drawing/2014/main" id="{5895DE1B-BBDB-4D17-9BAA-E800F1BF45E8}"/>
+              </a:ext>
+            </a:extLst>
+          </p:cNvPr>
+          <p:cNvPicPr/>
+          <p:nvPr/>
+        </p:nvPicPr>
+        <p:blipFill>
+          <a:blip r:embed="rId2"/>
+          <a:stretch>
+            <a:fillRect/>
+          </a:stretch>
+        </p:blipFill>
+        <p:spPr>
+          <a:xfrm>
+            <a:off x="2316321" y="1854728"/>
+            <a:ext cx="7559357" cy="4351338"/>
+          </a:xfrm>
+          <a:prstGeom prst="rect">
+            <a:avLst/>
+          </a:prstGeom>
+          <a:ln w="38100" cap="sq">
+            <a:solidFill>
+              <a:srgbClr val="000000"/>
+            </a:solidFill>
+            <a:prstDash val="solid"/>
+            <a:miter lim="800000"/>
+          </a:ln>
+          <a:effectLst>
+            <a:outerShdw blurRad="50800" dist="38100" dir="2700000" algn="tl" rotWithShape="0">
+              <a:srgbClr val="000000">
+                <a:alpha val="43000"/>
+              </a:srgbClr>
+            </a:outerShdw>
+          </a:effectLst>
+        </p:spPr>
+      </p:pic>
     </p:spTree>
     <p:extLst>
       <p:ext uri="{BB962C8B-B14F-4D97-AF65-F5344CB8AC3E}">
-        <p14:creationId xmlns:p14="http://schemas.microsoft.com/office/powerpoint/2010/main" val="2863434620"/>
+        <p14:creationId xmlns:p14="http://schemas.microsoft.com/office/powerpoint/2010/main" val="2350258733"/>
       </p:ext>
     </p:extLst>
   </p:cSld>
@@ -4279,15 +6156,57 @@
                 <a:latin typeface="Times New Roman" panose="02020603050405020304" pitchFamily="18" charset="0"/>
                 <a:cs typeface="Times New Roman" panose="02020603050405020304" pitchFamily="18" charset="0"/>
               </a:rPr>
-              <a:t>Эксперимент</a:t>
+              <a:t>Пример работы программного обеспечения: продолжение</a:t>
             </a:r>
           </a:p>
         </p:txBody>
       </p:sp>
+      <p:pic>
+        <p:nvPicPr>
+          <p:cNvPr id="7" name="Рисунок 6">
+            <a:extLst>
+              <a:ext uri="{FF2B5EF4-FFF2-40B4-BE49-F238E27FC236}">
+                <a16:creationId xmlns:a16="http://schemas.microsoft.com/office/drawing/2014/main" id="{5D2ED8C7-A7B5-4CEC-9B07-F3578BF29F7B}"/>
+              </a:ext>
+            </a:extLst>
+          </p:cNvPr>
+          <p:cNvPicPr/>
+          <p:nvPr/>
+        </p:nvPicPr>
+        <p:blipFill>
+          <a:blip r:embed="rId2"/>
+          <a:stretch>
+            <a:fillRect/>
+          </a:stretch>
+        </p:blipFill>
+        <p:spPr>
+          <a:xfrm>
+            <a:off x="2316320" y="1854727"/>
+            <a:ext cx="7559357" cy="4351337"/>
+          </a:xfrm>
+          <a:prstGeom prst="rect">
+            <a:avLst/>
+          </a:prstGeom>
+          <a:ln w="38100" cap="sq">
+            <a:solidFill>
+              <a:srgbClr val="000000"/>
+            </a:solidFill>
+            <a:prstDash val="solid"/>
+            <a:miter lim="800000"/>
+          </a:ln>
+          <a:effectLst>
+            <a:outerShdw blurRad="50800" dist="38100" dir="2700000" algn="tl" rotWithShape="0">
+              <a:srgbClr val="000000">
+                <a:alpha val="43000"/>
+              </a:srgbClr>
+            </a:outerShdw>
+          </a:effectLst>
+        </p:spPr>
+      </p:pic>
     </p:spTree>
     <p:extLst>
       <p:ext uri="{BB962C8B-B14F-4D97-AF65-F5344CB8AC3E}">
-        <p14:creationId xmlns:p14="http://schemas.microsoft.com/office/powerpoint/2010/main" val="1032473972"/>
+        <p14:creationId xmlns:p14="http://schemas.microsoft.com/office/powerpoint/2010/main" val="2863434620"/>
       </p:ext>
     </p:extLst>
   </p:cSld>
@@ -4316,10 +6235,10 @@
       </p:grpSpPr>
       <p:sp>
         <p:nvSpPr>
-          <p:cNvPr id="3" name="Подзаголовок 2">
+          <p:cNvPr id="2" name="Заголовок 1">
             <a:extLst>
               <a:ext uri="{FF2B5EF4-FFF2-40B4-BE49-F238E27FC236}">
-                <a16:creationId xmlns:a16="http://schemas.microsoft.com/office/drawing/2014/main" id="{80F993F9-C007-4FA4-8772-737352F7B346}"/>
+                <a16:creationId xmlns:a16="http://schemas.microsoft.com/office/drawing/2014/main" id="{70DA9C02-F807-4672-B786-210812D74F7C}"/>
               </a:ext>
             </a:extLst>
           </p:cNvPr>
@@ -4327,41 +6246,1769 @@
             <a:spLocks noGrp="1"/>
           </p:cNvSpPr>
           <p:nvPr>
-            <p:ph type="subTitle" idx="1"/>
+            <p:ph type="title"/>
           </p:nvPr>
         </p:nvSpPr>
         <p:spPr/>
         <p:txBody>
-          <a:bodyPr>
-            <a:normAutofit fontScale="85000" lnSpcReduction="20000"/>
-          </a:bodyPr>
+          <a:bodyPr/>
           <a:lstStyle/>
           <a:p>
-            <a:pPr algn="ctr"/>
             <a:r>
               <a:rPr lang="ru-RU" dirty="0">
                 <a:latin typeface="Times New Roman" panose="02020603050405020304" pitchFamily="18" charset="0"/>
                 <a:cs typeface="Times New Roman" panose="02020603050405020304" pitchFamily="18" charset="0"/>
               </a:rPr>
-              <a:t>московский государственный технический университет имени н.э. Баумана (национальный исследовательский университет)</a:t>
-            </a:r>
-          </a:p>
-          <a:p>
-            <a:pPr algn="ctr"/>
+              <a:t>Пример работы программного обеспечения: продолжение</a:t>
+            </a:r>
+          </a:p>
+        </p:txBody>
+      </p:sp>
+      <p:pic>
+        <p:nvPicPr>
+          <p:cNvPr id="5" name="Рисунок 4">
+            <a:extLst>
+              <a:ext uri="{FF2B5EF4-FFF2-40B4-BE49-F238E27FC236}">
+                <a16:creationId xmlns:a16="http://schemas.microsoft.com/office/drawing/2014/main" id="{6E6EEBFE-CB75-4E2A-B9CB-0D24DB4108DC}"/>
+              </a:ext>
+            </a:extLst>
+          </p:cNvPr>
+          <p:cNvPicPr/>
+          <p:nvPr/>
+        </p:nvPicPr>
+        <p:blipFill>
+          <a:blip r:embed="rId2"/>
+          <a:stretch>
+            <a:fillRect/>
+          </a:stretch>
+        </p:blipFill>
+        <p:spPr>
+          <a:xfrm>
+            <a:off x="2316319" y="1854726"/>
+            <a:ext cx="7559357" cy="4351337"/>
+          </a:xfrm>
+          <a:prstGeom prst="rect">
+            <a:avLst/>
+          </a:prstGeom>
+          <a:ln w="38100" cap="sq">
+            <a:solidFill>
+              <a:srgbClr val="000000"/>
+            </a:solidFill>
+            <a:prstDash val="solid"/>
+            <a:miter lim="800000"/>
+          </a:ln>
+          <a:effectLst>
+            <a:outerShdw blurRad="50800" dist="38100" dir="2700000" algn="tl" rotWithShape="0">
+              <a:srgbClr val="000000">
+                <a:alpha val="43000"/>
+              </a:srgbClr>
+            </a:outerShdw>
+          </a:effectLst>
+        </p:spPr>
+      </p:pic>
+    </p:spTree>
+    <p:extLst>
+      <p:ext uri="{BB962C8B-B14F-4D97-AF65-F5344CB8AC3E}">
+        <p14:creationId xmlns:p14="http://schemas.microsoft.com/office/powerpoint/2010/main" val="303913483"/>
+      </p:ext>
+    </p:extLst>
+  </p:cSld>
+  <p:clrMapOvr>
+    <a:masterClrMapping/>
+  </p:clrMapOvr>
+</p:sld>
+</file>
+
+<file path=ppt/slides/slide17.xml><?xml version="1.0" encoding="utf-8"?>
+<p:sld xmlns:a="http://schemas.openxmlformats.org/drawingml/2006/main" xmlns:r="http://schemas.openxmlformats.org/officeDocument/2006/relationships" xmlns:p="http://schemas.openxmlformats.org/presentationml/2006/main">
+  <p:cSld>
+    <p:spTree>
+      <p:nvGrpSpPr>
+        <p:cNvPr id="1" name=""/>
+        <p:cNvGrpSpPr/>
+        <p:nvPr/>
+      </p:nvGrpSpPr>
+      <p:grpSpPr>
+        <a:xfrm>
+          <a:off x="0" y="0"/>
+          <a:ext cx="0" cy="0"/>
+          <a:chOff x="0" y="0"/>
+          <a:chExt cx="0" cy="0"/>
+        </a:xfrm>
+      </p:grpSpPr>
+      <p:sp>
+        <p:nvSpPr>
+          <p:cNvPr id="2" name="Заголовок 1">
+            <a:extLst>
+              <a:ext uri="{FF2B5EF4-FFF2-40B4-BE49-F238E27FC236}">
+                <a16:creationId xmlns:a16="http://schemas.microsoft.com/office/drawing/2014/main" id="{70DA9C02-F807-4672-B786-210812D74F7C}"/>
+              </a:ext>
+            </a:extLst>
+          </p:cNvPr>
+          <p:cNvSpPr>
+            <a:spLocks noGrp="1"/>
+          </p:cNvSpPr>
+          <p:nvPr>
+            <p:ph type="title"/>
+          </p:nvPr>
+        </p:nvSpPr>
+        <p:spPr/>
+        <p:txBody>
+          <a:bodyPr/>
+          <a:lstStyle/>
+          <a:p>
             <a:r>
               <a:rPr lang="ru-RU" dirty="0">
                 <a:latin typeface="Times New Roman" panose="02020603050405020304" pitchFamily="18" charset="0"/>
                 <a:cs typeface="Times New Roman" panose="02020603050405020304" pitchFamily="18" charset="0"/>
               </a:rPr>
-              <a:t>Москва, 2020 год</a:t>
-            </a:r>
+              <a:t>Пример работы программного обеспечения: продолжение</a:t>
+            </a:r>
+          </a:p>
+        </p:txBody>
+      </p:sp>
+      <p:pic>
+        <p:nvPicPr>
+          <p:cNvPr id="6" name="Рисунок 5">
+            <a:extLst>
+              <a:ext uri="{FF2B5EF4-FFF2-40B4-BE49-F238E27FC236}">
+                <a16:creationId xmlns:a16="http://schemas.microsoft.com/office/drawing/2014/main" id="{FA6A41E8-1B2C-46A2-AD1D-2520A9F01A27}"/>
+              </a:ext>
+            </a:extLst>
+          </p:cNvPr>
+          <p:cNvPicPr/>
+          <p:nvPr/>
+        </p:nvPicPr>
+        <p:blipFill>
+          <a:blip r:embed="rId2"/>
+          <a:stretch>
+            <a:fillRect/>
+          </a:stretch>
+        </p:blipFill>
+        <p:spPr>
+          <a:xfrm>
+            <a:off x="2316319" y="1854726"/>
+            <a:ext cx="7559357" cy="4351337"/>
+          </a:xfrm>
+          <a:prstGeom prst="rect">
+            <a:avLst/>
+          </a:prstGeom>
+          <a:ln w="38100" cap="sq">
+            <a:solidFill>
+              <a:srgbClr val="000000"/>
+            </a:solidFill>
+            <a:prstDash val="solid"/>
+            <a:miter lim="800000"/>
+          </a:ln>
+          <a:effectLst>
+            <a:outerShdw blurRad="50800" dist="38100" dir="2700000" algn="tl" rotWithShape="0">
+              <a:srgbClr val="000000">
+                <a:alpha val="43000"/>
+              </a:srgbClr>
+            </a:outerShdw>
+          </a:effectLst>
+        </p:spPr>
+      </p:pic>
+    </p:spTree>
+    <p:extLst>
+      <p:ext uri="{BB962C8B-B14F-4D97-AF65-F5344CB8AC3E}">
+        <p14:creationId xmlns:p14="http://schemas.microsoft.com/office/powerpoint/2010/main" val="478545302"/>
+      </p:ext>
+    </p:extLst>
+  </p:cSld>
+  <p:clrMapOvr>
+    <a:masterClrMapping/>
+  </p:clrMapOvr>
+</p:sld>
+</file>
+
+<file path=ppt/slides/slide18.xml><?xml version="1.0" encoding="utf-8"?>
+<p:sld xmlns:a="http://schemas.openxmlformats.org/drawingml/2006/main" xmlns:r="http://schemas.openxmlformats.org/officeDocument/2006/relationships" xmlns:p="http://schemas.openxmlformats.org/presentationml/2006/main">
+  <p:cSld>
+    <p:spTree>
+      <p:nvGrpSpPr>
+        <p:cNvPr id="1" name=""/>
+        <p:cNvGrpSpPr/>
+        <p:nvPr/>
+      </p:nvGrpSpPr>
+      <p:grpSpPr>
+        <a:xfrm>
+          <a:off x="0" y="0"/>
+          <a:ext cx="0" cy="0"/>
+          <a:chOff x="0" y="0"/>
+          <a:chExt cx="0" cy="0"/>
+        </a:xfrm>
+      </p:grpSpPr>
+      <p:sp>
+        <p:nvSpPr>
+          <p:cNvPr id="2" name="Заголовок 1">
+            <a:extLst>
+              <a:ext uri="{FF2B5EF4-FFF2-40B4-BE49-F238E27FC236}">
+                <a16:creationId xmlns:a16="http://schemas.microsoft.com/office/drawing/2014/main" id="{70DA9C02-F807-4672-B786-210812D74F7C}"/>
+              </a:ext>
+            </a:extLst>
+          </p:cNvPr>
+          <p:cNvSpPr>
+            <a:spLocks noGrp="1"/>
+          </p:cNvSpPr>
+          <p:nvPr>
+            <p:ph type="title"/>
+          </p:nvPr>
+        </p:nvSpPr>
+        <p:spPr/>
+        <p:txBody>
+          <a:bodyPr/>
+          <a:lstStyle/>
+          <a:p>
+            <a:r>
+              <a:rPr lang="ru-RU" dirty="0">
+                <a:latin typeface="Times New Roman" panose="02020603050405020304" pitchFamily="18" charset="0"/>
+                <a:cs typeface="Times New Roman" panose="02020603050405020304" pitchFamily="18" charset="0"/>
+              </a:rPr>
+              <a:t>Эксперимент</a:t>
+            </a:r>
+          </a:p>
+        </p:txBody>
+      </p:sp>
+      <p:graphicFrame>
+        <p:nvGraphicFramePr>
+          <p:cNvPr id="3" name="Таблица 2">
+            <a:extLst>
+              <a:ext uri="{FF2B5EF4-FFF2-40B4-BE49-F238E27FC236}">
+                <a16:creationId xmlns:a16="http://schemas.microsoft.com/office/drawing/2014/main" id="{F08445A4-B714-4146-A15A-A8728650065F}"/>
+              </a:ext>
+            </a:extLst>
+          </p:cNvPr>
+          <p:cNvGraphicFramePr>
+            <a:graphicFrameLocks noGrp="1"/>
+          </p:cNvGraphicFramePr>
+          <p:nvPr>
+            <p:extLst>
+              <p:ext uri="{D42A27DB-BD31-4B8C-83A1-F6EECF244321}">
+                <p14:modId xmlns:p14="http://schemas.microsoft.com/office/powerpoint/2010/main" val="2814602458"/>
+              </p:ext>
+            </p:extLst>
+          </p:nvPr>
+        </p:nvGraphicFramePr>
+        <p:xfrm>
+          <a:off x="736600" y="1973263"/>
+          <a:ext cx="5208354" cy="4043493"/>
+        </p:xfrm>
+        <a:graphic>
+          <a:graphicData uri="http://schemas.openxmlformats.org/drawingml/2006/table">
+            <a:tbl>
+              <a:tblPr firstRow="1" firstCol="1" bandRow="1">
+                <a:tableStyleId>{5C22544A-7EE6-4342-B048-85BDC9FD1C3A}</a:tableStyleId>
+              </a:tblPr>
+              <a:tblGrid>
+                <a:gridCol w="1971795">
+                  <a:extLst>
+                    <a:ext uri="{9D8B030D-6E8A-4147-A177-3AD203B41FA5}">
+                      <a16:colId xmlns:a16="http://schemas.microsoft.com/office/drawing/2014/main" val="1918232538"/>
+                    </a:ext>
+                  </a:extLst>
+                </a:gridCol>
+                <a:gridCol w="1802476">
+                  <a:extLst>
+                    <a:ext uri="{9D8B030D-6E8A-4147-A177-3AD203B41FA5}">
+                      <a16:colId xmlns:a16="http://schemas.microsoft.com/office/drawing/2014/main" val="1642061310"/>
+                    </a:ext>
+                  </a:extLst>
+                </a:gridCol>
+                <a:gridCol w="1434083">
+                  <a:extLst>
+                    <a:ext uri="{9D8B030D-6E8A-4147-A177-3AD203B41FA5}">
+                      <a16:colId xmlns:a16="http://schemas.microsoft.com/office/drawing/2014/main" val="2434033235"/>
+                    </a:ext>
+                  </a:extLst>
+                </a:gridCol>
+              </a:tblGrid>
+              <a:tr h="1347976">
+                <a:tc>
+                  <a:txBody>
+                    <a:bodyPr/>
+                    <a:lstStyle/>
+                    <a:p>
+                      <a:pPr indent="450215" algn="ctr">
+                        <a:lnSpc>
+                          <a:spcPct val="150000"/>
+                        </a:lnSpc>
+                        <a:spcAft>
+                          <a:spcPts val="800"/>
+                        </a:spcAft>
+                      </a:pPr>
+                      <a:r>
+                        <a:rPr lang="ru-RU" sz="1200" dirty="0">
+                          <a:effectLst/>
+                        </a:rPr>
+                        <a:t>Размеры плоскости</a:t>
+                      </a:r>
+                      <a:endParaRPr lang="ru-RU" sz="1200" dirty="0">
+                        <a:effectLst/>
+                        <a:latin typeface="Times New Roman" panose="02020603050405020304" pitchFamily="18" charset="0"/>
+                        <a:ea typeface="Times New Roman" panose="02020603050405020304" pitchFamily="18" charset="0"/>
+                        <a:cs typeface="Times New Roman" panose="02020603050405020304" pitchFamily="18" charset="0"/>
+                      </a:endParaRPr>
+                    </a:p>
+                  </a:txBody>
+                  <a:tcPr marL="59187" marR="59187" marT="0" marB="0"/>
+                </a:tc>
+                <a:tc>
+                  <a:txBody>
+                    <a:bodyPr/>
+                    <a:lstStyle/>
+                    <a:p>
+                      <a:pPr indent="450215" algn="ctr">
+                        <a:lnSpc>
+                          <a:spcPct val="150000"/>
+                        </a:lnSpc>
+                        <a:spcAft>
+                          <a:spcPts val="800"/>
+                        </a:spcAft>
+                      </a:pPr>
+                      <a:r>
+                        <a:rPr lang="ru-RU" sz="1200" dirty="0">
+                          <a:effectLst/>
+                        </a:rPr>
+                        <a:t>Время выполнения без использования директив </a:t>
+                      </a:r>
+                      <a:r>
+                        <a:rPr lang="en-US" sz="1200" dirty="0">
+                          <a:effectLst/>
+                        </a:rPr>
+                        <a:t>OpenMP</a:t>
+                      </a:r>
+                      <a:r>
+                        <a:rPr lang="ru-RU" sz="1200" dirty="0">
+                          <a:effectLst/>
+                        </a:rPr>
+                        <a:t>, </a:t>
+                      </a:r>
+                      <a:r>
+                        <a:rPr lang="ru-RU" sz="1200" dirty="0" err="1">
+                          <a:effectLst/>
+                        </a:rPr>
+                        <a:t>нс</a:t>
+                      </a:r>
+                      <a:endParaRPr lang="ru-RU" sz="1200" dirty="0">
+                        <a:effectLst/>
+                        <a:latin typeface="Times New Roman" panose="02020603050405020304" pitchFamily="18" charset="0"/>
+                        <a:ea typeface="Times New Roman" panose="02020603050405020304" pitchFamily="18" charset="0"/>
+                        <a:cs typeface="Times New Roman" panose="02020603050405020304" pitchFamily="18" charset="0"/>
+                      </a:endParaRPr>
+                    </a:p>
+                  </a:txBody>
+                  <a:tcPr marL="59187" marR="59187" marT="0" marB="0"/>
+                </a:tc>
+                <a:tc>
+                  <a:txBody>
+                    <a:bodyPr/>
+                    <a:lstStyle/>
+                    <a:p>
+                      <a:pPr indent="450215" algn="ctr">
+                        <a:lnSpc>
+                          <a:spcPct val="150000"/>
+                        </a:lnSpc>
+                        <a:spcAft>
+                          <a:spcPts val="800"/>
+                        </a:spcAft>
+                      </a:pPr>
+                      <a:r>
+                        <a:rPr lang="ru-RU" sz="1200">
+                          <a:effectLst/>
+                        </a:rPr>
+                        <a:t>Время выполнения с использованием директив </a:t>
+                      </a:r>
+                      <a:r>
+                        <a:rPr lang="en-US" sz="1200">
+                          <a:effectLst/>
+                        </a:rPr>
+                        <a:t>OpenMP</a:t>
+                      </a:r>
+                      <a:r>
+                        <a:rPr lang="ru-RU" sz="1200">
+                          <a:effectLst/>
+                        </a:rPr>
+                        <a:t>, нс</a:t>
+                      </a:r>
+                      <a:endParaRPr lang="ru-RU" sz="1200">
+                        <a:effectLst/>
+                        <a:latin typeface="Times New Roman" panose="02020603050405020304" pitchFamily="18" charset="0"/>
+                        <a:ea typeface="Times New Roman" panose="02020603050405020304" pitchFamily="18" charset="0"/>
+                        <a:cs typeface="Times New Roman" panose="02020603050405020304" pitchFamily="18" charset="0"/>
+                      </a:endParaRPr>
+                    </a:p>
+                  </a:txBody>
+                  <a:tcPr marL="59187" marR="59187" marT="0" marB="0"/>
+                </a:tc>
+                <a:extLst>
+                  <a:ext uri="{0D108BD9-81ED-4DB2-BD59-A6C34878D82A}">
+                    <a16:rowId xmlns:a16="http://schemas.microsoft.com/office/drawing/2014/main" val="2266965875"/>
+                  </a:ext>
+                </a:extLst>
+              </a:tr>
+              <a:tr h="243159">
+                <a:tc>
+                  <a:txBody>
+                    <a:bodyPr/>
+                    <a:lstStyle/>
+                    <a:p>
+                      <a:pPr indent="450215" algn="ctr">
+                        <a:lnSpc>
+                          <a:spcPct val="150000"/>
+                        </a:lnSpc>
+                        <a:spcAft>
+                          <a:spcPts val="800"/>
+                        </a:spcAft>
+                      </a:pPr>
+                      <a:r>
+                        <a:rPr lang="ru-RU" sz="1200">
+                          <a:effectLst/>
+                        </a:rPr>
+                        <a:t>1</a:t>
+                      </a:r>
+                      <a:r>
+                        <a:rPr lang="en-US" sz="1200">
+                          <a:effectLst/>
+                        </a:rPr>
+                        <a:t>x1</a:t>
+                      </a:r>
+                      <a:endParaRPr lang="ru-RU" sz="1200">
+                        <a:effectLst/>
+                        <a:latin typeface="Times New Roman" panose="02020603050405020304" pitchFamily="18" charset="0"/>
+                        <a:ea typeface="Times New Roman" panose="02020603050405020304" pitchFamily="18" charset="0"/>
+                        <a:cs typeface="Times New Roman" panose="02020603050405020304" pitchFamily="18" charset="0"/>
+                      </a:endParaRPr>
+                    </a:p>
+                  </a:txBody>
+                  <a:tcPr marL="59187" marR="59187" marT="0" marB="0"/>
+                </a:tc>
+                <a:tc>
+                  <a:txBody>
+                    <a:bodyPr/>
+                    <a:lstStyle/>
+                    <a:p>
+                      <a:pPr indent="450215" algn="ctr">
+                        <a:lnSpc>
+                          <a:spcPct val="150000"/>
+                        </a:lnSpc>
+                        <a:spcAft>
+                          <a:spcPts val="800"/>
+                        </a:spcAft>
+                      </a:pPr>
+                      <a:r>
+                        <a:rPr lang="ru-RU" sz="1200" dirty="0">
+                          <a:effectLst/>
+                        </a:rPr>
+                        <a:t>11 487 080</a:t>
+                      </a:r>
+                      <a:endParaRPr lang="ru-RU" sz="1200" dirty="0">
+                        <a:effectLst/>
+                        <a:latin typeface="Times New Roman" panose="02020603050405020304" pitchFamily="18" charset="0"/>
+                        <a:ea typeface="Times New Roman" panose="02020603050405020304" pitchFamily="18" charset="0"/>
+                        <a:cs typeface="Times New Roman" panose="02020603050405020304" pitchFamily="18" charset="0"/>
+                      </a:endParaRPr>
+                    </a:p>
+                  </a:txBody>
+                  <a:tcPr marL="59187" marR="59187" marT="0" marB="0"/>
+                </a:tc>
+                <a:tc>
+                  <a:txBody>
+                    <a:bodyPr/>
+                    <a:lstStyle/>
+                    <a:p>
+                      <a:pPr indent="450215" algn="ctr">
+                        <a:lnSpc>
+                          <a:spcPct val="150000"/>
+                        </a:lnSpc>
+                        <a:spcAft>
+                          <a:spcPts val="800"/>
+                        </a:spcAft>
+                      </a:pPr>
+                      <a:r>
+                        <a:rPr lang="en-US" sz="1200">
+                          <a:effectLst/>
+                        </a:rPr>
+                        <a:t>11</a:t>
+                      </a:r>
+                      <a:r>
+                        <a:rPr lang="ru-RU" sz="1200">
+                          <a:effectLst/>
+                        </a:rPr>
+                        <a:t> </a:t>
+                      </a:r>
+                      <a:r>
+                        <a:rPr lang="en-US" sz="1200">
+                          <a:effectLst/>
+                        </a:rPr>
+                        <a:t>369 020</a:t>
+                      </a:r>
+                      <a:endParaRPr lang="ru-RU" sz="1200">
+                        <a:effectLst/>
+                        <a:latin typeface="Times New Roman" panose="02020603050405020304" pitchFamily="18" charset="0"/>
+                        <a:ea typeface="Times New Roman" panose="02020603050405020304" pitchFamily="18" charset="0"/>
+                        <a:cs typeface="Times New Roman" panose="02020603050405020304" pitchFamily="18" charset="0"/>
+                      </a:endParaRPr>
+                    </a:p>
+                  </a:txBody>
+                  <a:tcPr marL="59187" marR="59187" marT="0" marB="0"/>
+                </a:tc>
+                <a:extLst>
+                  <a:ext uri="{0D108BD9-81ED-4DB2-BD59-A6C34878D82A}">
+                    <a16:rowId xmlns:a16="http://schemas.microsoft.com/office/drawing/2014/main" val="319780382"/>
+                  </a:ext>
+                </a:extLst>
+              </a:tr>
+              <a:tr h="243159">
+                <a:tc>
+                  <a:txBody>
+                    <a:bodyPr/>
+                    <a:lstStyle/>
+                    <a:p>
+                      <a:pPr indent="450215" algn="ctr">
+                        <a:lnSpc>
+                          <a:spcPct val="150000"/>
+                        </a:lnSpc>
+                        <a:spcAft>
+                          <a:spcPts val="800"/>
+                        </a:spcAft>
+                      </a:pPr>
+                      <a:r>
+                        <a:rPr lang="en-US" sz="1200" dirty="0">
+                          <a:effectLst/>
+                        </a:rPr>
+                        <a:t>2x2</a:t>
+                      </a:r>
+                      <a:endParaRPr lang="ru-RU" sz="1200" dirty="0">
+                        <a:effectLst/>
+                        <a:latin typeface="Times New Roman" panose="02020603050405020304" pitchFamily="18" charset="0"/>
+                        <a:ea typeface="Times New Roman" panose="02020603050405020304" pitchFamily="18" charset="0"/>
+                        <a:cs typeface="Times New Roman" panose="02020603050405020304" pitchFamily="18" charset="0"/>
+                      </a:endParaRPr>
+                    </a:p>
+                  </a:txBody>
+                  <a:tcPr marL="59187" marR="59187" marT="0" marB="0"/>
+                </a:tc>
+                <a:tc>
+                  <a:txBody>
+                    <a:bodyPr/>
+                    <a:lstStyle/>
+                    <a:p>
+                      <a:pPr indent="450215" algn="ctr">
+                        <a:lnSpc>
+                          <a:spcPct val="150000"/>
+                        </a:lnSpc>
+                        <a:spcAft>
+                          <a:spcPts val="800"/>
+                        </a:spcAft>
+                      </a:pPr>
+                      <a:r>
+                        <a:rPr lang="ru-RU" sz="1200" dirty="0">
+                          <a:effectLst/>
+                        </a:rPr>
+                        <a:t>13 978 160</a:t>
+                      </a:r>
+                      <a:endParaRPr lang="ru-RU" sz="1200" dirty="0">
+                        <a:effectLst/>
+                        <a:latin typeface="Times New Roman" panose="02020603050405020304" pitchFamily="18" charset="0"/>
+                        <a:ea typeface="Times New Roman" panose="02020603050405020304" pitchFamily="18" charset="0"/>
+                        <a:cs typeface="Times New Roman" panose="02020603050405020304" pitchFamily="18" charset="0"/>
+                      </a:endParaRPr>
+                    </a:p>
+                  </a:txBody>
+                  <a:tcPr marL="59187" marR="59187" marT="0" marB="0"/>
+                </a:tc>
+                <a:tc>
+                  <a:txBody>
+                    <a:bodyPr/>
+                    <a:lstStyle/>
+                    <a:p>
+                      <a:pPr indent="450215" algn="ctr">
+                        <a:lnSpc>
+                          <a:spcPct val="150000"/>
+                        </a:lnSpc>
+                        <a:spcAft>
+                          <a:spcPts val="800"/>
+                        </a:spcAft>
+                      </a:pPr>
+                      <a:r>
+                        <a:rPr lang="ru-RU" sz="1200">
+                          <a:effectLst/>
+                        </a:rPr>
+                        <a:t>12 566 300</a:t>
+                      </a:r>
+                      <a:endParaRPr lang="ru-RU" sz="1200">
+                        <a:effectLst/>
+                        <a:latin typeface="Times New Roman" panose="02020603050405020304" pitchFamily="18" charset="0"/>
+                        <a:ea typeface="Times New Roman" panose="02020603050405020304" pitchFamily="18" charset="0"/>
+                        <a:cs typeface="Times New Roman" panose="02020603050405020304" pitchFamily="18" charset="0"/>
+                      </a:endParaRPr>
+                    </a:p>
+                  </a:txBody>
+                  <a:tcPr marL="59187" marR="59187" marT="0" marB="0"/>
+                </a:tc>
+                <a:extLst>
+                  <a:ext uri="{0D108BD9-81ED-4DB2-BD59-A6C34878D82A}">
+                    <a16:rowId xmlns:a16="http://schemas.microsoft.com/office/drawing/2014/main" val="4256147312"/>
+                  </a:ext>
+                </a:extLst>
+              </a:tr>
+              <a:tr h="243159">
+                <a:tc>
+                  <a:txBody>
+                    <a:bodyPr/>
+                    <a:lstStyle/>
+                    <a:p>
+                      <a:pPr indent="450215" algn="ctr">
+                        <a:lnSpc>
+                          <a:spcPct val="150000"/>
+                        </a:lnSpc>
+                        <a:spcAft>
+                          <a:spcPts val="800"/>
+                        </a:spcAft>
+                      </a:pPr>
+                      <a:r>
+                        <a:rPr lang="en-US" sz="1200">
+                          <a:effectLst/>
+                        </a:rPr>
+                        <a:t>3x3</a:t>
+                      </a:r>
+                      <a:endParaRPr lang="ru-RU" sz="1200">
+                        <a:effectLst/>
+                        <a:latin typeface="Times New Roman" panose="02020603050405020304" pitchFamily="18" charset="0"/>
+                        <a:ea typeface="Times New Roman" panose="02020603050405020304" pitchFamily="18" charset="0"/>
+                        <a:cs typeface="Times New Roman" panose="02020603050405020304" pitchFamily="18" charset="0"/>
+                      </a:endParaRPr>
+                    </a:p>
+                  </a:txBody>
+                  <a:tcPr marL="59187" marR="59187" marT="0" marB="0"/>
+                </a:tc>
+                <a:tc>
+                  <a:txBody>
+                    <a:bodyPr/>
+                    <a:lstStyle/>
+                    <a:p>
+                      <a:pPr indent="450215" algn="ctr">
+                        <a:lnSpc>
+                          <a:spcPct val="150000"/>
+                        </a:lnSpc>
+                        <a:spcAft>
+                          <a:spcPts val="800"/>
+                        </a:spcAft>
+                      </a:pPr>
+                      <a:r>
+                        <a:rPr lang="ru-RU" sz="1200" dirty="0">
+                          <a:effectLst/>
+                        </a:rPr>
+                        <a:t>18 750 780</a:t>
+                      </a:r>
+                      <a:endParaRPr lang="ru-RU" sz="1200" dirty="0">
+                        <a:effectLst/>
+                        <a:latin typeface="Times New Roman" panose="02020603050405020304" pitchFamily="18" charset="0"/>
+                        <a:ea typeface="Times New Roman" panose="02020603050405020304" pitchFamily="18" charset="0"/>
+                        <a:cs typeface="Times New Roman" panose="02020603050405020304" pitchFamily="18" charset="0"/>
+                      </a:endParaRPr>
+                    </a:p>
+                  </a:txBody>
+                  <a:tcPr marL="59187" marR="59187" marT="0" marB="0"/>
+                </a:tc>
+                <a:tc>
+                  <a:txBody>
+                    <a:bodyPr/>
+                    <a:lstStyle/>
+                    <a:p>
+                      <a:pPr indent="450215" algn="ctr">
+                        <a:lnSpc>
+                          <a:spcPct val="150000"/>
+                        </a:lnSpc>
+                        <a:spcAft>
+                          <a:spcPts val="800"/>
+                        </a:spcAft>
+                      </a:pPr>
+                      <a:r>
+                        <a:rPr lang="ru-RU" sz="1200">
+                          <a:effectLst/>
+                        </a:rPr>
+                        <a:t>14 361 360</a:t>
+                      </a:r>
+                      <a:endParaRPr lang="ru-RU" sz="1200">
+                        <a:effectLst/>
+                        <a:latin typeface="Times New Roman" panose="02020603050405020304" pitchFamily="18" charset="0"/>
+                        <a:ea typeface="Times New Roman" panose="02020603050405020304" pitchFamily="18" charset="0"/>
+                        <a:cs typeface="Times New Roman" panose="02020603050405020304" pitchFamily="18" charset="0"/>
+                      </a:endParaRPr>
+                    </a:p>
+                  </a:txBody>
+                  <a:tcPr marL="59187" marR="59187" marT="0" marB="0"/>
+                </a:tc>
+                <a:extLst>
+                  <a:ext uri="{0D108BD9-81ED-4DB2-BD59-A6C34878D82A}">
+                    <a16:rowId xmlns:a16="http://schemas.microsoft.com/office/drawing/2014/main" val="3123999516"/>
+                  </a:ext>
+                </a:extLst>
+              </a:tr>
+              <a:tr h="243159">
+                <a:tc>
+                  <a:txBody>
+                    <a:bodyPr/>
+                    <a:lstStyle/>
+                    <a:p>
+                      <a:pPr indent="450215" algn="ctr">
+                        <a:lnSpc>
+                          <a:spcPct val="150000"/>
+                        </a:lnSpc>
+                        <a:spcAft>
+                          <a:spcPts val="800"/>
+                        </a:spcAft>
+                      </a:pPr>
+                      <a:r>
+                        <a:rPr lang="en-US" sz="1200">
+                          <a:effectLst/>
+                        </a:rPr>
+                        <a:t>4x4</a:t>
+                      </a:r>
+                      <a:endParaRPr lang="ru-RU" sz="1200">
+                        <a:effectLst/>
+                        <a:latin typeface="Times New Roman" panose="02020603050405020304" pitchFamily="18" charset="0"/>
+                        <a:ea typeface="Times New Roman" panose="02020603050405020304" pitchFamily="18" charset="0"/>
+                        <a:cs typeface="Times New Roman" panose="02020603050405020304" pitchFamily="18" charset="0"/>
+                      </a:endParaRPr>
+                    </a:p>
+                  </a:txBody>
+                  <a:tcPr marL="59187" marR="59187" marT="0" marB="0"/>
+                </a:tc>
+                <a:tc>
+                  <a:txBody>
+                    <a:bodyPr/>
+                    <a:lstStyle/>
+                    <a:p>
+                      <a:pPr indent="450215" algn="ctr">
+                        <a:lnSpc>
+                          <a:spcPct val="150000"/>
+                        </a:lnSpc>
+                        <a:spcAft>
+                          <a:spcPts val="800"/>
+                        </a:spcAft>
+                      </a:pPr>
+                      <a:r>
+                        <a:rPr lang="ru-RU" sz="1200" dirty="0">
+                          <a:effectLst/>
+                        </a:rPr>
+                        <a:t>23 137 300</a:t>
+                      </a:r>
+                      <a:endParaRPr lang="ru-RU" sz="1200" dirty="0">
+                        <a:effectLst/>
+                        <a:latin typeface="Times New Roman" panose="02020603050405020304" pitchFamily="18" charset="0"/>
+                        <a:ea typeface="Times New Roman" panose="02020603050405020304" pitchFamily="18" charset="0"/>
+                        <a:cs typeface="Times New Roman" panose="02020603050405020304" pitchFamily="18" charset="0"/>
+                      </a:endParaRPr>
+                    </a:p>
+                  </a:txBody>
+                  <a:tcPr marL="59187" marR="59187" marT="0" marB="0"/>
+                </a:tc>
+                <a:tc>
+                  <a:txBody>
+                    <a:bodyPr/>
+                    <a:lstStyle/>
+                    <a:p>
+                      <a:pPr indent="450215" algn="ctr">
+                        <a:lnSpc>
+                          <a:spcPct val="150000"/>
+                        </a:lnSpc>
+                        <a:spcAft>
+                          <a:spcPts val="800"/>
+                        </a:spcAft>
+                      </a:pPr>
+                      <a:r>
+                        <a:rPr lang="ru-RU" sz="1200" dirty="0">
+                          <a:effectLst/>
+                        </a:rPr>
+                        <a:t>16 664 360</a:t>
+                      </a:r>
+                      <a:endParaRPr lang="ru-RU" sz="1200" dirty="0">
+                        <a:effectLst/>
+                        <a:latin typeface="Times New Roman" panose="02020603050405020304" pitchFamily="18" charset="0"/>
+                        <a:ea typeface="Times New Roman" panose="02020603050405020304" pitchFamily="18" charset="0"/>
+                        <a:cs typeface="Times New Roman" panose="02020603050405020304" pitchFamily="18" charset="0"/>
+                      </a:endParaRPr>
+                    </a:p>
+                  </a:txBody>
+                  <a:tcPr marL="59187" marR="59187" marT="0" marB="0"/>
+                </a:tc>
+                <a:extLst>
+                  <a:ext uri="{0D108BD9-81ED-4DB2-BD59-A6C34878D82A}">
+                    <a16:rowId xmlns:a16="http://schemas.microsoft.com/office/drawing/2014/main" val="2305038807"/>
+                  </a:ext>
+                </a:extLst>
+              </a:tr>
+              <a:tr h="243159">
+                <a:tc>
+                  <a:txBody>
+                    <a:bodyPr/>
+                    <a:lstStyle/>
+                    <a:p>
+                      <a:pPr indent="450215" algn="ctr">
+                        <a:lnSpc>
+                          <a:spcPct val="150000"/>
+                        </a:lnSpc>
+                        <a:spcAft>
+                          <a:spcPts val="800"/>
+                        </a:spcAft>
+                      </a:pPr>
+                      <a:r>
+                        <a:rPr lang="en-US" sz="1200">
+                          <a:effectLst/>
+                        </a:rPr>
+                        <a:t>5x5</a:t>
+                      </a:r>
+                      <a:endParaRPr lang="ru-RU" sz="1200">
+                        <a:effectLst/>
+                        <a:latin typeface="Times New Roman" panose="02020603050405020304" pitchFamily="18" charset="0"/>
+                        <a:ea typeface="Times New Roman" panose="02020603050405020304" pitchFamily="18" charset="0"/>
+                        <a:cs typeface="Times New Roman" panose="02020603050405020304" pitchFamily="18" charset="0"/>
+                      </a:endParaRPr>
+                    </a:p>
+                  </a:txBody>
+                  <a:tcPr marL="59187" marR="59187" marT="0" marB="0"/>
+                </a:tc>
+                <a:tc>
+                  <a:txBody>
+                    <a:bodyPr/>
+                    <a:lstStyle/>
+                    <a:p>
+                      <a:pPr indent="450215" algn="ctr">
+                        <a:lnSpc>
+                          <a:spcPct val="150000"/>
+                        </a:lnSpc>
+                        <a:spcAft>
+                          <a:spcPts val="800"/>
+                        </a:spcAft>
+                        <a:tabLst>
+                          <a:tab pos="1314450" algn="l"/>
+                        </a:tabLst>
+                      </a:pPr>
+                      <a:r>
+                        <a:rPr lang="ru-RU" sz="1200">
+                          <a:effectLst/>
+                        </a:rPr>
+                        <a:t>27 348 240</a:t>
+                      </a:r>
+                      <a:endParaRPr lang="ru-RU" sz="1200">
+                        <a:effectLst/>
+                        <a:latin typeface="Times New Roman" panose="02020603050405020304" pitchFamily="18" charset="0"/>
+                        <a:ea typeface="Times New Roman" panose="02020603050405020304" pitchFamily="18" charset="0"/>
+                        <a:cs typeface="Times New Roman" panose="02020603050405020304" pitchFamily="18" charset="0"/>
+                      </a:endParaRPr>
+                    </a:p>
+                  </a:txBody>
+                  <a:tcPr marL="59187" marR="59187" marT="0" marB="0"/>
+                </a:tc>
+                <a:tc>
+                  <a:txBody>
+                    <a:bodyPr/>
+                    <a:lstStyle/>
+                    <a:p>
+                      <a:pPr indent="450215" algn="ctr">
+                        <a:lnSpc>
+                          <a:spcPct val="150000"/>
+                        </a:lnSpc>
+                        <a:spcAft>
+                          <a:spcPts val="800"/>
+                        </a:spcAft>
+                      </a:pPr>
+                      <a:r>
+                        <a:rPr lang="ru-RU" sz="1200" dirty="0">
+                          <a:effectLst/>
+                        </a:rPr>
+                        <a:t>21 447 120</a:t>
+                      </a:r>
+                      <a:endParaRPr lang="ru-RU" sz="1200" dirty="0">
+                        <a:effectLst/>
+                        <a:latin typeface="Times New Roman" panose="02020603050405020304" pitchFamily="18" charset="0"/>
+                        <a:ea typeface="Times New Roman" panose="02020603050405020304" pitchFamily="18" charset="0"/>
+                        <a:cs typeface="Times New Roman" panose="02020603050405020304" pitchFamily="18" charset="0"/>
+                      </a:endParaRPr>
+                    </a:p>
+                  </a:txBody>
+                  <a:tcPr marL="59187" marR="59187" marT="0" marB="0"/>
+                </a:tc>
+                <a:extLst>
+                  <a:ext uri="{0D108BD9-81ED-4DB2-BD59-A6C34878D82A}">
+                    <a16:rowId xmlns:a16="http://schemas.microsoft.com/office/drawing/2014/main" val="3936212990"/>
+                  </a:ext>
+                </a:extLst>
+              </a:tr>
+              <a:tr h="243159">
+                <a:tc>
+                  <a:txBody>
+                    <a:bodyPr/>
+                    <a:lstStyle/>
+                    <a:p>
+                      <a:pPr indent="450215" algn="ctr">
+                        <a:lnSpc>
+                          <a:spcPct val="150000"/>
+                        </a:lnSpc>
+                        <a:spcAft>
+                          <a:spcPts val="800"/>
+                        </a:spcAft>
+                      </a:pPr>
+                      <a:r>
+                        <a:rPr lang="en-US" sz="1200">
+                          <a:effectLst/>
+                        </a:rPr>
+                        <a:t>6x6</a:t>
+                      </a:r>
+                      <a:endParaRPr lang="ru-RU" sz="1200">
+                        <a:effectLst/>
+                        <a:latin typeface="Times New Roman" panose="02020603050405020304" pitchFamily="18" charset="0"/>
+                        <a:ea typeface="Times New Roman" panose="02020603050405020304" pitchFamily="18" charset="0"/>
+                        <a:cs typeface="Times New Roman" panose="02020603050405020304" pitchFamily="18" charset="0"/>
+                      </a:endParaRPr>
+                    </a:p>
+                  </a:txBody>
+                  <a:tcPr marL="59187" marR="59187" marT="0" marB="0"/>
+                </a:tc>
+                <a:tc>
+                  <a:txBody>
+                    <a:bodyPr/>
+                    <a:lstStyle/>
+                    <a:p>
+                      <a:pPr indent="450215" algn="ctr">
+                        <a:lnSpc>
+                          <a:spcPct val="150000"/>
+                        </a:lnSpc>
+                        <a:spcAft>
+                          <a:spcPts val="800"/>
+                        </a:spcAft>
+                      </a:pPr>
+                      <a:r>
+                        <a:rPr lang="ru-RU" sz="1200">
+                          <a:effectLst/>
+                        </a:rPr>
+                        <a:t>35 428 960</a:t>
+                      </a:r>
+                      <a:endParaRPr lang="ru-RU" sz="1200">
+                        <a:effectLst/>
+                        <a:latin typeface="Times New Roman" panose="02020603050405020304" pitchFamily="18" charset="0"/>
+                        <a:ea typeface="Times New Roman" panose="02020603050405020304" pitchFamily="18" charset="0"/>
+                        <a:cs typeface="Times New Roman" panose="02020603050405020304" pitchFamily="18" charset="0"/>
+                      </a:endParaRPr>
+                    </a:p>
+                  </a:txBody>
+                  <a:tcPr marL="59187" marR="59187" marT="0" marB="0"/>
+                </a:tc>
+                <a:tc>
+                  <a:txBody>
+                    <a:bodyPr/>
+                    <a:lstStyle/>
+                    <a:p>
+                      <a:pPr indent="450215" algn="ctr">
+                        <a:lnSpc>
+                          <a:spcPct val="150000"/>
+                        </a:lnSpc>
+                        <a:spcAft>
+                          <a:spcPts val="800"/>
+                        </a:spcAft>
+                      </a:pPr>
+                      <a:r>
+                        <a:rPr lang="ru-RU" sz="1200" dirty="0">
+                          <a:effectLst/>
+                        </a:rPr>
+                        <a:t>25 247 440</a:t>
+                      </a:r>
+                      <a:endParaRPr lang="ru-RU" sz="1200" dirty="0">
+                        <a:effectLst/>
+                        <a:latin typeface="Times New Roman" panose="02020603050405020304" pitchFamily="18" charset="0"/>
+                        <a:ea typeface="Times New Roman" panose="02020603050405020304" pitchFamily="18" charset="0"/>
+                        <a:cs typeface="Times New Roman" panose="02020603050405020304" pitchFamily="18" charset="0"/>
+                      </a:endParaRPr>
+                    </a:p>
+                  </a:txBody>
+                  <a:tcPr marL="59187" marR="59187" marT="0" marB="0"/>
+                </a:tc>
+                <a:extLst>
+                  <a:ext uri="{0D108BD9-81ED-4DB2-BD59-A6C34878D82A}">
+                    <a16:rowId xmlns:a16="http://schemas.microsoft.com/office/drawing/2014/main" val="1821210242"/>
+                  </a:ext>
+                </a:extLst>
+              </a:tr>
+              <a:tr h="243159">
+                <a:tc>
+                  <a:txBody>
+                    <a:bodyPr/>
+                    <a:lstStyle/>
+                    <a:p>
+                      <a:pPr indent="450215" algn="ctr">
+                        <a:lnSpc>
+                          <a:spcPct val="150000"/>
+                        </a:lnSpc>
+                        <a:spcAft>
+                          <a:spcPts val="800"/>
+                        </a:spcAft>
+                      </a:pPr>
+                      <a:r>
+                        <a:rPr lang="en-US" sz="1200">
+                          <a:effectLst/>
+                        </a:rPr>
+                        <a:t>7x7</a:t>
+                      </a:r>
+                      <a:endParaRPr lang="ru-RU" sz="1200">
+                        <a:effectLst/>
+                        <a:latin typeface="Times New Roman" panose="02020603050405020304" pitchFamily="18" charset="0"/>
+                        <a:ea typeface="Times New Roman" panose="02020603050405020304" pitchFamily="18" charset="0"/>
+                        <a:cs typeface="Times New Roman" panose="02020603050405020304" pitchFamily="18" charset="0"/>
+                      </a:endParaRPr>
+                    </a:p>
+                  </a:txBody>
+                  <a:tcPr marL="59187" marR="59187" marT="0" marB="0"/>
+                </a:tc>
+                <a:tc>
+                  <a:txBody>
+                    <a:bodyPr/>
+                    <a:lstStyle/>
+                    <a:p>
+                      <a:pPr indent="450215" algn="ctr">
+                        <a:lnSpc>
+                          <a:spcPct val="150000"/>
+                        </a:lnSpc>
+                        <a:spcAft>
+                          <a:spcPts val="800"/>
+                        </a:spcAft>
+                      </a:pPr>
+                      <a:r>
+                        <a:rPr lang="ru-RU" sz="1200">
+                          <a:effectLst/>
+                        </a:rPr>
+                        <a:t>42 608 800</a:t>
+                      </a:r>
+                      <a:endParaRPr lang="ru-RU" sz="1200">
+                        <a:effectLst/>
+                        <a:latin typeface="Times New Roman" panose="02020603050405020304" pitchFamily="18" charset="0"/>
+                        <a:ea typeface="Times New Roman" panose="02020603050405020304" pitchFamily="18" charset="0"/>
+                        <a:cs typeface="Times New Roman" panose="02020603050405020304" pitchFamily="18" charset="0"/>
+                      </a:endParaRPr>
+                    </a:p>
+                  </a:txBody>
+                  <a:tcPr marL="59187" marR="59187" marT="0" marB="0"/>
+                </a:tc>
+                <a:tc>
+                  <a:txBody>
+                    <a:bodyPr/>
+                    <a:lstStyle/>
+                    <a:p>
+                      <a:pPr indent="450215" algn="ctr">
+                        <a:lnSpc>
+                          <a:spcPct val="150000"/>
+                        </a:lnSpc>
+                        <a:spcAft>
+                          <a:spcPts val="800"/>
+                        </a:spcAft>
+                      </a:pPr>
+                      <a:r>
+                        <a:rPr lang="ru-RU" sz="1200" dirty="0">
+                          <a:effectLst/>
+                        </a:rPr>
+                        <a:t>28 029 060</a:t>
+                      </a:r>
+                      <a:endParaRPr lang="ru-RU" sz="1200" dirty="0">
+                        <a:effectLst/>
+                        <a:latin typeface="Times New Roman" panose="02020603050405020304" pitchFamily="18" charset="0"/>
+                        <a:ea typeface="Times New Roman" panose="02020603050405020304" pitchFamily="18" charset="0"/>
+                        <a:cs typeface="Times New Roman" panose="02020603050405020304" pitchFamily="18" charset="0"/>
+                      </a:endParaRPr>
+                    </a:p>
+                  </a:txBody>
+                  <a:tcPr marL="59187" marR="59187" marT="0" marB="0"/>
+                </a:tc>
+                <a:extLst>
+                  <a:ext uri="{0D108BD9-81ED-4DB2-BD59-A6C34878D82A}">
+                    <a16:rowId xmlns:a16="http://schemas.microsoft.com/office/drawing/2014/main" val="2113252882"/>
+                  </a:ext>
+                </a:extLst>
+              </a:tr>
+              <a:tr h="243159">
+                <a:tc>
+                  <a:txBody>
+                    <a:bodyPr/>
+                    <a:lstStyle/>
+                    <a:p>
+                      <a:pPr indent="450215" algn="ctr">
+                        <a:lnSpc>
+                          <a:spcPct val="150000"/>
+                        </a:lnSpc>
+                        <a:spcAft>
+                          <a:spcPts val="800"/>
+                        </a:spcAft>
+                      </a:pPr>
+                      <a:r>
+                        <a:rPr lang="en-US" sz="1200">
+                          <a:effectLst/>
+                        </a:rPr>
+                        <a:t>8x8</a:t>
+                      </a:r>
+                      <a:endParaRPr lang="ru-RU" sz="1200">
+                        <a:effectLst/>
+                        <a:latin typeface="Times New Roman" panose="02020603050405020304" pitchFamily="18" charset="0"/>
+                        <a:ea typeface="Times New Roman" panose="02020603050405020304" pitchFamily="18" charset="0"/>
+                        <a:cs typeface="Times New Roman" panose="02020603050405020304" pitchFamily="18" charset="0"/>
+                      </a:endParaRPr>
+                    </a:p>
+                  </a:txBody>
+                  <a:tcPr marL="59187" marR="59187" marT="0" marB="0"/>
+                </a:tc>
+                <a:tc>
+                  <a:txBody>
+                    <a:bodyPr/>
+                    <a:lstStyle/>
+                    <a:p>
+                      <a:pPr indent="450215" algn="ctr">
+                        <a:lnSpc>
+                          <a:spcPct val="150000"/>
+                        </a:lnSpc>
+                        <a:spcAft>
+                          <a:spcPts val="800"/>
+                        </a:spcAft>
+                      </a:pPr>
+                      <a:r>
+                        <a:rPr lang="ru-RU" sz="1200">
+                          <a:effectLst/>
+                        </a:rPr>
+                        <a:t>52 409 440</a:t>
+                      </a:r>
+                      <a:endParaRPr lang="ru-RU" sz="1200">
+                        <a:effectLst/>
+                        <a:latin typeface="Times New Roman" panose="02020603050405020304" pitchFamily="18" charset="0"/>
+                        <a:ea typeface="Times New Roman" panose="02020603050405020304" pitchFamily="18" charset="0"/>
+                        <a:cs typeface="Times New Roman" panose="02020603050405020304" pitchFamily="18" charset="0"/>
+                      </a:endParaRPr>
+                    </a:p>
+                  </a:txBody>
+                  <a:tcPr marL="59187" marR="59187" marT="0" marB="0"/>
+                </a:tc>
+                <a:tc>
+                  <a:txBody>
+                    <a:bodyPr/>
+                    <a:lstStyle/>
+                    <a:p>
+                      <a:pPr indent="450215" algn="ctr">
+                        <a:lnSpc>
+                          <a:spcPct val="150000"/>
+                        </a:lnSpc>
+                        <a:spcAft>
+                          <a:spcPts val="800"/>
+                        </a:spcAft>
+                      </a:pPr>
+                      <a:r>
+                        <a:rPr lang="ru-RU" sz="1200" dirty="0">
+                          <a:effectLst/>
+                        </a:rPr>
+                        <a:t>33 310 100</a:t>
+                      </a:r>
+                      <a:endParaRPr lang="ru-RU" sz="1200" dirty="0">
+                        <a:effectLst/>
+                        <a:latin typeface="Times New Roman" panose="02020603050405020304" pitchFamily="18" charset="0"/>
+                        <a:ea typeface="Times New Roman" panose="02020603050405020304" pitchFamily="18" charset="0"/>
+                        <a:cs typeface="Times New Roman" panose="02020603050405020304" pitchFamily="18" charset="0"/>
+                      </a:endParaRPr>
+                    </a:p>
+                  </a:txBody>
+                  <a:tcPr marL="59187" marR="59187" marT="0" marB="0"/>
+                </a:tc>
+                <a:extLst>
+                  <a:ext uri="{0D108BD9-81ED-4DB2-BD59-A6C34878D82A}">
+                    <a16:rowId xmlns:a16="http://schemas.microsoft.com/office/drawing/2014/main" val="541223509"/>
+                  </a:ext>
+                </a:extLst>
+              </a:tr>
+              <a:tr h="243159">
+                <a:tc>
+                  <a:txBody>
+                    <a:bodyPr/>
+                    <a:lstStyle/>
+                    <a:p>
+                      <a:pPr indent="450215" algn="ctr">
+                        <a:lnSpc>
+                          <a:spcPct val="150000"/>
+                        </a:lnSpc>
+                        <a:spcAft>
+                          <a:spcPts val="800"/>
+                        </a:spcAft>
+                      </a:pPr>
+                      <a:r>
+                        <a:rPr lang="en-US" sz="1200">
+                          <a:effectLst/>
+                        </a:rPr>
+                        <a:t>9x9</a:t>
+                      </a:r>
+                      <a:endParaRPr lang="ru-RU" sz="1200">
+                        <a:effectLst/>
+                        <a:latin typeface="Times New Roman" panose="02020603050405020304" pitchFamily="18" charset="0"/>
+                        <a:ea typeface="Times New Roman" panose="02020603050405020304" pitchFamily="18" charset="0"/>
+                        <a:cs typeface="Times New Roman" panose="02020603050405020304" pitchFamily="18" charset="0"/>
+                      </a:endParaRPr>
+                    </a:p>
+                  </a:txBody>
+                  <a:tcPr marL="59187" marR="59187" marT="0" marB="0"/>
+                </a:tc>
+                <a:tc>
+                  <a:txBody>
+                    <a:bodyPr/>
+                    <a:lstStyle/>
+                    <a:p>
+                      <a:pPr indent="450215" algn="ctr">
+                        <a:lnSpc>
+                          <a:spcPct val="150000"/>
+                        </a:lnSpc>
+                        <a:spcAft>
+                          <a:spcPts val="800"/>
+                        </a:spcAft>
+                      </a:pPr>
+                      <a:r>
+                        <a:rPr lang="ru-RU" sz="1200">
+                          <a:effectLst/>
+                        </a:rPr>
+                        <a:t>64 260 000</a:t>
+                      </a:r>
+                      <a:endParaRPr lang="ru-RU" sz="1200">
+                        <a:effectLst/>
+                        <a:latin typeface="Times New Roman" panose="02020603050405020304" pitchFamily="18" charset="0"/>
+                        <a:ea typeface="Times New Roman" panose="02020603050405020304" pitchFamily="18" charset="0"/>
+                        <a:cs typeface="Times New Roman" panose="02020603050405020304" pitchFamily="18" charset="0"/>
+                      </a:endParaRPr>
+                    </a:p>
+                  </a:txBody>
+                  <a:tcPr marL="59187" marR="59187" marT="0" marB="0"/>
+                </a:tc>
+                <a:tc>
+                  <a:txBody>
+                    <a:bodyPr/>
+                    <a:lstStyle/>
+                    <a:p>
+                      <a:pPr indent="450215" algn="ctr">
+                        <a:lnSpc>
+                          <a:spcPct val="150000"/>
+                        </a:lnSpc>
+                        <a:spcAft>
+                          <a:spcPts val="800"/>
+                        </a:spcAft>
+                      </a:pPr>
+                      <a:r>
+                        <a:rPr lang="ru-RU" sz="1200" dirty="0">
+                          <a:effectLst/>
+                        </a:rPr>
+                        <a:t>39 199 560</a:t>
+                      </a:r>
+                      <a:endParaRPr lang="ru-RU" sz="1200" dirty="0">
+                        <a:effectLst/>
+                        <a:latin typeface="Times New Roman" panose="02020603050405020304" pitchFamily="18" charset="0"/>
+                        <a:ea typeface="Times New Roman" panose="02020603050405020304" pitchFamily="18" charset="0"/>
+                        <a:cs typeface="Times New Roman" panose="02020603050405020304" pitchFamily="18" charset="0"/>
+                      </a:endParaRPr>
+                    </a:p>
+                  </a:txBody>
+                  <a:tcPr marL="59187" marR="59187" marT="0" marB="0"/>
+                </a:tc>
+                <a:extLst>
+                  <a:ext uri="{0D108BD9-81ED-4DB2-BD59-A6C34878D82A}">
+                    <a16:rowId xmlns:a16="http://schemas.microsoft.com/office/drawing/2014/main" val="710756960"/>
+                  </a:ext>
+                </a:extLst>
+              </a:tr>
+              <a:tr h="243159">
+                <a:tc>
+                  <a:txBody>
+                    <a:bodyPr/>
+                    <a:lstStyle/>
+                    <a:p>
+                      <a:pPr indent="450215" algn="ctr">
+                        <a:lnSpc>
+                          <a:spcPct val="150000"/>
+                        </a:lnSpc>
+                        <a:spcAft>
+                          <a:spcPts val="800"/>
+                        </a:spcAft>
+                      </a:pPr>
+                      <a:r>
+                        <a:rPr lang="ru-RU" sz="1200">
+                          <a:effectLst/>
+                        </a:rPr>
+                        <a:t>10</a:t>
+                      </a:r>
+                      <a:r>
+                        <a:rPr lang="en-US" sz="1200">
+                          <a:effectLst/>
+                        </a:rPr>
+                        <a:t>x10</a:t>
+                      </a:r>
+                      <a:endParaRPr lang="ru-RU" sz="1200">
+                        <a:effectLst/>
+                        <a:latin typeface="Times New Roman" panose="02020603050405020304" pitchFamily="18" charset="0"/>
+                        <a:ea typeface="Times New Roman" panose="02020603050405020304" pitchFamily="18" charset="0"/>
+                        <a:cs typeface="Times New Roman" panose="02020603050405020304" pitchFamily="18" charset="0"/>
+                      </a:endParaRPr>
+                    </a:p>
+                  </a:txBody>
+                  <a:tcPr marL="59187" marR="59187" marT="0" marB="0"/>
+                </a:tc>
+                <a:tc>
+                  <a:txBody>
+                    <a:bodyPr/>
+                    <a:lstStyle/>
+                    <a:p>
+                      <a:pPr indent="450215" algn="ctr">
+                        <a:lnSpc>
+                          <a:spcPct val="150000"/>
+                        </a:lnSpc>
+                        <a:spcAft>
+                          <a:spcPts val="800"/>
+                        </a:spcAft>
+                      </a:pPr>
+                      <a:r>
+                        <a:rPr lang="ru-RU" sz="1200">
+                          <a:effectLst/>
+                        </a:rPr>
+                        <a:t>77 460 920</a:t>
+                      </a:r>
+                      <a:endParaRPr lang="ru-RU" sz="1200">
+                        <a:effectLst/>
+                        <a:latin typeface="Times New Roman" panose="02020603050405020304" pitchFamily="18" charset="0"/>
+                        <a:ea typeface="Times New Roman" panose="02020603050405020304" pitchFamily="18" charset="0"/>
+                        <a:cs typeface="Times New Roman" panose="02020603050405020304" pitchFamily="18" charset="0"/>
+                      </a:endParaRPr>
+                    </a:p>
+                  </a:txBody>
+                  <a:tcPr marL="59187" marR="59187" marT="0" marB="0"/>
+                </a:tc>
+                <a:tc>
+                  <a:txBody>
+                    <a:bodyPr/>
+                    <a:lstStyle/>
+                    <a:p>
+                      <a:pPr indent="450215" algn="ctr">
+                        <a:lnSpc>
+                          <a:spcPct val="150000"/>
+                        </a:lnSpc>
+                        <a:spcAft>
+                          <a:spcPts val="800"/>
+                        </a:spcAft>
+                      </a:pPr>
+                      <a:r>
+                        <a:rPr lang="ru-RU" sz="1200" dirty="0">
+                          <a:effectLst/>
+                        </a:rPr>
+                        <a:t>47 672 280</a:t>
+                      </a:r>
+                      <a:endParaRPr lang="ru-RU" sz="1200" dirty="0">
+                        <a:effectLst/>
+                        <a:latin typeface="Times New Roman" panose="02020603050405020304" pitchFamily="18" charset="0"/>
+                        <a:ea typeface="Times New Roman" panose="02020603050405020304" pitchFamily="18" charset="0"/>
+                        <a:cs typeface="Times New Roman" panose="02020603050405020304" pitchFamily="18" charset="0"/>
+                      </a:endParaRPr>
+                    </a:p>
+                  </a:txBody>
+                  <a:tcPr marL="59187" marR="59187" marT="0" marB="0"/>
+                </a:tc>
+                <a:extLst>
+                  <a:ext uri="{0D108BD9-81ED-4DB2-BD59-A6C34878D82A}">
+                    <a16:rowId xmlns:a16="http://schemas.microsoft.com/office/drawing/2014/main" val="3507251725"/>
+                  </a:ext>
+                </a:extLst>
+              </a:tr>
+              <a:tr h="243159">
+                <a:tc>
+                  <a:txBody>
+                    <a:bodyPr/>
+                    <a:lstStyle/>
+                    <a:p>
+                      <a:pPr indent="450215" algn="ctr">
+                        <a:lnSpc>
+                          <a:spcPct val="150000"/>
+                        </a:lnSpc>
+                        <a:spcAft>
+                          <a:spcPts val="800"/>
+                        </a:spcAft>
+                      </a:pPr>
+                      <a:r>
+                        <a:rPr lang="en-US" sz="1200">
+                          <a:effectLst/>
+                        </a:rPr>
+                        <a:t>15x15</a:t>
+                      </a:r>
+                      <a:endParaRPr lang="ru-RU" sz="1200">
+                        <a:effectLst/>
+                        <a:latin typeface="Times New Roman" panose="02020603050405020304" pitchFamily="18" charset="0"/>
+                        <a:ea typeface="Times New Roman" panose="02020603050405020304" pitchFamily="18" charset="0"/>
+                        <a:cs typeface="Times New Roman" panose="02020603050405020304" pitchFamily="18" charset="0"/>
+                      </a:endParaRPr>
+                    </a:p>
+                  </a:txBody>
+                  <a:tcPr marL="59187" marR="59187" marT="0" marB="0"/>
+                </a:tc>
+                <a:tc>
+                  <a:txBody>
+                    <a:bodyPr/>
+                    <a:lstStyle/>
+                    <a:p>
+                      <a:pPr indent="450215" algn="ctr">
+                        <a:lnSpc>
+                          <a:spcPct val="150000"/>
+                        </a:lnSpc>
+                        <a:spcAft>
+                          <a:spcPts val="800"/>
+                        </a:spcAft>
+                      </a:pPr>
+                      <a:r>
+                        <a:rPr lang="ru-RU" sz="1200">
+                          <a:effectLst/>
+                        </a:rPr>
+                        <a:t>116 354 360</a:t>
+                      </a:r>
+                      <a:endParaRPr lang="ru-RU" sz="1200">
+                        <a:effectLst/>
+                        <a:latin typeface="Times New Roman" panose="02020603050405020304" pitchFamily="18" charset="0"/>
+                        <a:ea typeface="Times New Roman" panose="02020603050405020304" pitchFamily="18" charset="0"/>
+                        <a:cs typeface="Times New Roman" panose="02020603050405020304" pitchFamily="18" charset="0"/>
+                      </a:endParaRPr>
+                    </a:p>
+                  </a:txBody>
+                  <a:tcPr marL="59187" marR="59187" marT="0" marB="0"/>
+                </a:tc>
+                <a:tc>
+                  <a:txBody>
+                    <a:bodyPr/>
+                    <a:lstStyle/>
+                    <a:p>
+                      <a:pPr indent="450215" algn="ctr">
+                        <a:lnSpc>
+                          <a:spcPct val="150000"/>
+                        </a:lnSpc>
+                        <a:spcAft>
+                          <a:spcPts val="800"/>
+                        </a:spcAft>
+                      </a:pPr>
+                      <a:r>
+                        <a:rPr lang="ru-RU" sz="1200" dirty="0">
+                          <a:effectLst/>
+                        </a:rPr>
+                        <a:t>73 403 680</a:t>
+                      </a:r>
+                      <a:endParaRPr lang="ru-RU" sz="1200" dirty="0">
+                        <a:effectLst/>
+                        <a:latin typeface="Times New Roman" panose="02020603050405020304" pitchFamily="18" charset="0"/>
+                        <a:ea typeface="Times New Roman" panose="02020603050405020304" pitchFamily="18" charset="0"/>
+                        <a:cs typeface="Times New Roman" panose="02020603050405020304" pitchFamily="18" charset="0"/>
+                      </a:endParaRPr>
+                    </a:p>
+                  </a:txBody>
+                  <a:tcPr marL="59187" marR="59187" marT="0" marB="0"/>
+                </a:tc>
+                <a:extLst>
+                  <a:ext uri="{0D108BD9-81ED-4DB2-BD59-A6C34878D82A}">
+                    <a16:rowId xmlns:a16="http://schemas.microsoft.com/office/drawing/2014/main" val="1730743467"/>
+                  </a:ext>
+                </a:extLst>
+              </a:tr>
+            </a:tbl>
+          </a:graphicData>
+        </a:graphic>
+      </p:graphicFrame>
+      <p:graphicFrame>
+        <p:nvGraphicFramePr>
+          <p:cNvPr id="4" name="Диаграмма 3">
+            <a:extLst>
+              <a:ext uri="{FF2B5EF4-FFF2-40B4-BE49-F238E27FC236}">
+                <a16:creationId xmlns:a16="http://schemas.microsoft.com/office/drawing/2014/main" id="{BA5C82E1-8D54-44F5-AF9A-7FF2A257370B}"/>
+              </a:ext>
+            </a:extLst>
+          </p:cNvPr>
+          <p:cNvGraphicFramePr/>
+          <p:nvPr>
+            <p:extLst>
+              <p:ext uri="{D42A27DB-BD31-4B8C-83A1-F6EECF244321}">
+                <p14:modId xmlns:p14="http://schemas.microsoft.com/office/powerpoint/2010/main" val="1700776042"/>
+              </p:ext>
+            </p:extLst>
+          </p:nvPr>
+        </p:nvGraphicFramePr>
+        <p:xfrm>
+          <a:off x="6247048" y="1973263"/>
+          <a:ext cx="5486400" cy="4043493"/>
+        </p:xfrm>
+        <a:graphic>
+          <a:graphicData uri="http://schemas.openxmlformats.org/drawingml/2006/chart">
+            <c:chart xmlns:c="http://schemas.openxmlformats.org/drawingml/2006/chart" xmlns:r="http://schemas.openxmlformats.org/officeDocument/2006/relationships" r:id="rId2"/>
+          </a:graphicData>
+        </a:graphic>
+      </p:graphicFrame>
+    </p:spTree>
+    <p:extLst>
+      <p:ext uri="{BB962C8B-B14F-4D97-AF65-F5344CB8AC3E}">
+        <p14:creationId xmlns:p14="http://schemas.microsoft.com/office/powerpoint/2010/main" val="1032473972"/>
+      </p:ext>
+    </p:extLst>
+  </p:cSld>
+  <p:clrMapOvr>
+    <a:masterClrMapping/>
+  </p:clrMapOvr>
+</p:sld>
+</file>
+
+<file path=ppt/slides/slide19.xml><?xml version="1.0" encoding="utf-8"?>
+<p:sld xmlns:a="http://schemas.openxmlformats.org/drawingml/2006/main" xmlns:r="http://schemas.openxmlformats.org/officeDocument/2006/relationships" xmlns:p="http://schemas.openxmlformats.org/presentationml/2006/main">
+  <p:cSld>
+    <p:spTree>
+      <p:nvGrpSpPr>
+        <p:cNvPr id="1" name=""/>
+        <p:cNvGrpSpPr/>
+        <p:nvPr/>
+      </p:nvGrpSpPr>
+      <p:grpSpPr>
+        <a:xfrm>
+          <a:off x="0" y="0"/>
+          <a:ext cx="0" cy="0"/>
+          <a:chOff x="0" y="0"/>
+          <a:chExt cx="0" cy="0"/>
+        </a:xfrm>
+      </p:grpSpPr>
+      <p:sp>
+        <p:nvSpPr>
+          <p:cNvPr id="2" name="Заголовок 1">
+            <a:extLst>
+              <a:ext uri="{FF2B5EF4-FFF2-40B4-BE49-F238E27FC236}">
+                <a16:creationId xmlns:a16="http://schemas.microsoft.com/office/drawing/2014/main" id="{70DA9C02-F807-4672-B786-210812D74F7C}"/>
+              </a:ext>
+            </a:extLst>
+          </p:cNvPr>
+          <p:cNvSpPr>
+            <a:spLocks noGrp="1"/>
+          </p:cNvSpPr>
+          <p:nvPr>
+            <p:ph type="title"/>
+          </p:nvPr>
+        </p:nvSpPr>
+        <p:spPr/>
+        <p:txBody>
+          <a:bodyPr/>
+          <a:lstStyle/>
+          <a:p>
+            <a:r>
+              <a:rPr lang="ru-RU" dirty="0">
+                <a:latin typeface="Times New Roman" panose="02020603050405020304" pitchFamily="18" charset="0"/>
+                <a:cs typeface="Times New Roman" panose="02020603050405020304" pitchFamily="18" charset="0"/>
+              </a:rPr>
+              <a:t>Эксперимент: продолжение</a:t>
+            </a:r>
+          </a:p>
+        </p:txBody>
+      </p:sp>
+      <p:sp>
+        <p:nvSpPr>
+          <p:cNvPr id="6" name="TextBox 5">
+            <a:extLst>
+              <a:ext uri="{FF2B5EF4-FFF2-40B4-BE49-F238E27FC236}">
+                <a16:creationId xmlns:a16="http://schemas.microsoft.com/office/drawing/2014/main" id="{FA8652B5-1C1C-4C0D-8616-ED6EC755556E}"/>
+              </a:ext>
+            </a:extLst>
+          </p:cNvPr>
+          <p:cNvSpPr txBox="1"/>
+          <p:nvPr/>
+        </p:nvSpPr>
+        <p:spPr>
+          <a:xfrm>
+            <a:off x="1097279" y="1737360"/>
+            <a:ext cx="10058399" cy="2246769"/>
+          </a:xfrm>
+          <a:prstGeom prst="rect">
+            <a:avLst/>
+          </a:prstGeom>
+          <a:noFill/>
+        </p:spPr>
+        <p:txBody>
+          <a:bodyPr wrap="square">
+            <a:spAutoFit/>
+          </a:bodyPr>
+          <a:lstStyle/>
+          <a:p>
+            <a:pPr marL="285750" indent="-285750">
+              <a:buFont typeface="Arial" panose="020B0604020202020204" pitchFamily="34" charset="0"/>
+              <a:buChar char="•"/>
+            </a:pPr>
+            <a:r>
+              <a:rPr lang="ru-RU" sz="2000" dirty="0">
+                <a:effectLst/>
+                <a:latin typeface="Times New Roman" panose="02020603050405020304" pitchFamily="18" charset="0"/>
+                <a:ea typeface="Times New Roman" panose="02020603050405020304" pitchFamily="18" charset="0"/>
+              </a:rPr>
+              <a:t>Реализация алгоритма с использованием функционала </a:t>
+            </a:r>
+            <a:r>
+              <a:rPr lang="en-US" sz="2000" dirty="0">
+                <a:effectLst/>
+                <a:latin typeface="Times New Roman" panose="02020603050405020304" pitchFamily="18" charset="0"/>
+                <a:ea typeface="Times New Roman" panose="02020603050405020304" pitchFamily="18" charset="0"/>
+              </a:rPr>
+              <a:t>OpenMP </a:t>
+            </a:r>
+            <a:r>
+              <a:rPr lang="ru-RU" sz="2000" dirty="0">
+                <a:effectLst/>
+                <a:latin typeface="Times New Roman" panose="02020603050405020304" pitchFamily="18" charset="0"/>
+                <a:ea typeface="Times New Roman" panose="02020603050405020304" pitchFamily="18" charset="0"/>
+              </a:rPr>
+              <a:t>не показывает себя хуже обычной реализации даже на минимальных значениях</a:t>
+            </a:r>
+            <a:r>
+              <a:rPr lang="en-US" sz="2000" dirty="0">
+                <a:effectLst/>
+                <a:latin typeface="Times New Roman" panose="02020603050405020304" pitchFamily="18" charset="0"/>
+                <a:ea typeface="Times New Roman" panose="02020603050405020304" pitchFamily="18" charset="0"/>
+              </a:rPr>
+              <a:t>;</a:t>
+            </a:r>
+          </a:p>
+          <a:p>
+            <a:pPr marL="285750" indent="-285750">
+              <a:buFont typeface="Arial" panose="020B0604020202020204" pitchFamily="34" charset="0"/>
+              <a:buChar char="•"/>
+            </a:pPr>
+            <a:r>
+              <a:rPr lang="ru-RU" sz="2000" dirty="0">
+                <a:latin typeface="Times New Roman" panose="02020603050405020304" pitchFamily="18" charset="0"/>
+                <a:ea typeface="Times New Roman" panose="02020603050405020304" pitchFamily="18" charset="0"/>
+              </a:rPr>
+              <a:t>Н</a:t>
+            </a:r>
+            <a:r>
+              <a:rPr lang="ru-RU" sz="2000" dirty="0">
+                <a:effectLst/>
+                <a:latin typeface="Times New Roman" panose="02020603050405020304" pitchFamily="18" charset="0"/>
+                <a:ea typeface="Times New Roman" panose="02020603050405020304" pitchFamily="18" charset="0"/>
+              </a:rPr>
+              <a:t>а всех рассмотренных размерах плоскости скорость выполнения алгоритма с использованием </a:t>
+            </a:r>
+            <a:r>
+              <a:rPr lang="en-US" sz="2000" dirty="0">
+                <a:effectLst/>
+                <a:latin typeface="Times New Roman" panose="02020603050405020304" pitchFamily="18" charset="0"/>
+                <a:ea typeface="Times New Roman" panose="02020603050405020304" pitchFamily="18" charset="0"/>
+              </a:rPr>
+              <a:t>OpenMP </a:t>
+            </a:r>
+            <a:r>
+              <a:rPr lang="ru-RU" sz="2000" dirty="0">
+                <a:effectLst/>
+                <a:latin typeface="Times New Roman" panose="02020603050405020304" pitchFamily="18" charset="0"/>
+                <a:ea typeface="Times New Roman" panose="02020603050405020304" pitchFamily="18" charset="0"/>
+              </a:rPr>
+              <a:t>больше, либо приблизительно равна скорости выполнения алгоритма без использования директив</a:t>
+            </a:r>
+            <a:r>
+              <a:rPr lang="en-US" sz="2000" dirty="0">
+                <a:effectLst/>
+                <a:latin typeface="Times New Roman" panose="02020603050405020304" pitchFamily="18" charset="0"/>
+                <a:ea typeface="Times New Roman" panose="02020603050405020304" pitchFamily="18" charset="0"/>
+              </a:rPr>
+              <a:t>;</a:t>
+            </a:r>
+            <a:endParaRPr lang="ru-RU" sz="2000" dirty="0">
+              <a:effectLst/>
+              <a:latin typeface="Times New Roman" panose="02020603050405020304" pitchFamily="18" charset="0"/>
+              <a:ea typeface="Times New Roman" panose="02020603050405020304" pitchFamily="18" charset="0"/>
+            </a:endParaRPr>
+          </a:p>
+          <a:p>
+            <a:pPr marL="285750" indent="-285750">
+              <a:buFont typeface="Arial" panose="020B0604020202020204" pitchFamily="34" charset="0"/>
+              <a:buChar char="•"/>
+            </a:pPr>
+            <a:r>
+              <a:rPr lang="ru-RU" sz="2000" dirty="0">
+                <a:effectLst/>
+                <a:latin typeface="Times New Roman" panose="02020603050405020304" pitchFamily="18" charset="0"/>
+                <a:ea typeface="Times New Roman" panose="02020603050405020304" pitchFamily="18" charset="0"/>
+              </a:rPr>
+              <a:t>В среднем по таблице алгоритм с использованием директив </a:t>
+            </a:r>
+            <a:r>
+              <a:rPr lang="en-US" sz="2000" dirty="0">
+                <a:effectLst/>
+                <a:latin typeface="Times New Roman" panose="02020603050405020304" pitchFamily="18" charset="0"/>
+                <a:ea typeface="Times New Roman" panose="02020603050405020304" pitchFamily="18" charset="0"/>
+              </a:rPr>
+              <a:t>OpenMP </a:t>
+            </a:r>
+            <a:r>
+              <a:rPr lang="ru-RU" sz="2000" dirty="0">
+                <a:effectLst/>
+                <a:latin typeface="Times New Roman" panose="02020603050405020304" pitchFamily="18" charset="0"/>
+                <a:ea typeface="Times New Roman" panose="02020603050405020304" pitchFamily="18" charset="0"/>
+              </a:rPr>
+              <a:t>будет быстрее реализации без их использования в 1.40 раз.</a:t>
+            </a:r>
+            <a:endParaRPr lang="ru-RU" sz="2000" dirty="0"/>
+          </a:p>
+        </p:txBody>
+      </p:sp>
+      <p:sp>
+        <p:nvSpPr>
+          <p:cNvPr id="8" name="TextBox 7">
+            <a:extLst>
+              <a:ext uri="{FF2B5EF4-FFF2-40B4-BE49-F238E27FC236}">
+                <a16:creationId xmlns:a16="http://schemas.microsoft.com/office/drawing/2014/main" id="{942CF2D3-13C7-49ED-912A-39C4C4F24D0D}"/>
+              </a:ext>
+            </a:extLst>
+          </p:cNvPr>
+          <p:cNvSpPr txBox="1"/>
+          <p:nvPr/>
+        </p:nvSpPr>
+        <p:spPr>
+          <a:xfrm>
+            <a:off x="1097279" y="4977341"/>
+            <a:ext cx="10629147" cy="1077218"/>
+          </a:xfrm>
+          <a:prstGeom prst="rect">
+            <a:avLst/>
+          </a:prstGeom>
+          <a:noFill/>
+        </p:spPr>
+        <p:txBody>
+          <a:bodyPr wrap="square">
+            <a:spAutoFit/>
+          </a:bodyPr>
+          <a:lstStyle/>
+          <a:p>
+            <a:r>
+              <a:rPr lang="ru-RU" sz="3200" b="1" dirty="0">
+                <a:effectLst/>
+                <a:latin typeface="Times New Roman" panose="02020603050405020304" pitchFamily="18" charset="0"/>
+                <a:ea typeface="Times New Roman" panose="02020603050405020304" pitchFamily="18" charset="0"/>
+              </a:rPr>
+              <a:t>Параллельный алгоритм </a:t>
+            </a:r>
+            <a:r>
+              <a:rPr lang="en-US" sz="3200" b="1" dirty="0">
+                <a:effectLst/>
+                <a:latin typeface="Times New Roman" panose="02020603050405020304" pitchFamily="18" charset="0"/>
+                <a:ea typeface="Times New Roman" panose="02020603050405020304" pitchFamily="18" charset="0"/>
+              </a:rPr>
+              <a:t>z</a:t>
+            </a:r>
+            <a:r>
+              <a:rPr lang="ru-RU" sz="3200" b="1" dirty="0">
+                <a:effectLst/>
+                <a:latin typeface="Times New Roman" panose="02020603050405020304" pitchFamily="18" charset="0"/>
+                <a:ea typeface="Times New Roman" panose="02020603050405020304" pitchFamily="18" charset="0"/>
+              </a:rPr>
+              <a:t>-буфера работает быстрее обычного алгоритма в любых рассмотренных условиях</a:t>
+            </a:r>
+            <a:endParaRPr lang="ru-RU" sz="3200" b="1" dirty="0"/>
           </a:p>
         </p:txBody>
       </p:sp>
     </p:spTree>
     <p:extLst>
       <p:ext uri="{BB962C8B-B14F-4D97-AF65-F5344CB8AC3E}">
-        <p14:creationId xmlns:p14="http://schemas.microsoft.com/office/powerpoint/2010/main" val="654595986"/>
+        <p14:creationId xmlns:p14="http://schemas.microsoft.com/office/powerpoint/2010/main" val="3972205191"/>
       </p:ext>
     </p:extLst>
   </p:cSld>
@@ -4419,10 +8066,220 @@
           </a:p>
         </p:txBody>
       </p:sp>
+      <p:sp>
+        <p:nvSpPr>
+          <p:cNvPr id="4" name="TextBox 3">
+            <a:extLst>
+              <a:ext uri="{FF2B5EF4-FFF2-40B4-BE49-F238E27FC236}">
+                <a16:creationId xmlns:a16="http://schemas.microsoft.com/office/drawing/2014/main" id="{6CB38FC4-A669-4235-BC36-C03711D6D2E6}"/>
+              </a:ext>
+            </a:extLst>
+          </p:cNvPr>
+          <p:cNvSpPr txBox="1"/>
+          <p:nvPr/>
+        </p:nvSpPr>
+        <p:spPr>
+          <a:xfrm>
+            <a:off x="1036320" y="1737360"/>
+            <a:ext cx="10119360" cy="4893647"/>
+          </a:xfrm>
+          <a:prstGeom prst="rect">
+            <a:avLst/>
+          </a:prstGeom>
+          <a:noFill/>
+        </p:spPr>
+        <p:txBody>
+          <a:bodyPr wrap="square">
+            <a:spAutoFit/>
+          </a:bodyPr>
+          <a:lstStyle/>
+          <a:p>
+            <a:r>
+              <a:rPr lang="ru-RU" sz="2400" dirty="0">
+                <a:latin typeface="Times New Roman" panose="02020603050405020304" pitchFamily="18" charset="0"/>
+                <a:cs typeface="Times New Roman" panose="02020603050405020304" pitchFamily="18" charset="0"/>
+              </a:rPr>
+              <a:t>Цель работы – реализовать программное обеспечение для визуализации площадки и интерьера выставочных стендов.</a:t>
+            </a:r>
+          </a:p>
+          <a:p>
+            <a:endParaRPr lang="ru-RU" sz="2400" dirty="0">
+              <a:latin typeface="Times New Roman" panose="02020603050405020304" pitchFamily="18" charset="0"/>
+              <a:cs typeface="Times New Roman" panose="02020603050405020304" pitchFamily="18" charset="0"/>
+            </a:endParaRPr>
+          </a:p>
+          <a:p>
+            <a:r>
+              <a:rPr lang="ru-RU" sz="2400" dirty="0">
+                <a:latin typeface="Times New Roman" panose="02020603050405020304" pitchFamily="18" charset="0"/>
+                <a:cs typeface="Times New Roman" panose="02020603050405020304" pitchFamily="18" charset="0"/>
+              </a:rPr>
+              <a:t>Для достижения поставленной цели потребуется:</a:t>
+            </a:r>
+          </a:p>
+          <a:p>
+            <a:pPr marL="457200" indent="-457200">
+              <a:buFont typeface="+mj-lt"/>
+              <a:buAutoNum type="arabicParenR"/>
+            </a:pPr>
+            <a:r>
+              <a:rPr lang="ru-RU" sz="2400" dirty="0">
+                <a:latin typeface="Times New Roman" panose="02020603050405020304" pitchFamily="18" charset="0"/>
+                <a:cs typeface="Times New Roman" panose="02020603050405020304" pitchFamily="18" charset="0"/>
+              </a:rPr>
+              <a:t>формализовать объекты синтезируемой сцены и описать список доступных к размещению на сцене моделей интерьера</a:t>
+            </a:r>
+            <a:r>
+              <a:rPr lang="en-US" sz="2400" dirty="0">
+                <a:latin typeface="Times New Roman" panose="02020603050405020304" pitchFamily="18" charset="0"/>
+                <a:cs typeface="Times New Roman" panose="02020603050405020304" pitchFamily="18" charset="0"/>
+              </a:rPr>
+              <a:t>;</a:t>
+            </a:r>
+          </a:p>
+          <a:p>
+            <a:pPr marL="457200" indent="-457200">
+              <a:buFont typeface="+mj-lt"/>
+              <a:buAutoNum type="arabicParenR"/>
+            </a:pPr>
+            <a:r>
+              <a:rPr lang="ru-RU" sz="2400" dirty="0">
+                <a:latin typeface="Times New Roman" panose="02020603050405020304" pitchFamily="18" charset="0"/>
+                <a:cs typeface="Times New Roman" panose="02020603050405020304" pitchFamily="18" charset="0"/>
+              </a:rPr>
+              <a:t>выбрать или модифицировать существующие алгоритмы компьютерной графики для визуализации сцены</a:t>
+            </a:r>
+            <a:r>
+              <a:rPr lang="en-US" sz="2400" dirty="0">
+                <a:latin typeface="Times New Roman" panose="02020603050405020304" pitchFamily="18" charset="0"/>
+                <a:cs typeface="Times New Roman" panose="02020603050405020304" pitchFamily="18" charset="0"/>
+              </a:rPr>
+              <a:t>;</a:t>
+            </a:r>
+          </a:p>
+          <a:p>
+            <a:pPr marL="457200" indent="-457200">
+              <a:buFont typeface="+mj-lt"/>
+              <a:buAutoNum type="arabicParenR"/>
+            </a:pPr>
+            <a:r>
+              <a:rPr lang="ru-RU" sz="2400" dirty="0">
+                <a:latin typeface="Times New Roman" panose="02020603050405020304" pitchFamily="18" charset="0"/>
+                <a:cs typeface="Times New Roman" panose="02020603050405020304" pitchFamily="18" charset="0"/>
+              </a:rPr>
+              <a:t>реализовать выбранные алгоритмы визуализации</a:t>
+            </a:r>
+            <a:r>
+              <a:rPr lang="en-US" sz="2400" dirty="0">
+                <a:latin typeface="Times New Roman" panose="02020603050405020304" pitchFamily="18" charset="0"/>
+                <a:cs typeface="Times New Roman" panose="02020603050405020304" pitchFamily="18" charset="0"/>
+              </a:rPr>
+              <a:t>;</a:t>
+            </a:r>
+            <a:endParaRPr lang="ru-RU" sz="2400" dirty="0">
+              <a:latin typeface="Times New Roman" panose="02020603050405020304" pitchFamily="18" charset="0"/>
+              <a:cs typeface="Times New Roman" panose="02020603050405020304" pitchFamily="18" charset="0"/>
+            </a:endParaRPr>
+          </a:p>
+          <a:p>
+            <a:pPr marL="457200" indent="-457200">
+              <a:buFont typeface="+mj-lt"/>
+              <a:buAutoNum type="arabicParenR"/>
+            </a:pPr>
+            <a:r>
+              <a:rPr lang="ru-RU" sz="2400" dirty="0">
+                <a:latin typeface="Times New Roman" panose="02020603050405020304" pitchFamily="18" charset="0"/>
+                <a:cs typeface="Times New Roman" panose="02020603050405020304" pitchFamily="18" charset="0"/>
+              </a:rPr>
+              <a:t>разработать программный продукт для визуализации и редактирования площадки выставочного стенда и трехмерных объектов, расположенных на ней.</a:t>
+            </a:r>
+          </a:p>
+          <a:p>
+            <a:endParaRPr lang="ru-RU" sz="2400" dirty="0">
+              <a:latin typeface="Times New Roman" panose="02020603050405020304" pitchFamily="18" charset="0"/>
+              <a:cs typeface="Times New Roman" panose="02020603050405020304" pitchFamily="18" charset="0"/>
+            </a:endParaRPr>
+          </a:p>
+        </p:txBody>
+      </p:sp>
     </p:spTree>
     <p:extLst>
       <p:ext uri="{BB962C8B-B14F-4D97-AF65-F5344CB8AC3E}">
         <p14:creationId xmlns:p14="http://schemas.microsoft.com/office/powerpoint/2010/main" val="1726523924"/>
+      </p:ext>
+    </p:extLst>
+  </p:cSld>
+  <p:clrMapOvr>
+    <a:masterClrMapping/>
+  </p:clrMapOvr>
+</p:sld>
+</file>
+
+<file path=ppt/slides/slide20.xml><?xml version="1.0" encoding="utf-8"?>
+<p:sld xmlns:a="http://schemas.openxmlformats.org/drawingml/2006/main" xmlns:r="http://schemas.openxmlformats.org/officeDocument/2006/relationships" xmlns:p="http://schemas.openxmlformats.org/presentationml/2006/main">
+  <p:cSld>
+    <p:spTree>
+      <p:nvGrpSpPr>
+        <p:cNvPr id="1" name=""/>
+        <p:cNvGrpSpPr/>
+        <p:nvPr/>
+      </p:nvGrpSpPr>
+      <p:grpSpPr>
+        <a:xfrm>
+          <a:off x="0" y="0"/>
+          <a:ext cx="0" cy="0"/>
+          <a:chOff x="0" y="0"/>
+          <a:chExt cx="0" cy="0"/>
+        </a:xfrm>
+      </p:grpSpPr>
+      <p:sp>
+        <p:nvSpPr>
+          <p:cNvPr id="3" name="Подзаголовок 2">
+            <a:extLst>
+              <a:ext uri="{FF2B5EF4-FFF2-40B4-BE49-F238E27FC236}">
+                <a16:creationId xmlns:a16="http://schemas.microsoft.com/office/drawing/2014/main" id="{80F993F9-C007-4FA4-8772-737352F7B346}"/>
+              </a:ext>
+            </a:extLst>
+          </p:cNvPr>
+          <p:cNvSpPr>
+            <a:spLocks noGrp="1"/>
+          </p:cNvSpPr>
+          <p:nvPr>
+            <p:ph type="subTitle" idx="1"/>
+          </p:nvPr>
+        </p:nvSpPr>
+        <p:spPr/>
+        <p:txBody>
+          <a:bodyPr>
+            <a:normAutofit fontScale="85000" lnSpcReduction="20000"/>
+          </a:bodyPr>
+          <a:lstStyle/>
+          <a:p>
+            <a:pPr algn="ctr"/>
+            <a:r>
+              <a:rPr lang="ru-RU" dirty="0">
+                <a:latin typeface="Times New Roman" panose="02020603050405020304" pitchFamily="18" charset="0"/>
+                <a:cs typeface="Times New Roman" panose="02020603050405020304" pitchFamily="18" charset="0"/>
+              </a:rPr>
+              <a:t>московский государственный технический университет имени н.э. Баумана (национальный исследовательский университет)</a:t>
+            </a:r>
+          </a:p>
+          <a:p>
+            <a:pPr algn="ctr"/>
+            <a:r>
+              <a:rPr lang="ru-RU" dirty="0">
+                <a:latin typeface="Times New Roman" panose="02020603050405020304" pitchFamily="18" charset="0"/>
+                <a:cs typeface="Times New Roman" panose="02020603050405020304" pitchFamily="18" charset="0"/>
+              </a:rPr>
+              <a:t>Москва, 2020 год</a:t>
+            </a:r>
+          </a:p>
+        </p:txBody>
+      </p:sp>
+    </p:spTree>
+    <p:extLst>
+      <p:ext uri="{BB962C8B-B14F-4D97-AF65-F5344CB8AC3E}">
+        <p14:creationId xmlns:p14="http://schemas.microsoft.com/office/powerpoint/2010/main" val="654595986"/>
       </p:ext>
     </p:extLst>
   </p:cSld>
@@ -4477,6 +8334,242 @@
               </a:rPr>
               <a:t>Формализация объектов синтезируемой сцены</a:t>
             </a:r>
+          </a:p>
+        </p:txBody>
+      </p:sp>
+      <p:sp>
+        <p:nvSpPr>
+          <p:cNvPr id="4" name="TextBox 3">
+            <a:extLst>
+              <a:ext uri="{FF2B5EF4-FFF2-40B4-BE49-F238E27FC236}">
+                <a16:creationId xmlns:a16="http://schemas.microsoft.com/office/drawing/2014/main" id="{69EE4863-9234-4DD3-842A-13674FE6EB0D}"/>
+              </a:ext>
+            </a:extLst>
+          </p:cNvPr>
+          <p:cNvSpPr txBox="1"/>
+          <p:nvPr/>
+        </p:nvSpPr>
+        <p:spPr>
+          <a:xfrm>
+            <a:off x="1097280" y="1737360"/>
+            <a:ext cx="9997440" cy="4596130"/>
+          </a:xfrm>
+          <a:prstGeom prst="rect">
+            <a:avLst/>
+          </a:prstGeom>
+          <a:noFill/>
+        </p:spPr>
+        <p:txBody>
+          <a:bodyPr wrap="square">
+            <a:spAutoFit/>
+          </a:bodyPr>
+          <a:lstStyle/>
+          <a:p>
+            <a:pPr marL="342900" lvl="0" indent="-342900" algn="just">
+              <a:buFont typeface="Symbol" panose="05050102010706020507" pitchFamily="18" charset="2"/>
+              <a:buChar char=""/>
+            </a:pPr>
+            <a:r>
+              <a:rPr lang="ru-RU" sz="2200" dirty="0">
+                <a:effectLst/>
+                <a:latin typeface="Times New Roman" panose="02020603050405020304" pitchFamily="18" charset="0"/>
+                <a:ea typeface="Times New Roman" panose="02020603050405020304" pitchFamily="18" charset="0"/>
+              </a:rPr>
+              <a:t>Площадка выставочного стенда;</a:t>
+            </a:r>
+          </a:p>
+          <a:p>
+            <a:pPr marL="342900" lvl="0" indent="-342900" algn="just">
+              <a:buFont typeface="Symbol" panose="05050102010706020507" pitchFamily="18" charset="2"/>
+              <a:buChar char=""/>
+            </a:pPr>
+            <a:r>
+              <a:rPr lang="ru-RU" sz="2200" dirty="0">
+                <a:effectLst/>
+                <a:latin typeface="Times New Roman" panose="02020603050405020304" pitchFamily="18" charset="0"/>
+                <a:ea typeface="Times New Roman" panose="02020603050405020304" pitchFamily="18" charset="0"/>
+              </a:rPr>
+              <a:t>Объекты интерьера</a:t>
+            </a:r>
+            <a:r>
+              <a:rPr lang="en-US" sz="2200" dirty="0">
+                <a:effectLst/>
+                <a:latin typeface="Times New Roman" panose="02020603050405020304" pitchFamily="18" charset="0"/>
+                <a:ea typeface="Times New Roman" panose="02020603050405020304" pitchFamily="18" charset="0"/>
+              </a:rPr>
+              <a:t>:</a:t>
+            </a:r>
+            <a:endParaRPr lang="ru-RU" sz="2200" dirty="0">
+              <a:effectLst/>
+              <a:latin typeface="Times New Roman" panose="02020603050405020304" pitchFamily="18" charset="0"/>
+              <a:ea typeface="Times New Roman" panose="02020603050405020304" pitchFamily="18" charset="0"/>
+            </a:endParaRPr>
+          </a:p>
+          <a:p>
+            <a:pPr marL="742950" lvl="1" indent="-285750" algn="just">
+              <a:buFont typeface="Courier New" panose="02070309020205020404" pitchFamily="49" charset="0"/>
+              <a:buChar char="o"/>
+            </a:pPr>
+            <a:r>
+              <a:rPr lang="ru-RU" sz="2200">
+                <a:effectLst/>
+                <a:latin typeface="Times New Roman" panose="02020603050405020304" pitchFamily="18" charset="0"/>
+                <a:ea typeface="Times New Roman" panose="02020603050405020304" pitchFamily="18" charset="0"/>
+              </a:rPr>
+              <a:t>Стол;</a:t>
+            </a:r>
+            <a:endParaRPr lang="ru-RU" sz="2200" dirty="0">
+              <a:effectLst/>
+              <a:latin typeface="Times New Roman" panose="02020603050405020304" pitchFamily="18" charset="0"/>
+              <a:ea typeface="Times New Roman" panose="02020603050405020304" pitchFamily="18" charset="0"/>
+            </a:endParaRPr>
+          </a:p>
+          <a:p>
+            <a:pPr marL="742950" lvl="1" indent="-285750" algn="just">
+              <a:buFont typeface="Courier New" panose="02070309020205020404" pitchFamily="49" charset="0"/>
+              <a:buChar char="o"/>
+            </a:pPr>
+            <a:r>
+              <a:rPr lang="ru-RU" sz="2200" dirty="0">
+                <a:effectLst/>
+                <a:latin typeface="Times New Roman" panose="02020603050405020304" pitchFamily="18" charset="0"/>
+                <a:ea typeface="Times New Roman" panose="02020603050405020304" pitchFamily="18" charset="0"/>
+              </a:rPr>
+              <a:t>Высокий стол (барная стойка);</a:t>
+            </a:r>
+          </a:p>
+          <a:p>
+            <a:pPr marL="742950" lvl="1" indent="-285750" algn="just">
+              <a:buFont typeface="Courier New" panose="02070309020205020404" pitchFamily="49" charset="0"/>
+              <a:buChar char="o"/>
+            </a:pPr>
+            <a:r>
+              <a:rPr lang="ru-RU" sz="2200" dirty="0">
+                <a:effectLst/>
+                <a:latin typeface="Times New Roman" panose="02020603050405020304" pitchFamily="18" charset="0"/>
+                <a:ea typeface="Times New Roman" panose="02020603050405020304" pitchFamily="18" charset="0"/>
+              </a:rPr>
+              <a:t>Стул;</a:t>
+            </a:r>
+          </a:p>
+          <a:p>
+            <a:pPr marL="742950" lvl="1" indent="-285750" algn="just">
+              <a:buFont typeface="Courier New" panose="02070309020205020404" pitchFamily="49" charset="0"/>
+              <a:buChar char="o"/>
+            </a:pPr>
+            <a:r>
+              <a:rPr lang="ru-RU" sz="2200" dirty="0">
+                <a:effectLst/>
+                <a:latin typeface="Times New Roman" panose="02020603050405020304" pitchFamily="18" charset="0"/>
+                <a:ea typeface="Times New Roman" panose="02020603050405020304" pitchFamily="18" charset="0"/>
+              </a:rPr>
+              <a:t>Барный стул;</a:t>
+            </a:r>
+          </a:p>
+          <a:p>
+            <a:pPr marL="742950" lvl="1" indent="-285750" algn="just">
+              <a:buFont typeface="Courier New" panose="02070309020205020404" pitchFamily="49" charset="0"/>
+              <a:buChar char="o"/>
+            </a:pPr>
+            <a:r>
+              <a:rPr lang="ru-RU" sz="2200" dirty="0">
+                <a:effectLst/>
+                <a:latin typeface="Times New Roman" panose="02020603050405020304" pitchFamily="18" charset="0"/>
+                <a:ea typeface="Times New Roman" panose="02020603050405020304" pitchFamily="18" charset="0"/>
+              </a:rPr>
+              <a:t>Диван;</a:t>
+            </a:r>
+          </a:p>
+          <a:p>
+            <a:pPr marL="742950" lvl="1" indent="-285750" algn="just">
+              <a:buFont typeface="Courier New" panose="02070309020205020404" pitchFamily="49" charset="0"/>
+              <a:buChar char="o"/>
+            </a:pPr>
+            <a:r>
+              <a:rPr lang="ru-RU" sz="2200" dirty="0">
+                <a:effectLst/>
+                <a:latin typeface="Times New Roman" panose="02020603050405020304" pitchFamily="18" charset="0"/>
+                <a:ea typeface="Times New Roman" panose="02020603050405020304" pitchFamily="18" charset="0"/>
+              </a:rPr>
+              <a:t>Растение в горшке в качестве элемента декора;</a:t>
+            </a:r>
+          </a:p>
+          <a:p>
+            <a:pPr marL="742950" lvl="1" indent="-285750" algn="just">
+              <a:buFont typeface="Courier New" panose="02070309020205020404" pitchFamily="49" charset="0"/>
+              <a:buChar char="o"/>
+            </a:pPr>
+            <a:r>
+              <a:rPr lang="ru-RU" sz="2200" dirty="0">
+                <a:effectLst/>
+                <a:latin typeface="Times New Roman" panose="02020603050405020304" pitchFamily="18" charset="0"/>
+                <a:ea typeface="Times New Roman" panose="02020603050405020304" pitchFamily="18" charset="0"/>
+              </a:rPr>
+              <a:t>Подиум для представления выставочных предметов заказчика;</a:t>
+            </a:r>
+          </a:p>
+          <a:p>
+            <a:pPr marL="742950" lvl="1" indent="-285750" algn="just">
+              <a:buFont typeface="Courier New" panose="02070309020205020404" pitchFamily="49" charset="0"/>
+              <a:buChar char="o"/>
+            </a:pPr>
+            <a:r>
+              <a:rPr lang="ru-RU" sz="2200" dirty="0">
+                <a:effectLst/>
+                <a:latin typeface="Times New Roman" panose="02020603050405020304" pitchFamily="18" charset="0"/>
+                <a:ea typeface="Times New Roman" panose="02020603050405020304" pitchFamily="18" charset="0"/>
+              </a:rPr>
+              <a:t>Плазменный телевизор;</a:t>
+            </a:r>
+          </a:p>
+          <a:p>
+            <a:pPr marL="742950" lvl="1" indent="-285750" algn="just">
+              <a:buFont typeface="Courier New" panose="02070309020205020404" pitchFamily="49" charset="0"/>
+              <a:buChar char="o"/>
+            </a:pPr>
+            <a:r>
+              <a:rPr lang="ru-RU" sz="2200" dirty="0">
+                <a:effectLst/>
+                <a:latin typeface="Times New Roman" panose="02020603050405020304" pitchFamily="18" charset="0"/>
+                <a:ea typeface="Times New Roman" panose="02020603050405020304" pitchFamily="18" charset="0"/>
+              </a:rPr>
+              <a:t>Шкаф;</a:t>
+            </a:r>
+          </a:p>
+          <a:p>
+            <a:pPr marL="742950" lvl="1" indent="-285750" algn="just">
+              <a:spcAft>
+                <a:spcPts val="800"/>
+              </a:spcAft>
+              <a:buFont typeface="Courier New" panose="02070309020205020404" pitchFamily="49" charset="0"/>
+              <a:buChar char="o"/>
+            </a:pPr>
+            <a:r>
+              <a:rPr lang="ru-RU" sz="2200" dirty="0">
+                <a:effectLst/>
+                <a:latin typeface="Times New Roman" panose="02020603050405020304" pitchFamily="18" charset="0"/>
+                <a:ea typeface="Times New Roman" panose="02020603050405020304" pitchFamily="18" charset="0"/>
+              </a:rPr>
+              <a:t>Стеллаж с полками;</a:t>
+            </a:r>
+          </a:p>
+          <a:p>
+            <a:pPr marL="342900" lvl="0" indent="-342900" algn="just">
+              <a:buFont typeface="Symbol" panose="05050102010706020507" pitchFamily="18" charset="2"/>
+              <a:buChar char=""/>
+            </a:pPr>
+            <a:r>
+              <a:rPr lang="ru-RU" sz="2200" dirty="0">
+                <a:latin typeface="Times New Roman" panose="02020603050405020304" pitchFamily="18" charset="0"/>
+                <a:ea typeface="Times New Roman" panose="02020603050405020304" pitchFamily="18" charset="0"/>
+              </a:rPr>
+              <a:t>Источники света</a:t>
+            </a:r>
+            <a:endParaRPr lang="ru-RU" sz="2200" dirty="0">
+              <a:effectLst/>
+              <a:latin typeface="Times New Roman" panose="02020603050405020304" pitchFamily="18" charset="0"/>
+              <a:ea typeface="Times New Roman" panose="02020603050405020304" pitchFamily="18" charset="0"/>
+            </a:endParaRPr>
           </a:p>
         </p:txBody>
       </p:sp>
@@ -4541,6 +8634,326 @@
           </a:p>
         </p:txBody>
       </p:sp>
+      <p:sp>
+        <p:nvSpPr>
+          <p:cNvPr id="17" name="TextBox 16">
+            <a:extLst>
+              <a:ext uri="{FF2B5EF4-FFF2-40B4-BE49-F238E27FC236}">
+                <a16:creationId xmlns:a16="http://schemas.microsoft.com/office/drawing/2014/main" id="{9FA2633A-074A-422B-945C-699418221A22}"/>
+              </a:ext>
+            </a:extLst>
+          </p:cNvPr>
+          <p:cNvSpPr txBox="1"/>
+          <p:nvPr/>
+        </p:nvSpPr>
+        <p:spPr>
+          <a:xfrm>
+            <a:off x="440268" y="2228669"/>
+            <a:ext cx="6096000" cy="1200329"/>
+          </a:xfrm>
+          <a:prstGeom prst="rect">
+            <a:avLst/>
+          </a:prstGeom>
+          <a:noFill/>
+        </p:spPr>
+        <p:txBody>
+          <a:bodyPr wrap="square">
+            <a:spAutoFit/>
+          </a:bodyPr>
+          <a:lstStyle/>
+          <a:p>
+            <a:r>
+              <a:rPr lang="ru-RU" dirty="0">
+                <a:latin typeface="Times New Roman" panose="02020603050405020304" pitchFamily="18" charset="0"/>
+                <a:cs typeface="Times New Roman" panose="02020603050405020304" pitchFamily="18" charset="0"/>
+              </a:rPr>
+              <a:t>Алгоритмы удаления невидимых ребер и поверхностей:</a:t>
+            </a:r>
+          </a:p>
+          <a:p>
+            <a:pPr marL="342900" indent="-342900">
+              <a:buFont typeface="+mj-lt"/>
+              <a:buAutoNum type="arabicParenR"/>
+            </a:pPr>
+            <a:r>
+              <a:rPr lang="ru-RU" dirty="0">
+                <a:latin typeface="Times New Roman" panose="02020603050405020304" pitchFamily="18" charset="0"/>
+                <a:cs typeface="Times New Roman" panose="02020603050405020304" pitchFamily="18" charset="0"/>
+              </a:rPr>
+              <a:t>алгоритм Робертса</a:t>
+            </a:r>
+            <a:r>
+              <a:rPr lang="en-US" dirty="0">
+                <a:latin typeface="Times New Roman" panose="02020603050405020304" pitchFamily="18" charset="0"/>
+                <a:cs typeface="Times New Roman" panose="02020603050405020304" pitchFamily="18" charset="0"/>
+              </a:rPr>
+              <a:t>;</a:t>
+            </a:r>
+            <a:endParaRPr lang="ru-RU" dirty="0">
+              <a:latin typeface="Times New Roman" panose="02020603050405020304" pitchFamily="18" charset="0"/>
+              <a:cs typeface="Times New Roman" panose="02020603050405020304" pitchFamily="18" charset="0"/>
+            </a:endParaRPr>
+          </a:p>
+          <a:p>
+            <a:pPr marL="342900" indent="-342900">
+              <a:buFont typeface="+mj-lt"/>
+              <a:buAutoNum type="arabicParenR"/>
+            </a:pPr>
+            <a:r>
+              <a:rPr lang="ru-RU" b="1" i="1" dirty="0">
+                <a:latin typeface="Times New Roman" panose="02020603050405020304" pitchFamily="18" charset="0"/>
+                <a:cs typeface="Times New Roman" panose="02020603050405020304" pitchFamily="18" charset="0"/>
+              </a:rPr>
+              <a:t>алгоритм, использующий </a:t>
+            </a:r>
+            <a:r>
+              <a:rPr lang="en-US" b="1" i="1" dirty="0">
+                <a:latin typeface="Times New Roman" panose="02020603050405020304" pitchFamily="18" charset="0"/>
+                <a:cs typeface="Times New Roman" panose="02020603050405020304" pitchFamily="18" charset="0"/>
+              </a:rPr>
+              <a:t>z-</a:t>
+            </a:r>
+            <a:r>
+              <a:rPr lang="ru-RU" b="1" i="1" dirty="0">
+                <a:latin typeface="Times New Roman" panose="02020603050405020304" pitchFamily="18" charset="0"/>
+                <a:cs typeface="Times New Roman" panose="02020603050405020304" pitchFamily="18" charset="0"/>
+              </a:rPr>
+              <a:t>буфер</a:t>
+            </a:r>
+            <a:r>
+              <a:rPr lang="en-US" dirty="0">
+                <a:latin typeface="Times New Roman" panose="02020603050405020304" pitchFamily="18" charset="0"/>
+                <a:cs typeface="Times New Roman" panose="02020603050405020304" pitchFamily="18" charset="0"/>
+              </a:rPr>
+              <a:t>;</a:t>
+            </a:r>
+          </a:p>
+          <a:p>
+            <a:pPr marL="342900" indent="-342900">
+              <a:buFont typeface="+mj-lt"/>
+              <a:buAutoNum type="arabicParenR"/>
+            </a:pPr>
+            <a:r>
+              <a:rPr lang="ru-RU" dirty="0">
+                <a:latin typeface="Times New Roman" panose="02020603050405020304" pitchFamily="18" charset="0"/>
+                <a:cs typeface="Times New Roman" panose="02020603050405020304" pitchFamily="18" charset="0"/>
+              </a:rPr>
+              <a:t>алгоритм обратной трассировки лучей</a:t>
+            </a:r>
+            <a:r>
+              <a:rPr lang="en-US" dirty="0">
+                <a:latin typeface="Times New Roman" panose="02020603050405020304" pitchFamily="18" charset="0"/>
+                <a:cs typeface="Times New Roman" panose="02020603050405020304" pitchFamily="18" charset="0"/>
+              </a:rPr>
+              <a:t>.</a:t>
+            </a:r>
+            <a:endParaRPr lang="ru-RU" dirty="0">
+              <a:latin typeface="Times New Roman" panose="02020603050405020304" pitchFamily="18" charset="0"/>
+              <a:cs typeface="Times New Roman" panose="02020603050405020304" pitchFamily="18" charset="0"/>
+            </a:endParaRPr>
+          </a:p>
+        </p:txBody>
+      </p:sp>
+      <p:sp>
+        <p:nvSpPr>
+          <p:cNvPr id="18" name="TextBox 17">
+            <a:extLst>
+              <a:ext uri="{FF2B5EF4-FFF2-40B4-BE49-F238E27FC236}">
+                <a16:creationId xmlns:a16="http://schemas.microsoft.com/office/drawing/2014/main" id="{6E7AB388-930C-413C-802F-AD25567D2F0B}"/>
+              </a:ext>
+            </a:extLst>
+          </p:cNvPr>
+          <p:cNvSpPr txBox="1"/>
+          <p:nvPr/>
+        </p:nvSpPr>
+        <p:spPr>
+          <a:xfrm>
+            <a:off x="6536268" y="2228668"/>
+            <a:ext cx="5029199" cy="923330"/>
+          </a:xfrm>
+          <a:prstGeom prst="rect">
+            <a:avLst/>
+          </a:prstGeom>
+          <a:noFill/>
+        </p:spPr>
+        <p:txBody>
+          <a:bodyPr wrap="square">
+            <a:spAutoFit/>
+          </a:bodyPr>
+          <a:lstStyle/>
+          <a:p>
+            <a:r>
+              <a:rPr lang="ru-RU" dirty="0">
+                <a:latin typeface="Times New Roman" panose="02020603050405020304" pitchFamily="18" charset="0"/>
+                <a:cs typeface="Times New Roman" panose="02020603050405020304" pitchFamily="18" charset="0"/>
+              </a:rPr>
+              <a:t>Алгоритмы построения теней:</a:t>
+            </a:r>
+          </a:p>
+          <a:p>
+            <a:pPr marL="342900" indent="-342900">
+              <a:buFont typeface="+mj-lt"/>
+              <a:buAutoNum type="arabicParenR"/>
+            </a:pPr>
+            <a:r>
+              <a:rPr lang="ru-RU" dirty="0">
+                <a:latin typeface="Times New Roman" panose="02020603050405020304" pitchFamily="18" charset="0"/>
+                <a:cs typeface="Times New Roman" panose="02020603050405020304" pitchFamily="18" charset="0"/>
+              </a:rPr>
+              <a:t>алгоритм обратной трассировки лучей</a:t>
+            </a:r>
+            <a:r>
+              <a:rPr lang="en-US" dirty="0">
+                <a:latin typeface="Times New Roman" panose="02020603050405020304" pitchFamily="18" charset="0"/>
+                <a:cs typeface="Times New Roman" panose="02020603050405020304" pitchFamily="18" charset="0"/>
+              </a:rPr>
+              <a:t>;</a:t>
+            </a:r>
+            <a:endParaRPr lang="ru-RU" dirty="0">
+              <a:latin typeface="Times New Roman" panose="02020603050405020304" pitchFamily="18" charset="0"/>
+              <a:cs typeface="Times New Roman" panose="02020603050405020304" pitchFamily="18" charset="0"/>
+            </a:endParaRPr>
+          </a:p>
+          <a:p>
+            <a:pPr marL="342900" indent="-342900">
+              <a:buFont typeface="+mj-lt"/>
+              <a:buAutoNum type="arabicParenR"/>
+            </a:pPr>
+            <a:r>
+              <a:rPr lang="ru-RU" b="1" i="1" dirty="0">
+                <a:latin typeface="Times New Roman" panose="02020603050405020304" pitchFamily="18" charset="0"/>
+                <a:cs typeface="Times New Roman" panose="02020603050405020304" pitchFamily="18" charset="0"/>
+              </a:rPr>
+              <a:t>алгоритм, использующий теневой </a:t>
+            </a:r>
+            <a:r>
+              <a:rPr lang="en-US" b="1" i="1" dirty="0">
+                <a:latin typeface="Times New Roman" panose="02020603050405020304" pitchFamily="18" charset="0"/>
+                <a:cs typeface="Times New Roman" panose="02020603050405020304" pitchFamily="18" charset="0"/>
+              </a:rPr>
+              <a:t>z-</a:t>
+            </a:r>
+            <a:r>
+              <a:rPr lang="ru-RU" b="1" i="1" dirty="0">
+                <a:latin typeface="Times New Roman" panose="02020603050405020304" pitchFamily="18" charset="0"/>
+                <a:cs typeface="Times New Roman" panose="02020603050405020304" pitchFamily="18" charset="0"/>
+              </a:rPr>
+              <a:t>буфер</a:t>
+            </a:r>
+            <a:r>
+              <a:rPr lang="ru-RU" dirty="0">
+                <a:latin typeface="Times New Roman" panose="02020603050405020304" pitchFamily="18" charset="0"/>
+                <a:cs typeface="Times New Roman" panose="02020603050405020304" pitchFamily="18" charset="0"/>
+              </a:rPr>
+              <a:t>.</a:t>
+            </a:r>
+          </a:p>
+        </p:txBody>
+      </p:sp>
+      <p:pic>
+        <p:nvPicPr>
+          <p:cNvPr id="19" name="Picture 2" descr="5.4. Алгоритм, использующий z–буфер">
+            <a:extLst>
+              <a:ext uri="{FF2B5EF4-FFF2-40B4-BE49-F238E27FC236}">
+                <a16:creationId xmlns:a16="http://schemas.microsoft.com/office/drawing/2014/main" id="{6F16BDD2-1119-4E8E-AAA2-701073FE16D9}"/>
+              </a:ext>
+            </a:extLst>
+          </p:cNvPr>
+          <p:cNvPicPr>
+            <a:picLocks noChangeAspect="1" noChangeArrowheads="1"/>
+          </p:cNvPicPr>
+          <p:nvPr/>
+        </p:nvPicPr>
+        <p:blipFill>
+          <a:blip r:embed="rId2">
+            <a:extLst>
+              <a:ext uri="{28A0092B-C50C-407E-A947-70E740481C1C}">
+                <a14:useLocalDpi xmlns:a14="http://schemas.microsoft.com/office/drawing/2010/main" val="0"/>
+              </a:ext>
+            </a:extLst>
+          </a:blip>
+          <a:srcRect/>
+          <a:stretch>
+            <a:fillRect/>
+          </a:stretch>
+        </p:blipFill>
+        <p:spPr bwMode="auto">
+          <a:xfrm>
+            <a:off x="550335" y="3672083"/>
+            <a:ext cx="5515187" cy="2138854"/>
+          </a:xfrm>
+          <a:prstGeom prst="rect">
+            <a:avLst/>
+          </a:prstGeom>
+          <a:ln w="38100" cap="sq">
+            <a:solidFill>
+              <a:srgbClr val="000000"/>
+            </a:solidFill>
+            <a:prstDash val="solid"/>
+            <a:miter lim="800000"/>
+          </a:ln>
+          <a:effectLst>
+            <a:outerShdw blurRad="50800" dist="38100" dir="2700000" algn="tl" rotWithShape="0">
+              <a:srgbClr val="000000">
+                <a:alpha val="43000"/>
+              </a:srgbClr>
+            </a:outerShdw>
+          </a:effectLst>
+          <a:extLst>
+            <a:ext uri="{909E8E84-426E-40DD-AFC4-6F175D3DCCD1}">
+              <a14:hiddenFill xmlns:a14="http://schemas.microsoft.com/office/drawing/2010/main">
+                <a:solidFill>
+                  <a:srgbClr val="FFFFFF"/>
+                </a:solidFill>
+              </a14:hiddenFill>
+            </a:ext>
+          </a:extLst>
+        </p:spPr>
+      </p:pic>
+      <p:pic>
+        <p:nvPicPr>
+          <p:cNvPr id="20" name="Рисунок 19">
+            <a:extLst>
+              <a:ext uri="{FF2B5EF4-FFF2-40B4-BE49-F238E27FC236}">
+                <a16:creationId xmlns:a16="http://schemas.microsoft.com/office/drawing/2014/main" id="{D1C5F432-9DBB-4067-8F26-EE6BDBFA05C7}"/>
+              </a:ext>
+            </a:extLst>
+          </p:cNvPr>
+          <p:cNvPicPr>
+            <a:picLocks noChangeAspect="1"/>
+          </p:cNvPicPr>
+          <p:nvPr/>
+        </p:nvPicPr>
+        <p:blipFill>
+          <a:blip r:embed="rId3"/>
+          <a:stretch>
+            <a:fillRect/>
+          </a:stretch>
+        </p:blipFill>
+        <p:spPr>
+          <a:xfrm>
+            <a:off x="6536268" y="3672084"/>
+            <a:ext cx="5029199" cy="2143566"/>
+          </a:xfrm>
+          <a:prstGeom prst="rect">
+            <a:avLst/>
+          </a:prstGeom>
+          <a:ln w="38100" cap="sq">
+            <a:solidFill>
+              <a:srgbClr val="000000"/>
+            </a:solidFill>
+            <a:prstDash val="solid"/>
+            <a:miter lim="800000"/>
+          </a:ln>
+          <a:effectLst>
+            <a:outerShdw blurRad="50800" dist="38100" dir="2700000" algn="tl" rotWithShape="0">
+              <a:srgbClr val="000000">
+                <a:alpha val="43000"/>
+              </a:srgbClr>
+            </a:outerShdw>
+          </a:effectLst>
+        </p:spPr>
+      </p:pic>
     </p:spTree>
     <p:extLst>
       <p:ext uri="{BB962C8B-B14F-4D97-AF65-F5344CB8AC3E}">
@@ -4598,6 +9011,105 @@
                 <a:cs typeface="Times New Roman" panose="02020603050405020304" pitchFamily="18" charset="0"/>
               </a:rPr>
               <a:t>Общий алгоритм решения поставленной задачи</a:t>
+            </a:r>
+          </a:p>
+        </p:txBody>
+      </p:sp>
+      <p:sp>
+        <p:nvSpPr>
+          <p:cNvPr id="4" name="TextBox 3">
+            <a:extLst>
+              <a:ext uri="{FF2B5EF4-FFF2-40B4-BE49-F238E27FC236}">
+                <a16:creationId xmlns:a16="http://schemas.microsoft.com/office/drawing/2014/main" id="{6BC30197-6504-47B0-9E3C-9DEDDFC1A3B2}"/>
+              </a:ext>
+            </a:extLst>
+          </p:cNvPr>
+          <p:cNvSpPr txBox="1"/>
+          <p:nvPr/>
+        </p:nvSpPr>
+        <p:spPr>
+          <a:xfrm>
+            <a:off x="668866" y="1737360"/>
+            <a:ext cx="10486814" cy="2325252"/>
+          </a:xfrm>
+          <a:prstGeom prst="rect">
+            <a:avLst/>
+          </a:prstGeom>
+          <a:noFill/>
+        </p:spPr>
+        <p:txBody>
+          <a:bodyPr wrap="square">
+            <a:spAutoFit/>
+          </a:bodyPr>
+          <a:lstStyle/>
+          <a:p>
+            <a:pPr indent="450215" algn="just">
+              <a:lnSpc>
+                <a:spcPct val="150000"/>
+              </a:lnSpc>
+              <a:spcAft>
+                <a:spcPts val="800"/>
+              </a:spcAft>
+            </a:pPr>
+            <a:r>
+              <a:rPr lang="ru-RU" sz="1800" dirty="0">
+                <a:effectLst/>
+                <a:latin typeface="Times New Roman" panose="02020603050405020304" pitchFamily="18" charset="0"/>
+                <a:ea typeface="Times New Roman" panose="02020603050405020304" pitchFamily="18" charset="0"/>
+              </a:rPr>
+              <a:t>1. Задать размеры области размещения объектов</a:t>
+            </a:r>
+          </a:p>
+          <a:p>
+            <a:pPr indent="450215" algn="just">
+              <a:lnSpc>
+                <a:spcPct val="150000"/>
+              </a:lnSpc>
+              <a:spcAft>
+                <a:spcPts val="800"/>
+              </a:spcAft>
+            </a:pPr>
+            <a:r>
+              <a:rPr lang="ru-RU" sz="1800" dirty="0">
+                <a:effectLst/>
+                <a:latin typeface="Times New Roman" panose="02020603050405020304" pitchFamily="18" charset="0"/>
+                <a:ea typeface="Times New Roman" panose="02020603050405020304" pitchFamily="18" charset="0"/>
+              </a:rPr>
+              <a:t>2. Разместить объекты сцены</a:t>
+            </a:r>
+          </a:p>
+          <a:p>
+            <a:pPr indent="450215" algn="just">
+              <a:lnSpc>
+                <a:spcPct val="150000"/>
+              </a:lnSpc>
+              <a:spcAft>
+                <a:spcPts val="800"/>
+              </a:spcAft>
+            </a:pPr>
+            <a:r>
+              <a:rPr lang="ru-RU" sz="1800" dirty="0">
+                <a:effectLst/>
+                <a:latin typeface="Times New Roman" panose="02020603050405020304" pitchFamily="18" charset="0"/>
+                <a:ea typeface="Times New Roman" panose="02020603050405020304" pitchFamily="18" charset="0"/>
+              </a:rPr>
+              <a:t>3. С помощью модифицированного алгоритма, 	использующего </a:t>
+            </a:r>
+            <a:r>
+              <a:rPr lang="en-US" sz="1800" dirty="0">
+                <a:effectLst/>
+                <a:latin typeface="Times New Roman" panose="02020603050405020304" pitchFamily="18" charset="0"/>
+                <a:ea typeface="Times New Roman" panose="02020603050405020304" pitchFamily="18" charset="0"/>
+              </a:rPr>
+              <a:t>z</a:t>
+            </a:r>
+            <a:r>
+              <a:rPr lang="ru-RU" sz="1800" dirty="0">
+                <a:effectLst/>
+                <a:latin typeface="Times New Roman" panose="02020603050405020304" pitchFamily="18" charset="0"/>
+                <a:ea typeface="Times New Roman" panose="02020603050405020304" pitchFamily="18" charset="0"/>
+              </a:rPr>
+              <a:t>-буфер, определить 	падающие 	от 	объектов сцены тени и визуализировать обстановку, основываясь на текущем 	положении 	наблюдателя</a:t>
             </a:r>
           </a:p>
         </p:txBody>
@@ -4677,6 +9189,649 @@
           </a:p>
         </p:txBody>
       </p:sp>
+      <mc:AlternateContent xmlns:mc="http://schemas.openxmlformats.org/markup-compatibility/2006">
+        <mc:Choice xmlns:a14="http://schemas.microsoft.com/office/drawing/2010/main" Requires="a14">
+          <p:sp>
+            <p:nvSpPr>
+              <p:cNvPr id="4" name="TextBox 3">
+                <a:extLst>
+                  <a:ext uri="{FF2B5EF4-FFF2-40B4-BE49-F238E27FC236}">
+                    <a16:creationId xmlns:a16="http://schemas.microsoft.com/office/drawing/2014/main" id="{D47F6DB9-E0D6-41DE-A8DB-DB8F02F44F50}"/>
+                  </a:ext>
+                </a:extLst>
+              </p:cNvPr>
+              <p:cNvSpPr txBox="1"/>
+              <p:nvPr/>
+            </p:nvSpPr>
+            <p:spPr>
+              <a:xfrm>
+                <a:off x="1036320" y="1737360"/>
+                <a:ext cx="9970347" cy="3328988"/>
+              </a:xfrm>
+              <a:prstGeom prst="rect">
+                <a:avLst/>
+              </a:prstGeom>
+              <a:noFill/>
+            </p:spPr>
+            <p:txBody>
+              <a:bodyPr wrap="square">
+                <a:spAutoFit/>
+              </a:bodyPr>
+              <a:lstStyle/>
+              <a:p>
+                <a:pPr indent="450215" algn="just">
+                  <a:spcAft>
+                    <a:spcPts val="800"/>
+                  </a:spcAft>
+                </a:pPr>
+                <a:r>
+                  <a:rPr lang="ru-RU" sz="1800" dirty="0">
+                    <a:effectLst/>
+                    <a:latin typeface="Times New Roman" panose="02020603050405020304" pitchFamily="18" charset="0"/>
+                    <a:ea typeface="Times New Roman" panose="02020603050405020304" pitchFamily="18" charset="0"/>
+                  </a:rPr>
+                  <a:t>1. Всем элементам буфера кадра присвоить фоновое значение</a:t>
+                </a:r>
+              </a:p>
+              <a:p>
+                <a:pPr indent="450215" algn="just">
+                  <a:spcAft>
+                    <a:spcPts val="800"/>
+                  </a:spcAft>
+                </a:pPr>
+                <a:r>
+                  <a:rPr lang="ru-RU" sz="1800" dirty="0">
+                    <a:effectLst/>
+                    <a:latin typeface="Times New Roman" panose="02020603050405020304" pitchFamily="18" charset="0"/>
+                    <a:ea typeface="Times New Roman" panose="02020603050405020304" pitchFamily="18" charset="0"/>
+                  </a:rPr>
+                  <a:t>2. Инициализировать </a:t>
+                </a:r>
+                <a:r>
+                  <a:rPr lang="en-US" sz="1800" dirty="0">
+                    <a:effectLst/>
+                    <a:latin typeface="Times New Roman" panose="02020603050405020304" pitchFamily="18" charset="0"/>
+                    <a:ea typeface="Times New Roman" panose="02020603050405020304" pitchFamily="18" charset="0"/>
+                  </a:rPr>
+                  <a:t>z</a:t>
+                </a:r>
+                <a:r>
+                  <a:rPr lang="ru-RU" sz="1800" dirty="0">
+                    <a:effectLst/>
+                    <a:latin typeface="Times New Roman" panose="02020603050405020304" pitchFamily="18" charset="0"/>
+                    <a:ea typeface="Times New Roman" panose="02020603050405020304" pitchFamily="18" charset="0"/>
+                  </a:rPr>
+                  <a:t>-буфер минимальным значением глубины</a:t>
+                </a:r>
+              </a:p>
+              <a:p>
+                <a:pPr indent="450215" algn="just">
+                  <a:spcAft>
+                    <a:spcPts val="800"/>
+                  </a:spcAft>
+                </a:pPr>
+                <a:r>
+                  <a:rPr lang="ru-RU" sz="1800" dirty="0">
+                    <a:effectLst/>
+                    <a:latin typeface="Times New Roman" panose="02020603050405020304" pitchFamily="18" charset="0"/>
+                    <a:ea typeface="Times New Roman" panose="02020603050405020304" pitchFamily="18" charset="0"/>
+                  </a:rPr>
+                  <a:t>3. Для каждого многоугольника сцены в произвольном порядке:</a:t>
+                </a:r>
+              </a:p>
+              <a:p>
+                <a:pPr indent="450215" algn="just">
+                  <a:spcAft>
+                    <a:spcPts val="800"/>
+                  </a:spcAft>
+                </a:pPr>
+                <a:r>
+                  <a:rPr lang="ru-RU" dirty="0">
+                    <a:latin typeface="Times New Roman" panose="02020603050405020304" pitchFamily="18" charset="0"/>
+                    <a:ea typeface="Times New Roman" panose="02020603050405020304" pitchFamily="18" charset="0"/>
+                  </a:rPr>
+                  <a:t>		</a:t>
+                </a:r>
+                <a:r>
+                  <a:rPr lang="ru-RU" sz="1800" dirty="0">
+                    <a:effectLst/>
+                    <a:latin typeface="Times New Roman" panose="02020603050405020304" pitchFamily="18" charset="0"/>
+                    <a:ea typeface="Times New Roman" panose="02020603050405020304" pitchFamily="18" charset="0"/>
+                  </a:rPr>
+                  <a:t>3.1 Для каждого пикселя, который принадлежит многоугольнику вычислить 	его 				глубину </a:t>
+                </a:r>
+                <a14:m>
+                  <m:oMath xmlns:m="http://schemas.openxmlformats.org/officeDocument/2006/math">
+                    <m:r>
+                      <a:rPr lang="en-US" sz="1800" i="1">
+                        <a:effectLst/>
+                        <a:latin typeface="Cambria Math" panose="02040503050406030204" pitchFamily="18" charset="0"/>
+                        <a:ea typeface="Times New Roman" panose="02020603050405020304" pitchFamily="18" charset="0"/>
+                      </a:rPr>
+                      <m:t>𝑧</m:t>
+                    </m:r>
+                    <m:r>
+                      <a:rPr lang="ru-RU" sz="1800" i="1">
+                        <a:effectLst/>
+                        <a:latin typeface="Cambria Math" panose="02040503050406030204" pitchFamily="18" charset="0"/>
+                        <a:ea typeface="Times New Roman" panose="02020603050405020304" pitchFamily="18" charset="0"/>
+                      </a:rPr>
+                      <m:t>(</m:t>
+                    </m:r>
+                    <m:r>
+                      <a:rPr lang="en-US" sz="1800" i="1">
+                        <a:effectLst/>
+                        <a:latin typeface="Cambria Math" panose="02040503050406030204" pitchFamily="18" charset="0"/>
+                        <a:ea typeface="Times New Roman" panose="02020603050405020304" pitchFamily="18" charset="0"/>
+                      </a:rPr>
+                      <m:t>𝑥</m:t>
+                    </m:r>
+                    <m:r>
+                      <a:rPr lang="ru-RU" sz="1800" i="1">
+                        <a:effectLst/>
+                        <a:latin typeface="Cambria Math" panose="02040503050406030204" pitchFamily="18" charset="0"/>
+                        <a:ea typeface="Times New Roman" panose="02020603050405020304" pitchFamily="18" charset="0"/>
+                      </a:rPr>
+                      <m:t>, </m:t>
+                    </m:r>
+                    <m:r>
+                      <a:rPr lang="en-US" sz="1800" i="1">
+                        <a:effectLst/>
+                        <a:latin typeface="Cambria Math" panose="02040503050406030204" pitchFamily="18" charset="0"/>
+                        <a:ea typeface="Times New Roman" panose="02020603050405020304" pitchFamily="18" charset="0"/>
+                      </a:rPr>
+                      <m:t>𝑦</m:t>
+                    </m:r>
+                    <m:r>
+                      <a:rPr lang="ru-RU" sz="1800" i="1">
+                        <a:effectLst/>
+                        <a:latin typeface="Cambria Math" panose="02040503050406030204" pitchFamily="18" charset="0"/>
+                        <a:ea typeface="Times New Roman" panose="02020603050405020304" pitchFamily="18" charset="0"/>
+                      </a:rPr>
+                      <m:t>)</m:t>
+                    </m:r>
+                  </m:oMath>
+                </a14:m>
+                <a:endParaRPr lang="ru-RU" sz="1800" dirty="0">
+                  <a:effectLst/>
+                  <a:latin typeface="Times New Roman" panose="02020603050405020304" pitchFamily="18" charset="0"/>
+                  <a:ea typeface="Times New Roman" panose="02020603050405020304" pitchFamily="18" charset="0"/>
+                </a:endParaRPr>
+              </a:p>
+              <a:p>
+                <a:pPr indent="450215" algn="just">
+                  <a:spcAft>
+                    <a:spcPts val="800"/>
+                  </a:spcAft>
+                </a:pPr>
+                <a:r>
+                  <a:rPr lang="ru-RU" sz="1800" i="1" dirty="0">
+                    <a:effectLst/>
+                    <a:latin typeface="Times New Roman" panose="02020603050405020304" pitchFamily="18" charset="0"/>
+                    <a:ea typeface="Times New Roman" panose="02020603050405020304" pitchFamily="18" charset="0"/>
+                  </a:rPr>
+                  <a:t>		</a:t>
+                </a:r>
+                <a:r>
+                  <a:rPr lang="ru-RU" sz="1800" dirty="0">
+                    <a:effectLst/>
+                    <a:latin typeface="Times New Roman" panose="02020603050405020304" pitchFamily="18" charset="0"/>
+                    <a:ea typeface="Times New Roman" panose="02020603050405020304" pitchFamily="18" charset="0"/>
+                  </a:rPr>
+                  <a:t>3.2 Сравнить вычисленную глубину пикселя со значением, которое </a:t>
+                </a:r>
+              </a:p>
+              <a:p>
+                <a:pPr indent="450215" algn="just">
+                  <a:spcAft>
+                    <a:spcPts val="800"/>
+                  </a:spcAft>
+                  <a:tabLst>
+                    <a:tab pos="449580" algn="l"/>
+                    <a:tab pos="899160" algn="l"/>
+                    <a:tab pos="1348740" algn="l"/>
+                    <a:tab pos="1798320" algn="l"/>
+                    <a:tab pos="2247900" algn="l"/>
+                    <a:tab pos="3284855" algn="ctr"/>
+                  </a:tabLst>
+                </a:pPr>
+                <a:r>
+                  <a:rPr lang="ru-RU" sz="1800" dirty="0">
+                    <a:effectLst/>
+                    <a:latin typeface="Times New Roman" panose="02020603050405020304" pitchFamily="18" charset="0"/>
+                    <a:ea typeface="Times New Roman" panose="02020603050405020304" pitchFamily="18" charset="0"/>
+                  </a:rPr>
+                  <a:t>	находится в </a:t>
+                </a:r>
+                <a:r>
+                  <a:rPr lang="en-US" sz="1800" dirty="0">
+                    <a:effectLst/>
+                    <a:latin typeface="Times New Roman" panose="02020603050405020304" pitchFamily="18" charset="0"/>
+                    <a:ea typeface="Times New Roman" panose="02020603050405020304" pitchFamily="18" charset="0"/>
+                  </a:rPr>
+                  <a:t>z</a:t>
+                </a:r>
+                <a:r>
+                  <a:rPr lang="ru-RU" sz="1800" dirty="0">
+                    <a:effectLst/>
+                    <a:latin typeface="Times New Roman" panose="02020603050405020304" pitchFamily="18" charset="0"/>
+                    <a:ea typeface="Times New Roman" panose="02020603050405020304" pitchFamily="18" charset="0"/>
+                  </a:rPr>
+                  <a:t>-буфере:	</a:t>
+                </a:r>
+              </a:p>
+              <a:p>
+                <a:pPr indent="450215" algn="just">
+                  <a:spcAft>
+                    <a:spcPts val="800"/>
+                  </a:spcAft>
+                </a:pPr>
+                <a:r>
+                  <a:rPr lang="ru-RU" sz="1800" dirty="0">
+                    <a:effectLst/>
+                    <a:latin typeface="Times New Roman" panose="02020603050405020304" pitchFamily="18" charset="0"/>
+                    <a:ea typeface="Times New Roman" panose="02020603050405020304" pitchFamily="18" charset="0"/>
+                  </a:rPr>
+                  <a:t>			Если </a:t>
+                </a:r>
+                <a14:m>
+                  <m:oMath xmlns:m="http://schemas.openxmlformats.org/officeDocument/2006/math">
+                    <m:r>
+                      <a:rPr lang="ru-RU" sz="1800" i="1">
+                        <a:effectLst/>
+                        <a:latin typeface="Cambria Math" panose="02040503050406030204" pitchFamily="18" charset="0"/>
+                        <a:ea typeface="Times New Roman" panose="02020603050405020304" pitchFamily="18" charset="0"/>
+                      </a:rPr>
+                      <m:t>𝑧</m:t>
+                    </m:r>
+                    <m:d>
+                      <m:dPr>
+                        <m:ctrlPr>
+                          <a:rPr lang="ru-RU" sz="1800" i="1">
+                            <a:effectLst/>
+                            <a:latin typeface="Cambria Math" panose="02040503050406030204" pitchFamily="18" charset="0"/>
+                            <a:ea typeface="Times New Roman" panose="02020603050405020304" pitchFamily="18" charset="0"/>
+                          </a:rPr>
+                        </m:ctrlPr>
+                      </m:dPr>
+                      <m:e>
+                        <m:r>
+                          <a:rPr lang="ru-RU" sz="1800" i="1">
+                            <a:effectLst/>
+                            <a:latin typeface="Cambria Math" panose="02040503050406030204" pitchFamily="18" charset="0"/>
+                            <a:ea typeface="Times New Roman" panose="02020603050405020304" pitchFamily="18" charset="0"/>
+                          </a:rPr>
+                          <m:t>𝑥</m:t>
+                        </m:r>
+                        <m:r>
+                          <a:rPr lang="ru-RU" sz="1800" i="1">
+                            <a:effectLst/>
+                            <a:latin typeface="Cambria Math" panose="02040503050406030204" pitchFamily="18" charset="0"/>
+                            <a:ea typeface="Times New Roman" panose="02020603050405020304" pitchFamily="18" charset="0"/>
+                          </a:rPr>
+                          <m:t>, </m:t>
+                        </m:r>
+                        <m:r>
+                          <a:rPr lang="ru-RU" sz="1800" i="1">
+                            <a:effectLst/>
+                            <a:latin typeface="Cambria Math" panose="02040503050406030204" pitchFamily="18" charset="0"/>
+                            <a:ea typeface="Times New Roman" panose="02020603050405020304" pitchFamily="18" charset="0"/>
+                          </a:rPr>
+                          <m:t>𝑦</m:t>
+                        </m:r>
+                      </m:e>
+                    </m:d>
+                    <m:r>
+                      <a:rPr lang="ru-RU" sz="1800" i="1">
+                        <a:effectLst/>
+                        <a:latin typeface="Cambria Math" panose="02040503050406030204" pitchFamily="18" charset="0"/>
+                        <a:ea typeface="Times New Roman" panose="02020603050405020304" pitchFamily="18" charset="0"/>
+                      </a:rPr>
+                      <m:t>&gt;</m:t>
+                    </m:r>
+                    <m:sSub>
+                      <m:sSubPr>
+                        <m:ctrlPr>
+                          <a:rPr lang="ru-RU" sz="1800" i="1">
+                            <a:effectLst/>
+                            <a:latin typeface="Cambria Math" panose="02040503050406030204" pitchFamily="18" charset="0"/>
+                            <a:ea typeface="Times New Roman" panose="02020603050405020304" pitchFamily="18" charset="0"/>
+                          </a:rPr>
+                        </m:ctrlPr>
+                      </m:sSubPr>
+                      <m:e>
+                        <m:r>
+                          <a:rPr lang="ru-RU" sz="1800" i="1">
+                            <a:effectLst/>
+                            <a:latin typeface="Cambria Math" panose="02040503050406030204" pitchFamily="18" charset="0"/>
+                            <a:ea typeface="Times New Roman" panose="02020603050405020304" pitchFamily="18" charset="0"/>
+                          </a:rPr>
+                          <m:t>𝑧</m:t>
+                        </m:r>
+                      </m:e>
+                      <m:sub>
+                        <m:r>
+                          <a:rPr lang="ru-RU" sz="1800" i="1">
+                            <a:effectLst/>
+                            <a:latin typeface="Cambria Math" panose="02040503050406030204" pitchFamily="18" charset="0"/>
+                            <a:ea typeface="Times New Roman" panose="02020603050405020304" pitchFamily="18" charset="0"/>
+                          </a:rPr>
+                          <m:t>буф</m:t>
+                        </m:r>
+                      </m:sub>
+                    </m:sSub>
+                    <m:r>
+                      <a:rPr lang="ru-RU" sz="1800" i="1">
+                        <a:effectLst/>
+                        <a:latin typeface="Cambria Math" panose="02040503050406030204" pitchFamily="18" charset="0"/>
+                        <a:ea typeface="Times New Roman" panose="02020603050405020304" pitchFamily="18" charset="0"/>
+                      </a:rPr>
+                      <m:t>(</m:t>
+                    </m:r>
+                    <m:r>
+                      <a:rPr lang="en-US" sz="1800" i="1">
+                        <a:effectLst/>
+                        <a:latin typeface="Cambria Math" panose="02040503050406030204" pitchFamily="18" charset="0"/>
+                        <a:ea typeface="Times New Roman" panose="02020603050405020304" pitchFamily="18" charset="0"/>
+                      </a:rPr>
+                      <m:t>𝑥</m:t>
+                    </m:r>
+                    <m:r>
+                      <a:rPr lang="ru-RU" sz="1800" i="1">
+                        <a:effectLst/>
+                        <a:latin typeface="Cambria Math" panose="02040503050406030204" pitchFamily="18" charset="0"/>
+                        <a:ea typeface="Times New Roman" panose="02020603050405020304" pitchFamily="18" charset="0"/>
+                      </a:rPr>
+                      <m:t>,</m:t>
+                    </m:r>
+                    <m:r>
+                      <a:rPr lang="en-US" sz="1800" i="1">
+                        <a:effectLst/>
+                        <a:latin typeface="Cambria Math" panose="02040503050406030204" pitchFamily="18" charset="0"/>
+                        <a:ea typeface="Times New Roman" panose="02020603050405020304" pitchFamily="18" charset="0"/>
+                      </a:rPr>
+                      <m:t>𝑦</m:t>
+                    </m:r>
+                    <m:r>
+                      <a:rPr lang="ru-RU" sz="1800" i="1">
+                        <a:effectLst/>
+                        <a:latin typeface="Cambria Math" panose="02040503050406030204" pitchFamily="18" charset="0"/>
+                        <a:ea typeface="Times New Roman" panose="02020603050405020304" pitchFamily="18" charset="0"/>
+                      </a:rPr>
+                      <m:t>)</m:t>
+                    </m:r>
+                  </m:oMath>
+                </a14:m>
+                <a:r>
+                  <a:rPr lang="ru-RU" sz="1800" dirty="0">
+                    <a:effectLst/>
+                    <a:latin typeface="Times New Roman" panose="02020603050405020304" pitchFamily="18" charset="0"/>
+                    <a:ea typeface="Times New Roman" panose="02020603050405020304" pitchFamily="18" charset="0"/>
+                  </a:rPr>
+                  <a:t>, то </a:t>
+                </a:r>
+                <a14:m>
+                  <m:oMath xmlns:m="http://schemas.openxmlformats.org/officeDocument/2006/math">
+                    <m:sSub>
+                      <m:sSubPr>
+                        <m:ctrlPr>
+                          <a:rPr lang="ru-RU" sz="1800" i="1">
+                            <a:effectLst/>
+                            <a:latin typeface="Cambria Math" panose="02040503050406030204" pitchFamily="18" charset="0"/>
+                            <a:ea typeface="Times New Roman" panose="02020603050405020304" pitchFamily="18" charset="0"/>
+                          </a:rPr>
+                        </m:ctrlPr>
+                      </m:sSubPr>
+                      <m:e>
+                        <m:r>
+                          <a:rPr lang="ru-RU" sz="1800" i="1">
+                            <a:effectLst/>
+                            <a:latin typeface="Cambria Math" panose="02040503050406030204" pitchFamily="18" charset="0"/>
+                            <a:ea typeface="Times New Roman" panose="02020603050405020304" pitchFamily="18" charset="0"/>
+                          </a:rPr>
+                          <m:t>𝑧</m:t>
+                        </m:r>
+                      </m:e>
+                      <m:sub>
+                        <m:r>
+                          <a:rPr lang="ru-RU" sz="1800" i="1">
+                            <a:effectLst/>
+                            <a:latin typeface="Cambria Math" panose="02040503050406030204" pitchFamily="18" charset="0"/>
+                            <a:ea typeface="Times New Roman" panose="02020603050405020304" pitchFamily="18" charset="0"/>
+                          </a:rPr>
+                          <m:t>буф</m:t>
+                        </m:r>
+                      </m:sub>
+                    </m:sSub>
+                    <m:d>
+                      <m:dPr>
+                        <m:ctrlPr>
+                          <a:rPr lang="ru-RU" sz="1800" i="1">
+                            <a:effectLst/>
+                            <a:latin typeface="Cambria Math" panose="02040503050406030204" pitchFamily="18" charset="0"/>
+                            <a:ea typeface="Times New Roman" panose="02020603050405020304" pitchFamily="18" charset="0"/>
+                          </a:rPr>
+                        </m:ctrlPr>
+                      </m:dPr>
+                      <m:e>
+                        <m:r>
+                          <a:rPr lang="en-US" sz="1800" i="1">
+                            <a:effectLst/>
+                            <a:latin typeface="Cambria Math" panose="02040503050406030204" pitchFamily="18" charset="0"/>
+                            <a:ea typeface="Times New Roman" panose="02020603050405020304" pitchFamily="18" charset="0"/>
+                          </a:rPr>
+                          <m:t>𝑥</m:t>
+                        </m:r>
+                        <m:r>
+                          <a:rPr lang="ru-RU" sz="1800" i="1">
+                            <a:effectLst/>
+                            <a:latin typeface="Cambria Math" panose="02040503050406030204" pitchFamily="18" charset="0"/>
+                            <a:ea typeface="Times New Roman" panose="02020603050405020304" pitchFamily="18" charset="0"/>
+                          </a:rPr>
+                          <m:t>,</m:t>
+                        </m:r>
+                        <m:r>
+                          <a:rPr lang="en-US" sz="1800" i="1">
+                            <a:effectLst/>
+                            <a:latin typeface="Cambria Math" panose="02040503050406030204" pitchFamily="18" charset="0"/>
+                            <a:ea typeface="Times New Roman" panose="02020603050405020304" pitchFamily="18" charset="0"/>
+                          </a:rPr>
+                          <m:t>𝑦</m:t>
+                        </m:r>
+                      </m:e>
+                    </m:d>
+                    <m:r>
+                      <a:rPr lang="ru-RU" sz="1800" i="1">
+                        <a:effectLst/>
+                        <a:latin typeface="Cambria Math" panose="02040503050406030204" pitchFamily="18" charset="0"/>
+                        <a:ea typeface="Times New Roman" panose="02020603050405020304" pitchFamily="18" charset="0"/>
+                      </a:rPr>
+                      <m:t>=</m:t>
+                    </m:r>
+                    <m:r>
+                      <a:rPr lang="en-US" sz="1800" i="1">
+                        <a:effectLst/>
+                        <a:latin typeface="Cambria Math" panose="02040503050406030204" pitchFamily="18" charset="0"/>
+                        <a:ea typeface="Times New Roman" panose="02020603050405020304" pitchFamily="18" charset="0"/>
+                      </a:rPr>
+                      <m:t>𝑧</m:t>
+                    </m:r>
+                    <m:r>
+                      <a:rPr lang="ru-RU" sz="1800" i="1">
+                        <a:effectLst/>
+                        <a:latin typeface="Cambria Math" panose="02040503050406030204" pitchFamily="18" charset="0"/>
+                        <a:ea typeface="Times New Roman" panose="02020603050405020304" pitchFamily="18" charset="0"/>
+                      </a:rPr>
+                      <m:t>(</m:t>
+                    </m:r>
+                    <m:r>
+                      <a:rPr lang="en-US" sz="1800" i="1">
+                        <a:effectLst/>
+                        <a:latin typeface="Cambria Math" panose="02040503050406030204" pitchFamily="18" charset="0"/>
+                        <a:ea typeface="Times New Roman" panose="02020603050405020304" pitchFamily="18" charset="0"/>
+                      </a:rPr>
+                      <m:t>𝑥</m:t>
+                    </m:r>
+                    <m:r>
+                      <a:rPr lang="ru-RU" sz="1800" i="1">
+                        <a:effectLst/>
+                        <a:latin typeface="Cambria Math" panose="02040503050406030204" pitchFamily="18" charset="0"/>
+                        <a:ea typeface="Times New Roman" panose="02020603050405020304" pitchFamily="18" charset="0"/>
+                      </a:rPr>
+                      <m:t>,</m:t>
+                    </m:r>
+                    <m:r>
+                      <a:rPr lang="en-US" sz="1800" i="1">
+                        <a:effectLst/>
+                        <a:latin typeface="Cambria Math" panose="02040503050406030204" pitchFamily="18" charset="0"/>
+                        <a:ea typeface="Times New Roman" panose="02020603050405020304" pitchFamily="18" charset="0"/>
+                      </a:rPr>
+                      <m:t>𝑦</m:t>
+                    </m:r>
+                    <m:r>
+                      <a:rPr lang="ru-RU" sz="1800" i="1">
+                        <a:effectLst/>
+                        <a:latin typeface="Cambria Math" panose="02040503050406030204" pitchFamily="18" charset="0"/>
+                        <a:ea typeface="Times New Roman" panose="02020603050405020304" pitchFamily="18" charset="0"/>
+                      </a:rPr>
+                      <m:t>)</m:t>
+                    </m:r>
+                  </m:oMath>
+                </a14:m>
+                <a:r>
+                  <a:rPr lang="ru-RU" sz="1800" dirty="0">
+                    <a:effectLst/>
+                    <a:latin typeface="Times New Roman" panose="02020603050405020304" pitchFamily="18" charset="0"/>
+                    <a:ea typeface="Times New Roman" panose="02020603050405020304" pitchFamily="18" charset="0"/>
+                  </a:rPr>
+                  <a:t> и 	</a:t>
+                </a:r>
+                <a14:m>
+                  <m:oMath xmlns:m="http://schemas.openxmlformats.org/officeDocument/2006/math">
+                    <m:r>
+                      <a:rPr lang="ru-RU" sz="1800" i="1">
+                        <a:effectLst/>
+                        <a:latin typeface="Cambria Math" panose="02040503050406030204" pitchFamily="18" charset="0"/>
+                        <a:ea typeface="Times New Roman" panose="02020603050405020304" pitchFamily="18" charset="0"/>
+                      </a:rPr>
+                      <m:t>цвет</m:t>
+                    </m:r>
+                    <m:d>
+                      <m:dPr>
+                        <m:ctrlPr>
+                          <a:rPr lang="ru-RU" sz="1800" i="1">
+                            <a:effectLst/>
+                            <a:latin typeface="Cambria Math" panose="02040503050406030204" pitchFamily="18" charset="0"/>
+                            <a:ea typeface="Times New Roman" panose="02020603050405020304" pitchFamily="18" charset="0"/>
+                          </a:rPr>
+                        </m:ctrlPr>
+                      </m:dPr>
+                      <m:e>
+                        <m:r>
+                          <a:rPr lang="en-US" sz="1800" i="1">
+                            <a:effectLst/>
+                            <a:latin typeface="Cambria Math" panose="02040503050406030204" pitchFamily="18" charset="0"/>
+                            <a:ea typeface="Times New Roman" panose="02020603050405020304" pitchFamily="18" charset="0"/>
+                          </a:rPr>
+                          <m:t>𝑥</m:t>
+                        </m:r>
+                        <m:r>
+                          <a:rPr lang="ru-RU" sz="1800" i="1">
+                            <a:effectLst/>
+                            <a:latin typeface="Cambria Math" panose="02040503050406030204" pitchFamily="18" charset="0"/>
+                            <a:ea typeface="Times New Roman" panose="02020603050405020304" pitchFamily="18" charset="0"/>
+                          </a:rPr>
+                          <m:t>,</m:t>
+                        </m:r>
+                        <m:r>
+                          <a:rPr lang="en-US" sz="1800" i="1">
+                            <a:effectLst/>
+                            <a:latin typeface="Cambria Math" panose="02040503050406030204" pitchFamily="18" charset="0"/>
+                            <a:ea typeface="Times New Roman" panose="02020603050405020304" pitchFamily="18" charset="0"/>
+                          </a:rPr>
+                          <m:t>𝑦</m:t>
+                        </m:r>
+                      </m:e>
+                    </m:d>
+                    <m:r>
+                      <a:rPr lang="ru-RU" sz="1800" i="1">
+                        <a:effectLst/>
+                        <a:latin typeface="Cambria Math" panose="02040503050406030204" pitchFamily="18" charset="0"/>
+                        <a:ea typeface="Times New Roman" panose="02020603050405020304" pitchFamily="18" charset="0"/>
+                      </a:rPr>
+                      <m:t>=опрЦвет</m:t>
+                    </m:r>
+                  </m:oMath>
+                </a14:m>
+                <a:endParaRPr lang="ru-RU" sz="1800" dirty="0">
+                  <a:effectLst/>
+                  <a:latin typeface="Times New Roman" panose="02020603050405020304" pitchFamily="18" charset="0"/>
+                  <a:ea typeface="Times New Roman" panose="02020603050405020304" pitchFamily="18" charset="0"/>
+                </a:endParaRPr>
+              </a:p>
+              <a:p>
+                <a:pPr indent="450215" algn="just">
+                  <a:spcAft>
+                    <a:spcPts val="800"/>
+                  </a:spcAft>
+                </a:pPr>
+                <a:r>
+                  <a:rPr lang="ru-RU" sz="1800" dirty="0">
+                    <a:effectLst/>
+                    <a:latin typeface="Times New Roman" panose="02020603050405020304" pitchFamily="18" charset="0"/>
+                    <a:ea typeface="Times New Roman" panose="02020603050405020304" pitchFamily="18" charset="0"/>
+                  </a:rPr>
+                  <a:t>4. Вывести итоговое изображение</a:t>
+                </a:r>
+              </a:p>
+            </p:txBody>
+          </p:sp>
+        </mc:Choice>
+        <mc:Fallback>
+          <p:sp>
+            <p:nvSpPr>
+              <p:cNvPr id="4" name="TextBox 3">
+                <a:extLst>
+                  <a:ext uri="{FF2B5EF4-FFF2-40B4-BE49-F238E27FC236}">
+                    <a16:creationId xmlns:a16="http://schemas.microsoft.com/office/drawing/2014/main" id="{D47F6DB9-E0D6-41DE-A8DB-DB8F02F44F50}"/>
+                  </a:ext>
+                </a:extLst>
+              </p:cNvPr>
+              <p:cNvSpPr txBox="1">
+                <a:spLocks noRot="1" noChangeAspect="1" noMove="1" noResize="1" noEditPoints="1" noAdjustHandles="1" noChangeArrowheads="1" noChangeShapeType="1" noTextEdit="1"/>
+              </p:cNvSpPr>
+              <p:nvPr/>
+            </p:nvSpPr>
+            <p:spPr>
+              <a:xfrm>
+                <a:off x="1036320" y="1737360"/>
+                <a:ext cx="9970347" cy="3328988"/>
+              </a:xfrm>
+              <a:prstGeom prst="rect">
+                <a:avLst/>
+              </a:prstGeom>
+              <a:blipFill>
+                <a:blip r:embed="rId2"/>
+                <a:stretch>
+                  <a:fillRect t="-916" b="-2015"/>
+                </a:stretch>
+              </a:blipFill>
+            </p:spPr>
+            <p:txBody>
+              <a:bodyPr/>
+              <a:lstStyle/>
+              <a:p>
+                <a:r>
+                  <a:rPr lang="ru-RU">
+                    <a:noFill/>
+                  </a:rPr>
+                  <a:t> </a:t>
+                </a:r>
+              </a:p>
+            </p:txBody>
+          </p:sp>
+        </mc:Fallback>
+      </mc:AlternateContent>
     </p:spTree>
     <p:extLst>
       <p:ext uri="{BB962C8B-B14F-4D97-AF65-F5344CB8AC3E}">
@@ -4752,6 +9907,855 @@
           </a:p>
         </p:txBody>
       </p:sp>
+      <mc:AlternateContent xmlns:mc="http://schemas.openxmlformats.org/markup-compatibility/2006">
+        <mc:Choice xmlns:a14="http://schemas.microsoft.com/office/drawing/2010/main" Requires="a14">
+          <p:sp>
+            <p:nvSpPr>
+              <p:cNvPr id="4" name="TextBox 3">
+                <a:extLst>
+                  <a:ext uri="{FF2B5EF4-FFF2-40B4-BE49-F238E27FC236}">
+                    <a16:creationId xmlns:a16="http://schemas.microsoft.com/office/drawing/2014/main" id="{1CF43661-39E2-424C-8FA7-0692AAF121E9}"/>
+                  </a:ext>
+                </a:extLst>
+              </p:cNvPr>
+              <p:cNvSpPr txBox="1"/>
+              <p:nvPr/>
+            </p:nvSpPr>
+            <p:spPr>
+              <a:xfrm>
+                <a:off x="1036320" y="1737360"/>
+                <a:ext cx="9961880" cy="4185505"/>
+              </a:xfrm>
+              <a:prstGeom prst="rect">
+                <a:avLst/>
+              </a:prstGeom>
+              <a:noFill/>
+            </p:spPr>
+            <p:txBody>
+              <a:bodyPr wrap="square">
+                <a:spAutoFit/>
+              </a:bodyPr>
+              <a:lstStyle/>
+              <a:p>
+                <a:pPr indent="450215" algn="just">
+                  <a:spcAft>
+                    <a:spcPts val="800"/>
+                  </a:spcAft>
+                </a:pPr>
+                <a:r>
+                  <a:rPr lang="ru-RU" sz="1800" dirty="0">
+                    <a:effectLst/>
+                    <a:latin typeface="Times New Roman" panose="02020603050405020304" pitchFamily="18" charset="0"/>
+                    <a:ea typeface="Times New Roman" panose="02020603050405020304" pitchFamily="18" charset="0"/>
+                  </a:rPr>
+                  <a:t>1. Для каждого направленного источника света:</a:t>
+                </a:r>
+              </a:p>
+              <a:p>
+                <a:pPr indent="449580" algn="just">
+                  <a:spcAft>
+                    <a:spcPts val="800"/>
+                  </a:spcAft>
+                </a:pPr>
+                <a:r>
+                  <a:rPr lang="ru-RU" sz="1800" dirty="0">
+                    <a:effectLst/>
+                    <a:latin typeface="Times New Roman" panose="02020603050405020304" pitchFamily="18" charset="0"/>
+                    <a:ea typeface="Times New Roman" panose="02020603050405020304" pitchFamily="18" charset="0"/>
+                  </a:rPr>
+                  <a:t>		1.1 Инициализировать теневой </a:t>
+                </a:r>
+                <a:r>
+                  <a:rPr lang="en-US" sz="1800" dirty="0">
+                    <a:effectLst/>
+                    <a:latin typeface="Times New Roman" panose="02020603050405020304" pitchFamily="18" charset="0"/>
+                    <a:ea typeface="Times New Roman" panose="02020603050405020304" pitchFamily="18" charset="0"/>
+                  </a:rPr>
+                  <a:t>z</a:t>
+                </a:r>
+                <a:r>
+                  <a:rPr lang="ru-RU" sz="1800" dirty="0">
+                    <a:effectLst/>
+                    <a:latin typeface="Times New Roman" panose="02020603050405020304" pitchFamily="18" charset="0"/>
+                    <a:ea typeface="Times New Roman" panose="02020603050405020304" pitchFamily="18" charset="0"/>
+                  </a:rPr>
+                  <a:t>-буфер минимальным значением глубины</a:t>
+                </a:r>
+              </a:p>
+              <a:p>
+                <a:pPr indent="450215" algn="just">
+                  <a:spcAft>
+                    <a:spcPts val="800"/>
+                  </a:spcAft>
+                </a:pPr>
+                <a:r>
+                  <a:rPr lang="ru-RU" sz="1800" dirty="0">
+                    <a:effectLst/>
+                    <a:latin typeface="Times New Roman" panose="02020603050405020304" pitchFamily="18" charset="0"/>
+                    <a:ea typeface="Times New Roman" panose="02020603050405020304" pitchFamily="18" charset="0"/>
+                  </a:rPr>
+                  <a:t>		1.2 Определить теневой </a:t>
+                </a:r>
+                <a:r>
+                  <a:rPr lang="en-US" sz="1800" dirty="0">
+                    <a:effectLst/>
+                    <a:latin typeface="Times New Roman" panose="02020603050405020304" pitchFamily="18" charset="0"/>
+                    <a:ea typeface="Times New Roman" panose="02020603050405020304" pitchFamily="18" charset="0"/>
+                  </a:rPr>
+                  <a:t>z</a:t>
+                </a:r>
+                <a:r>
+                  <a:rPr lang="ru-RU" sz="1800" dirty="0">
+                    <a:effectLst/>
+                    <a:latin typeface="Times New Roman" panose="02020603050405020304" pitchFamily="18" charset="0"/>
+                    <a:ea typeface="Times New Roman" panose="02020603050405020304" pitchFamily="18" charset="0"/>
+                  </a:rPr>
+                  <a:t>-буфер для источника</a:t>
+                </a:r>
+              </a:p>
+              <a:p>
+                <a:pPr indent="450215" algn="just">
+                  <a:spcAft>
+                    <a:spcPts val="800"/>
+                  </a:spcAft>
+                </a:pPr>
+                <a:r>
+                  <a:rPr lang="ru-RU" sz="1800" dirty="0">
+                    <a:effectLst/>
+                    <a:latin typeface="Times New Roman" panose="02020603050405020304" pitchFamily="18" charset="0"/>
+                    <a:ea typeface="Times New Roman" panose="02020603050405020304" pitchFamily="18" charset="0"/>
+                  </a:rPr>
+                  <a:t>2. Выполнить алгоритм </a:t>
+                </a:r>
+                <a:r>
+                  <a:rPr lang="en-US" sz="1800" dirty="0">
+                    <a:effectLst/>
+                    <a:latin typeface="Times New Roman" panose="02020603050405020304" pitchFamily="18" charset="0"/>
+                    <a:ea typeface="Times New Roman" panose="02020603050405020304" pitchFamily="18" charset="0"/>
+                  </a:rPr>
+                  <a:t>z</a:t>
+                </a:r>
+                <a:r>
+                  <a:rPr lang="ru-RU" sz="1800" dirty="0">
+                    <a:effectLst/>
+                    <a:latin typeface="Times New Roman" panose="02020603050405020304" pitchFamily="18" charset="0"/>
+                    <a:ea typeface="Times New Roman" panose="02020603050405020304" pitchFamily="18" charset="0"/>
+                  </a:rPr>
+                  <a:t>-буфера для точки наблюдения. При этом, если некоторая поверхность 	оказалась видимой относительно текущей точки наблюдения, то проверить, видима ли данная 	точка со стороны источников света.</a:t>
+                </a:r>
+              </a:p>
+              <a:p>
+                <a:pPr indent="450215" algn="just">
+                  <a:spcAft>
+                    <a:spcPts val="800"/>
+                  </a:spcAft>
+                </a:pPr>
+                <a:r>
+                  <a:rPr lang="ru-RU" sz="1800" dirty="0">
+                    <a:effectLst/>
+                    <a:latin typeface="Times New Roman" panose="02020603050405020304" pitchFamily="18" charset="0"/>
+                    <a:ea typeface="Times New Roman" panose="02020603050405020304" pitchFamily="18" charset="0"/>
+                  </a:rPr>
+                  <a:t>Для каждого источника света:</a:t>
+                </a:r>
+              </a:p>
+              <a:p>
+                <a:pPr marL="447675" indent="450215" algn="just">
+                  <a:spcAft>
+                    <a:spcPts val="800"/>
+                  </a:spcAft>
+                </a:pPr>
+                <a:r>
+                  <a:rPr lang="ru-RU" sz="1800" dirty="0">
+                    <a:effectLst/>
+                    <a:latin typeface="Times New Roman" panose="02020603050405020304" pitchFamily="18" charset="0"/>
+                    <a:ea typeface="Times New Roman" panose="02020603050405020304" pitchFamily="18" charset="0"/>
+                  </a:rPr>
+                  <a:t>2.1 Координаты рассматриваемой точки </a:t>
+                </a:r>
+                <a14:m>
+                  <m:oMath xmlns:m="http://schemas.openxmlformats.org/officeDocument/2006/math">
+                    <m:d>
+                      <m:dPr>
+                        <m:ctrlPr>
+                          <a:rPr lang="ru-RU" sz="1800" i="1">
+                            <a:effectLst/>
+                            <a:latin typeface="Cambria Math" panose="02040503050406030204" pitchFamily="18" charset="0"/>
+                            <a:ea typeface="Times New Roman" panose="02020603050405020304" pitchFamily="18" charset="0"/>
+                          </a:rPr>
+                        </m:ctrlPr>
+                      </m:dPr>
+                      <m:e>
+                        <m:r>
+                          <a:rPr lang="en-US" sz="1800" i="1">
+                            <a:effectLst/>
+                            <a:latin typeface="Cambria Math" panose="02040503050406030204" pitchFamily="18" charset="0"/>
+                            <a:ea typeface="Times New Roman" panose="02020603050405020304" pitchFamily="18" charset="0"/>
+                          </a:rPr>
+                          <m:t>𝑥</m:t>
+                        </m:r>
+                        <m:r>
+                          <a:rPr lang="ru-RU" sz="1800" i="1">
+                            <a:effectLst/>
+                            <a:latin typeface="Cambria Math" panose="02040503050406030204" pitchFamily="18" charset="0"/>
+                            <a:ea typeface="Times New Roman" panose="02020603050405020304" pitchFamily="18" charset="0"/>
+                          </a:rPr>
+                          <m:t>, </m:t>
+                        </m:r>
+                        <m:r>
+                          <a:rPr lang="en-US" sz="1800" i="1">
+                            <a:effectLst/>
+                            <a:latin typeface="Cambria Math" panose="02040503050406030204" pitchFamily="18" charset="0"/>
+                            <a:ea typeface="Times New Roman" panose="02020603050405020304" pitchFamily="18" charset="0"/>
+                          </a:rPr>
+                          <m:t>𝑦</m:t>
+                        </m:r>
+                        <m:r>
+                          <a:rPr lang="ru-RU" sz="1800" i="1">
+                            <a:effectLst/>
+                            <a:latin typeface="Cambria Math" panose="02040503050406030204" pitchFamily="18" charset="0"/>
+                            <a:ea typeface="Times New Roman" panose="02020603050405020304" pitchFamily="18" charset="0"/>
+                          </a:rPr>
+                          <m:t>,</m:t>
+                        </m:r>
+                        <m:r>
+                          <a:rPr lang="en-US" sz="1800" i="1">
+                            <a:effectLst/>
+                            <a:latin typeface="Cambria Math" panose="02040503050406030204" pitchFamily="18" charset="0"/>
+                            <a:ea typeface="Times New Roman" panose="02020603050405020304" pitchFamily="18" charset="0"/>
+                          </a:rPr>
+                          <m:t>𝑧</m:t>
+                        </m:r>
+                      </m:e>
+                    </m:d>
+                  </m:oMath>
+                </a14:m>
+                <a:r>
+                  <a:rPr lang="en-US" sz="1800" dirty="0">
+                    <a:effectLst/>
+                    <a:latin typeface="Times New Roman" panose="02020603050405020304" pitchFamily="18" charset="0"/>
+                    <a:ea typeface="Times New Roman" panose="02020603050405020304" pitchFamily="18" charset="0"/>
+                  </a:rPr>
+                  <a:t> </a:t>
+                </a:r>
+                <a:r>
+                  <a:rPr lang="ru-RU" sz="1800" dirty="0">
+                    <a:effectLst/>
+                    <a:latin typeface="Times New Roman" panose="02020603050405020304" pitchFamily="18" charset="0"/>
+                    <a:ea typeface="Times New Roman" panose="02020603050405020304" pitchFamily="18" charset="0"/>
+                  </a:rPr>
+                  <a:t>линейно преобразовать из вида 				наблюдателя в координаты </a:t>
+                </a:r>
+                <a14:m>
+                  <m:oMath xmlns:m="http://schemas.openxmlformats.org/officeDocument/2006/math">
+                    <m:r>
+                      <a:rPr lang="ru-RU" sz="1800" i="1">
+                        <a:effectLst/>
+                        <a:latin typeface="Cambria Math" panose="02040503050406030204" pitchFamily="18" charset="0"/>
+                        <a:ea typeface="Times New Roman" panose="02020603050405020304" pitchFamily="18" charset="0"/>
+                      </a:rPr>
+                      <m:t>(</m:t>
+                    </m:r>
+                    <m:sSup>
+                      <m:sSupPr>
+                        <m:ctrlPr>
+                          <a:rPr lang="ru-RU" sz="1800" i="1">
+                            <a:effectLst/>
+                            <a:latin typeface="Cambria Math" panose="02040503050406030204" pitchFamily="18" charset="0"/>
+                            <a:ea typeface="Times New Roman" panose="02020603050405020304" pitchFamily="18" charset="0"/>
+                          </a:rPr>
+                        </m:ctrlPr>
+                      </m:sSupPr>
+                      <m:e>
+                        <m:r>
+                          <a:rPr lang="ru-RU" sz="1800" i="1">
+                            <a:effectLst/>
+                            <a:latin typeface="Cambria Math" panose="02040503050406030204" pitchFamily="18" charset="0"/>
+                            <a:ea typeface="Times New Roman" panose="02020603050405020304" pitchFamily="18" charset="0"/>
+                          </a:rPr>
+                          <m:t>𝑥</m:t>
+                        </m:r>
+                      </m:e>
+                      <m:sup>
+                        <m:r>
+                          <a:rPr lang="ru-RU" sz="1800" i="1">
+                            <a:effectLst/>
+                            <a:latin typeface="Cambria Math" panose="02040503050406030204" pitchFamily="18" charset="0"/>
+                            <a:ea typeface="Times New Roman" panose="02020603050405020304" pitchFamily="18" charset="0"/>
+                          </a:rPr>
+                          <m:t>′</m:t>
+                        </m:r>
+                      </m:sup>
+                    </m:sSup>
+                    <m:r>
+                      <a:rPr lang="ru-RU" sz="1800" i="1">
+                        <a:effectLst/>
+                        <a:latin typeface="Cambria Math" panose="02040503050406030204" pitchFamily="18" charset="0"/>
+                        <a:ea typeface="Times New Roman" panose="02020603050405020304" pitchFamily="18" charset="0"/>
+                      </a:rPr>
+                      <m:t>,</m:t>
+                    </m:r>
+                    <m:sSup>
+                      <m:sSupPr>
+                        <m:ctrlPr>
+                          <a:rPr lang="ru-RU" sz="1800" i="1">
+                            <a:effectLst/>
+                            <a:latin typeface="Cambria Math" panose="02040503050406030204" pitchFamily="18" charset="0"/>
+                            <a:ea typeface="Times New Roman" panose="02020603050405020304" pitchFamily="18" charset="0"/>
+                          </a:rPr>
+                        </m:ctrlPr>
+                      </m:sSupPr>
+                      <m:e>
+                        <m:r>
+                          <a:rPr lang="ru-RU" sz="1800" i="1">
+                            <a:effectLst/>
+                            <a:latin typeface="Cambria Math" panose="02040503050406030204" pitchFamily="18" charset="0"/>
+                            <a:ea typeface="Times New Roman" panose="02020603050405020304" pitchFamily="18" charset="0"/>
+                          </a:rPr>
+                          <m:t>𝑦</m:t>
+                        </m:r>
+                      </m:e>
+                      <m:sup>
+                        <m:r>
+                          <a:rPr lang="ru-RU" sz="1800" i="1">
+                            <a:effectLst/>
+                            <a:latin typeface="Cambria Math" panose="02040503050406030204" pitchFamily="18" charset="0"/>
+                            <a:ea typeface="Times New Roman" panose="02020603050405020304" pitchFamily="18" charset="0"/>
+                          </a:rPr>
+                          <m:t>′</m:t>
+                        </m:r>
+                      </m:sup>
+                    </m:sSup>
+                    <m:r>
+                      <a:rPr lang="ru-RU" sz="1800" i="1">
+                        <a:effectLst/>
+                        <a:latin typeface="Cambria Math" panose="02040503050406030204" pitchFamily="18" charset="0"/>
+                        <a:ea typeface="Times New Roman" panose="02020603050405020304" pitchFamily="18" charset="0"/>
+                      </a:rPr>
+                      <m:t>,</m:t>
+                    </m:r>
+                    <m:r>
+                      <a:rPr lang="ru-RU" sz="1800" i="1">
+                        <a:effectLst/>
+                        <a:latin typeface="Cambria Math" panose="02040503050406030204" pitchFamily="18" charset="0"/>
+                        <a:ea typeface="Times New Roman" panose="02020603050405020304" pitchFamily="18" charset="0"/>
+                      </a:rPr>
+                      <m:t>𝑧</m:t>
+                    </m:r>
+                    <m:r>
+                      <a:rPr lang="ru-RU" sz="1800" i="1">
+                        <a:effectLst/>
+                        <a:latin typeface="Cambria Math" panose="02040503050406030204" pitchFamily="18" charset="0"/>
+                        <a:ea typeface="Times New Roman" panose="02020603050405020304" pitchFamily="18" charset="0"/>
+                      </a:rPr>
+                      <m:t>′)</m:t>
+                    </m:r>
+                  </m:oMath>
+                </a14:m>
+                <a:r>
+                  <a:rPr lang="ru-RU" sz="1800" dirty="0">
+                    <a:effectLst/>
+                    <a:latin typeface="Times New Roman" panose="02020603050405020304" pitchFamily="18" charset="0"/>
+                    <a:ea typeface="Times New Roman" panose="02020603050405020304" pitchFamily="18" charset="0"/>
+                  </a:rPr>
+                  <a:t> на виде из рассматриваемого источника света</a:t>
+                </a:r>
+              </a:p>
+              <a:p>
+                <a:pPr marL="447675" indent="450215" algn="just">
+                  <a:spcAft>
+                    <a:spcPts val="800"/>
+                  </a:spcAft>
+                </a:pPr>
+                <a:r>
+                  <a:rPr lang="ru-RU" sz="1800" dirty="0">
+                    <a:effectLst/>
+                    <a:latin typeface="Times New Roman" panose="02020603050405020304" pitchFamily="18" charset="0"/>
+                    <a:ea typeface="Times New Roman" panose="02020603050405020304" pitchFamily="18" charset="0"/>
+                  </a:rPr>
+                  <a:t>	2.2 Сравнить значение </a:t>
+                </a:r>
+                <a14:m>
+                  <m:oMath xmlns:m="http://schemas.openxmlformats.org/officeDocument/2006/math">
+                    <m:sSub>
+                      <m:sSubPr>
+                        <m:ctrlPr>
+                          <a:rPr lang="ru-RU" sz="1800" i="1">
+                            <a:effectLst/>
+                            <a:latin typeface="Cambria Math" panose="02040503050406030204" pitchFamily="18" charset="0"/>
+                            <a:ea typeface="Times New Roman" panose="02020603050405020304" pitchFamily="18" charset="0"/>
+                          </a:rPr>
+                        </m:ctrlPr>
+                      </m:sSubPr>
+                      <m:e>
+                        <m:r>
+                          <a:rPr lang="ru-RU" sz="1800" i="1">
+                            <a:effectLst/>
+                            <a:latin typeface="Cambria Math" panose="02040503050406030204" pitchFamily="18" charset="0"/>
+                            <a:ea typeface="Times New Roman" panose="02020603050405020304" pitchFamily="18" charset="0"/>
+                          </a:rPr>
+                          <m:t>𝑧</m:t>
+                        </m:r>
+                      </m:e>
+                      <m:sub>
+                        <m:r>
+                          <a:rPr lang="ru-RU" sz="1800" i="1">
+                            <a:effectLst/>
+                            <a:latin typeface="Cambria Math" panose="02040503050406030204" pitchFamily="18" charset="0"/>
+                            <a:ea typeface="Times New Roman" panose="02020603050405020304" pitchFamily="18" charset="0"/>
+                          </a:rPr>
+                          <m:t>тенБуф</m:t>
+                        </m:r>
+                      </m:sub>
+                    </m:sSub>
+                    <m:r>
+                      <a:rPr lang="ru-RU" sz="1800" i="1">
+                        <a:effectLst/>
+                        <a:latin typeface="Cambria Math" panose="02040503050406030204" pitchFamily="18" charset="0"/>
+                        <a:ea typeface="Times New Roman" panose="02020603050405020304" pitchFamily="18" charset="0"/>
+                      </a:rPr>
+                      <m:t>(</m:t>
+                    </m:r>
+                    <m:r>
+                      <a:rPr lang="ru-RU" sz="1800" i="1">
+                        <a:effectLst/>
+                        <a:latin typeface="Cambria Math" panose="02040503050406030204" pitchFamily="18" charset="0"/>
+                        <a:ea typeface="Times New Roman" panose="02020603050405020304" pitchFamily="18" charset="0"/>
+                      </a:rPr>
+                      <m:t>𝑥</m:t>
+                    </m:r>
+                    <m:r>
+                      <a:rPr lang="ru-RU" sz="1800" i="1">
+                        <a:effectLst/>
+                        <a:latin typeface="Cambria Math" panose="02040503050406030204" pitchFamily="18" charset="0"/>
+                        <a:ea typeface="Times New Roman" panose="02020603050405020304" pitchFamily="18" charset="0"/>
+                      </a:rPr>
+                      <m:t>′,</m:t>
+                    </m:r>
+                    <m:r>
+                      <a:rPr lang="ru-RU" sz="1800" i="1">
+                        <a:effectLst/>
+                        <a:latin typeface="Cambria Math" panose="02040503050406030204" pitchFamily="18" charset="0"/>
+                        <a:ea typeface="Times New Roman" panose="02020603050405020304" pitchFamily="18" charset="0"/>
+                      </a:rPr>
+                      <m:t>𝑦</m:t>
+                    </m:r>
+                    <m:r>
+                      <a:rPr lang="ru-RU" sz="1800" i="1">
+                        <a:effectLst/>
+                        <a:latin typeface="Cambria Math" panose="02040503050406030204" pitchFamily="18" charset="0"/>
+                        <a:ea typeface="Times New Roman" panose="02020603050405020304" pitchFamily="18" charset="0"/>
+                      </a:rPr>
+                      <m:t>′)</m:t>
+                    </m:r>
+                  </m:oMath>
+                </a14:m>
+                <a:r>
+                  <a:rPr lang="ru-RU" sz="1800" dirty="0">
+                    <a:effectLst/>
+                    <a:latin typeface="Times New Roman" panose="02020603050405020304" pitchFamily="18" charset="0"/>
+                    <a:ea typeface="Times New Roman" panose="02020603050405020304" pitchFamily="18" charset="0"/>
+                  </a:rPr>
+                  <a:t> со значением </a:t>
+                </a:r>
+                <a14:m>
+                  <m:oMath xmlns:m="http://schemas.openxmlformats.org/officeDocument/2006/math">
+                    <m:r>
+                      <a:rPr lang="ru-RU" sz="1800" i="1">
+                        <a:effectLst/>
+                        <a:latin typeface="Cambria Math" panose="02040503050406030204" pitchFamily="18" charset="0"/>
+                        <a:ea typeface="Times New Roman" panose="02020603050405020304" pitchFamily="18" charset="0"/>
+                      </a:rPr>
+                      <m:t>𝑧</m:t>
+                    </m:r>
+                    <m:r>
+                      <a:rPr lang="ru-RU" sz="1800" i="1">
+                        <a:effectLst/>
+                        <a:latin typeface="Cambria Math" panose="02040503050406030204" pitchFamily="18" charset="0"/>
+                        <a:ea typeface="Times New Roman" panose="02020603050405020304" pitchFamily="18" charset="0"/>
+                      </a:rPr>
+                      <m:t>′(</m:t>
+                    </m:r>
+                    <m:sSup>
+                      <m:sSupPr>
+                        <m:ctrlPr>
+                          <a:rPr lang="ru-RU" sz="1800" i="1">
+                            <a:effectLst/>
+                            <a:latin typeface="Cambria Math" panose="02040503050406030204" pitchFamily="18" charset="0"/>
+                            <a:ea typeface="Times New Roman" panose="02020603050405020304" pitchFamily="18" charset="0"/>
+                          </a:rPr>
+                        </m:ctrlPr>
+                      </m:sSupPr>
+                      <m:e>
+                        <m:r>
+                          <a:rPr lang="ru-RU" sz="1800" i="1">
+                            <a:effectLst/>
+                            <a:latin typeface="Cambria Math" panose="02040503050406030204" pitchFamily="18" charset="0"/>
+                            <a:ea typeface="Times New Roman" panose="02020603050405020304" pitchFamily="18" charset="0"/>
+                          </a:rPr>
+                          <m:t>𝑥</m:t>
+                        </m:r>
+                      </m:e>
+                      <m:sup>
+                        <m:r>
+                          <a:rPr lang="ru-RU" sz="1800" i="1">
+                            <a:effectLst/>
+                            <a:latin typeface="Cambria Math" panose="02040503050406030204" pitchFamily="18" charset="0"/>
+                            <a:ea typeface="Times New Roman" panose="02020603050405020304" pitchFamily="18" charset="0"/>
+                          </a:rPr>
+                          <m:t>′</m:t>
+                        </m:r>
+                      </m:sup>
+                    </m:sSup>
+                    <m:r>
+                      <a:rPr lang="ru-RU" sz="1800" i="1">
+                        <a:effectLst/>
+                        <a:latin typeface="Cambria Math" panose="02040503050406030204" pitchFamily="18" charset="0"/>
+                        <a:ea typeface="Times New Roman" panose="02020603050405020304" pitchFamily="18" charset="0"/>
+                      </a:rPr>
+                      <m:t>,</m:t>
+                    </m:r>
+                    <m:sSup>
+                      <m:sSupPr>
+                        <m:ctrlPr>
+                          <a:rPr lang="ru-RU" sz="1800" i="1">
+                            <a:effectLst/>
+                            <a:latin typeface="Cambria Math" panose="02040503050406030204" pitchFamily="18" charset="0"/>
+                            <a:ea typeface="Times New Roman" panose="02020603050405020304" pitchFamily="18" charset="0"/>
+                          </a:rPr>
+                        </m:ctrlPr>
+                      </m:sSupPr>
+                      <m:e>
+                        <m:r>
+                          <a:rPr lang="ru-RU" sz="1800" i="1">
+                            <a:effectLst/>
+                            <a:latin typeface="Cambria Math" panose="02040503050406030204" pitchFamily="18" charset="0"/>
+                            <a:ea typeface="Times New Roman" panose="02020603050405020304" pitchFamily="18" charset="0"/>
+                          </a:rPr>
+                          <m:t>𝑦</m:t>
+                        </m:r>
+                      </m:e>
+                      <m:sup>
+                        <m:r>
+                          <a:rPr lang="ru-RU" sz="1800" i="1">
+                            <a:effectLst/>
+                            <a:latin typeface="Cambria Math" panose="02040503050406030204" pitchFamily="18" charset="0"/>
+                            <a:ea typeface="Times New Roman" panose="02020603050405020304" pitchFamily="18" charset="0"/>
+                          </a:rPr>
+                          <m:t>′</m:t>
+                        </m:r>
+                      </m:sup>
+                    </m:sSup>
+                    <m:r>
+                      <a:rPr lang="ru-RU" sz="1800" i="1">
+                        <a:effectLst/>
+                        <a:latin typeface="Cambria Math" panose="02040503050406030204" pitchFamily="18" charset="0"/>
+                        <a:ea typeface="Times New Roman" panose="02020603050405020304" pitchFamily="18" charset="0"/>
+                      </a:rPr>
+                      <m:t>)</m:t>
+                    </m:r>
+                  </m:oMath>
+                </a14:m>
+                <a:r>
+                  <a:rPr lang="ru-RU" sz="1800" dirty="0">
+                    <a:effectLst/>
+                    <a:latin typeface="Times New Roman" panose="02020603050405020304" pitchFamily="18" charset="0"/>
+                    <a:ea typeface="Times New Roman" panose="02020603050405020304" pitchFamily="18" charset="0"/>
+                  </a:rPr>
+                  <a:t>:</a:t>
+                </a:r>
+              </a:p>
+              <a:p>
+                <a:pPr marL="895350" indent="450215" algn="just">
+                  <a:spcAft>
+                    <a:spcPts val="800"/>
+                  </a:spcAft>
+                </a:pPr>
+                <a:r>
+                  <a:rPr lang="ru-RU" sz="1800" dirty="0">
+                    <a:effectLst/>
+                    <a:latin typeface="Times New Roman" panose="02020603050405020304" pitchFamily="18" charset="0"/>
+                    <a:ea typeface="Times New Roman" panose="02020603050405020304" pitchFamily="18" charset="0"/>
+                  </a:rPr>
+                  <a:t>Если </a:t>
+                </a:r>
+                <a14:m>
+                  <m:oMath xmlns:m="http://schemas.openxmlformats.org/officeDocument/2006/math">
+                    <m:sSup>
+                      <m:sSupPr>
+                        <m:ctrlPr>
+                          <a:rPr lang="ru-RU" sz="1800" i="1">
+                            <a:effectLst/>
+                            <a:latin typeface="Cambria Math" panose="02040503050406030204" pitchFamily="18" charset="0"/>
+                            <a:ea typeface="Times New Roman" panose="02020603050405020304" pitchFamily="18" charset="0"/>
+                          </a:rPr>
+                        </m:ctrlPr>
+                      </m:sSupPr>
+                      <m:e>
+                        <m:r>
+                          <a:rPr lang="ru-RU" sz="1800" i="1">
+                            <a:effectLst/>
+                            <a:latin typeface="Cambria Math" panose="02040503050406030204" pitchFamily="18" charset="0"/>
+                            <a:ea typeface="Times New Roman" panose="02020603050405020304" pitchFamily="18" charset="0"/>
+                          </a:rPr>
+                          <m:t>𝑧</m:t>
+                        </m:r>
+                      </m:e>
+                      <m:sup>
+                        <m:r>
+                          <a:rPr lang="ru-RU" sz="1800" i="1">
+                            <a:effectLst/>
+                            <a:latin typeface="Cambria Math" panose="02040503050406030204" pitchFamily="18" charset="0"/>
+                            <a:ea typeface="Times New Roman" panose="02020603050405020304" pitchFamily="18" charset="0"/>
+                          </a:rPr>
+                          <m:t>′</m:t>
+                        </m:r>
+                      </m:sup>
+                    </m:sSup>
+                    <m:d>
+                      <m:dPr>
+                        <m:ctrlPr>
+                          <a:rPr lang="ru-RU" sz="1800" i="1">
+                            <a:effectLst/>
+                            <a:latin typeface="Cambria Math" panose="02040503050406030204" pitchFamily="18" charset="0"/>
+                            <a:ea typeface="Times New Roman" panose="02020603050405020304" pitchFamily="18" charset="0"/>
+                          </a:rPr>
+                        </m:ctrlPr>
+                      </m:dPr>
+                      <m:e>
+                        <m:sSup>
+                          <m:sSupPr>
+                            <m:ctrlPr>
+                              <a:rPr lang="ru-RU" sz="1800" i="1">
+                                <a:effectLst/>
+                                <a:latin typeface="Cambria Math" panose="02040503050406030204" pitchFamily="18" charset="0"/>
+                                <a:ea typeface="Times New Roman" panose="02020603050405020304" pitchFamily="18" charset="0"/>
+                              </a:rPr>
+                            </m:ctrlPr>
+                          </m:sSupPr>
+                          <m:e>
+                            <m:r>
+                              <a:rPr lang="ru-RU" sz="1800" i="1">
+                                <a:effectLst/>
+                                <a:latin typeface="Cambria Math" panose="02040503050406030204" pitchFamily="18" charset="0"/>
+                                <a:ea typeface="Times New Roman" panose="02020603050405020304" pitchFamily="18" charset="0"/>
+                              </a:rPr>
+                              <m:t>𝑥</m:t>
+                            </m:r>
+                          </m:e>
+                          <m:sup>
+                            <m:r>
+                              <a:rPr lang="ru-RU" sz="1800" i="1">
+                                <a:effectLst/>
+                                <a:latin typeface="Cambria Math" panose="02040503050406030204" pitchFamily="18" charset="0"/>
+                                <a:ea typeface="Times New Roman" panose="02020603050405020304" pitchFamily="18" charset="0"/>
+                              </a:rPr>
+                              <m:t>′</m:t>
+                            </m:r>
+                          </m:sup>
+                        </m:sSup>
+                        <m:r>
+                          <a:rPr lang="ru-RU" sz="1800" i="1">
+                            <a:effectLst/>
+                            <a:latin typeface="Cambria Math" panose="02040503050406030204" pitchFamily="18" charset="0"/>
+                            <a:ea typeface="Times New Roman" panose="02020603050405020304" pitchFamily="18" charset="0"/>
+                          </a:rPr>
+                          <m:t>,</m:t>
+                        </m:r>
+                        <m:sSup>
+                          <m:sSupPr>
+                            <m:ctrlPr>
+                              <a:rPr lang="ru-RU" sz="1800" i="1">
+                                <a:effectLst/>
+                                <a:latin typeface="Cambria Math" panose="02040503050406030204" pitchFamily="18" charset="0"/>
+                                <a:ea typeface="Times New Roman" panose="02020603050405020304" pitchFamily="18" charset="0"/>
+                              </a:rPr>
+                            </m:ctrlPr>
+                          </m:sSupPr>
+                          <m:e>
+                            <m:r>
+                              <a:rPr lang="ru-RU" sz="1800" i="1">
+                                <a:effectLst/>
+                                <a:latin typeface="Cambria Math" panose="02040503050406030204" pitchFamily="18" charset="0"/>
+                                <a:ea typeface="Times New Roman" panose="02020603050405020304" pitchFamily="18" charset="0"/>
+                              </a:rPr>
+                              <m:t>𝑦</m:t>
+                            </m:r>
+                          </m:e>
+                          <m:sup>
+                            <m:r>
+                              <a:rPr lang="ru-RU" sz="1800" i="1">
+                                <a:effectLst/>
+                                <a:latin typeface="Cambria Math" panose="02040503050406030204" pitchFamily="18" charset="0"/>
+                                <a:ea typeface="Times New Roman" panose="02020603050405020304" pitchFamily="18" charset="0"/>
+                              </a:rPr>
+                              <m:t>′</m:t>
+                            </m:r>
+                          </m:sup>
+                        </m:sSup>
+                      </m:e>
+                    </m:d>
+                    <m:r>
+                      <a:rPr lang="ru-RU" sz="1800" i="1">
+                        <a:effectLst/>
+                        <a:latin typeface="Cambria Math" panose="02040503050406030204" pitchFamily="18" charset="0"/>
+                        <a:ea typeface="Times New Roman" panose="02020603050405020304" pitchFamily="18" charset="0"/>
+                      </a:rPr>
+                      <m:t>&lt;</m:t>
+                    </m:r>
+                    <m:sSub>
+                      <m:sSubPr>
+                        <m:ctrlPr>
+                          <a:rPr lang="ru-RU" sz="1800" i="1">
+                            <a:effectLst/>
+                            <a:latin typeface="Cambria Math" panose="02040503050406030204" pitchFamily="18" charset="0"/>
+                            <a:ea typeface="Times New Roman" panose="02020603050405020304" pitchFamily="18" charset="0"/>
+                          </a:rPr>
+                        </m:ctrlPr>
+                      </m:sSubPr>
+                      <m:e>
+                        <m:r>
+                          <a:rPr lang="ru-RU" sz="1800" i="1">
+                            <a:effectLst/>
+                            <a:latin typeface="Cambria Math" panose="02040503050406030204" pitchFamily="18" charset="0"/>
+                            <a:ea typeface="Times New Roman" panose="02020603050405020304" pitchFamily="18" charset="0"/>
+                          </a:rPr>
+                          <m:t>𝑧</m:t>
+                        </m:r>
+                      </m:e>
+                      <m:sub>
+                        <m:r>
+                          <a:rPr lang="ru-RU" sz="1800" i="1">
+                            <a:effectLst/>
+                            <a:latin typeface="Cambria Math" panose="02040503050406030204" pitchFamily="18" charset="0"/>
+                            <a:ea typeface="Times New Roman" panose="02020603050405020304" pitchFamily="18" charset="0"/>
+                          </a:rPr>
+                          <m:t>тенБуф</m:t>
+                        </m:r>
+                      </m:sub>
+                    </m:sSub>
+                    <m:r>
+                      <a:rPr lang="ru-RU" sz="1800" i="1">
+                        <a:effectLst/>
+                        <a:latin typeface="Cambria Math" panose="02040503050406030204" pitchFamily="18" charset="0"/>
+                        <a:ea typeface="Times New Roman" panose="02020603050405020304" pitchFamily="18" charset="0"/>
+                      </a:rPr>
+                      <m:t>(</m:t>
+                    </m:r>
+                    <m:sSup>
+                      <m:sSupPr>
+                        <m:ctrlPr>
+                          <a:rPr lang="ru-RU" sz="1800" i="1">
+                            <a:effectLst/>
+                            <a:latin typeface="Cambria Math" panose="02040503050406030204" pitchFamily="18" charset="0"/>
+                            <a:ea typeface="Times New Roman" panose="02020603050405020304" pitchFamily="18" charset="0"/>
+                          </a:rPr>
+                        </m:ctrlPr>
+                      </m:sSupPr>
+                      <m:e>
+                        <m:r>
+                          <a:rPr lang="ru-RU" sz="1800" i="1">
+                            <a:effectLst/>
+                            <a:latin typeface="Cambria Math" panose="02040503050406030204" pitchFamily="18" charset="0"/>
+                            <a:ea typeface="Times New Roman" panose="02020603050405020304" pitchFamily="18" charset="0"/>
+                          </a:rPr>
+                          <m:t>𝑥</m:t>
+                        </m:r>
+                      </m:e>
+                      <m:sup>
+                        <m:r>
+                          <a:rPr lang="ru-RU" sz="1800" i="1">
+                            <a:effectLst/>
+                            <a:latin typeface="Cambria Math" panose="02040503050406030204" pitchFamily="18" charset="0"/>
+                            <a:ea typeface="Times New Roman" panose="02020603050405020304" pitchFamily="18" charset="0"/>
+                          </a:rPr>
+                          <m:t>′</m:t>
+                        </m:r>
+                      </m:sup>
+                    </m:sSup>
+                    <m:r>
+                      <a:rPr lang="ru-RU" sz="1800" i="1">
+                        <a:effectLst/>
+                        <a:latin typeface="Cambria Math" panose="02040503050406030204" pitchFamily="18" charset="0"/>
+                        <a:ea typeface="Times New Roman" panose="02020603050405020304" pitchFamily="18" charset="0"/>
+                      </a:rPr>
+                      <m:t>,</m:t>
+                    </m:r>
+                    <m:r>
+                      <a:rPr lang="ru-RU" sz="1800" i="1">
+                        <a:effectLst/>
+                        <a:latin typeface="Cambria Math" panose="02040503050406030204" pitchFamily="18" charset="0"/>
+                        <a:ea typeface="Times New Roman" panose="02020603050405020304" pitchFamily="18" charset="0"/>
+                      </a:rPr>
+                      <m:t>𝑦</m:t>
+                    </m:r>
+                    <m:r>
+                      <a:rPr lang="ru-RU" sz="1800" i="1">
+                        <a:effectLst/>
+                        <a:latin typeface="Cambria Math" panose="02040503050406030204" pitchFamily="18" charset="0"/>
+                        <a:ea typeface="Times New Roman" panose="02020603050405020304" pitchFamily="18" charset="0"/>
+                      </a:rPr>
+                      <m:t>′)</m:t>
+                    </m:r>
+                  </m:oMath>
+                </a14:m>
+                <a:r>
+                  <a:rPr lang="ru-RU" sz="1800" dirty="0">
+                    <a:effectLst/>
+                    <a:latin typeface="Times New Roman" panose="02020603050405020304" pitchFamily="18" charset="0"/>
+                    <a:ea typeface="Times New Roman" panose="02020603050405020304" pitchFamily="18" charset="0"/>
+                  </a:rPr>
+                  <a:t>, то пиксел высвечивается с учетом его затемнения, 			иначе точка высвечивается без затемнения</a:t>
+                </a:r>
+              </a:p>
+            </p:txBody>
+          </p:sp>
+        </mc:Choice>
+        <mc:Fallback>
+          <p:sp>
+            <p:nvSpPr>
+              <p:cNvPr id="4" name="TextBox 3">
+                <a:extLst>
+                  <a:ext uri="{FF2B5EF4-FFF2-40B4-BE49-F238E27FC236}">
+                    <a16:creationId xmlns:a16="http://schemas.microsoft.com/office/drawing/2014/main" id="{1CF43661-39E2-424C-8FA7-0692AAF121E9}"/>
+                  </a:ext>
+                </a:extLst>
+              </p:cNvPr>
+              <p:cNvSpPr txBox="1">
+                <a:spLocks noRot="1" noChangeAspect="1" noMove="1" noResize="1" noEditPoints="1" noAdjustHandles="1" noChangeArrowheads="1" noChangeShapeType="1" noTextEdit="1"/>
+              </p:cNvSpPr>
+              <p:nvPr/>
+            </p:nvSpPr>
+            <p:spPr>
+              <a:xfrm>
+                <a:off x="1036320" y="1737360"/>
+                <a:ext cx="9961880" cy="4185505"/>
+              </a:xfrm>
+              <a:prstGeom prst="rect">
+                <a:avLst/>
+              </a:prstGeom>
+              <a:blipFill>
+                <a:blip r:embed="rId2"/>
+                <a:stretch>
+                  <a:fillRect t="-728" r="-490" b="-1310"/>
+                </a:stretch>
+              </a:blipFill>
+            </p:spPr>
+            <p:txBody>
+              <a:bodyPr/>
+              <a:lstStyle/>
+              <a:p>
+                <a:r>
+                  <a:rPr lang="ru-RU">
+                    <a:noFill/>
+                  </a:rPr>
+                  <a:t> </a:t>
+                </a:r>
+              </a:p>
+            </p:txBody>
+          </p:sp>
+        </mc:Fallback>
+      </mc:AlternateContent>
     </p:spTree>
     <p:extLst>
       <p:ext uri="{BB962C8B-B14F-4D97-AF65-F5344CB8AC3E}">
@@ -4809,6 +10813,231 @@
                 <a:cs typeface="Times New Roman" panose="02020603050405020304" pitchFamily="18" charset="0"/>
               </a:rPr>
               <a:t>Выбор языка программирования и среды разработки</a:t>
+            </a:r>
+          </a:p>
+        </p:txBody>
+      </p:sp>
+      <p:sp>
+        <p:nvSpPr>
+          <p:cNvPr id="4" name="TextBox 3">
+            <a:extLst>
+              <a:ext uri="{FF2B5EF4-FFF2-40B4-BE49-F238E27FC236}">
+                <a16:creationId xmlns:a16="http://schemas.microsoft.com/office/drawing/2014/main" id="{ED04FD7B-DA19-4A9C-A5CD-CEFEA5C88B05}"/>
+              </a:ext>
+            </a:extLst>
+          </p:cNvPr>
+          <p:cNvSpPr txBox="1"/>
+          <p:nvPr/>
+        </p:nvSpPr>
+        <p:spPr>
+          <a:xfrm>
+            <a:off x="1097280" y="1737360"/>
+            <a:ext cx="10058400" cy="2677656"/>
+          </a:xfrm>
+          <a:prstGeom prst="rect">
+            <a:avLst/>
+          </a:prstGeom>
+          <a:noFill/>
+        </p:spPr>
+        <p:txBody>
+          <a:bodyPr wrap="square">
+            <a:spAutoFit/>
+          </a:bodyPr>
+          <a:lstStyle/>
+          <a:p>
+            <a:r>
+              <a:rPr lang="ru-RU" sz="2400" dirty="0">
+                <a:effectLst/>
+                <a:latin typeface="Times New Roman" panose="02020603050405020304" pitchFamily="18" charset="0"/>
+                <a:ea typeface="Times New Roman" panose="02020603050405020304" pitchFamily="18" charset="0"/>
+              </a:rPr>
+              <a:t>При написании программного продукта использовался язык </a:t>
+            </a:r>
+            <a:r>
+              <a:rPr lang="en-US" sz="2400" dirty="0">
+                <a:effectLst/>
+                <a:latin typeface="Times New Roman" panose="02020603050405020304" pitchFamily="18" charset="0"/>
+                <a:ea typeface="Times New Roman" panose="02020603050405020304" pitchFamily="18" charset="0"/>
+              </a:rPr>
+              <a:t>C</a:t>
+            </a:r>
+            <a:r>
+              <a:rPr lang="ru-RU" sz="2400" dirty="0">
+                <a:effectLst/>
+                <a:latin typeface="Times New Roman" panose="02020603050405020304" pitchFamily="18" charset="0"/>
+                <a:ea typeface="Times New Roman" panose="02020603050405020304" pitchFamily="18" charset="0"/>
+              </a:rPr>
+              <a:t>++:</a:t>
+            </a:r>
+          </a:p>
+          <a:p>
+            <a:pPr marL="342900" indent="-342900">
+              <a:buFont typeface="+mj-lt"/>
+              <a:buAutoNum type="arabicParenR"/>
+            </a:pPr>
+            <a:r>
+              <a:rPr lang="ru-RU" sz="2400" dirty="0">
+                <a:latin typeface="Times New Roman" panose="02020603050405020304" pitchFamily="18" charset="0"/>
+              </a:rPr>
+              <a:t>этот язык преподавался в рамках курса Объектно-Ориентированного Программирования</a:t>
+            </a:r>
+            <a:r>
+              <a:rPr lang="en-US" sz="2400" dirty="0">
+                <a:latin typeface="Times New Roman" panose="02020603050405020304" pitchFamily="18" charset="0"/>
+              </a:rPr>
+              <a:t>;</a:t>
+            </a:r>
+            <a:endParaRPr lang="ru-RU" sz="2400" dirty="0">
+              <a:latin typeface="Times New Roman" panose="02020603050405020304" pitchFamily="18" charset="0"/>
+            </a:endParaRPr>
+          </a:p>
+          <a:p>
+            <a:pPr marL="342900" indent="-342900">
+              <a:buFont typeface="+mj-lt"/>
+              <a:buAutoNum type="arabicParenR"/>
+            </a:pPr>
+            <a:r>
+              <a:rPr lang="ru-RU" sz="2400" dirty="0">
+                <a:latin typeface="Times New Roman" panose="02020603050405020304" pitchFamily="18" charset="0"/>
+              </a:rPr>
+              <a:t>высокая вычислительная производительность</a:t>
+            </a:r>
+            <a:r>
+              <a:rPr lang="en-US" sz="2400" dirty="0">
+                <a:latin typeface="Times New Roman" panose="02020603050405020304" pitchFamily="18" charset="0"/>
+              </a:rPr>
+              <a:t>;</a:t>
+            </a:r>
+          </a:p>
+          <a:p>
+            <a:pPr marL="342900" indent="-342900">
+              <a:buFont typeface="+mj-lt"/>
+              <a:buAutoNum type="arabicParenR"/>
+            </a:pPr>
+            <a:r>
+              <a:rPr lang="ru-RU" sz="2400" dirty="0">
+                <a:latin typeface="Times New Roman" panose="02020603050405020304" pitchFamily="18" charset="0"/>
+              </a:rPr>
+              <a:t>язык поддерживает объектно-ориентированную парадигму программирования</a:t>
+            </a:r>
+            <a:r>
+              <a:rPr lang="en-US" sz="2400" dirty="0">
+                <a:latin typeface="Times New Roman" panose="02020603050405020304" pitchFamily="18" charset="0"/>
+              </a:rPr>
+              <a:t>;</a:t>
+            </a:r>
+          </a:p>
+          <a:p>
+            <a:pPr marL="342900" indent="-342900">
+              <a:buFont typeface="+mj-lt"/>
+              <a:buAutoNum type="arabicParenR"/>
+            </a:pPr>
+            <a:r>
+              <a:rPr lang="ru-RU" sz="2400" dirty="0">
+                <a:latin typeface="Times New Roman" panose="02020603050405020304" pitchFamily="18" charset="0"/>
+              </a:rPr>
+              <a:t>большое количество учебной и справочной литературы</a:t>
+            </a:r>
+            <a:r>
+              <a:rPr lang="en-US" sz="2400" dirty="0">
+                <a:latin typeface="Times New Roman" panose="02020603050405020304" pitchFamily="18" charset="0"/>
+              </a:rPr>
+              <a:t>.</a:t>
+            </a:r>
+          </a:p>
+        </p:txBody>
+      </p:sp>
+      <p:sp>
+        <p:nvSpPr>
+          <p:cNvPr id="5" name="TextBox 4">
+            <a:extLst>
+              <a:ext uri="{FF2B5EF4-FFF2-40B4-BE49-F238E27FC236}">
+                <a16:creationId xmlns:a16="http://schemas.microsoft.com/office/drawing/2014/main" id="{F1670412-FD7D-4EA8-A0B4-1F6574FD463E}"/>
+              </a:ext>
+            </a:extLst>
+          </p:cNvPr>
+          <p:cNvSpPr txBox="1"/>
+          <p:nvPr/>
+        </p:nvSpPr>
+        <p:spPr>
+          <a:xfrm>
+            <a:off x="1036320" y="4415016"/>
+            <a:ext cx="10253133" cy="1569660"/>
+          </a:xfrm>
+          <a:prstGeom prst="rect">
+            <a:avLst/>
+          </a:prstGeom>
+          <a:noFill/>
+        </p:spPr>
+        <p:txBody>
+          <a:bodyPr wrap="square">
+            <a:spAutoFit/>
+          </a:bodyPr>
+          <a:lstStyle/>
+          <a:p>
+            <a:r>
+              <a:rPr lang="ru-RU" sz="2400" dirty="0">
+                <a:latin typeface="Times New Roman" panose="02020603050405020304" pitchFamily="18" charset="0"/>
+                <a:ea typeface="Times New Roman" panose="02020603050405020304" pitchFamily="18" charset="0"/>
+              </a:rPr>
+              <a:t>Была задействована среда разработки </a:t>
+            </a:r>
+            <a:r>
+              <a:rPr lang="en-US" sz="2400" dirty="0">
+                <a:latin typeface="Times New Roman" panose="02020603050405020304" pitchFamily="18" charset="0"/>
+                <a:ea typeface="Times New Roman" panose="02020603050405020304" pitchFamily="18" charset="0"/>
+              </a:rPr>
+              <a:t>QT Creator:</a:t>
+            </a:r>
+            <a:endParaRPr lang="ru-RU" sz="2400" dirty="0">
+              <a:effectLst/>
+              <a:latin typeface="Times New Roman" panose="02020603050405020304" pitchFamily="18" charset="0"/>
+              <a:ea typeface="Times New Roman" panose="02020603050405020304" pitchFamily="18" charset="0"/>
+            </a:endParaRPr>
+          </a:p>
+          <a:p>
+            <a:pPr marL="342900" indent="-342900">
+              <a:buFont typeface="+mj-lt"/>
+              <a:buAutoNum type="arabicParenR"/>
+            </a:pPr>
+            <a:r>
+              <a:rPr lang="ru-RU" sz="2400" dirty="0">
+                <a:latin typeface="Times New Roman" panose="02020603050405020304" pitchFamily="18" charset="0"/>
+              </a:rPr>
+              <a:t>основы работы с данной средой разработки преподается в рамках курса Программирования на Си</a:t>
+            </a:r>
+            <a:r>
+              <a:rPr lang="en-US" sz="2400" dirty="0">
+                <a:latin typeface="Times New Roman" panose="02020603050405020304" pitchFamily="18" charset="0"/>
+              </a:rPr>
+              <a:t>;</a:t>
+            </a:r>
+            <a:endParaRPr lang="ru-RU" sz="2400" dirty="0">
+              <a:latin typeface="Times New Roman" panose="02020603050405020304" pitchFamily="18" charset="0"/>
+            </a:endParaRPr>
+          </a:p>
+          <a:p>
+            <a:pPr marL="342900" indent="-342900">
+              <a:buFont typeface="+mj-lt"/>
+              <a:buAutoNum type="arabicParenR"/>
+            </a:pPr>
+            <a:r>
+              <a:rPr lang="en-US" sz="2400" dirty="0">
+                <a:latin typeface="Times New Roman" panose="02020603050405020304" pitchFamily="18" charset="0"/>
+              </a:rPr>
+              <a:t>QT Creator </a:t>
+            </a:r>
+            <a:r>
+              <a:rPr lang="ru-RU" sz="2400" dirty="0">
+                <a:latin typeface="Times New Roman" panose="02020603050405020304" pitchFamily="18" charset="0"/>
+              </a:rPr>
+              <a:t>позволяет работать с расширением </a:t>
+            </a:r>
+            <a:r>
+              <a:rPr lang="en-US" sz="2400" dirty="0">
+                <a:latin typeface="Times New Roman" panose="02020603050405020304" pitchFamily="18" charset="0"/>
+              </a:rPr>
+              <a:t>Qt Design.</a:t>
             </a:r>
           </a:p>
         </p:txBody>
@@ -4874,6 +11103,54 @@
           </a:p>
         </p:txBody>
       </p:sp>
+      <p:pic>
+        <p:nvPicPr>
+          <p:cNvPr id="3" name="Рисунок 2">
+            <a:extLst>
+              <a:ext uri="{FF2B5EF4-FFF2-40B4-BE49-F238E27FC236}">
+                <a16:creationId xmlns:a16="http://schemas.microsoft.com/office/drawing/2014/main" id="{2513F3BF-65B7-4597-9BE0-83C01247D54D}"/>
+              </a:ext>
+            </a:extLst>
+          </p:cNvPr>
+          <p:cNvPicPr/>
+          <p:nvPr/>
+        </p:nvPicPr>
+        <p:blipFill>
+          <a:blip r:embed="rId2">
+            <a:extLst>
+              <a:ext uri="{28A0092B-C50C-407E-A947-70E740481C1C}">
+                <a14:useLocalDpi xmlns:a14="http://schemas.microsoft.com/office/drawing/2010/main" val="0"/>
+              </a:ext>
+            </a:extLst>
+          </a:blip>
+          <a:stretch>
+            <a:fillRect/>
+          </a:stretch>
+        </p:blipFill>
+        <p:spPr bwMode="auto">
+          <a:xfrm>
+            <a:off x="1218142" y="1928494"/>
+            <a:ext cx="9937538" cy="3862705"/>
+          </a:xfrm>
+          <a:prstGeom prst="rect">
+            <a:avLst/>
+          </a:prstGeom>
+          <a:ln w="38100" cap="sq">
+            <a:solidFill>
+              <a:srgbClr val="000000"/>
+            </a:solidFill>
+            <a:prstDash val="solid"/>
+            <a:miter lim="800000"/>
+          </a:ln>
+          <a:effectLst>
+            <a:outerShdw blurRad="50800" dist="38100" dir="2700000" algn="tl" rotWithShape="0">
+              <a:srgbClr val="000000">
+                <a:alpha val="43000"/>
+              </a:srgbClr>
+            </a:outerShdw>
+          </a:effectLst>
+        </p:spPr>
+      </p:pic>
     </p:spTree>
     <p:extLst>
       <p:ext uri="{BB962C8B-B14F-4D97-AF65-F5344CB8AC3E}">

--- a/Presentation/CurseWorkYakuba.pptx
+++ b/Presentation/CurseWorkYakuba.pptx
@@ -5386,7 +5386,7 @@
                 <a:latin typeface="Times New Roman" panose="02020603050405020304" pitchFamily="18" charset="0"/>
                 <a:ea typeface="Times New Roman" panose="02020603050405020304" pitchFamily="18" charset="0"/>
               </a:rPr>
-              <a:t>Группу работы со сцены. Позволяет создавать сцену, изменять параметры текущей сцены и переместить сцену в центр преобразований.</a:t>
+              <a:t>Группу работы со сценой. Позволяет создавать сцену, изменять параметры текущей сцены и переместить сцену в центр преобразований.</a:t>
             </a:r>
           </a:p>
         </p:txBody>
@@ -5991,7 +5991,7 @@
               <a:rPr lang="ru-RU" dirty="0">
                 <a:latin typeface="Times New Roman" panose="02020603050405020304" pitchFamily="18" charset="0"/>
               </a:rPr>
-              <a:t>Окно задания нового положения на сцене модели</a:t>
+              <a:t>Окно задания нового положения модели на сцене</a:t>
             </a:r>
             <a:endParaRPr lang="ru-RU" dirty="0"/>
           </a:p>
@@ -7963,8 +7963,8 @@
         </p:nvSpPr>
         <p:spPr>
           <a:xfrm>
-            <a:off x="1097279" y="4977341"/>
-            <a:ext cx="10629147" cy="1077218"/>
+            <a:off x="1097279" y="4650056"/>
+            <a:ext cx="8953547" cy="1569660"/>
           </a:xfrm>
           <a:prstGeom prst="rect">
             <a:avLst/>
@@ -7978,12 +7978,26 @@
           <a:lstStyle/>
           <a:p>
             <a:r>
+              <a:rPr lang="ru-RU" sz="3200" b="1">
+                <a:latin typeface="Times New Roman" panose="02020603050405020304" pitchFamily="18" charset="0"/>
+                <a:ea typeface="Times New Roman" panose="02020603050405020304" pitchFamily="18" charset="0"/>
+              </a:rPr>
+              <a:t>При </a:t>
+            </a:r>
+            <a:r>
+              <a:rPr lang="ru-RU" sz="3200" b="1" dirty="0">
+                <a:latin typeface="Times New Roman" panose="02020603050405020304" pitchFamily="18" charset="0"/>
+                <a:ea typeface="Times New Roman" panose="02020603050405020304" pitchFamily="18" charset="0"/>
+              </a:rPr>
+              <a:t>конкретной реализации п</a:t>
+            </a:r>
+            <a:r>
               <a:rPr lang="ru-RU" sz="3200" b="1" dirty="0">
                 <a:effectLst/>
                 <a:latin typeface="Times New Roman" panose="02020603050405020304" pitchFamily="18" charset="0"/>
                 <a:ea typeface="Times New Roman" panose="02020603050405020304" pitchFamily="18" charset="0"/>
               </a:rPr>
-              <a:t>Параллельный алгоритм </a:t>
+              <a:t>араллельный алгоритм </a:t>
             </a:r>
             <a:r>
               <a:rPr lang="en-US" sz="3200" b="1" dirty="0">
@@ -8411,18 +8425,13 @@
               <a:buChar char="o"/>
             </a:pPr>
             <a:r>
-              <a:rPr lang="ru-RU" sz="2200">
+              <a:rPr lang="ru-RU" sz="2200" dirty="0">
                 <a:effectLst/>
                 <a:latin typeface="Times New Roman" panose="02020603050405020304" pitchFamily="18" charset="0"/>
                 <a:ea typeface="Times New Roman" panose="02020603050405020304" pitchFamily="18" charset="0"/>
               </a:rPr>
               <a:t>Стол;</a:t>
             </a:r>
-            <a:endParaRPr lang="ru-RU" sz="2200" dirty="0">
-              <a:effectLst/>
-              <a:latin typeface="Times New Roman" panose="02020603050405020304" pitchFamily="18" charset="0"/>
-              <a:ea typeface="Times New Roman" panose="02020603050405020304" pitchFamily="18" charset="0"/>
-            </a:endParaRPr>
           </a:p>
           <a:p>
             <a:pPr marL="742950" lvl="1" indent="-285750" algn="just">
@@ -9030,7 +9039,7 @@
         <p:spPr>
           <a:xfrm>
             <a:off x="668866" y="1737360"/>
-            <a:ext cx="10486814" cy="2325252"/>
+            <a:ext cx="10223547" cy="2325252"/>
           </a:xfrm>
           <a:prstGeom prst="rect">
             <a:avLst/>
@@ -9093,7 +9102,7 @@
                 <a:latin typeface="Times New Roman" panose="02020603050405020304" pitchFamily="18" charset="0"/>
                 <a:ea typeface="Times New Roman" panose="02020603050405020304" pitchFamily="18" charset="0"/>
               </a:rPr>
-              <a:t>3. С помощью модифицированного алгоритма, 	использующего </a:t>
+              <a:t>3. С помощью модифицированного алгоритма,</a:t>
             </a:r>
             <a:r>
               <a:rPr lang="en-US" sz="1800" dirty="0">
@@ -9101,7 +9110,7 @@
                 <a:latin typeface="Times New Roman" panose="02020603050405020304" pitchFamily="18" charset="0"/>
                 <a:ea typeface="Times New Roman" panose="02020603050405020304" pitchFamily="18" charset="0"/>
               </a:rPr>
-              <a:t>z</a:t>
+              <a:t> </a:t>
             </a:r>
             <a:r>
               <a:rPr lang="ru-RU" sz="1800" dirty="0">
@@ -9109,7 +9118,71 @@
                 <a:latin typeface="Times New Roman" panose="02020603050405020304" pitchFamily="18" charset="0"/>
                 <a:ea typeface="Times New Roman" panose="02020603050405020304" pitchFamily="18" charset="0"/>
               </a:rPr>
-              <a:t>-буфер, определить 	падающие 	от 	объектов сцены тени и визуализировать обстановку, основываясь на текущем 	положении 	наблюдателя</a:t>
+              <a:t>использующего </a:t>
+            </a:r>
+            <a:r>
+              <a:rPr lang="en-US" sz="1800" dirty="0">
+                <a:effectLst/>
+                <a:latin typeface="Times New Roman" panose="02020603050405020304" pitchFamily="18" charset="0"/>
+                <a:ea typeface="Times New Roman" panose="02020603050405020304" pitchFamily="18" charset="0"/>
+              </a:rPr>
+              <a:t>z</a:t>
+            </a:r>
+            <a:r>
+              <a:rPr lang="ru-RU" sz="1800" dirty="0">
+                <a:effectLst/>
+                <a:latin typeface="Times New Roman" panose="02020603050405020304" pitchFamily="18" charset="0"/>
+                <a:ea typeface="Times New Roman" panose="02020603050405020304" pitchFamily="18" charset="0"/>
+              </a:rPr>
+              <a:t>-буфер, определить 	падающие</a:t>
+            </a:r>
+            <a:r>
+              <a:rPr lang="en-US" sz="1800" dirty="0">
+                <a:effectLst/>
+                <a:latin typeface="Times New Roman" panose="02020603050405020304" pitchFamily="18" charset="0"/>
+                <a:ea typeface="Times New Roman" panose="02020603050405020304" pitchFamily="18" charset="0"/>
+              </a:rPr>
+              <a:t> </a:t>
+            </a:r>
+            <a:r>
+              <a:rPr lang="ru-RU" sz="1800" dirty="0">
+                <a:effectLst/>
+                <a:latin typeface="Times New Roman" panose="02020603050405020304" pitchFamily="18" charset="0"/>
+                <a:ea typeface="Times New Roman" panose="02020603050405020304" pitchFamily="18" charset="0"/>
+              </a:rPr>
+              <a:t>от</a:t>
+            </a:r>
+            <a:r>
+              <a:rPr lang="en-US" sz="1800" dirty="0">
+                <a:effectLst/>
+                <a:latin typeface="Times New Roman" panose="02020603050405020304" pitchFamily="18" charset="0"/>
+                <a:ea typeface="Times New Roman" panose="02020603050405020304" pitchFamily="18" charset="0"/>
+              </a:rPr>
+              <a:t> </a:t>
+            </a:r>
+            <a:r>
+              <a:rPr lang="ru-RU" sz="1800" dirty="0">
+                <a:effectLst/>
+                <a:latin typeface="Times New Roman" panose="02020603050405020304" pitchFamily="18" charset="0"/>
+                <a:ea typeface="Times New Roman" panose="02020603050405020304" pitchFamily="18" charset="0"/>
+              </a:rPr>
+              <a:t>	объектов сцены тени и визуализировать обстановку, основываясь на текущем</a:t>
+            </a:r>
+            <a:r>
+              <a:rPr lang="en-US" sz="1800" dirty="0">
+                <a:effectLst/>
+                <a:latin typeface="Times New Roman" panose="02020603050405020304" pitchFamily="18" charset="0"/>
+                <a:ea typeface="Times New Roman" panose="02020603050405020304" pitchFamily="18" charset="0"/>
+              </a:rPr>
+              <a:t> </a:t>
+            </a:r>
+            <a:r>
+              <a:rPr lang="ru-RU" sz="1800" dirty="0">
+                <a:effectLst/>
+                <a:latin typeface="Times New Roman" panose="02020603050405020304" pitchFamily="18" charset="0"/>
+                <a:ea typeface="Times New Roman" panose="02020603050405020304" pitchFamily="18" charset="0"/>
+              </a:rPr>
+              <a:t>положении 	наблюдателя</a:t>
             </a:r>
           </a:p>
         </p:txBody>
@@ -9189,8 +9262,8 @@
           </a:p>
         </p:txBody>
       </p:sp>
-      <mc:AlternateContent xmlns:mc="http://schemas.openxmlformats.org/markup-compatibility/2006">
-        <mc:Choice xmlns:a14="http://schemas.microsoft.com/office/drawing/2010/main" Requires="a14">
+      <mc:AlternateContent xmlns:mc="http://schemas.openxmlformats.org/markup-compatibility/2006" xmlns:a14="http://schemas.microsoft.com/office/drawing/2010/main">
+        <mc:Choice Requires="a14">
           <p:sp>
             <p:nvSpPr>
               <p:cNvPr id="4" name="TextBox 3">
@@ -9787,7 +9860,7 @@
             </p:txBody>
           </p:sp>
         </mc:Choice>
-        <mc:Fallback>
+        <mc:Fallback xmlns="">
           <p:sp>
             <p:nvSpPr>
               <p:cNvPr id="4" name="TextBox 3">
@@ -9907,8 +9980,8 @@
           </a:p>
         </p:txBody>
       </p:sp>
-      <mc:AlternateContent xmlns:mc="http://schemas.openxmlformats.org/markup-compatibility/2006">
-        <mc:Choice xmlns:a14="http://schemas.microsoft.com/office/drawing/2010/main" Requires="a14">
+      <mc:AlternateContent xmlns:mc="http://schemas.openxmlformats.org/markup-compatibility/2006" xmlns:a14="http://schemas.microsoft.com/office/drawing/2010/main">
+        <mc:Choice Requires="a14">
           <p:sp>
             <p:nvSpPr>
               <p:cNvPr id="4" name="TextBox 3">
@@ -10711,7 +10784,7 @@
             </p:txBody>
           </p:sp>
         </mc:Choice>
-        <mc:Fallback>
+        <mc:Fallback xmlns="">
           <p:sp>
             <p:nvSpPr>
               <p:cNvPr id="4" name="TextBox 3">
@@ -10879,7 +10952,7 @@
               <a:rPr lang="ru-RU" sz="2400" dirty="0">
                 <a:latin typeface="Times New Roman" panose="02020603050405020304" pitchFamily="18" charset="0"/>
               </a:rPr>
-              <a:t>этот язык преподавался в рамках курса Объектно-Ориентированного Программирования</a:t>
+              <a:t>данный язык преподавался в рамках курса Объектно-Ориентированного Программирования</a:t>
             </a:r>
             <a:r>
               <a:rPr lang="en-US" sz="2400" dirty="0">
@@ -11004,7 +11077,7 @@
               <a:rPr lang="ru-RU" sz="2400" dirty="0">
                 <a:latin typeface="Times New Roman" panose="02020603050405020304" pitchFamily="18" charset="0"/>
               </a:rPr>
-              <a:t>основы работы с данной средой разработки преподается в рамках курса Программирования на Си</a:t>
+              <a:t>основы работы с данной средой разработки преподавался в рамках курса Программирования на Си</a:t>
             </a:r>
             <a:r>
               <a:rPr lang="en-US" sz="2400" dirty="0">

--- a/Presentation/CurseWorkYakuba.pptx
+++ b/Presentation/CurseWorkYakuba.pptx
@@ -8,23 +8,25 @@
     <p:sldId id="256" r:id="rId2"/>
     <p:sldId id="258" r:id="rId3"/>
     <p:sldId id="259" r:id="rId4"/>
-    <p:sldId id="260" r:id="rId5"/>
-    <p:sldId id="261" r:id="rId6"/>
-    <p:sldId id="262" r:id="rId7"/>
-    <p:sldId id="263" r:id="rId8"/>
-    <p:sldId id="264" r:id="rId9"/>
-    <p:sldId id="265" r:id="rId10"/>
-    <p:sldId id="266" r:id="rId11"/>
-    <p:sldId id="268" r:id="rId12"/>
-    <p:sldId id="274" r:id="rId13"/>
-    <p:sldId id="275" r:id="rId14"/>
-    <p:sldId id="269" r:id="rId15"/>
-    <p:sldId id="270" r:id="rId16"/>
-    <p:sldId id="276" r:id="rId17"/>
-    <p:sldId id="277" r:id="rId18"/>
-    <p:sldId id="271" r:id="rId19"/>
-    <p:sldId id="278" r:id="rId20"/>
-    <p:sldId id="273" r:id="rId21"/>
+    <p:sldId id="279" r:id="rId5"/>
+    <p:sldId id="260" r:id="rId6"/>
+    <p:sldId id="261" r:id="rId7"/>
+    <p:sldId id="262" r:id="rId8"/>
+    <p:sldId id="263" r:id="rId9"/>
+    <p:sldId id="264" r:id="rId10"/>
+    <p:sldId id="265" r:id="rId11"/>
+    <p:sldId id="266" r:id="rId12"/>
+    <p:sldId id="268" r:id="rId13"/>
+    <p:sldId id="274" r:id="rId14"/>
+    <p:sldId id="275" r:id="rId15"/>
+    <p:sldId id="269" r:id="rId16"/>
+    <p:sldId id="270" r:id="rId17"/>
+    <p:sldId id="276" r:id="rId18"/>
+    <p:sldId id="277" r:id="rId19"/>
+    <p:sldId id="271" r:id="rId20"/>
+    <p:sldId id="278" r:id="rId21"/>
+    <p:sldId id="280" r:id="rId22"/>
+    <p:sldId id="273" r:id="rId23"/>
   </p:sldIdLst>
   <p:sldSz cx="12192000" cy="6858000"/>
   <p:notesSz cx="6858000" cy="9144000"/>
@@ -1490,7 +1492,7 @@
           <a:p>
             <a:fld id="{6EFF73F2-DCB5-4E8D-8FED-7ED588C8F664}" type="datetimeFigureOut">
               <a:rPr lang="ru-RU" smtClean="0"/>
-              <a:t>25.11.2020</a:t>
+              <a:t>28.11.2020</a:t>
             </a:fld>
             <a:endParaRPr lang="ru-RU"/>
           </a:p>
@@ -1698,7 +1700,7 @@
           <a:p>
             <a:fld id="{6EFF73F2-DCB5-4E8D-8FED-7ED588C8F664}" type="datetimeFigureOut">
               <a:rPr lang="ru-RU" smtClean="0"/>
-              <a:t>25.11.2020</a:t>
+              <a:t>28.11.2020</a:t>
             </a:fld>
             <a:endParaRPr lang="ru-RU"/>
           </a:p>
@@ -1956,7 +1958,7 @@
           <a:p>
             <a:fld id="{6EFF73F2-DCB5-4E8D-8FED-7ED588C8F664}" type="datetimeFigureOut">
               <a:rPr lang="ru-RU" smtClean="0"/>
-              <a:t>25.11.2020</a:t>
+              <a:t>28.11.2020</a:t>
             </a:fld>
             <a:endParaRPr lang="ru-RU"/>
           </a:p>
@@ -2126,7 +2128,7 @@
           <a:p>
             <a:fld id="{6EFF73F2-DCB5-4E8D-8FED-7ED588C8F664}" type="datetimeFigureOut">
               <a:rPr lang="ru-RU" smtClean="0"/>
-              <a:t>25.11.2020</a:t>
+              <a:t>28.11.2020</a:t>
             </a:fld>
             <a:endParaRPr lang="ru-RU"/>
           </a:p>
@@ -2463,7 +2465,7 @@
           <a:p>
             <a:fld id="{6EFF73F2-DCB5-4E8D-8FED-7ED588C8F664}" type="datetimeFigureOut">
               <a:rPr lang="ru-RU" smtClean="0"/>
-              <a:t>25.11.2020</a:t>
+              <a:t>28.11.2020</a:t>
             </a:fld>
             <a:endParaRPr lang="ru-RU"/>
           </a:p>
@@ -2738,7 +2740,7 @@
           <a:p>
             <a:fld id="{6EFF73F2-DCB5-4E8D-8FED-7ED588C8F664}" type="datetimeFigureOut">
               <a:rPr lang="ru-RU" smtClean="0"/>
-              <a:t>25.11.2020</a:t>
+              <a:t>28.11.2020</a:t>
             </a:fld>
             <a:endParaRPr lang="ru-RU"/>
           </a:p>
@@ -3121,7 +3123,7 @@
           <a:p>
             <a:fld id="{6EFF73F2-DCB5-4E8D-8FED-7ED588C8F664}" type="datetimeFigureOut">
               <a:rPr lang="ru-RU" smtClean="0"/>
-              <a:t>25.11.2020</a:t>
+              <a:t>28.11.2020</a:t>
             </a:fld>
             <a:endParaRPr lang="ru-RU"/>
           </a:p>
@@ -3239,7 +3241,7 @@
           <a:p>
             <a:fld id="{6EFF73F2-DCB5-4E8D-8FED-7ED588C8F664}" type="datetimeFigureOut">
               <a:rPr lang="ru-RU" smtClean="0"/>
-              <a:t>25.11.2020</a:t>
+              <a:t>28.11.2020</a:t>
             </a:fld>
             <a:endParaRPr lang="ru-RU"/>
           </a:p>
@@ -3412,7 +3414,7 @@
           <a:p>
             <a:fld id="{6EFF73F2-DCB5-4E8D-8FED-7ED588C8F664}" type="datetimeFigureOut">
               <a:rPr lang="ru-RU" smtClean="0"/>
-              <a:t>25.11.2020</a:t>
+              <a:t>28.11.2020</a:t>
             </a:fld>
             <a:endParaRPr lang="ru-RU"/>
           </a:p>
@@ -3768,7 +3770,7 @@
           <a:p>
             <a:fld id="{6EFF73F2-DCB5-4E8D-8FED-7ED588C8F664}" type="datetimeFigureOut">
               <a:rPr lang="ru-RU" smtClean="0"/>
-              <a:t>25.11.2020</a:t>
+              <a:t>28.11.2020</a:t>
             </a:fld>
             <a:endParaRPr lang="ru-RU"/>
           </a:p>
@@ -4116,7 +4118,7 @@
           <a:p>
             <a:fld id="{6EFF73F2-DCB5-4E8D-8FED-7ED588C8F664}" type="datetimeFigureOut">
               <a:rPr lang="ru-RU" smtClean="0"/>
-              <a:t>25.11.2020</a:t>
+              <a:t>28.11.2020</a:t>
             </a:fld>
             <a:endParaRPr lang="ru-RU"/>
           </a:p>
@@ -4427,7 +4429,7 @@
           <a:p>
             <a:fld id="{6EFF73F2-DCB5-4E8D-8FED-7ED588C8F664}" type="datetimeFigureOut">
               <a:rPr lang="ru-RU" smtClean="0"/>
-              <a:t>25.11.2020</a:t>
+              <a:t>28.11.2020</a:t>
             </a:fld>
             <a:endParaRPr lang="ru-RU"/>
           </a:p>
@@ -5100,6 +5102,115 @@
                 <a:latin typeface="Times New Roman" panose="02020603050405020304" pitchFamily="18" charset="0"/>
                 <a:cs typeface="Times New Roman" panose="02020603050405020304" pitchFamily="18" charset="0"/>
               </a:rPr>
+              <a:t>Структура и состав классов</a:t>
+            </a:r>
+          </a:p>
+        </p:txBody>
+      </p:sp>
+      <p:pic>
+        <p:nvPicPr>
+          <p:cNvPr id="3" name="Рисунок 2">
+            <a:extLst>
+              <a:ext uri="{FF2B5EF4-FFF2-40B4-BE49-F238E27FC236}">
+                <a16:creationId xmlns:a16="http://schemas.microsoft.com/office/drawing/2014/main" id="{2513F3BF-65B7-4597-9BE0-83C01247D54D}"/>
+              </a:ext>
+            </a:extLst>
+          </p:cNvPr>
+          <p:cNvPicPr/>
+          <p:nvPr/>
+        </p:nvPicPr>
+        <p:blipFill>
+          <a:blip r:embed="rId2">
+            <a:extLst>
+              <a:ext uri="{28A0092B-C50C-407E-A947-70E740481C1C}">
+                <a14:useLocalDpi xmlns:a14="http://schemas.microsoft.com/office/drawing/2010/main" val="0"/>
+              </a:ext>
+            </a:extLst>
+          </a:blip>
+          <a:stretch>
+            <a:fillRect/>
+          </a:stretch>
+        </p:blipFill>
+        <p:spPr bwMode="auto">
+          <a:xfrm>
+            <a:off x="1218142" y="1928494"/>
+            <a:ext cx="9937538" cy="3862705"/>
+          </a:xfrm>
+          <a:prstGeom prst="rect">
+            <a:avLst/>
+          </a:prstGeom>
+          <a:ln w="38100" cap="sq">
+            <a:solidFill>
+              <a:srgbClr val="000000"/>
+            </a:solidFill>
+            <a:prstDash val="solid"/>
+            <a:miter lim="800000"/>
+          </a:ln>
+          <a:effectLst>
+            <a:outerShdw blurRad="50800" dist="38100" dir="2700000" algn="tl" rotWithShape="0">
+              <a:srgbClr val="000000">
+                <a:alpha val="43000"/>
+              </a:srgbClr>
+            </a:outerShdw>
+          </a:effectLst>
+        </p:spPr>
+      </p:pic>
+    </p:spTree>
+    <p:extLst>
+      <p:ext uri="{BB962C8B-B14F-4D97-AF65-F5344CB8AC3E}">
+        <p14:creationId xmlns:p14="http://schemas.microsoft.com/office/powerpoint/2010/main" val="532674506"/>
+      </p:ext>
+    </p:extLst>
+  </p:cSld>
+  <p:clrMapOvr>
+    <a:masterClrMapping/>
+  </p:clrMapOvr>
+</p:sld>
+</file>
+
+<file path=ppt/slides/slide11.xml><?xml version="1.0" encoding="utf-8"?>
+<p:sld xmlns:a="http://schemas.openxmlformats.org/drawingml/2006/main" xmlns:r="http://schemas.openxmlformats.org/officeDocument/2006/relationships" xmlns:p="http://schemas.openxmlformats.org/presentationml/2006/main">
+  <p:cSld>
+    <p:spTree>
+      <p:nvGrpSpPr>
+        <p:cNvPr id="1" name=""/>
+        <p:cNvGrpSpPr/>
+        <p:nvPr/>
+      </p:nvGrpSpPr>
+      <p:grpSpPr>
+        <a:xfrm>
+          <a:off x="0" y="0"/>
+          <a:ext cx="0" cy="0"/>
+          <a:chOff x="0" y="0"/>
+          <a:chExt cx="0" cy="0"/>
+        </a:xfrm>
+      </p:grpSpPr>
+      <p:sp>
+        <p:nvSpPr>
+          <p:cNvPr id="2" name="Заголовок 1">
+            <a:extLst>
+              <a:ext uri="{FF2B5EF4-FFF2-40B4-BE49-F238E27FC236}">
+                <a16:creationId xmlns:a16="http://schemas.microsoft.com/office/drawing/2014/main" id="{70DA9C02-F807-4672-B786-210812D74F7C}"/>
+              </a:ext>
+            </a:extLst>
+          </p:cNvPr>
+          <p:cNvSpPr>
+            <a:spLocks noGrp="1"/>
+          </p:cNvSpPr>
+          <p:nvPr>
+            <p:ph type="title"/>
+          </p:nvPr>
+        </p:nvSpPr>
+        <p:spPr/>
+        <p:txBody>
+          <a:bodyPr/>
+          <a:lstStyle/>
+          <a:p>
+            <a:r>
+              <a:rPr lang="ru-RU" dirty="0">
+                <a:latin typeface="Times New Roman" panose="02020603050405020304" pitchFamily="18" charset="0"/>
+                <a:cs typeface="Times New Roman" panose="02020603050405020304" pitchFamily="18" charset="0"/>
+              </a:rPr>
               <a:t>Структура и состав классов: продолжение</a:t>
             </a:r>
           </a:p>
@@ -5215,7 +5326,7 @@
 </p:sld>
 </file>
 
-<file path=ppt/slides/slide11.xml><?xml version="1.0" encoding="utf-8"?>
+<file path=ppt/slides/slide12.xml><?xml version="1.0" encoding="utf-8"?>
 <p:sld xmlns:a="http://schemas.openxmlformats.org/drawingml/2006/main" xmlns:r="http://schemas.openxmlformats.org/officeDocument/2006/relationships" xmlns:p="http://schemas.openxmlformats.org/presentationml/2006/main">
   <p:cSld>
     <p:spTree>
@@ -5322,7 +5433,7 @@
         <p:spPr>
           <a:xfrm>
             <a:off x="668866" y="1889050"/>
-            <a:ext cx="7289800" cy="3469155"/>
+            <a:ext cx="7289800" cy="2702791"/>
           </a:xfrm>
           <a:prstGeom prst="rect">
             <a:avLst/>
@@ -5344,12 +5455,12 @@
               </a:spcAft>
             </a:pPr>
             <a:r>
-              <a:rPr lang="ru-RU" sz="1800" dirty="0">
+              <a:rPr lang="ru-RU" sz="2800" dirty="0">
                 <a:effectLst/>
                 <a:latin typeface="Times New Roman" panose="02020603050405020304" pitchFamily="18" charset="0"/>
                 <a:ea typeface="Times New Roman" panose="02020603050405020304" pitchFamily="18" charset="0"/>
               </a:rPr>
-              <a:t>Интерфейс главного окна приложения, изображенного на рисунке 	3.4, включает в себя:</a:t>
+              <a:t>Интерфейс главного окна приложения, изображенного на рисунке, включает в себя:</a:t>
             </a:r>
           </a:p>
           <a:p>
@@ -5361,12 +5472,12 @@
               <a:buChar char=""/>
             </a:pPr>
             <a:r>
-              <a:rPr lang="ru-RU" dirty="0">
+              <a:rPr lang="ru-RU" sz="2800" dirty="0">
                 <a:effectLst/>
                 <a:latin typeface="Times New Roman" panose="02020603050405020304" pitchFamily="18" charset="0"/>
                 <a:ea typeface="Times New Roman" panose="02020603050405020304" pitchFamily="18" charset="0"/>
               </a:rPr>
-              <a:t>Группу работы с объектами сцены. Позволяет добавлять, удалять объекты, а также изменять положение добавленных объектов;</a:t>
+              <a:t>Группу работы с объектами сцены;</a:t>
             </a:r>
           </a:p>
           <a:p>
@@ -5381,12 +5492,12 @@
               <a:buChar char=""/>
             </a:pPr>
             <a:r>
-              <a:rPr lang="ru-RU" dirty="0">
+              <a:rPr lang="ru-RU" sz="2800" dirty="0">
                 <a:effectLst/>
                 <a:latin typeface="Times New Roman" panose="02020603050405020304" pitchFamily="18" charset="0"/>
                 <a:ea typeface="Times New Roman" panose="02020603050405020304" pitchFamily="18" charset="0"/>
               </a:rPr>
-              <a:t>Группу работы со сценой. Позволяет создавать сцену, изменять параметры текущей сцены и переместить сцену в центр преобразований.</a:t>
+              <a:t>Группу работы со сценой.</a:t>
             </a:r>
           </a:p>
         </p:txBody>
@@ -5404,7 +5515,7 @@
 </p:sld>
 </file>
 
-<file path=ppt/slides/slide12.xml><?xml version="1.0" encoding="utf-8"?>
+<file path=ppt/slides/slide13.xml><?xml version="1.0" encoding="utf-8"?>
 <p:sld xmlns:a="http://schemas.openxmlformats.org/drawingml/2006/main" xmlns:r="http://schemas.openxmlformats.org/officeDocument/2006/relationships" xmlns:p="http://schemas.openxmlformats.org/presentationml/2006/main">
   <p:cSld>
     <p:spTree>
@@ -5440,7 +5551,7 @@
         <p:spPr/>
         <p:txBody>
           <a:bodyPr>
-            <a:normAutofit fontScale="90000"/>
+            <a:normAutofit/>
           </a:bodyPr>
           <a:lstStyle/>
           <a:p>
@@ -5449,7 +5560,7 @@
                 <a:latin typeface="Times New Roman" panose="02020603050405020304" pitchFamily="18" charset="0"/>
                 <a:cs typeface="Times New Roman" panose="02020603050405020304" pitchFamily="18" charset="0"/>
               </a:rPr>
-              <a:t>Пользовательский интерфейс программного обеспечения: продолжение</a:t>
+              <a:t>Пользовательский интерфейс программного обеспечения</a:t>
             </a:r>
           </a:p>
         </p:txBody>
@@ -5627,7 +5738,7 @@
 </p:sld>
 </file>
 
-<file path=ppt/slides/slide13.xml><?xml version="1.0" encoding="utf-8"?>
+<file path=ppt/slides/slide14.xml><?xml version="1.0" encoding="utf-8"?>
 <p:sld xmlns:a="http://schemas.openxmlformats.org/drawingml/2006/main" xmlns:r="http://schemas.openxmlformats.org/officeDocument/2006/relationships" xmlns:p="http://schemas.openxmlformats.org/presentationml/2006/main">
   <p:cSld>
     <p:spTree>
@@ -5663,7 +5774,7 @@
         <p:spPr/>
         <p:txBody>
           <a:bodyPr>
-            <a:normAutofit fontScale="90000"/>
+            <a:normAutofit/>
           </a:bodyPr>
           <a:lstStyle/>
           <a:p>
@@ -5672,7 +5783,7 @@
                 <a:latin typeface="Times New Roman" panose="02020603050405020304" pitchFamily="18" charset="0"/>
                 <a:cs typeface="Times New Roman" panose="02020603050405020304" pitchFamily="18" charset="0"/>
               </a:rPr>
-              <a:t>Пользовательский интерфейс программного обеспечения: продолжение</a:t>
+              <a:t>Пользовательский интерфейс программного обеспечения</a:t>
             </a:r>
           </a:p>
         </p:txBody>
@@ -6010,7 +6121,7 @@
 </p:sld>
 </file>
 
-<file path=ppt/slides/slide14.xml><?xml version="1.0" encoding="utf-8"?>
+<file path=ppt/slides/slide15.xml><?xml version="1.0" encoding="utf-8"?>
 <p:sld xmlns:a="http://schemas.openxmlformats.org/drawingml/2006/main" xmlns:r="http://schemas.openxmlformats.org/officeDocument/2006/relationships" xmlns:p="http://schemas.openxmlformats.org/presentationml/2006/main">
   <p:cSld>
     <p:spTree>
@@ -6113,7 +6224,7 @@
 </p:sld>
 </file>
 
-<file path=ppt/slides/slide15.xml><?xml version="1.0" encoding="utf-8"?>
+<file path=ppt/slides/slide16.xml><?xml version="1.0" encoding="utf-8"?>
 <p:sld xmlns:a="http://schemas.openxmlformats.org/drawingml/2006/main" xmlns:r="http://schemas.openxmlformats.org/officeDocument/2006/relationships" xmlns:p="http://schemas.openxmlformats.org/presentationml/2006/main">
   <p:cSld>
     <p:spTree>
@@ -6156,7 +6267,7 @@
                 <a:latin typeface="Times New Roman" panose="02020603050405020304" pitchFamily="18" charset="0"/>
                 <a:cs typeface="Times New Roman" panose="02020603050405020304" pitchFamily="18" charset="0"/>
               </a:rPr>
-              <a:t>Пример работы программного обеспечения: продолжение</a:t>
+              <a:t>Пример работы программного обеспечения</a:t>
             </a:r>
           </a:p>
         </p:txBody>
@@ -6216,7 +6327,7 @@
 </p:sld>
 </file>
 
-<file path=ppt/slides/slide16.xml><?xml version="1.0" encoding="utf-8"?>
+<file path=ppt/slides/slide17.xml><?xml version="1.0" encoding="utf-8"?>
 <p:sld xmlns:a="http://schemas.openxmlformats.org/drawingml/2006/main" xmlns:r="http://schemas.openxmlformats.org/officeDocument/2006/relationships" xmlns:p="http://schemas.openxmlformats.org/presentationml/2006/main">
   <p:cSld>
     <p:spTree>
@@ -6259,7 +6370,7 @@
                 <a:latin typeface="Times New Roman" panose="02020603050405020304" pitchFamily="18" charset="0"/>
                 <a:cs typeface="Times New Roman" panose="02020603050405020304" pitchFamily="18" charset="0"/>
               </a:rPr>
-              <a:t>Пример работы программного обеспечения: продолжение</a:t>
+              <a:t>Пример работы программного обеспечения</a:t>
             </a:r>
           </a:p>
         </p:txBody>
@@ -6319,7 +6430,7 @@
 </p:sld>
 </file>
 
-<file path=ppt/slides/slide17.xml><?xml version="1.0" encoding="utf-8"?>
+<file path=ppt/slides/slide18.xml><?xml version="1.0" encoding="utf-8"?>
 <p:sld xmlns:a="http://schemas.openxmlformats.org/drawingml/2006/main" xmlns:r="http://schemas.openxmlformats.org/officeDocument/2006/relationships" xmlns:p="http://schemas.openxmlformats.org/presentationml/2006/main">
   <p:cSld>
     <p:spTree>
@@ -6362,7 +6473,7 @@
                 <a:latin typeface="Times New Roman" panose="02020603050405020304" pitchFamily="18" charset="0"/>
                 <a:cs typeface="Times New Roman" panose="02020603050405020304" pitchFamily="18" charset="0"/>
               </a:rPr>
-              <a:t>Пример работы программного обеспечения: продолжение</a:t>
+              <a:t>Пример работы программного обеспечения</a:t>
             </a:r>
           </a:p>
         </p:txBody>
@@ -6422,7 +6533,7 @@
 </p:sld>
 </file>
 
-<file path=ppt/slides/slide18.xml><?xml version="1.0" encoding="utf-8"?>
+<file path=ppt/slides/slide19.xml><?xml version="1.0" encoding="utf-8"?>
 <p:sld xmlns:a="http://schemas.openxmlformats.org/drawingml/2006/main" xmlns:r="http://schemas.openxmlformats.org/officeDocument/2006/relationships" xmlns:p="http://schemas.openxmlformats.org/presentationml/2006/main">
   <p:cSld>
     <p:spTree>
@@ -7753,285 +7864,6 @@
 </p:sld>
 </file>
 
-<file path=ppt/slides/slide19.xml><?xml version="1.0" encoding="utf-8"?>
-<p:sld xmlns:a="http://schemas.openxmlformats.org/drawingml/2006/main" xmlns:r="http://schemas.openxmlformats.org/officeDocument/2006/relationships" xmlns:p="http://schemas.openxmlformats.org/presentationml/2006/main">
-  <p:cSld>
-    <p:spTree>
-      <p:nvGrpSpPr>
-        <p:cNvPr id="1" name=""/>
-        <p:cNvGrpSpPr/>
-        <p:nvPr/>
-      </p:nvGrpSpPr>
-      <p:grpSpPr>
-        <a:xfrm>
-          <a:off x="0" y="0"/>
-          <a:ext cx="0" cy="0"/>
-          <a:chOff x="0" y="0"/>
-          <a:chExt cx="0" cy="0"/>
-        </a:xfrm>
-      </p:grpSpPr>
-      <p:sp>
-        <p:nvSpPr>
-          <p:cNvPr id="2" name="Заголовок 1">
-            <a:extLst>
-              <a:ext uri="{FF2B5EF4-FFF2-40B4-BE49-F238E27FC236}">
-                <a16:creationId xmlns:a16="http://schemas.microsoft.com/office/drawing/2014/main" id="{70DA9C02-F807-4672-B786-210812D74F7C}"/>
-              </a:ext>
-            </a:extLst>
-          </p:cNvPr>
-          <p:cNvSpPr>
-            <a:spLocks noGrp="1"/>
-          </p:cNvSpPr>
-          <p:nvPr>
-            <p:ph type="title"/>
-          </p:nvPr>
-        </p:nvSpPr>
-        <p:spPr/>
-        <p:txBody>
-          <a:bodyPr/>
-          <a:lstStyle/>
-          <a:p>
-            <a:r>
-              <a:rPr lang="ru-RU" dirty="0">
-                <a:latin typeface="Times New Roman" panose="02020603050405020304" pitchFamily="18" charset="0"/>
-                <a:cs typeface="Times New Roman" panose="02020603050405020304" pitchFamily="18" charset="0"/>
-              </a:rPr>
-              <a:t>Эксперимент: продолжение</a:t>
-            </a:r>
-          </a:p>
-        </p:txBody>
-      </p:sp>
-      <p:sp>
-        <p:nvSpPr>
-          <p:cNvPr id="6" name="TextBox 5">
-            <a:extLst>
-              <a:ext uri="{FF2B5EF4-FFF2-40B4-BE49-F238E27FC236}">
-                <a16:creationId xmlns:a16="http://schemas.microsoft.com/office/drawing/2014/main" id="{FA8652B5-1C1C-4C0D-8616-ED6EC755556E}"/>
-              </a:ext>
-            </a:extLst>
-          </p:cNvPr>
-          <p:cNvSpPr txBox="1"/>
-          <p:nvPr/>
-        </p:nvSpPr>
-        <p:spPr>
-          <a:xfrm>
-            <a:off x="1097279" y="1737360"/>
-            <a:ext cx="10058399" cy="2246769"/>
-          </a:xfrm>
-          <a:prstGeom prst="rect">
-            <a:avLst/>
-          </a:prstGeom>
-          <a:noFill/>
-        </p:spPr>
-        <p:txBody>
-          <a:bodyPr wrap="square">
-            <a:spAutoFit/>
-          </a:bodyPr>
-          <a:lstStyle/>
-          <a:p>
-            <a:pPr marL="285750" indent="-285750">
-              <a:buFont typeface="Arial" panose="020B0604020202020204" pitchFamily="34" charset="0"/>
-              <a:buChar char="•"/>
-            </a:pPr>
-            <a:r>
-              <a:rPr lang="ru-RU" sz="2000" dirty="0">
-                <a:effectLst/>
-                <a:latin typeface="Times New Roman" panose="02020603050405020304" pitchFamily="18" charset="0"/>
-                <a:ea typeface="Times New Roman" panose="02020603050405020304" pitchFamily="18" charset="0"/>
-              </a:rPr>
-              <a:t>Реализация алгоритма с использованием функционала </a:t>
-            </a:r>
-            <a:r>
-              <a:rPr lang="en-US" sz="2000" dirty="0">
-                <a:effectLst/>
-                <a:latin typeface="Times New Roman" panose="02020603050405020304" pitchFamily="18" charset="0"/>
-                <a:ea typeface="Times New Roman" panose="02020603050405020304" pitchFamily="18" charset="0"/>
-              </a:rPr>
-              <a:t>OpenMP </a:t>
-            </a:r>
-            <a:r>
-              <a:rPr lang="ru-RU" sz="2000" dirty="0">
-                <a:effectLst/>
-                <a:latin typeface="Times New Roman" panose="02020603050405020304" pitchFamily="18" charset="0"/>
-                <a:ea typeface="Times New Roman" panose="02020603050405020304" pitchFamily="18" charset="0"/>
-              </a:rPr>
-              <a:t>не показывает себя хуже обычной реализации даже на минимальных значениях</a:t>
-            </a:r>
-            <a:r>
-              <a:rPr lang="en-US" sz="2000" dirty="0">
-                <a:effectLst/>
-                <a:latin typeface="Times New Roman" panose="02020603050405020304" pitchFamily="18" charset="0"/>
-                <a:ea typeface="Times New Roman" panose="02020603050405020304" pitchFamily="18" charset="0"/>
-              </a:rPr>
-              <a:t>;</a:t>
-            </a:r>
-          </a:p>
-          <a:p>
-            <a:pPr marL="285750" indent="-285750">
-              <a:buFont typeface="Arial" panose="020B0604020202020204" pitchFamily="34" charset="0"/>
-              <a:buChar char="•"/>
-            </a:pPr>
-            <a:r>
-              <a:rPr lang="ru-RU" sz="2000" dirty="0">
-                <a:latin typeface="Times New Roman" panose="02020603050405020304" pitchFamily="18" charset="0"/>
-                <a:ea typeface="Times New Roman" panose="02020603050405020304" pitchFamily="18" charset="0"/>
-              </a:rPr>
-              <a:t>Н</a:t>
-            </a:r>
-            <a:r>
-              <a:rPr lang="ru-RU" sz="2000" dirty="0">
-                <a:effectLst/>
-                <a:latin typeface="Times New Roman" panose="02020603050405020304" pitchFamily="18" charset="0"/>
-                <a:ea typeface="Times New Roman" panose="02020603050405020304" pitchFamily="18" charset="0"/>
-              </a:rPr>
-              <a:t>а всех рассмотренных размерах плоскости скорость выполнения алгоритма с использованием </a:t>
-            </a:r>
-            <a:r>
-              <a:rPr lang="en-US" sz="2000" dirty="0">
-                <a:effectLst/>
-                <a:latin typeface="Times New Roman" panose="02020603050405020304" pitchFamily="18" charset="0"/>
-                <a:ea typeface="Times New Roman" panose="02020603050405020304" pitchFamily="18" charset="0"/>
-              </a:rPr>
-              <a:t>OpenMP </a:t>
-            </a:r>
-            <a:r>
-              <a:rPr lang="ru-RU" sz="2000" dirty="0">
-                <a:effectLst/>
-                <a:latin typeface="Times New Roman" panose="02020603050405020304" pitchFamily="18" charset="0"/>
-                <a:ea typeface="Times New Roman" panose="02020603050405020304" pitchFamily="18" charset="0"/>
-              </a:rPr>
-              <a:t>больше, либо приблизительно равна скорости выполнения алгоритма без использования директив</a:t>
-            </a:r>
-            <a:r>
-              <a:rPr lang="en-US" sz="2000" dirty="0">
-                <a:effectLst/>
-                <a:latin typeface="Times New Roman" panose="02020603050405020304" pitchFamily="18" charset="0"/>
-                <a:ea typeface="Times New Roman" panose="02020603050405020304" pitchFamily="18" charset="0"/>
-              </a:rPr>
-              <a:t>;</a:t>
-            </a:r>
-            <a:endParaRPr lang="ru-RU" sz="2000" dirty="0">
-              <a:effectLst/>
-              <a:latin typeface="Times New Roman" panose="02020603050405020304" pitchFamily="18" charset="0"/>
-              <a:ea typeface="Times New Roman" panose="02020603050405020304" pitchFamily="18" charset="0"/>
-            </a:endParaRPr>
-          </a:p>
-          <a:p>
-            <a:pPr marL="285750" indent="-285750">
-              <a:buFont typeface="Arial" panose="020B0604020202020204" pitchFamily="34" charset="0"/>
-              <a:buChar char="•"/>
-            </a:pPr>
-            <a:r>
-              <a:rPr lang="ru-RU" sz="2000" dirty="0">
-                <a:effectLst/>
-                <a:latin typeface="Times New Roman" panose="02020603050405020304" pitchFamily="18" charset="0"/>
-                <a:ea typeface="Times New Roman" panose="02020603050405020304" pitchFamily="18" charset="0"/>
-              </a:rPr>
-              <a:t>В среднем по таблице алгоритм с использованием директив </a:t>
-            </a:r>
-            <a:r>
-              <a:rPr lang="en-US" sz="2000" dirty="0">
-                <a:effectLst/>
-                <a:latin typeface="Times New Roman" panose="02020603050405020304" pitchFamily="18" charset="0"/>
-                <a:ea typeface="Times New Roman" panose="02020603050405020304" pitchFamily="18" charset="0"/>
-              </a:rPr>
-              <a:t>OpenMP </a:t>
-            </a:r>
-            <a:r>
-              <a:rPr lang="ru-RU" sz="2000" dirty="0">
-                <a:effectLst/>
-                <a:latin typeface="Times New Roman" panose="02020603050405020304" pitchFamily="18" charset="0"/>
-                <a:ea typeface="Times New Roman" panose="02020603050405020304" pitchFamily="18" charset="0"/>
-              </a:rPr>
-              <a:t>будет быстрее реализации без их использования в 1.40 раз.</a:t>
-            </a:r>
-            <a:endParaRPr lang="ru-RU" sz="2000" dirty="0"/>
-          </a:p>
-        </p:txBody>
-      </p:sp>
-      <p:sp>
-        <p:nvSpPr>
-          <p:cNvPr id="8" name="TextBox 7">
-            <a:extLst>
-              <a:ext uri="{FF2B5EF4-FFF2-40B4-BE49-F238E27FC236}">
-                <a16:creationId xmlns:a16="http://schemas.microsoft.com/office/drawing/2014/main" id="{942CF2D3-13C7-49ED-912A-39C4C4F24D0D}"/>
-              </a:ext>
-            </a:extLst>
-          </p:cNvPr>
-          <p:cNvSpPr txBox="1"/>
-          <p:nvPr/>
-        </p:nvSpPr>
-        <p:spPr>
-          <a:xfrm>
-            <a:off x="1097279" y="4650056"/>
-            <a:ext cx="8953547" cy="1569660"/>
-          </a:xfrm>
-          <a:prstGeom prst="rect">
-            <a:avLst/>
-          </a:prstGeom>
-          <a:noFill/>
-        </p:spPr>
-        <p:txBody>
-          <a:bodyPr wrap="square">
-            <a:spAutoFit/>
-          </a:bodyPr>
-          <a:lstStyle/>
-          <a:p>
-            <a:r>
-              <a:rPr lang="ru-RU" sz="3200" b="1">
-                <a:latin typeface="Times New Roman" panose="02020603050405020304" pitchFamily="18" charset="0"/>
-                <a:ea typeface="Times New Roman" panose="02020603050405020304" pitchFamily="18" charset="0"/>
-              </a:rPr>
-              <a:t>При </a:t>
-            </a:r>
-            <a:r>
-              <a:rPr lang="ru-RU" sz="3200" b="1" dirty="0">
-                <a:latin typeface="Times New Roman" panose="02020603050405020304" pitchFamily="18" charset="0"/>
-                <a:ea typeface="Times New Roman" panose="02020603050405020304" pitchFamily="18" charset="0"/>
-              </a:rPr>
-              <a:t>конкретной реализации п</a:t>
-            </a:r>
-            <a:r>
-              <a:rPr lang="ru-RU" sz="3200" b="1" dirty="0">
-                <a:effectLst/>
-                <a:latin typeface="Times New Roman" panose="02020603050405020304" pitchFamily="18" charset="0"/>
-                <a:ea typeface="Times New Roman" panose="02020603050405020304" pitchFamily="18" charset="0"/>
-              </a:rPr>
-              <a:t>араллельный алгоритм </a:t>
-            </a:r>
-            <a:r>
-              <a:rPr lang="en-US" sz="3200" b="1" dirty="0">
-                <a:effectLst/>
-                <a:latin typeface="Times New Roman" panose="02020603050405020304" pitchFamily="18" charset="0"/>
-                <a:ea typeface="Times New Roman" panose="02020603050405020304" pitchFamily="18" charset="0"/>
-              </a:rPr>
-              <a:t>z</a:t>
-            </a:r>
-            <a:r>
-              <a:rPr lang="ru-RU" sz="3200" b="1" dirty="0">
-                <a:effectLst/>
-                <a:latin typeface="Times New Roman" panose="02020603050405020304" pitchFamily="18" charset="0"/>
-                <a:ea typeface="Times New Roman" panose="02020603050405020304" pitchFamily="18" charset="0"/>
-              </a:rPr>
-              <a:t>-буфера работает быстрее обычного алгоритма в любых рассмотренных условиях</a:t>
-            </a:r>
-            <a:endParaRPr lang="ru-RU" sz="3200" b="1" dirty="0"/>
-          </a:p>
-        </p:txBody>
-      </p:sp>
-    </p:spTree>
-    <p:extLst>
-      <p:ext uri="{BB962C8B-B14F-4D97-AF65-F5344CB8AC3E}">
-        <p14:creationId xmlns:p14="http://schemas.microsoft.com/office/powerpoint/2010/main" val="3972205191"/>
-      </p:ext>
-    </p:extLst>
-  </p:cSld>
-  <p:clrMapOvr>
-    <a:masterClrMapping/>
-  </p:clrMapOvr>
-</p:sld>
-</file>
-
 <file path=ppt/slides/slide2.xml><?xml version="1.0" encoding="utf-8"?>
 <p:sld xmlns:a="http://schemas.openxmlformats.org/drawingml/2006/main" xmlns:r="http://schemas.openxmlformats.org/officeDocument/2006/relationships" xmlns:p="http://schemas.openxmlformats.org/presentationml/2006/main">
   <p:cSld>
@@ -8095,7 +7927,7 @@
         <p:spPr>
           <a:xfrm>
             <a:off x="1036320" y="1737360"/>
-            <a:ext cx="10119360" cy="4893647"/>
+            <a:ext cx="10119360" cy="3785652"/>
           </a:xfrm>
           <a:prstGeom prst="rect">
             <a:avLst/>
@@ -8113,7 +7945,7 @@
                 <a:latin typeface="Times New Roman" panose="02020603050405020304" pitchFamily="18" charset="0"/>
                 <a:cs typeface="Times New Roman" panose="02020603050405020304" pitchFamily="18" charset="0"/>
               </a:rPr>
-              <a:t>Цель работы – реализовать программное обеспечение для визуализации площадки и интерьера выставочных стендов.</a:t>
+              <a:t>Цель работы – реализовать ПО для визуализации площадки и интерьера выставочных стендов.</a:t>
             </a:r>
           </a:p>
           <a:p>
@@ -8141,7 +7973,7 @@
                 <a:latin typeface="Times New Roman" panose="02020603050405020304" pitchFamily="18" charset="0"/>
                 <a:cs typeface="Times New Roman" panose="02020603050405020304" pitchFamily="18" charset="0"/>
               </a:rPr>
-              <a:t>формализовать объекты синтезируемой сцены и описать список доступных к размещению на сцене моделей интерьера</a:t>
+              <a:t>формализовать объекты сцены</a:t>
             </a:r>
             <a:r>
               <a:rPr lang="en-US" sz="2400" dirty="0">
@@ -8161,7 +7993,21 @@
                 <a:latin typeface="Times New Roman" panose="02020603050405020304" pitchFamily="18" charset="0"/>
                 <a:cs typeface="Times New Roman" panose="02020603050405020304" pitchFamily="18" charset="0"/>
               </a:rPr>
-              <a:t>выбрать или модифицировать существующие алгоритмы компьютерной графики для визуализации сцены</a:t>
+              <a:t>выбрать или модифицировать алгоритмы</a:t>
+            </a:r>
+            <a:r>
+              <a:rPr lang="en-US" sz="2400" dirty="0">
+                <a:latin typeface="Times New Roman" panose="02020603050405020304" pitchFamily="18" charset="0"/>
+                <a:cs typeface="Times New Roman" panose="02020603050405020304" pitchFamily="18" charset="0"/>
+              </a:rPr>
+              <a:t> </a:t>
+            </a:r>
+            <a:r>
+              <a:rPr lang="ru-RU" sz="2400" dirty="0">
+                <a:latin typeface="Times New Roman" panose="02020603050405020304" pitchFamily="18" charset="0"/>
+                <a:cs typeface="Times New Roman" panose="02020603050405020304" pitchFamily="18" charset="0"/>
+              </a:rPr>
+              <a:t>для решения поставленной задачи</a:t>
             </a:r>
             <a:r>
               <a:rPr lang="en-US" sz="2400" dirty="0">
@@ -8181,7 +8027,7 @@
                 <a:latin typeface="Times New Roman" panose="02020603050405020304" pitchFamily="18" charset="0"/>
                 <a:cs typeface="Times New Roman" panose="02020603050405020304" pitchFamily="18" charset="0"/>
               </a:rPr>
-              <a:t>реализовать выбранные алгоритмы визуализации</a:t>
+              <a:t>реализовать выбранные алгоритмы</a:t>
             </a:r>
             <a:r>
               <a:rPr lang="en-US" sz="2400" dirty="0">
@@ -8205,7 +8051,7 @@
                 <a:latin typeface="Times New Roman" panose="02020603050405020304" pitchFamily="18" charset="0"/>
                 <a:cs typeface="Times New Roman" panose="02020603050405020304" pitchFamily="18" charset="0"/>
               </a:rPr>
-              <a:t>разработать программный продукт для визуализации и редактирования площадки выставочного стенда и трехмерных объектов, расположенных на ней.</a:t>
+              <a:t>разработать программный продукт.</a:t>
             </a:r>
           </a:p>
           <a:p>
@@ -8248,6 +8094,540 @@
       </p:grpSpPr>
       <p:sp>
         <p:nvSpPr>
+          <p:cNvPr id="2" name="Заголовок 1">
+            <a:extLst>
+              <a:ext uri="{FF2B5EF4-FFF2-40B4-BE49-F238E27FC236}">
+                <a16:creationId xmlns:a16="http://schemas.microsoft.com/office/drawing/2014/main" id="{70DA9C02-F807-4672-B786-210812D74F7C}"/>
+              </a:ext>
+            </a:extLst>
+          </p:cNvPr>
+          <p:cNvSpPr>
+            <a:spLocks noGrp="1"/>
+          </p:cNvSpPr>
+          <p:nvPr>
+            <p:ph type="title"/>
+          </p:nvPr>
+        </p:nvSpPr>
+        <p:spPr/>
+        <p:txBody>
+          <a:bodyPr/>
+          <a:lstStyle/>
+          <a:p>
+            <a:r>
+              <a:rPr lang="ru-RU" dirty="0">
+                <a:latin typeface="Times New Roman" panose="02020603050405020304" pitchFamily="18" charset="0"/>
+                <a:cs typeface="Times New Roman" panose="02020603050405020304" pitchFamily="18" charset="0"/>
+              </a:rPr>
+              <a:t>Эксперимент</a:t>
+            </a:r>
+          </a:p>
+        </p:txBody>
+      </p:sp>
+      <p:sp>
+        <p:nvSpPr>
+          <p:cNvPr id="6" name="TextBox 5">
+            <a:extLst>
+              <a:ext uri="{FF2B5EF4-FFF2-40B4-BE49-F238E27FC236}">
+                <a16:creationId xmlns:a16="http://schemas.microsoft.com/office/drawing/2014/main" id="{FA8652B5-1C1C-4C0D-8616-ED6EC755556E}"/>
+              </a:ext>
+            </a:extLst>
+          </p:cNvPr>
+          <p:cNvSpPr txBox="1"/>
+          <p:nvPr/>
+        </p:nvSpPr>
+        <p:spPr>
+          <a:xfrm>
+            <a:off x="1097279" y="1737360"/>
+            <a:ext cx="10058399" cy="1631216"/>
+          </a:xfrm>
+          <a:prstGeom prst="rect">
+            <a:avLst/>
+          </a:prstGeom>
+          <a:noFill/>
+        </p:spPr>
+        <p:txBody>
+          <a:bodyPr wrap="square">
+            <a:spAutoFit/>
+          </a:bodyPr>
+          <a:lstStyle/>
+          <a:p>
+            <a:pPr marL="285750" indent="-285750">
+              <a:buFont typeface="Arial" panose="020B0604020202020204" pitchFamily="34" charset="0"/>
+              <a:buChar char="•"/>
+            </a:pPr>
+            <a:r>
+              <a:rPr lang="ru-RU" sz="2000" dirty="0">
+                <a:effectLst/>
+                <a:latin typeface="Times New Roman" panose="02020603050405020304" pitchFamily="18" charset="0"/>
+                <a:ea typeface="Times New Roman" panose="02020603050405020304" pitchFamily="18" charset="0"/>
+              </a:rPr>
+              <a:t>Реализация алгоритма с использованием </a:t>
+            </a:r>
+            <a:r>
+              <a:rPr lang="en-US" sz="2000" dirty="0">
+                <a:effectLst/>
+                <a:latin typeface="Times New Roman" panose="02020603050405020304" pitchFamily="18" charset="0"/>
+                <a:ea typeface="Times New Roman" panose="02020603050405020304" pitchFamily="18" charset="0"/>
+              </a:rPr>
+              <a:t>OpenMP </a:t>
+            </a:r>
+            <a:r>
+              <a:rPr lang="ru-RU" sz="2000" dirty="0">
+                <a:effectLst/>
+                <a:latin typeface="Times New Roman" panose="02020603050405020304" pitchFamily="18" charset="0"/>
+                <a:ea typeface="Times New Roman" panose="02020603050405020304" pitchFamily="18" charset="0"/>
+              </a:rPr>
+              <a:t>не показывает себя хуже обычной реализации</a:t>
+            </a:r>
+            <a:r>
+              <a:rPr lang="en-US" sz="2000" dirty="0">
+                <a:effectLst/>
+                <a:latin typeface="Times New Roman" panose="02020603050405020304" pitchFamily="18" charset="0"/>
+                <a:ea typeface="Times New Roman" panose="02020603050405020304" pitchFamily="18" charset="0"/>
+              </a:rPr>
+              <a:t>;</a:t>
+            </a:r>
+          </a:p>
+          <a:p>
+            <a:pPr marL="285750" indent="-285750">
+              <a:buFont typeface="Arial" panose="020B0604020202020204" pitchFamily="34" charset="0"/>
+              <a:buChar char="•"/>
+            </a:pPr>
+            <a:r>
+              <a:rPr lang="ru-RU" sz="2000" dirty="0">
+                <a:latin typeface="Times New Roman" panose="02020603050405020304" pitchFamily="18" charset="0"/>
+                <a:ea typeface="Times New Roman" panose="02020603050405020304" pitchFamily="18" charset="0"/>
+              </a:rPr>
+              <a:t>Н</a:t>
+            </a:r>
+            <a:r>
+              <a:rPr lang="ru-RU" sz="2000" dirty="0">
+                <a:effectLst/>
+                <a:latin typeface="Times New Roman" panose="02020603050405020304" pitchFamily="18" charset="0"/>
+                <a:ea typeface="Times New Roman" panose="02020603050405020304" pitchFamily="18" charset="0"/>
+              </a:rPr>
+              <a:t>а всех рассмотренных значениях скорость алгоритма с использованием </a:t>
+            </a:r>
+            <a:r>
+              <a:rPr lang="en-US" sz="2000" dirty="0">
+                <a:effectLst/>
+                <a:latin typeface="Times New Roman" panose="02020603050405020304" pitchFamily="18" charset="0"/>
+                <a:ea typeface="Times New Roman" panose="02020603050405020304" pitchFamily="18" charset="0"/>
+              </a:rPr>
+              <a:t>OpenMP </a:t>
+            </a:r>
+            <a:r>
+              <a:rPr lang="ru-RU" sz="2000" dirty="0">
+                <a:effectLst/>
+                <a:latin typeface="Times New Roman" panose="02020603050405020304" pitchFamily="18" charset="0"/>
+                <a:ea typeface="Times New Roman" panose="02020603050405020304" pitchFamily="18" charset="0"/>
+              </a:rPr>
+              <a:t>больше скорости алгоритма без использования директив</a:t>
+            </a:r>
+            <a:r>
+              <a:rPr lang="en-US" sz="2000" dirty="0">
+                <a:effectLst/>
+                <a:latin typeface="Times New Roman" panose="02020603050405020304" pitchFamily="18" charset="0"/>
+                <a:ea typeface="Times New Roman" panose="02020603050405020304" pitchFamily="18" charset="0"/>
+              </a:rPr>
+              <a:t>;</a:t>
+            </a:r>
+            <a:endParaRPr lang="ru-RU" sz="2000" dirty="0">
+              <a:effectLst/>
+              <a:latin typeface="Times New Roman" panose="02020603050405020304" pitchFamily="18" charset="0"/>
+              <a:ea typeface="Times New Roman" panose="02020603050405020304" pitchFamily="18" charset="0"/>
+            </a:endParaRPr>
+          </a:p>
+          <a:p>
+            <a:pPr marL="285750" indent="-285750">
+              <a:buFont typeface="Arial" panose="020B0604020202020204" pitchFamily="34" charset="0"/>
+              <a:buChar char="•"/>
+            </a:pPr>
+            <a:r>
+              <a:rPr lang="ru-RU" sz="2000" dirty="0">
+                <a:effectLst/>
+                <a:latin typeface="Times New Roman" panose="02020603050405020304" pitchFamily="18" charset="0"/>
+                <a:ea typeface="Times New Roman" panose="02020603050405020304" pitchFamily="18" charset="0"/>
+              </a:rPr>
+              <a:t>По таблице алгоритм с использованием </a:t>
+            </a:r>
+            <a:r>
+              <a:rPr lang="en-US" sz="2000" dirty="0">
+                <a:effectLst/>
+                <a:latin typeface="Times New Roman" panose="02020603050405020304" pitchFamily="18" charset="0"/>
+                <a:ea typeface="Times New Roman" panose="02020603050405020304" pitchFamily="18" charset="0"/>
+              </a:rPr>
+              <a:t>OpenMP </a:t>
+            </a:r>
+            <a:r>
+              <a:rPr lang="ru-RU" sz="2000" dirty="0">
+                <a:effectLst/>
+                <a:latin typeface="Times New Roman" panose="02020603050405020304" pitchFamily="18" charset="0"/>
+                <a:ea typeface="Times New Roman" panose="02020603050405020304" pitchFamily="18" charset="0"/>
+              </a:rPr>
+              <a:t>будет быстрее в среднем в 1.40 раз.</a:t>
+            </a:r>
+            <a:endParaRPr lang="ru-RU" sz="2000" dirty="0"/>
+          </a:p>
+        </p:txBody>
+      </p:sp>
+      <p:sp>
+        <p:nvSpPr>
+          <p:cNvPr id="8" name="TextBox 7">
+            <a:extLst>
+              <a:ext uri="{FF2B5EF4-FFF2-40B4-BE49-F238E27FC236}">
+                <a16:creationId xmlns:a16="http://schemas.microsoft.com/office/drawing/2014/main" id="{942CF2D3-13C7-49ED-912A-39C4C4F24D0D}"/>
+              </a:ext>
+            </a:extLst>
+          </p:cNvPr>
+          <p:cNvSpPr txBox="1"/>
+          <p:nvPr/>
+        </p:nvSpPr>
+        <p:spPr>
+          <a:xfrm>
+            <a:off x="1619226" y="4650056"/>
+            <a:ext cx="8953547" cy="1569660"/>
+          </a:xfrm>
+          <a:prstGeom prst="rect">
+            <a:avLst/>
+          </a:prstGeom>
+          <a:noFill/>
+        </p:spPr>
+        <p:txBody>
+          <a:bodyPr wrap="square">
+            <a:spAutoFit/>
+          </a:bodyPr>
+          <a:lstStyle/>
+          <a:p>
+            <a:r>
+              <a:rPr lang="ru-RU" sz="3200" b="1" dirty="0">
+                <a:latin typeface="Times New Roman" panose="02020603050405020304" pitchFamily="18" charset="0"/>
+                <a:ea typeface="Times New Roman" panose="02020603050405020304" pitchFamily="18" charset="0"/>
+              </a:rPr>
+              <a:t>При конкретной реализации п</a:t>
+            </a:r>
+            <a:r>
+              <a:rPr lang="ru-RU" sz="3200" b="1" dirty="0">
+                <a:effectLst/>
+                <a:latin typeface="Times New Roman" panose="02020603050405020304" pitchFamily="18" charset="0"/>
+                <a:ea typeface="Times New Roman" panose="02020603050405020304" pitchFamily="18" charset="0"/>
+              </a:rPr>
+              <a:t>араллельный алгоритм </a:t>
+            </a:r>
+            <a:r>
+              <a:rPr lang="en-US" sz="3200" b="1" dirty="0">
+                <a:effectLst/>
+                <a:latin typeface="Times New Roman" panose="02020603050405020304" pitchFamily="18" charset="0"/>
+                <a:ea typeface="Times New Roman" panose="02020603050405020304" pitchFamily="18" charset="0"/>
+              </a:rPr>
+              <a:t>z</a:t>
+            </a:r>
+            <a:r>
+              <a:rPr lang="ru-RU" sz="3200" b="1" dirty="0">
+                <a:effectLst/>
+                <a:latin typeface="Times New Roman" panose="02020603050405020304" pitchFamily="18" charset="0"/>
+                <a:ea typeface="Times New Roman" panose="02020603050405020304" pitchFamily="18" charset="0"/>
+              </a:rPr>
+              <a:t>-буфера работает быстрее обычного алгоритма в любых рассмотренных условиях</a:t>
+            </a:r>
+            <a:endParaRPr lang="ru-RU" sz="3200" b="1" dirty="0"/>
+          </a:p>
+        </p:txBody>
+      </p:sp>
+    </p:spTree>
+    <p:extLst>
+      <p:ext uri="{BB962C8B-B14F-4D97-AF65-F5344CB8AC3E}">
+        <p14:creationId xmlns:p14="http://schemas.microsoft.com/office/powerpoint/2010/main" val="3972205191"/>
+      </p:ext>
+    </p:extLst>
+  </p:cSld>
+  <p:clrMapOvr>
+    <a:masterClrMapping/>
+  </p:clrMapOvr>
+</p:sld>
+</file>
+
+<file path=ppt/slides/slide21.xml><?xml version="1.0" encoding="utf-8"?>
+<p:sld xmlns:a="http://schemas.openxmlformats.org/drawingml/2006/main" xmlns:r="http://schemas.openxmlformats.org/officeDocument/2006/relationships" xmlns:p="http://schemas.openxmlformats.org/presentationml/2006/main">
+  <p:cSld>
+    <p:spTree>
+      <p:nvGrpSpPr>
+        <p:cNvPr id="1" name=""/>
+        <p:cNvGrpSpPr/>
+        <p:nvPr/>
+      </p:nvGrpSpPr>
+      <p:grpSpPr>
+        <a:xfrm>
+          <a:off x="0" y="0"/>
+          <a:ext cx="0" cy="0"/>
+          <a:chOff x="0" y="0"/>
+          <a:chExt cx="0" cy="0"/>
+        </a:xfrm>
+      </p:grpSpPr>
+      <p:sp>
+        <p:nvSpPr>
+          <p:cNvPr id="2" name="Заголовок 1">
+            <a:extLst>
+              <a:ext uri="{FF2B5EF4-FFF2-40B4-BE49-F238E27FC236}">
+                <a16:creationId xmlns:a16="http://schemas.microsoft.com/office/drawing/2014/main" id="{70DA9C02-F807-4672-B786-210812D74F7C}"/>
+              </a:ext>
+            </a:extLst>
+          </p:cNvPr>
+          <p:cNvSpPr>
+            <a:spLocks noGrp="1"/>
+          </p:cNvSpPr>
+          <p:nvPr>
+            <p:ph type="title"/>
+          </p:nvPr>
+        </p:nvSpPr>
+        <p:spPr/>
+        <p:txBody>
+          <a:bodyPr/>
+          <a:lstStyle/>
+          <a:p>
+            <a:r>
+              <a:rPr lang="ru-RU" dirty="0">
+                <a:latin typeface="Times New Roman" panose="02020603050405020304" pitchFamily="18" charset="0"/>
+                <a:cs typeface="Times New Roman" panose="02020603050405020304" pitchFamily="18" charset="0"/>
+              </a:rPr>
+              <a:t>Заключение</a:t>
+            </a:r>
+          </a:p>
+        </p:txBody>
+      </p:sp>
+      <p:sp>
+        <p:nvSpPr>
+          <p:cNvPr id="6" name="TextBox 5">
+            <a:extLst>
+              <a:ext uri="{FF2B5EF4-FFF2-40B4-BE49-F238E27FC236}">
+                <a16:creationId xmlns:a16="http://schemas.microsoft.com/office/drawing/2014/main" id="{FA8652B5-1C1C-4C0D-8616-ED6EC755556E}"/>
+              </a:ext>
+            </a:extLst>
+          </p:cNvPr>
+          <p:cNvSpPr txBox="1"/>
+          <p:nvPr/>
+        </p:nvSpPr>
+        <p:spPr>
+          <a:xfrm>
+            <a:off x="1097279" y="1737360"/>
+            <a:ext cx="10058399" cy="4462760"/>
+          </a:xfrm>
+          <a:prstGeom prst="rect">
+            <a:avLst/>
+          </a:prstGeom>
+          <a:noFill/>
+        </p:spPr>
+        <p:txBody>
+          <a:bodyPr wrap="square">
+            <a:spAutoFit/>
+          </a:bodyPr>
+          <a:lstStyle/>
+          <a:p>
+            <a:pPr marL="285750" indent="-285750">
+              <a:buFont typeface="Arial" panose="020B0604020202020204" pitchFamily="34" charset="0"/>
+              <a:buChar char="•"/>
+            </a:pPr>
+            <a:r>
+              <a:rPr lang="ru-RU" sz="2800" dirty="0">
+                <a:effectLst/>
+                <a:latin typeface="Times New Roman" panose="02020603050405020304" pitchFamily="18" charset="0"/>
+                <a:ea typeface="Times New Roman" panose="02020603050405020304" pitchFamily="18" charset="0"/>
+              </a:rPr>
+              <a:t>Была реализована программа для визуализации и редактирования стендов</a:t>
+            </a:r>
+            <a:r>
+              <a:rPr lang="en-US" sz="2800" dirty="0">
+                <a:effectLst/>
+                <a:latin typeface="Times New Roman" panose="02020603050405020304" pitchFamily="18" charset="0"/>
+                <a:ea typeface="Times New Roman" panose="02020603050405020304" pitchFamily="18" charset="0"/>
+              </a:rPr>
+              <a:t>;</a:t>
+            </a:r>
+          </a:p>
+          <a:p>
+            <a:pPr marL="285750" indent="-285750">
+              <a:buFont typeface="Arial" panose="020B0604020202020204" pitchFamily="34" charset="0"/>
+              <a:buChar char="•"/>
+            </a:pPr>
+            <a:r>
+              <a:rPr lang="ru-RU" sz="2800" dirty="0">
+                <a:latin typeface="Times New Roman" panose="02020603050405020304" pitchFamily="18" charset="0"/>
+                <a:ea typeface="Times New Roman" panose="02020603050405020304" pitchFamily="18" charset="0"/>
+              </a:rPr>
+              <a:t>Были формализованы объекты сцены</a:t>
+            </a:r>
+            <a:r>
+              <a:rPr lang="en-US" sz="2800" dirty="0">
+                <a:effectLst/>
+                <a:latin typeface="Times New Roman" panose="02020603050405020304" pitchFamily="18" charset="0"/>
+                <a:ea typeface="Times New Roman" panose="02020603050405020304" pitchFamily="18" charset="0"/>
+              </a:rPr>
+              <a:t>;</a:t>
+            </a:r>
+            <a:endParaRPr lang="ru-RU" sz="2800" dirty="0">
+              <a:effectLst/>
+              <a:latin typeface="Times New Roman" panose="02020603050405020304" pitchFamily="18" charset="0"/>
+              <a:ea typeface="Times New Roman" panose="02020603050405020304" pitchFamily="18" charset="0"/>
+            </a:endParaRPr>
+          </a:p>
+          <a:p>
+            <a:pPr marL="285750" indent="-285750">
+              <a:buFont typeface="Arial" panose="020B0604020202020204" pitchFamily="34" charset="0"/>
+              <a:buChar char="•"/>
+            </a:pPr>
+            <a:r>
+              <a:rPr lang="ru-RU" sz="2800" dirty="0">
+                <a:latin typeface="Times New Roman" panose="02020603050405020304" pitchFamily="18" charset="0"/>
+                <a:ea typeface="Times New Roman" panose="02020603050405020304" pitchFamily="18" charset="0"/>
+              </a:rPr>
+              <a:t>Были изучены алгоритмы для решения поставленной задачи</a:t>
+            </a:r>
+            <a:r>
+              <a:rPr lang="en-US" sz="2800" dirty="0">
+                <a:latin typeface="Times New Roman" panose="02020603050405020304" pitchFamily="18" charset="0"/>
+                <a:ea typeface="Times New Roman" panose="02020603050405020304" pitchFamily="18" charset="0"/>
+              </a:rPr>
+              <a:t>;</a:t>
+            </a:r>
+            <a:endParaRPr lang="ru-RU" sz="2800" dirty="0">
+              <a:effectLst/>
+              <a:latin typeface="Times New Roman" panose="02020603050405020304" pitchFamily="18" charset="0"/>
+              <a:ea typeface="Times New Roman" panose="02020603050405020304" pitchFamily="18" charset="0"/>
+            </a:endParaRPr>
+          </a:p>
+          <a:p>
+            <a:pPr marL="285750" indent="-285750">
+              <a:buFont typeface="Arial" panose="020B0604020202020204" pitchFamily="34" charset="0"/>
+              <a:buChar char="•"/>
+            </a:pPr>
+            <a:r>
+              <a:rPr lang="ru-RU" sz="2800" dirty="0">
+                <a:effectLst/>
+                <a:latin typeface="Times New Roman" panose="02020603050405020304" pitchFamily="18" charset="0"/>
+                <a:ea typeface="Times New Roman" panose="02020603050405020304" pitchFamily="18" charset="0"/>
+              </a:rPr>
+              <a:t>Были получены знания в области компьютерной графики</a:t>
+            </a:r>
+            <a:r>
+              <a:rPr lang="en-US" sz="2800" dirty="0">
+                <a:latin typeface="Times New Roman" panose="02020603050405020304" pitchFamily="18" charset="0"/>
+                <a:ea typeface="Times New Roman" panose="02020603050405020304" pitchFamily="18" charset="0"/>
+              </a:rPr>
+              <a:t>;</a:t>
+            </a:r>
+          </a:p>
+          <a:p>
+            <a:pPr marL="285750" indent="-285750">
+              <a:buFont typeface="Arial" panose="020B0604020202020204" pitchFamily="34" charset="0"/>
+              <a:buChar char="•"/>
+            </a:pPr>
+            <a:r>
+              <a:rPr lang="ru-RU" sz="2800" dirty="0">
+                <a:latin typeface="Times New Roman" panose="02020603050405020304" pitchFamily="18" charset="0"/>
+                <a:ea typeface="Times New Roman" panose="02020603050405020304" pitchFamily="18" charset="0"/>
+              </a:rPr>
+              <a:t>Были закреплены навыки проектирования ПО</a:t>
+            </a:r>
+            <a:r>
+              <a:rPr lang="en-US" sz="2800" dirty="0">
+                <a:latin typeface="Times New Roman" panose="02020603050405020304" pitchFamily="18" charset="0"/>
+                <a:ea typeface="Times New Roman" panose="02020603050405020304" pitchFamily="18" charset="0"/>
+              </a:rPr>
+              <a:t>;</a:t>
+            </a:r>
+            <a:endParaRPr lang="ru-RU" sz="2800" dirty="0">
+              <a:latin typeface="Times New Roman" panose="02020603050405020304" pitchFamily="18" charset="0"/>
+              <a:ea typeface="Times New Roman" panose="02020603050405020304" pitchFamily="18" charset="0"/>
+            </a:endParaRPr>
+          </a:p>
+          <a:p>
+            <a:pPr marL="285750" indent="-285750">
+              <a:buFont typeface="Arial" panose="020B0604020202020204" pitchFamily="34" charset="0"/>
+              <a:buChar char="•"/>
+            </a:pPr>
+            <a:r>
+              <a:rPr lang="ru-RU" sz="2800" dirty="0">
+                <a:latin typeface="Times New Roman" panose="02020603050405020304" pitchFamily="18" charset="0"/>
+                <a:ea typeface="Times New Roman" panose="02020603050405020304" pitchFamily="18" charset="0"/>
+              </a:rPr>
+              <a:t>Было показано, что использование </a:t>
+            </a:r>
+            <a:r>
+              <a:rPr lang="en-US" sz="2800" dirty="0">
+                <a:latin typeface="Times New Roman" panose="02020603050405020304" pitchFamily="18" charset="0"/>
+                <a:ea typeface="Times New Roman" panose="02020603050405020304" pitchFamily="18" charset="0"/>
+              </a:rPr>
+              <a:t>OpenMP </a:t>
+            </a:r>
+            <a:r>
+              <a:rPr lang="ru-RU" sz="2800" dirty="0">
+                <a:latin typeface="Times New Roman" panose="02020603050405020304" pitchFamily="18" charset="0"/>
+                <a:ea typeface="Times New Roman" panose="02020603050405020304" pitchFamily="18" charset="0"/>
+              </a:rPr>
+              <a:t>позволило ускорить работу приложения в среднем в 1.4 раза.</a:t>
+            </a:r>
+          </a:p>
+          <a:p>
+            <a:pPr marL="285750" indent="-285750">
+              <a:buFont typeface="Arial" panose="020B0604020202020204" pitchFamily="34" charset="0"/>
+              <a:buChar char="•"/>
+            </a:pPr>
+            <a:endParaRPr lang="en-US" sz="2000" dirty="0">
+              <a:latin typeface="Times New Roman" panose="02020603050405020304" pitchFamily="18" charset="0"/>
+              <a:ea typeface="Times New Roman" panose="02020603050405020304" pitchFamily="18" charset="0"/>
+            </a:endParaRPr>
+          </a:p>
+          <a:p>
+            <a:pPr marL="285750" indent="-285750">
+              <a:buFont typeface="Arial" panose="020B0604020202020204" pitchFamily="34" charset="0"/>
+              <a:buChar char="•"/>
+            </a:pPr>
+            <a:endParaRPr lang="en-US" sz="2000" dirty="0">
+              <a:latin typeface="Times New Roman" panose="02020603050405020304" pitchFamily="18" charset="0"/>
+              <a:ea typeface="Times New Roman" panose="02020603050405020304" pitchFamily="18" charset="0"/>
+            </a:endParaRPr>
+          </a:p>
+          <a:p>
+            <a:pPr marL="285750" indent="-285750">
+              <a:buFont typeface="Arial" panose="020B0604020202020204" pitchFamily="34" charset="0"/>
+              <a:buChar char="•"/>
+            </a:pPr>
+            <a:endParaRPr lang="ru-RU" sz="2000" dirty="0"/>
+          </a:p>
+        </p:txBody>
+      </p:sp>
+    </p:spTree>
+    <p:extLst>
+      <p:ext uri="{BB962C8B-B14F-4D97-AF65-F5344CB8AC3E}">
+        <p14:creationId xmlns:p14="http://schemas.microsoft.com/office/powerpoint/2010/main" val="3014458134"/>
+      </p:ext>
+    </p:extLst>
+  </p:cSld>
+  <p:clrMapOvr>
+    <a:masterClrMapping/>
+  </p:clrMapOvr>
+</p:sld>
+</file>
+
+<file path=ppt/slides/slide22.xml><?xml version="1.0" encoding="utf-8"?>
+<p:sld xmlns:a="http://schemas.openxmlformats.org/drawingml/2006/main" xmlns:r="http://schemas.openxmlformats.org/officeDocument/2006/relationships" xmlns:p="http://schemas.openxmlformats.org/presentationml/2006/main">
+  <p:cSld>
+    <p:spTree>
+      <p:nvGrpSpPr>
+        <p:cNvPr id="1" name=""/>
+        <p:cNvGrpSpPr/>
+        <p:nvPr/>
+      </p:nvGrpSpPr>
+      <p:grpSpPr>
+        <a:xfrm>
+          <a:off x="0" y="0"/>
+          <a:ext cx="0" cy="0"/>
+          <a:chOff x="0" y="0"/>
+          <a:chExt cx="0" cy="0"/>
+        </a:xfrm>
+      </p:grpSpPr>
+      <p:sp>
+        <p:nvSpPr>
           <p:cNvPr id="3" name="Подзаголовок 2">
             <a:extLst>
               <a:ext uri="{FF2B5EF4-FFF2-40B4-BE49-F238E27FC236}">
@@ -8596,6 +8976,110 @@
 </file>
 
 <file path=ppt/slides/slide4.xml><?xml version="1.0" encoding="utf-8"?>
+<p:sld xmlns:a="http://schemas.openxmlformats.org/drawingml/2006/main" xmlns:r="http://schemas.openxmlformats.org/officeDocument/2006/relationships" xmlns:p="http://schemas.openxmlformats.org/presentationml/2006/main">
+  <p:cSld>
+    <p:spTree>
+      <p:nvGrpSpPr>
+        <p:cNvPr id="1" name=""/>
+        <p:cNvGrpSpPr/>
+        <p:nvPr/>
+      </p:nvGrpSpPr>
+      <p:grpSpPr>
+        <a:xfrm>
+          <a:off x="0" y="0"/>
+          <a:ext cx="0" cy="0"/>
+          <a:chOff x="0" y="0"/>
+          <a:chExt cx="0" cy="0"/>
+        </a:xfrm>
+      </p:grpSpPr>
+      <p:sp>
+        <p:nvSpPr>
+          <p:cNvPr id="2" name="Заголовок 1">
+            <a:extLst>
+              <a:ext uri="{FF2B5EF4-FFF2-40B4-BE49-F238E27FC236}">
+                <a16:creationId xmlns:a16="http://schemas.microsoft.com/office/drawing/2014/main" id="{21C2896A-A975-442A-BA5E-9F35ACEC1BA1}"/>
+              </a:ext>
+            </a:extLst>
+          </p:cNvPr>
+          <p:cNvSpPr>
+            <a:spLocks noGrp="1"/>
+          </p:cNvSpPr>
+          <p:nvPr>
+            <p:ph type="title"/>
+          </p:nvPr>
+        </p:nvSpPr>
+        <p:spPr/>
+        <p:txBody>
+          <a:bodyPr/>
+          <a:lstStyle/>
+          <a:p>
+            <a:r>
+              <a:rPr lang="ru-RU" dirty="0">
+                <a:latin typeface="Times New Roman" panose="02020603050405020304" pitchFamily="18" charset="0"/>
+                <a:cs typeface="Times New Roman" panose="02020603050405020304" pitchFamily="18" charset="0"/>
+              </a:rPr>
+              <a:t>Формализация объектов синтезируемой сцены</a:t>
+            </a:r>
+          </a:p>
+        </p:txBody>
+      </p:sp>
+      <p:pic>
+        <p:nvPicPr>
+          <p:cNvPr id="10" name="Рисунок 9">
+            <a:extLst>
+              <a:ext uri="{FF2B5EF4-FFF2-40B4-BE49-F238E27FC236}">
+                <a16:creationId xmlns:a16="http://schemas.microsoft.com/office/drawing/2014/main" id="{14423F3D-DAC6-4E86-BB37-BC042637167B}"/>
+              </a:ext>
+            </a:extLst>
+          </p:cNvPr>
+          <p:cNvPicPr>
+            <a:picLocks noChangeAspect="1"/>
+          </p:cNvPicPr>
+          <p:nvPr/>
+        </p:nvPicPr>
+        <p:blipFill rotWithShape="1">
+          <a:blip r:embed="rId2"/>
+          <a:srcRect l="1060" t="988" r="1835" b="2221"/>
+          <a:stretch/>
+        </p:blipFill>
+        <p:spPr>
+          <a:xfrm>
+            <a:off x="2235200" y="1906086"/>
+            <a:ext cx="7721599" cy="4827539"/>
+          </a:xfrm>
+          <a:prstGeom prst="rect">
+            <a:avLst/>
+          </a:prstGeom>
+          <a:ln w="38100" cap="sq">
+            <a:solidFill>
+              <a:srgbClr val="000000"/>
+            </a:solidFill>
+            <a:prstDash val="solid"/>
+            <a:miter lim="800000"/>
+          </a:ln>
+          <a:effectLst>
+            <a:outerShdw blurRad="50800" dist="38100" dir="2700000" algn="tl" rotWithShape="0">
+              <a:srgbClr val="000000">
+                <a:alpha val="43000"/>
+              </a:srgbClr>
+            </a:outerShdw>
+          </a:effectLst>
+        </p:spPr>
+      </p:pic>
+    </p:spTree>
+    <p:extLst>
+      <p:ext uri="{BB962C8B-B14F-4D97-AF65-F5344CB8AC3E}">
+        <p14:creationId xmlns:p14="http://schemas.microsoft.com/office/powerpoint/2010/main" val="1682148032"/>
+      </p:ext>
+    </p:extLst>
+  </p:cSld>
+  <p:clrMapOvr>
+    <a:masterClrMapping/>
+  </p:clrMapOvr>
+</p:sld>
+</file>
+
+<file path=ppt/slides/slide5.xml><?xml version="1.0" encoding="utf-8"?>
 <p:sld xmlns:a="http://schemas.openxmlformats.org/drawingml/2006/main" xmlns:r="http://schemas.openxmlformats.org/officeDocument/2006/relationships" xmlns:p="http://schemas.openxmlformats.org/presentationml/2006/main">
   <p:cSld>
     <p:spTree>
@@ -8921,10 +9405,10 @@
       </p:pic>
       <p:pic>
         <p:nvPicPr>
-          <p:cNvPr id="20" name="Рисунок 19">
+          <p:cNvPr id="3" name="Рисунок 2">
             <a:extLst>
               <a:ext uri="{FF2B5EF4-FFF2-40B4-BE49-F238E27FC236}">
-                <a16:creationId xmlns:a16="http://schemas.microsoft.com/office/drawing/2014/main" id="{D1C5F432-9DBB-4067-8F26-EE6BDBFA05C7}"/>
+                <a16:creationId xmlns:a16="http://schemas.microsoft.com/office/drawing/2014/main" id="{05DD9E05-4B93-4E27-8DA0-AA8C401FD7D3}"/>
               </a:ext>
             </a:extLst>
           </p:cNvPr>
@@ -8933,16 +9417,15 @@
           </p:cNvPicPr>
           <p:nvPr/>
         </p:nvPicPr>
-        <p:blipFill>
+        <p:blipFill rotWithShape="1">
           <a:blip r:embed="rId3"/>
-          <a:stretch>
-            <a:fillRect/>
-          </a:stretch>
+          <a:srcRect l="1662" t="2609" r="1987" b="5737"/>
+          <a:stretch/>
         </p:blipFill>
         <p:spPr>
           <a:xfrm>
-            <a:off x="6536268" y="3672084"/>
-            <a:ext cx="5029199" cy="2143566"/>
+            <a:off x="6536267" y="3643306"/>
+            <a:ext cx="5029200" cy="2138854"/>
           </a:xfrm>
           <a:prstGeom prst="rect">
             <a:avLst/>
@@ -8976,230 +9459,6 @@
 </p:sld>
 </file>
 
-<file path=ppt/slides/slide5.xml><?xml version="1.0" encoding="utf-8"?>
-<p:sld xmlns:a="http://schemas.openxmlformats.org/drawingml/2006/main" xmlns:r="http://schemas.openxmlformats.org/officeDocument/2006/relationships" xmlns:p="http://schemas.openxmlformats.org/presentationml/2006/main">
-  <p:cSld>
-    <p:spTree>
-      <p:nvGrpSpPr>
-        <p:cNvPr id="1" name=""/>
-        <p:cNvGrpSpPr/>
-        <p:nvPr/>
-      </p:nvGrpSpPr>
-      <p:grpSpPr>
-        <a:xfrm>
-          <a:off x="0" y="0"/>
-          <a:ext cx="0" cy="0"/>
-          <a:chOff x="0" y="0"/>
-          <a:chExt cx="0" cy="0"/>
-        </a:xfrm>
-      </p:grpSpPr>
-      <p:sp>
-        <p:nvSpPr>
-          <p:cNvPr id="2" name="Заголовок 1">
-            <a:extLst>
-              <a:ext uri="{FF2B5EF4-FFF2-40B4-BE49-F238E27FC236}">
-                <a16:creationId xmlns:a16="http://schemas.microsoft.com/office/drawing/2014/main" id="{7B8C5339-15F3-42AC-BA5B-0671C033AF72}"/>
-              </a:ext>
-            </a:extLst>
-          </p:cNvPr>
-          <p:cNvSpPr>
-            <a:spLocks noGrp="1"/>
-          </p:cNvSpPr>
-          <p:nvPr>
-            <p:ph type="title"/>
-          </p:nvPr>
-        </p:nvSpPr>
-        <p:spPr/>
-        <p:txBody>
-          <a:bodyPr/>
-          <a:lstStyle/>
-          <a:p>
-            <a:r>
-              <a:rPr lang="ru-RU" dirty="0">
-                <a:latin typeface="Times New Roman" panose="02020603050405020304" pitchFamily="18" charset="0"/>
-                <a:cs typeface="Times New Roman" panose="02020603050405020304" pitchFamily="18" charset="0"/>
-              </a:rPr>
-              <a:t>Общий алгоритм решения поставленной задачи</a:t>
-            </a:r>
-          </a:p>
-        </p:txBody>
-      </p:sp>
-      <p:sp>
-        <p:nvSpPr>
-          <p:cNvPr id="4" name="TextBox 3">
-            <a:extLst>
-              <a:ext uri="{FF2B5EF4-FFF2-40B4-BE49-F238E27FC236}">
-                <a16:creationId xmlns:a16="http://schemas.microsoft.com/office/drawing/2014/main" id="{6BC30197-6504-47B0-9E3C-9DEDDFC1A3B2}"/>
-              </a:ext>
-            </a:extLst>
-          </p:cNvPr>
-          <p:cNvSpPr txBox="1"/>
-          <p:nvPr/>
-        </p:nvSpPr>
-        <p:spPr>
-          <a:xfrm>
-            <a:off x="668866" y="1737360"/>
-            <a:ext cx="10223547" cy="2325252"/>
-          </a:xfrm>
-          <a:prstGeom prst="rect">
-            <a:avLst/>
-          </a:prstGeom>
-          <a:noFill/>
-        </p:spPr>
-        <p:txBody>
-          <a:bodyPr wrap="square">
-            <a:spAutoFit/>
-          </a:bodyPr>
-          <a:lstStyle/>
-          <a:p>
-            <a:pPr indent="450215" algn="just">
-              <a:lnSpc>
-                <a:spcPct val="150000"/>
-              </a:lnSpc>
-              <a:spcAft>
-                <a:spcPts val="800"/>
-              </a:spcAft>
-            </a:pPr>
-            <a:r>
-              <a:rPr lang="ru-RU" sz="1800" dirty="0">
-                <a:effectLst/>
-                <a:latin typeface="Times New Roman" panose="02020603050405020304" pitchFamily="18" charset="0"/>
-                <a:ea typeface="Times New Roman" panose="02020603050405020304" pitchFamily="18" charset="0"/>
-              </a:rPr>
-              <a:t>1. Задать размеры области размещения объектов</a:t>
-            </a:r>
-          </a:p>
-          <a:p>
-            <a:pPr indent="450215" algn="just">
-              <a:lnSpc>
-                <a:spcPct val="150000"/>
-              </a:lnSpc>
-              <a:spcAft>
-                <a:spcPts val="800"/>
-              </a:spcAft>
-            </a:pPr>
-            <a:r>
-              <a:rPr lang="ru-RU" sz="1800" dirty="0">
-                <a:effectLst/>
-                <a:latin typeface="Times New Roman" panose="02020603050405020304" pitchFamily="18" charset="0"/>
-                <a:ea typeface="Times New Roman" panose="02020603050405020304" pitchFamily="18" charset="0"/>
-              </a:rPr>
-              <a:t>2. Разместить объекты сцены</a:t>
-            </a:r>
-          </a:p>
-          <a:p>
-            <a:pPr indent="450215" algn="just">
-              <a:lnSpc>
-                <a:spcPct val="150000"/>
-              </a:lnSpc>
-              <a:spcAft>
-                <a:spcPts val="800"/>
-              </a:spcAft>
-            </a:pPr>
-            <a:r>
-              <a:rPr lang="ru-RU" sz="1800" dirty="0">
-                <a:effectLst/>
-                <a:latin typeface="Times New Roman" panose="02020603050405020304" pitchFamily="18" charset="0"/>
-                <a:ea typeface="Times New Roman" panose="02020603050405020304" pitchFamily="18" charset="0"/>
-              </a:rPr>
-              <a:t>3. С помощью модифицированного алгоритма,</a:t>
-            </a:r>
-            <a:r>
-              <a:rPr lang="en-US" sz="1800" dirty="0">
-                <a:effectLst/>
-                <a:latin typeface="Times New Roman" panose="02020603050405020304" pitchFamily="18" charset="0"/>
-                <a:ea typeface="Times New Roman" panose="02020603050405020304" pitchFamily="18" charset="0"/>
-              </a:rPr>
-              <a:t> </a:t>
-            </a:r>
-            <a:r>
-              <a:rPr lang="ru-RU" sz="1800" dirty="0">
-                <a:effectLst/>
-                <a:latin typeface="Times New Roman" panose="02020603050405020304" pitchFamily="18" charset="0"/>
-                <a:ea typeface="Times New Roman" panose="02020603050405020304" pitchFamily="18" charset="0"/>
-              </a:rPr>
-              <a:t>использующего </a:t>
-            </a:r>
-            <a:r>
-              <a:rPr lang="en-US" sz="1800" dirty="0">
-                <a:effectLst/>
-                <a:latin typeface="Times New Roman" panose="02020603050405020304" pitchFamily="18" charset="0"/>
-                <a:ea typeface="Times New Roman" panose="02020603050405020304" pitchFamily="18" charset="0"/>
-              </a:rPr>
-              <a:t>z</a:t>
-            </a:r>
-            <a:r>
-              <a:rPr lang="ru-RU" sz="1800" dirty="0">
-                <a:effectLst/>
-                <a:latin typeface="Times New Roman" panose="02020603050405020304" pitchFamily="18" charset="0"/>
-                <a:ea typeface="Times New Roman" panose="02020603050405020304" pitchFamily="18" charset="0"/>
-              </a:rPr>
-              <a:t>-буфер, определить 	падающие</a:t>
-            </a:r>
-            <a:r>
-              <a:rPr lang="en-US" sz="1800" dirty="0">
-                <a:effectLst/>
-                <a:latin typeface="Times New Roman" panose="02020603050405020304" pitchFamily="18" charset="0"/>
-                <a:ea typeface="Times New Roman" panose="02020603050405020304" pitchFamily="18" charset="0"/>
-              </a:rPr>
-              <a:t> </a:t>
-            </a:r>
-            <a:r>
-              <a:rPr lang="ru-RU" sz="1800" dirty="0">
-                <a:effectLst/>
-                <a:latin typeface="Times New Roman" panose="02020603050405020304" pitchFamily="18" charset="0"/>
-                <a:ea typeface="Times New Roman" panose="02020603050405020304" pitchFamily="18" charset="0"/>
-              </a:rPr>
-              <a:t>от</a:t>
-            </a:r>
-            <a:r>
-              <a:rPr lang="en-US" sz="1800" dirty="0">
-                <a:effectLst/>
-                <a:latin typeface="Times New Roman" panose="02020603050405020304" pitchFamily="18" charset="0"/>
-                <a:ea typeface="Times New Roman" panose="02020603050405020304" pitchFamily="18" charset="0"/>
-              </a:rPr>
-              <a:t> </a:t>
-            </a:r>
-            <a:r>
-              <a:rPr lang="ru-RU" sz="1800" dirty="0">
-                <a:effectLst/>
-                <a:latin typeface="Times New Roman" panose="02020603050405020304" pitchFamily="18" charset="0"/>
-                <a:ea typeface="Times New Roman" panose="02020603050405020304" pitchFamily="18" charset="0"/>
-              </a:rPr>
-              <a:t>	объектов сцены тени и визуализировать обстановку, основываясь на текущем</a:t>
-            </a:r>
-            <a:r>
-              <a:rPr lang="en-US" sz="1800" dirty="0">
-                <a:effectLst/>
-                <a:latin typeface="Times New Roman" panose="02020603050405020304" pitchFamily="18" charset="0"/>
-                <a:ea typeface="Times New Roman" panose="02020603050405020304" pitchFamily="18" charset="0"/>
-              </a:rPr>
-              <a:t> </a:t>
-            </a:r>
-            <a:r>
-              <a:rPr lang="ru-RU" sz="1800" dirty="0">
-                <a:effectLst/>
-                <a:latin typeface="Times New Roman" panose="02020603050405020304" pitchFamily="18" charset="0"/>
-                <a:ea typeface="Times New Roman" panose="02020603050405020304" pitchFamily="18" charset="0"/>
-              </a:rPr>
-              <a:t>положении 	наблюдателя</a:t>
-            </a:r>
-          </a:p>
-        </p:txBody>
-      </p:sp>
-    </p:spTree>
-    <p:extLst>
-      <p:ext uri="{BB962C8B-B14F-4D97-AF65-F5344CB8AC3E}">
-        <p14:creationId xmlns:p14="http://schemas.microsoft.com/office/powerpoint/2010/main" val="4248898742"/>
-      </p:ext>
-    </p:extLst>
-  </p:cSld>
-  <p:clrMapOvr>
-    <a:masterClrMapping/>
-  </p:clrMapOvr>
-</p:sld>
-</file>
-
 <file path=ppt/slides/slide6.xml><?xml version="1.0" encoding="utf-8"?>
 <p:sld xmlns:a="http://schemas.openxmlformats.org/drawingml/2006/main" xmlns:r="http://schemas.openxmlformats.org/officeDocument/2006/relationships" xmlns:p="http://schemas.openxmlformats.org/presentationml/2006/main">
   <p:cSld>
@@ -9222,6 +9481,182 @@
           <p:cNvPr id="2" name="Заголовок 1">
             <a:extLst>
               <a:ext uri="{FF2B5EF4-FFF2-40B4-BE49-F238E27FC236}">
+                <a16:creationId xmlns:a16="http://schemas.microsoft.com/office/drawing/2014/main" id="{7B8C5339-15F3-42AC-BA5B-0671C033AF72}"/>
+              </a:ext>
+            </a:extLst>
+          </p:cNvPr>
+          <p:cNvSpPr>
+            <a:spLocks noGrp="1"/>
+          </p:cNvSpPr>
+          <p:nvPr>
+            <p:ph type="title"/>
+          </p:nvPr>
+        </p:nvSpPr>
+        <p:spPr/>
+        <p:txBody>
+          <a:bodyPr/>
+          <a:lstStyle/>
+          <a:p>
+            <a:r>
+              <a:rPr lang="ru-RU" dirty="0">
+                <a:latin typeface="Times New Roman" panose="02020603050405020304" pitchFamily="18" charset="0"/>
+                <a:cs typeface="Times New Roman" panose="02020603050405020304" pitchFamily="18" charset="0"/>
+              </a:rPr>
+              <a:t>Общий алгоритм решения поставленной задачи</a:t>
+            </a:r>
+          </a:p>
+        </p:txBody>
+      </p:sp>
+      <p:sp>
+        <p:nvSpPr>
+          <p:cNvPr id="4" name="TextBox 3">
+            <a:extLst>
+              <a:ext uri="{FF2B5EF4-FFF2-40B4-BE49-F238E27FC236}">
+                <a16:creationId xmlns:a16="http://schemas.microsoft.com/office/drawing/2014/main" id="{6BC30197-6504-47B0-9E3C-9DEDDFC1A3B2}"/>
+              </a:ext>
+            </a:extLst>
+          </p:cNvPr>
+          <p:cNvSpPr txBox="1"/>
+          <p:nvPr/>
+        </p:nvSpPr>
+        <p:spPr>
+          <a:xfrm>
+            <a:off x="668866" y="1737360"/>
+            <a:ext cx="10223547" cy="1494255"/>
+          </a:xfrm>
+          <a:prstGeom prst="rect">
+            <a:avLst/>
+          </a:prstGeom>
+          <a:noFill/>
+        </p:spPr>
+        <p:txBody>
+          <a:bodyPr wrap="square">
+            <a:spAutoFit/>
+          </a:bodyPr>
+          <a:lstStyle/>
+          <a:p>
+            <a:pPr indent="450215" algn="just">
+              <a:lnSpc>
+                <a:spcPct val="150000"/>
+              </a:lnSpc>
+              <a:spcAft>
+                <a:spcPts val="800"/>
+              </a:spcAft>
+            </a:pPr>
+            <a:r>
+              <a:rPr lang="ru-RU" sz="1800" dirty="0">
+                <a:effectLst/>
+                <a:latin typeface="Times New Roman" panose="02020603050405020304" pitchFamily="18" charset="0"/>
+                <a:ea typeface="Times New Roman" panose="02020603050405020304" pitchFamily="18" charset="0"/>
+              </a:rPr>
+              <a:t>1. Задать размеры области размещения объектов</a:t>
+            </a:r>
+          </a:p>
+          <a:p>
+            <a:pPr indent="450215" algn="just">
+              <a:lnSpc>
+                <a:spcPct val="150000"/>
+              </a:lnSpc>
+              <a:spcAft>
+                <a:spcPts val="800"/>
+              </a:spcAft>
+            </a:pPr>
+            <a:r>
+              <a:rPr lang="ru-RU" sz="1800" dirty="0">
+                <a:effectLst/>
+                <a:latin typeface="Times New Roman" panose="02020603050405020304" pitchFamily="18" charset="0"/>
+                <a:ea typeface="Times New Roman" panose="02020603050405020304" pitchFamily="18" charset="0"/>
+              </a:rPr>
+              <a:t>2. Разместить объекты сцены</a:t>
+            </a:r>
+          </a:p>
+          <a:p>
+            <a:pPr indent="450215" algn="just">
+              <a:lnSpc>
+                <a:spcPct val="150000"/>
+              </a:lnSpc>
+              <a:spcAft>
+                <a:spcPts val="800"/>
+              </a:spcAft>
+            </a:pPr>
+            <a:r>
+              <a:rPr lang="ru-RU" sz="1800" dirty="0">
+                <a:effectLst/>
+                <a:latin typeface="Times New Roman" panose="02020603050405020304" pitchFamily="18" charset="0"/>
+                <a:ea typeface="Times New Roman" panose="02020603050405020304" pitchFamily="18" charset="0"/>
+              </a:rPr>
+              <a:t>3. Определить падающие</a:t>
+            </a:r>
+            <a:r>
+              <a:rPr lang="en-US" sz="1800" dirty="0">
+                <a:effectLst/>
+                <a:latin typeface="Times New Roman" panose="02020603050405020304" pitchFamily="18" charset="0"/>
+                <a:ea typeface="Times New Roman" panose="02020603050405020304" pitchFamily="18" charset="0"/>
+              </a:rPr>
+              <a:t> </a:t>
+            </a:r>
+            <a:r>
+              <a:rPr lang="ru-RU" sz="1800" dirty="0">
+                <a:effectLst/>
+                <a:latin typeface="Times New Roman" panose="02020603050405020304" pitchFamily="18" charset="0"/>
+                <a:ea typeface="Times New Roman" panose="02020603050405020304" pitchFamily="18" charset="0"/>
+              </a:rPr>
+              <a:t>от</a:t>
+            </a:r>
+            <a:r>
+              <a:rPr lang="en-US" sz="1800" dirty="0">
+                <a:effectLst/>
+                <a:latin typeface="Times New Roman" panose="02020603050405020304" pitchFamily="18" charset="0"/>
+                <a:ea typeface="Times New Roman" panose="02020603050405020304" pitchFamily="18" charset="0"/>
+              </a:rPr>
+              <a:t> </a:t>
+            </a:r>
+            <a:r>
+              <a:rPr lang="ru-RU" sz="1800" dirty="0">
+                <a:effectLst/>
+                <a:latin typeface="Times New Roman" panose="02020603050405020304" pitchFamily="18" charset="0"/>
+                <a:ea typeface="Times New Roman" panose="02020603050405020304" pitchFamily="18" charset="0"/>
+              </a:rPr>
+              <a:t>объектов тени и визуализировать обстановку сцены</a:t>
+            </a:r>
+          </a:p>
+        </p:txBody>
+      </p:sp>
+    </p:spTree>
+    <p:extLst>
+      <p:ext uri="{BB962C8B-B14F-4D97-AF65-F5344CB8AC3E}">
+        <p14:creationId xmlns:p14="http://schemas.microsoft.com/office/powerpoint/2010/main" val="4248898742"/>
+      </p:ext>
+    </p:extLst>
+  </p:cSld>
+  <p:clrMapOvr>
+    <a:masterClrMapping/>
+  </p:clrMapOvr>
+</p:sld>
+</file>
+
+<file path=ppt/slides/slide7.xml><?xml version="1.0" encoding="utf-8"?>
+<p:sld xmlns:a="http://schemas.openxmlformats.org/drawingml/2006/main" xmlns:r="http://schemas.openxmlformats.org/officeDocument/2006/relationships" xmlns:p="http://schemas.openxmlformats.org/presentationml/2006/main">
+  <p:cSld>
+    <p:spTree>
+      <p:nvGrpSpPr>
+        <p:cNvPr id="1" name=""/>
+        <p:cNvGrpSpPr/>
+        <p:nvPr/>
+      </p:nvGrpSpPr>
+      <p:grpSpPr>
+        <a:xfrm>
+          <a:off x="0" y="0"/>
+          <a:ext cx="0" cy="0"/>
+          <a:chOff x="0" y="0"/>
+          <a:chExt cx="0" cy="0"/>
+        </a:xfrm>
+      </p:grpSpPr>
+      <p:sp>
+        <p:nvSpPr>
+          <p:cNvPr id="2" name="Заголовок 1">
+            <a:extLst>
+              <a:ext uri="{FF2B5EF4-FFF2-40B4-BE49-F238E27FC236}">
                 <a16:creationId xmlns:a16="http://schemas.microsoft.com/office/drawing/2014/main" id="{8C1D12B2-4132-4D0B-A9F8-30D5B8F337DC}"/>
               </a:ext>
             </a:extLst>
@@ -9262,8 +9697,8 @@
           </a:p>
         </p:txBody>
       </p:sp>
-      <mc:AlternateContent xmlns:mc="http://schemas.openxmlformats.org/markup-compatibility/2006" xmlns:a14="http://schemas.microsoft.com/office/drawing/2010/main">
-        <mc:Choice Requires="a14">
+      <mc:AlternateContent xmlns:mc="http://schemas.openxmlformats.org/markup-compatibility/2006">
+        <mc:Choice xmlns:a14="http://schemas.microsoft.com/office/drawing/2010/main" Requires="a14">
           <p:sp>
             <p:nvSpPr>
               <p:cNvPr id="4" name="TextBox 3">
@@ -9279,7 +9714,7 @@
             <p:spPr>
               <a:xfrm>
                 <a:off x="1036320" y="1737360"/>
-                <a:ext cx="9970347" cy="3328988"/>
+                <a:ext cx="10119360" cy="4065857"/>
               </a:xfrm>
               <a:prstGeom prst="rect">
                 <a:avLst/>
@@ -9298,7 +9733,7 @@
                   </a:spcAft>
                 </a:pPr>
                 <a:r>
-                  <a:rPr lang="ru-RU" sz="1800" dirty="0">
+                  <a:rPr lang="ru-RU" sz="2400" dirty="0">
                     <a:effectLst/>
                     <a:latin typeface="Times New Roman" panose="02020603050405020304" pitchFamily="18" charset="0"/>
                     <a:ea typeface="Times New Roman" panose="02020603050405020304" pitchFamily="18" charset="0"/>
@@ -9313,7 +9748,7 @@
                   </a:spcAft>
                 </a:pPr>
                 <a:r>
-                  <a:rPr lang="ru-RU" sz="1800" dirty="0">
+                  <a:rPr lang="ru-RU" sz="2400" dirty="0">
                     <a:effectLst/>
                     <a:latin typeface="Times New Roman" panose="02020603050405020304" pitchFamily="18" charset="0"/>
                     <a:ea typeface="Times New Roman" panose="02020603050405020304" pitchFamily="18" charset="0"/>
@@ -9321,7 +9756,7 @@
                   <a:t>2. Инициализировать </a:t>
                 </a:r>
                 <a:r>
-                  <a:rPr lang="en-US" sz="1800" dirty="0">
+                  <a:rPr lang="en-US" sz="2400" dirty="0">
                     <a:effectLst/>
                     <a:latin typeface="Times New Roman" panose="02020603050405020304" pitchFamily="18" charset="0"/>
                     <a:ea typeface="Times New Roman" panose="02020603050405020304" pitchFamily="18" charset="0"/>
@@ -9329,7 +9764,7 @@
                   <a:t>z</a:t>
                 </a:r>
                 <a:r>
-                  <a:rPr lang="ru-RU" sz="1800" dirty="0">
+                  <a:rPr lang="ru-RU" sz="2400" dirty="0">
                     <a:effectLst/>
                     <a:latin typeface="Times New Roman" panose="02020603050405020304" pitchFamily="18" charset="0"/>
                     <a:ea typeface="Times New Roman" panose="02020603050405020304" pitchFamily="18" charset="0"/>
@@ -9344,7 +9779,7 @@
                   </a:spcAft>
                 </a:pPr>
                 <a:r>
-                  <a:rPr lang="ru-RU" sz="1800" dirty="0">
+                  <a:rPr lang="ru-RU" sz="2400" dirty="0">
                     <a:effectLst/>
                     <a:latin typeface="Times New Roman" panose="02020603050405020304" pitchFamily="18" charset="0"/>
                     <a:ea typeface="Times New Roman" panose="02020603050405020304" pitchFamily="18" charset="0"/>
@@ -9359,73 +9794,33 @@
                   </a:spcAft>
                 </a:pPr>
                 <a:r>
-                  <a:rPr lang="ru-RU" dirty="0">
+                  <a:rPr lang="ru-RU" sz="2400" dirty="0">
                     <a:latin typeface="Times New Roman" panose="02020603050405020304" pitchFamily="18" charset="0"/>
                     <a:ea typeface="Times New Roman" panose="02020603050405020304" pitchFamily="18" charset="0"/>
                   </a:rPr>
                   <a:t>		</a:t>
                 </a:r>
                 <a:r>
-                  <a:rPr lang="ru-RU" sz="1800" dirty="0">
+                  <a:rPr lang="ru-RU" sz="2400" dirty="0">
                     <a:effectLst/>
                     <a:latin typeface="Times New Roman" panose="02020603050405020304" pitchFamily="18" charset="0"/>
                     <a:ea typeface="Times New Roman" panose="02020603050405020304" pitchFamily="18" charset="0"/>
                   </a:rPr>
-                  <a:t>3.1 Для каждого пикселя, который принадлежит многоугольнику вычислить 	его 				глубину </a:t>
+                  <a:t>3.1 Для каждого пикселя, который принадлежит многоугольнику 			вычислить его глубину </a:t>
                 </a:r>
                 <a14:m>
                   <m:oMath xmlns:m="http://schemas.openxmlformats.org/officeDocument/2006/math">
                     <m:r>
-                      <a:rPr lang="en-US" sz="1800" i="1">
+                      <a:rPr lang="en-US" sz="2400" i="1">
                         <a:effectLst/>
                         <a:latin typeface="Cambria Math" panose="02040503050406030204" pitchFamily="18" charset="0"/>
                         <a:ea typeface="Times New Roman" panose="02020603050405020304" pitchFamily="18" charset="0"/>
                       </a:rPr>
                       <m:t>𝑧</m:t>
                     </m:r>
-                    <m:r>
-                      <a:rPr lang="ru-RU" sz="1800" i="1">
-                        <a:effectLst/>
-                        <a:latin typeface="Cambria Math" panose="02040503050406030204" pitchFamily="18" charset="0"/>
-                        <a:ea typeface="Times New Roman" panose="02020603050405020304" pitchFamily="18" charset="0"/>
-                      </a:rPr>
-                      <m:t>(</m:t>
-                    </m:r>
-                    <m:r>
-                      <a:rPr lang="en-US" sz="1800" i="1">
-                        <a:effectLst/>
-                        <a:latin typeface="Cambria Math" panose="02040503050406030204" pitchFamily="18" charset="0"/>
-                        <a:ea typeface="Times New Roman" panose="02020603050405020304" pitchFamily="18" charset="0"/>
-                      </a:rPr>
-                      <m:t>𝑥</m:t>
-                    </m:r>
-                    <m:r>
-                      <a:rPr lang="ru-RU" sz="1800" i="1">
-                        <a:effectLst/>
-                        <a:latin typeface="Cambria Math" panose="02040503050406030204" pitchFamily="18" charset="0"/>
-                        <a:ea typeface="Times New Roman" panose="02020603050405020304" pitchFamily="18" charset="0"/>
-                      </a:rPr>
-                      <m:t>, </m:t>
-                    </m:r>
-                    <m:r>
-                      <a:rPr lang="en-US" sz="1800" i="1">
-                        <a:effectLst/>
-                        <a:latin typeface="Cambria Math" panose="02040503050406030204" pitchFamily="18" charset="0"/>
-                        <a:ea typeface="Times New Roman" panose="02020603050405020304" pitchFamily="18" charset="0"/>
-                      </a:rPr>
-                      <m:t>𝑦</m:t>
-                    </m:r>
-                    <m:r>
-                      <a:rPr lang="ru-RU" sz="1800" i="1">
-                        <a:effectLst/>
-                        <a:latin typeface="Cambria Math" panose="02040503050406030204" pitchFamily="18" charset="0"/>
-                        <a:ea typeface="Times New Roman" panose="02020603050405020304" pitchFamily="18" charset="0"/>
-                      </a:rPr>
-                      <m:t>)</m:t>
-                    </m:r>
                   </m:oMath>
                 </a14:m>
-                <a:endParaRPr lang="ru-RU" sz="1800" dirty="0">
+                <a:endParaRPr lang="ru-RU" sz="2400" dirty="0">
                   <a:effectLst/>
                   <a:latin typeface="Times New Roman" panose="02020603050405020304" pitchFamily="18" charset="0"/>
                   <a:ea typeface="Times New Roman" panose="02020603050405020304" pitchFamily="18" charset="0"/>
@@ -9438,7 +9833,7 @@
                   </a:spcAft>
                 </a:pPr>
                 <a:r>
-                  <a:rPr lang="ru-RU" sz="1800" i="1" dirty="0">
+                  <a:rPr lang="ru-RU" sz="2400" i="1" dirty="0">
                     <a:effectLst/>
                     <a:latin typeface="Times New Roman" panose="02020603050405020304" pitchFamily="18" charset="0"/>
                     <a:ea typeface="Times New Roman" panose="02020603050405020304" pitchFamily="18" charset="0"/>
@@ -9446,38 +9841,30 @@
                   <a:t>		</a:t>
                 </a:r>
                 <a:r>
-                  <a:rPr lang="ru-RU" sz="1800" dirty="0">
+                  <a:rPr lang="ru-RU" sz="2400" dirty="0">
                     <a:effectLst/>
                     <a:latin typeface="Times New Roman" panose="02020603050405020304" pitchFamily="18" charset="0"/>
                     <a:ea typeface="Times New Roman" panose="02020603050405020304" pitchFamily="18" charset="0"/>
                   </a:rPr>
-                  <a:t>3.2 Сравнить вычисленную глубину пикселя со значением, которое </a:t>
+                  <a:t>3.2 Сравнить вычисленную глубину со значением, которое </a:t>
                 </a:r>
-              </a:p>
-              <a:p>
-                <a:pPr indent="450215" algn="just">
-                  <a:spcAft>
-                    <a:spcPts val="800"/>
-                  </a:spcAft>
-                  <a:tabLst>
-                    <a:tab pos="449580" algn="l"/>
-                    <a:tab pos="899160" algn="l"/>
-                    <a:tab pos="1348740" algn="l"/>
-                    <a:tab pos="1798320" algn="l"/>
-                    <a:tab pos="2247900" algn="l"/>
-                    <a:tab pos="3284855" algn="ctr"/>
-                  </a:tabLst>
-                </a:pPr>
                 <a:r>
-                  <a:rPr lang="ru-RU" sz="1800" dirty="0">
+                  <a:rPr lang="ru-RU" sz="2400" dirty="0">
+                    <a:latin typeface="Times New Roman" panose="02020603050405020304" pitchFamily="18" charset="0"/>
+                    <a:ea typeface="Times New Roman" panose="02020603050405020304" pitchFamily="18" charset="0"/>
+                  </a:rPr>
+                  <a:t>					</a:t>
+                </a:r>
+                <a:r>
+                  <a:rPr lang="ru-RU" sz="2400" dirty="0">
                     <a:effectLst/>
                     <a:latin typeface="Times New Roman" panose="02020603050405020304" pitchFamily="18" charset="0"/>
                     <a:ea typeface="Times New Roman" panose="02020603050405020304" pitchFamily="18" charset="0"/>
                   </a:rPr>
-                  <a:t>	находится в </a:t>
+                  <a:t>находится в </a:t>
                 </a:r>
                 <a:r>
-                  <a:rPr lang="en-US" sz="1800" dirty="0">
+                  <a:rPr lang="en-US" sz="2400" dirty="0">
                     <a:effectLst/>
                     <a:latin typeface="Times New Roman" panose="02020603050405020304" pitchFamily="18" charset="0"/>
                     <a:ea typeface="Times New Roman" panose="02020603050405020304" pitchFamily="18" charset="0"/>
@@ -9485,7 +9872,7 @@
                   <a:t>z</a:t>
                 </a:r>
                 <a:r>
-                  <a:rPr lang="ru-RU" sz="1800" dirty="0">
+                  <a:rPr lang="ru-RU" sz="2400" dirty="0">
                     <a:effectLst/>
                     <a:latin typeface="Times New Roman" panose="02020603050405020304" pitchFamily="18" charset="0"/>
                     <a:ea typeface="Times New Roman" panose="02020603050405020304" pitchFamily="18" charset="0"/>
@@ -9500,7 +9887,7 @@
                   </a:spcAft>
                 </a:pPr>
                 <a:r>
-                  <a:rPr lang="ru-RU" sz="1800" dirty="0">
+                  <a:rPr lang="ru-RU" sz="2400" dirty="0">
                     <a:effectLst/>
                     <a:latin typeface="Times New Roman" panose="02020603050405020304" pitchFamily="18" charset="0"/>
                     <a:ea typeface="Times New Roman" panose="02020603050405020304" pitchFamily="18" charset="0"/>
@@ -9510,52 +9897,15 @@
                 <a14:m>
                   <m:oMath xmlns:m="http://schemas.openxmlformats.org/officeDocument/2006/math">
                     <m:r>
-                      <a:rPr lang="ru-RU" sz="1800" i="1">
+                      <a:rPr lang="ru-RU" sz="2400" i="1">
                         <a:effectLst/>
                         <a:latin typeface="Cambria Math" panose="02040503050406030204" pitchFamily="18" charset="0"/>
                         <a:ea typeface="Times New Roman" panose="02020603050405020304" pitchFamily="18" charset="0"/>
                       </a:rPr>
                       <m:t>𝑧</m:t>
                     </m:r>
-                    <m:d>
-                      <m:dPr>
-                        <m:ctrlPr>
-                          <a:rPr lang="ru-RU" sz="1800" i="1">
-                            <a:effectLst/>
-                            <a:latin typeface="Cambria Math" panose="02040503050406030204" pitchFamily="18" charset="0"/>
-                            <a:ea typeface="Times New Roman" panose="02020603050405020304" pitchFamily="18" charset="0"/>
-                          </a:rPr>
-                        </m:ctrlPr>
-                      </m:dPr>
-                      <m:e>
-                        <m:r>
-                          <a:rPr lang="ru-RU" sz="1800" i="1">
-                            <a:effectLst/>
-                            <a:latin typeface="Cambria Math" panose="02040503050406030204" pitchFamily="18" charset="0"/>
-                            <a:ea typeface="Times New Roman" panose="02020603050405020304" pitchFamily="18" charset="0"/>
-                          </a:rPr>
-                          <m:t>𝑥</m:t>
-                        </m:r>
-                        <m:r>
-                          <a:rPr lang="ru-RU" sz="1800" i="1">
-                            <a:effectLst/>
-                            <a:latin typeface="Cambria Math" panose="02040503050406030204" pitchFamily="18" charset="0"/>
-                            <a:ea typeface="Times New Roman" panose="02020603050405020304" pitchFamily="18" charset="0"/>
-                          </a:rPr>
-                          <m:t>, </m:t>
-                        </m:r>
-                        <m:r>
-                          <a:rPr lang="ru-RU" sz="1800" i="1">
-                            <a:effectLst/>
-                            <a:latin typeface="Cambria Math" panose="02040503050406030204" pitchFamily="18" charset="0"/>
-                            <a:ea typeface="Times New Roman" panose="02020603050405020304" pitchFamily="18" charset="0"/>
-                          </a:rPr>
-                          <m:t>𝑦</m:t>
-                        </m:r>
-                      </m:e>
-                    </m:d>
                     <m:r>
-                      <a:rPr lang="ru-RU" sz="1800" i="1">
+                      <a:rPr lang="ru-RU" sz="2400" i="1">
                         <a:effectLst/>
                         <a:latin typeface="Cambria Math" panose="02040503050406030204" pitchFamily="18" charset="0"/>
                         <a:ea typeface="Times New Roman" panose="02020603050405020304" pitchFamily="18" charset="0"/>
@@ -9565,7 +9915,7 @@
                     <m:sSub>
                       <m:sSubPr>
                         <m:ctrlPr>
-                          <a:rPr lang="ru-RU" sz="1800" i="1">
+                          <a:rPr lang="ru-RU" sz="2400" i="1">
                             <a:effectLst/>
                             <a:latin typeface="Cambria Math" panose="02040503050406030204" pitchFamily="18" charset="0"/>
                             <a:ea typeface="Times New Roman" panose="02020603050405020304" pitchFamily="18" charset="0"/>
@@ -9574,7 +9924,7 @@
                       </m:sSubPr>
                       <m:e>
                         <m:r>
-                          <a:rPr lang="ru-RU" sz="1800" i="1">
+                          <a:rPr lang="ru-RU" sz="2400" i="1">
                             <a:effectLst/>
                             <a:latin typeface="Cambria Math" panose="02040503050406030204" pitchFamily="18" charset="0"/>
                             <a:ea typeface="Times New Roman" panose="02020603050405020304" pitchFamily="18" charset="0"/>
@@ -9584,7 +9934,7 @@
                       </m:e>
                       <m:sub>
                         <m:r>
-                          <a:rPr lang="ru-RU" sz="1800" i="1">
+                          <a:rPr lang="ru-RU" sz="2400" i="1">
                             <a:effectLst/>
                             <a:latin typeface="Cambria Math" panose="02040503050406030204" pitchFamily="18" charset="0"/>
                             <a:ea typeface="Times New Roman" panose="02020603050405020304" pitchFamily="18" charset="0"/>
@@ -9593,50 +9943,10 @@
                         </m:r>
                       </m:sub>
                     </m:sSub>
-                    <m:r>
-                      <a:rPr lang="ru-RU" sz="1800" i="1">
-                        <a:effectLst/>
-                        <a:latin typeface="Cambria Math" panose="02040503050406030204" pitchFamily="18" charset="0"/>
-                        <a:ea typeface="Times New Roman" panose="02020603050405020304" pitchFamily="18" charset="0"/>
-                      </a:rPr>
-                      <m:t>(</m:t>
-                    </m:r>
-                    <m:r>
-                      <a:rPr lang="en-US" sz="1800" i="1">
-                        <a:effectLst/>
-                        <a:latin typeface="Cambria Math" panose="02040503050406030204" pitchFamily="18" charset="0"/>
-                        <a:ea typeface="Times New Roman" panose="02020603050405020304" pitchFamily="18" charset="0"/>
-                      </a:rPr>
-                      <m:t>𝑥</m:t>
-                    </m:r>
-                    <m:r>
-                      <a:rPr lang="ru-RU" sz="1800" i="1">
-                        <a:effectLst/>
-                        <a:latin typeface="Cambria Math" panose="02040503050406030204" pitchFamily="18" charset="0"/>
-                        <a:ea typeface="Times New Roman" panose="02020603050405020304" pitchFamily="18" charset="0"/>
-                      </a:rPr>
-                      <m:t>,</m:t>
-                    </m:r>
-                    <m:r>
-                      <a:rPr lang="en-US" sz="1800" i="1">
-                        <a:effectLst/>
-                        <a:latin typeface="Cambria Math" panose="02040503050406030204" pitchFamily="18" charset="0"/>
-                        <a:ea typeface="Times New Roman" panose="02020603050405020304" pitchFamily="18" charset="0"/>
-                      </a:rPr>
-                      <m:t>𝑦</m:t>
-                    </m:r>
-                    <m:r>
-                      <a:rPr lang="ru-RU" sz="1800" i="1">
-                        <a:effectLst/>
-                        <a:latin typeface="Cambria Math" panose="02040503050406030204" pitchFamily="18" charset="0"/>
-                        <a:ea typeface="Times New Roman" panose="02020603050405020304" pitchFamily="18" charset="0"/>
-                      </a:rPr>
-                      <m:t>)</m:t>
-                    </m:r>
                   </m:oMath>
                 </a14:m>
                 <a:r>
-                  <a:rPr lang="ru-RU" sz="1800" dirty="0">
+                  <a:rPr lang="ru-RU" sz="2400" dirty="0">
                     <a:effectLst/>
                     <a:latin typeface="Times New Roman" panose="02020603050405020304" pitchFamily="18" charset="0"/>
                     <a:ea typeface="Times New Roman" panose="02020603050405020304" pitchFamily="18" charset="0"/>
@@ -9648,7 +9958,7 @@
                     <m:sSub>
                       <m:sSubPr>
                         <m:ctrlPr>
-                          <a:rPr lang="ru-RU" sz="1800" i="1">
+                          <a:rPr lang="ru-RU" sz="2400" i="1">
                             <a:effectLst/>
                             <a:latin typeface="Cambria Math" panose="02040503050406030204" pitchFamily="18" charset="0"/>
                             <a:ea typeface="Times New Roman" panose="02020603050405020304" pitchFamily="18" charset="0"/>
@@ -9657,7 +9967,7 @@
                       </m:sSubPr>
                       <m:e>
                         <m:r>
-                          <a:rPr lang="ru-RU" sz="1800" i="1">
+                          <a:rPr lang="ru-RU" sz="2400" i="1">
                             <a:effectLst/>
                             <a:latin typeface="Cambria Math" panose="02040503050406030204" pitchFamily="18" charset="0"/>
                             <a:ea typeface="Times New Roman" panose="02020603050405020304" pitchFamily="18" charset="0"/>
@@ -9667,7 +9977,7 @@
                       </m:e>
                       <m:sub>
                         <m:r>
-                          <a:rPr lang="ru-RU" sz="1800" i="1">
+                          <a:rPr lang="ru-RU" sz="2400" i="1">
                             <a:effectLst/>
                             <a:latin typeface="Cambria Math" panose="02040503050406030204" pitchFamily="18" charset="0"/>
                             <a:ea typeface="Times New Roman" panose="02020603050405020304" pitchFamily="18" charset="0"/>
@@ -9676,45 +9986,8 @@
                         </m:r>
                       </m:sub>
                     </m:sSub>
-                    <m:d>
-                      <m:dPr>
-                        <m:ctrlPr>
-                          <a:rPr lang="ru-RU" sz="1800" i="1">
-                            <a:effectLst/>
-                            <a:latin typeface="Cambria Math" panose="02040503050406030204" pitchFamily="18" charset="0"/>
-                            <a:ea typeface="Times New Roman" panose="02020603050405020304" pitchFamily="18" charset="0"/>
-                          </a:rPr>
-                        </m:ctrlPr>
-                      </m:dPr>
-                      <m:e>
-                        <m:r>
-                          <a:rPr lang="en-US" sz="1800" i="1">
-                            <a:effectLst/>
-                            <a:latin typeface="Cambria Math" panose="02040503050406030204" pitchFamily="18" charset="0"/>
-                            <a:ea typeface="Times New Roman" panose="02020603050405020304" pitchFamily="18" charset="0"/>
-                          </a:rPr>
-                          <m:t>𝑥</m:t>
-                        </m:r>
-                        <m:r>
-                          <a:rPr lang="ru-RU" sz="1800" i="1">
-                            <a:effectLst/>
-                            <a:latin typeface="Cambria Math" panose="02040503050406030204" pitchFamily="18" charset="0"/>
-                            <a:ea typeface="Times New Roman" panose="02020603050405020304" pitchFamily="18" charset="0"/>
-                          </a:rPr>
-                          <m:t>,</m:t>
-                        </m:r>
-                        <m:r>
-                          <a:rPr lang="en-US" sz="1800" i="1">
-                            <a:effectLst/>
-                            <a:latin typeface="Cambria Math" panose="02040503050406030204" pitchFamily="18" charset="0"/>
-                            <a:ea typeface="Times New Roman" panose="02020603050405020304" pitchFamily="18" charset="0"/>
-                          </a:rPr>
-                          <m:t>𝑦</m:t>
-                        </m:r>
-                      </m:e>
-                    </m:d>
                     <m:r>
-                      <a:rPr lang="ru-RU" sz="1800" i="1">
+                      <a:rPr lang="ru-RU" sz="2400" b="0" i="1" smtClean="0">
                         <a:effectLst/>
                         <a:latin typeface="Cambria Math" panose="02040503050406030204" pitchFamily="18" charset="0"/>
                         <a:ea typeface="Times New Roman" panose="02020603050405020304" pitchFamily="18" charset="0"/>
@@ -9722,112 +9995,43 @@
                       <m:t>=</m:t>
                     </m:r>
                     <m:r>
-                      <a:rPr lang="en-US" sz="1800" i="1">
+                      <a:rPr lang="en-US" sz="2400" i="1">
                         <a:effectLst/>
                         <a:latin typeface="Cambria Math" panose="02040503050406030204" pitchFamily="18" charset="0"/>
                         <a:ea typeface="Times New Roman" panose="02020603050405020304" pitchFamily="18" charset="0"/>
                       </a:rPr>
                       <m:t>𝑧</m:t>
                     </m:r>
-                    <m:r>
-                      <a:rPr lang="ru-RU" sz="1800" i="1">
-                        <a:effectLst/>
-                        <a:latin typeface="Cambria Math" panose="02040503050406030204" pitchFamily="18" charset="0"/>
-                        <a:ea typeface="Times New Roman" panose="02020603050405020304" pitchFamily="18" charset="0"/>
-                      </a:rPr>
-                      <m:t>(</m:t>
-                    </m:r>
-                    <m:r>
-                      <a:rPr lang="en-US" sz="1800" i="1">
-                        <a:effectLst/>
-                        <a:latin typeface="Cambria Math" panose="02040503050406030204" pitchFamily="18" charset="0"/>
-                        <a:ea typeface="Times New Roman" panose="02020603050405020304" pitchFamily="18" charset="0"/>
-                      </a:rPr>
-                      <m:t>𝑥</m:t>
-                    </m:r>
-                    <m:r>
-                      <a:rPr lang="ru-RU" sz="1800" i="1">
-                        <a:effectLst/>
-                        <a:latin typeface="Cambria Math" panose="02040503050406030204" pitchFamily="18" charset="0"/>
-                        <a:ea typeface="Times New Roman" panose="02020603050405020304" pitchFamily="18" charset="0"/>
-                      </a:rPr>
-                      <m:t>,</m:t>
-                    </m:r>
-                    <m:r>
-                      <a:rPr lang="en-US" sz="1800" i="1">
-                        <a:effectLst/>
-                        <a:latin typeface="Cambria Math" panose="02040503050406030204" pitchFamily="18" charset="0"/>
-                        <a:ea typeface="Times New Roman" panose="02020603050405020304" pitchFamily="18" charset="0"/>
-                      </a:rPr>
-                      <m:t>𝑦</m:t>
-                    </m:r>
-                    <m:r>
-                      <a:rPr lang="ru-RU" sz="1800" i="1">
-                        <a:effectLst/>
-                        <a:latin typeface="Cambria Math" panose="02040503050406030204" pitchFamily="18" charset="0"/>
-                        <a:ea typeface="Times New Roman" panose="02020603050405020304" pitchFamily="18" charset="0"/>
-                      </a:rPr>
-                      <m:t>)</m:t>
-                    </m:r>
                   </m:oMath>
                 </a14:m>
                 <a:r>
-                  <a:rPr lang="ru-RU" sz="1800" dirty="0">
+                  <a:rPr lang="ru-RU" sz="2400" dirty="0">
                     <a:effectLst/>
                     <a:latin typeface="Times New Roman" panose="02020603050405020304" pitchFamily="18" charset="0"/>
                     <a:ea typeface="Times New Roman" panose="02020603050405020304" pitchFamily="18" charset="0"/>
                   </a:rPr>
-                  <a:t> и 	</a:t>
+                  <a:t> и </a:t>
                 </a:r>
                 <a14:m>
                   <m:oMath xmlns:m="http://schemas.openxmlformats.org/officeDocument/2006/math">
                     <m:r>
-                      <a:rPr lang="ru-RU" sz="1800" i="1">
+                      <a:rPr lang="ru-RU" sz="2400" i="1">
                         <a:effectLst/>
                         <a:latin typeface="Cambria Math" panose="02040503050406030204" pitchFamily="18" charset="0"/>
                         <a:ea typeface="Times New Roman" panose="02020603050405020304" pitchFamily="18" charset="0"/>
                       </a:rPr>
                       <m:t>цвет</m:t>
                     </m:r>
-                    <m:d>
-                      <m:dPr>
-                        <m:ctrlPr>
-                          <a:rPr lang="ru-RU" sz="1800" i="1">
-                            <a:effectLst/>
-                            <a:latin typeface="Cambria Math" panose="02040503050406030204" pitchFamily="18" charset="0"/>
-                            <a:ea typeface="Times New Roman" panose="02020603050405020304" pitchFamily="18" charset="0"/>
-                          </a:rPr>
-                        </m:ctrlPr>
-                      </m:dPr>
-                      <m:e>
-                        <m:r>
-                          <a:rPr lang="en-US" sz="1800" i="1">
-                            <a:effectLst/>
-                            <a:latin typeface="Cambria Math" panose="02040503050406030204" pitchFamily="18" charset="0"/>
-                            <a:ea typeface="Times New Roman" panose="02020603050405020304" pitchFamily="18" charset="0"/>
-                          </a:rPr>
-                          <m:t>𝑥</m:t>
-                        </m:r>
-                        <m:r>
-                          <a:rPr lang="ru-RU" sz="1800" i="1">
-                            <a:effectLst/>
-                            <a:latin typeface="Cambria Math" panose="02040503050406030204" pitchFamily="18" charset="0"/>
-                            <a:ea typeface="Times New Roman" panose="02020603050405020304" pitchFamily="18" charset="0"/>
-                          </a:rPr>
-                          <m:t>,</m:t>
-                        </m:r>
-                        <m:r>
-                          <a:rPr lang="en-US" sz="1800" i="1">
-                            <a:effectLst/>
-                            <a:latin typeface="Cambria Math" panose="02040503050406030204" pitchFamily="18" charset="0"/>
-                            <a:ea typeface="Times New Roman" panose="02020603050405020304" pitchFamily="18" charset="0"/>
-                          </a:rPr>
-                          <m:t>𝑦</m:t>
-                        </m:r>
-                      </m:e>
-                    </m:d>
                     <m:r>
-                      <a:rPr lang="ru-RU" sz="1800" i="1">
+                      <a:rPr lang="ru-RU" sz="2400" b="0" i="1" smtClean="0">
+                        <a:effectLst/>
+                        <a:latin typeface="Cambria Math" panose="02040503050406030204" pitchFamily="18" charset="0"/>
+                        <a:ea typeface="Times New Roman" panose="02020603050405020304" pitchFamily="18" charset="0"/>
+                      </a:rPr>
+                      <m:t> пикселя</m:t>
+                    </m:r>
+                    <m:r>
+                      <a:rPr lang="ru-RU" sz="2400" i="1">
                         <a:effectLst/>
                         <a:latin typeface="Cambria Math" panose="02040503050406030204" pitchFamily="18" charset="0"/>
                         <a:ea typeface="Times New Roman" panose="02020603050405020304" pitchFamily="18" charset="0"/>
@@ -9836,7 +10040,7 @@
                     </m:r>
                   </m:oMath>
                 </a14:m>
-                <a:endParaRPr lang="ru-RU" sz="1800" dirty="0">
+                <a:endParaRPr lang="ru-RU" sz="2400" dirty="0">
                   <a:effectLst/>
                   <a:latin typeface="Times New Roman" panose="02020603050405020304" pitchFamily="18" charset="0"/>
                   <a:ea typeface="Times New Roman" panose="02020603050405020304" pitchFamily="18" charset="0"/>
@@ -9849,7 +10053,7 @@
                   </a:spcAft>
                 </a:pPr>
                 <a:r>
-                  <a:rPr lang="ru-RU" sz="1800" dirty="0">
+                  <a:rPr lang="ru-RU" sz="2400" dirty="0">
                     <a:effectLst/>
                     <a:latin typeface="Times New Roman" panose="02020603050405020304" pitchFamily="18" charset="0"/>
                     <a:ea typeface="Times New Roman" panose="02020603050405020304" pitchFamily="18" charset="0"/>
@@ -9860,7 +10064,7 @@
             </p:txBody>
           </p:sp>
         </mc:Choice>
-        <mc:Fallback xmlns="">
+        <mc:Fallback>
           <p:sp>
             <p:nvSpPr>
               <p:cNvPr id="4" name="TextBox 3">
@@ -9878,7 +10082,7 @@
             <p:spPr>
               <a:xfrm>
                 <a:off x="1036320" y="1737360"/>
-                <a:ext cx="9970347" cy="3328988"/>
+                <a:ext cx="10119360" cy="4065857"/>
               </a:xfrm>
               <a:prstGeom prst="rect">
                 <a:avLst/>
@@ -9886,7 +10090,7 @@
               <a:blipFill>
                 <a:blip r:embed="rId2"/>
                 <a:stretch>
-                  <a:fillRect t="-916" b="-2015"/>
+                  <a:fillRect t="-1199" b="-2549"/>
                 </a:stretch>
               </a:blipFill>
             </p:spPr>
@@ -9918,7 +10122,7 @@
 </p:sld>
 </file>
 
-<file path=ppt/slides/slide7.xml><?xml version="1.0" encoding="utf-8"?>
+<file path=ppt/slides/slide8.xml><?xml version="1.0" encoding="utf-8"?>
 <p:sld xmlns:a="http://schemas.openxmlformats.org/drawingml/2006/main" xmlns:r="http://schemas.openxmlformats.org/officeDocument/2006/relationships" xmlns:p="http://schemas.openxmlformats.org/presentationml/2006/main">
   <p:cSld>
     <p:spTree>
@@ -9980,8 +10184,8 @@
           </a:p>
         </p:txBody>
       </p:sp>
-      <mc:AlternateContent xmlns:mc="http://schemas.openxmlformats.org/markup-compatibility/2006" xmlns:a14="http://schemas.microsoft.com/office/drawing/2010/main">
-        <mc:Choice Requires="a14">
+      <mc:AlternateContent xmlns:mc="http://schemas.openxmlformats.org/markup-compatibility/2006">
+        <mc:Choice xmlns:a14="http://schemas.microsoft.com/office/drawing/2010/main" Requires="a14">
           <p:sp>
             <p:nvSpPr>
               <p:cNvPr id="4" name="TextBox 3">
@@ -10036,23 +10240,7 @@
                     <a:latin typeface="Times New Roman" panose="02020603050405020304" pitchFamily="18" charset="0"/>
                     <a:ea typeface="Times New Roman" panose="02020603050405020304" pitchFamily="18" charset="0"/>
                   </a:rPr>
-                  <a:t>		1.1 Инициализировать теневой </a:t>
-                </a:r>
-                <a:r>
-                  <a:rPr lang="en-US" sz="1800" dirty="0">
-                    <a:effectLst/>
-                    <a:latin typeface="Times New Roman" panose="02020603050405020304" pitchFamily="18" charset="0"/>
-                    <a:ea typeface="Times New Roman" panose="02020603050405020304" pitchFamily="18" charset="0"/>
-                  </a:rPr>
-                  <a:t>z</a:t>
-                </a:r>
-                <a:r>
-                  <a:rPr lang="ru-RU" sz="1800" dirty="0">
-                    <a:effectLst/>
-                    <a:latin typeface="Times New Roman" panose="02020603050405020304" pitchFamily="18" charset="0"/>
-                    <a:ea typeface="Times New Roman" panose="02020603050405020304" pitchFamily="18" charset="0"/>
-                  </a:rPr>
-                  <a:t>-буфер минимальным значением глубины</a:t>
+                  <a:t>		1.1 Инициализировать теневой буфер минимальным значением глубины</a:t>
                 </a:r>
               </a:p>
               <a:p>
@@ -10067,23 +10255,7 @@
                     <a:latin typeface="Times New Roman" panose="02020603050405020304" pitchFamily="18" charset="0"/>
                     <a:ea typeface="Times New Roman" panose="02020603050405020304" pitchFamily="18" charset="0"/>
                   </a:rPr>
-                  <a:t>		1.2 Определить теневой </a:t>
-                </a:r>
-                <a:r>
-                  <a:rPr lang="en-US" sz="1800" dirty="0">
-                    <a:effectLst/>
-                    <a:latin typeface="Times New Roman" panose="02020603050405020304" pitchFamily="18" charset="0"/>
-                    <a:ea typeface="Times New Roman" panose="02020603050405020304" pitchFamily="18" charset="0"/>
-                  </a:rPr>
-                  <a:t>z</a:t>
-                </a:r>
-                <a:r>
-                  <a:rPr lang="ru-RU" sz="1800" dirty="0">
-                    <a:effectLst/>
-                    <a:latin typeface="Times New Roman" panose="02020603050405020304" pitchFamily="18" charset="0"/>
-                    <a:ea typeface="Times New Roman" panose="02020603050405020304" pitchFamily="18" charset="0"/>
-                  </a:rPr>
-                  <a:t>-буфер для источника</a:t>
+                  <a:t>		1.2 Определить теневой буфер для источника</a:t>
                 </a:r>
               </a:p>
               <a:p>
@@ -10114,7 +10286,7 @@
                     <a:latin typeface="Times New Roman" panose="02020603050405020304" pitchFamily="18" charset="0"/>
                     <a:ea typeface="Times New Roman" panose="02020603050405020304" pitchFamily="18" charset="0"/>
                   </a:rPr>
-                  <a:t>-буфера для точки наблюдения. При этом, если некоторая поверхность 	оказалась видимой относительно текущей точки наблюдения, то проверить, видима ли данная 	точка со стороны источников света.</a:t>
+                  <a:t>-буфера для точки наблюдения. Если некоторая точка поверхности	видима относительно текущей точки наблюдения, то проверить, видима ли данная 	точка со 	стороны источников света.</a:t>
                 </a:r>
               </a:p>
               <a:p>
@@ -10381,46 +10553,6 @@
                         </m:r>
                       </m:sub>
                     </m:sSub>
-                    <m:r>
-                      <a:rPr lang="ru-RU" sz="1800" i="1">
-                        <a:effectLst/>
-                        <a:latin typeface="Cambria Math" panose="02040503050406030204" pitchFamily="18" charset="0"/>
-                        <a:ea typeface="Times New Roman" panose="02020603050405020304" pitchFamily="18" charset="0"/>
-                      </a:rPr>
-                      <m:t>(</m:t>
-                    </m:r>
-                    <m:r>
-                      <a:rPr lang="ru-RU" sz="1800" i="1">
-                        <a:effectLst/>
-                        <a:latin typeface="Cambria Math" panose="02040503050406030204" pitchFamily="18" charset="0"/>
-                        <a:ea typeface="Times New Roman" panose="02020603050405020304" pitchFamily="18" charset="0"/>
-                      </a:rPr>
-                      <m:t>𝑥</m:t>
-                    </m:r>
-                    <m:r>
-                      <a:rPr lang="ru-RU" sz="1800" i="1">
-                        <a:effectLst/>
-                        <a:latin typeface="Cambria Math" panose="02040503050406030204" pitchFamily="18" charset="0"/>
-                        <a:ea typeface="Times New Roman" panose="02020603050405020304" pitchFamily="18" charset="0"/>
-                      </a:rPr>
-                      <m:t>′,</m:t>
-                    </m:r>
-                    <m:r>
-                      <a:rPr lang="ru-RU" sz="1800" i="1">
-                        <a:effectLst/>
-                        <a:latin typeface="Cambria Math" panose="02040503050406030204" pitchFamily="18" charset="0"/>
-                        <a:ea typeface="Times New Roman" panose="02020603050405020304" pitchFamily="18" charset="0"/>
-                      </a:rPr>
-                      <m:t>𝑦</m:t>
-                    </m:r>
-                    <m:r>
-                      <a:rPr lang="ru-RU" sz="1800" i="1">
-                        <a:effectLst/>
-                        <a:latin typeface="Cambria Math" panose="02040503050406030204" pitchFamily="18" charset="0"/>
-                        <a:ea typeface="Times New Roman" panose="02020603050405020304" pitchFamily="18" charset="0"/>
-                      </a:rPr>
-                      <m:t>′)</m:t>
-                    </m:r>
                   </m:oMath>
                 </a14:m>
                 <a:r>
@@ -10447,85 +10579,7 @@
                         <a:latin typeface="Cambria Math" panose="02040503050406030204" pitchFamily="18" charset="0"/>
                         <a:ea typeface="Times New Roman" panose="02020603050405020304" pitchFamily="18" charset="0"/>
                       </a:rPr>
-                      <m:t>′(</m:t>
-                    </m:r>
-                    <m:sSup>
-                      <m:sSupPr>
-                        <m:ctrlPr>
-                          <a:rPr lang="ru-RU" sz="1800" i="1">
-                            <a:effectLst/>
-                            <a:latin typeface="Cambria Math" panose="02040503050406030204" pitchFamily="18" charset="0"/>
-                            <a:ea typeface="Times New Roman" panose="02020603050405020304" pitchFamily="18" charset="0"/>
-                          </a:rPr>
-                        </m:ctrlPr>
-                      </m:sSupPr>
-                      <m:e>
-                        <m:r>
-                          <a:rPr lang="ru-RU" sz="1800" i="1">
-                            <a:effectLst/>
-                            <a:latin typeface="Cambria Math" panose="02040503050406030204" pitchFamily="18" charset="0"/>
-                            <a:ea typeface="Times New Roman" panose="02020603050405020304" pitchFamily="18" charset="0"/>
-                          </a:rPr>
-                          <m:t>𝑥</m:t>
-                        </m:r>
-                      </m:e>
-                      <m:sup>
-                        <m:r>
-                          <a:rPr lang="ru-RU" sz="1800" i="1">
-                            <a:effectLst/>
-                            <a:latin typeface="Cambria Math" panose="02040503050406030204" pitchFamily="18" charset="0"/>
-                            <a:ea typeface="Times New Roman" panose="02020603050405020304" pitchFamily="18" charset="0"/>
-                          </a:rPr>
-                          <m:t>′</m:t>
-                        </m:r>
-                      </m:sup>
-                    </m:sSup>
-                    <m:r>
-                      <a:rPr lang="ru-RU" sz="1800" i="1">
-                        <a:effectLst/>
-                        <a:latin typeface="Cambria Math" panose="02040503050406030204" pitchFamily="18" charset="0"/>
-                        <a:ea typeface="Times New Roman" panose="02020603050405020304" pitchFamily="18" charset="0"/>
-                      </a:rPr>
-                      <m:t>,</m:t>
-                    </m:r>
-                    <m:sSup>
-                      <m:sSupPr>
-                        <m:ctrlPr>
-                          <a:rPr lang="ru-RU" sz="1800" i="1">
-                            <a:effectLst/>
-                            <a:latin typeface="Cambria Math" panose="02040503050406030204" pitchFamily="18" charset="0"/>
-                            <a:ea typeface="Times New Roman" panose="02020603050405020304" pitchFamily="18" charset="0"/>
-                          </a:rPr>
-                        </m:ctrlPr>
-                      </m:sSupPr>
-                      <m:e>
-                        <m:r>
-                          <a:rPr lang="ru-RU" sz="1800" i="1">
-                            <a:effectLst/>
-                            <a:latin typeface="Cambria Math" panose="02040503050406030204" pitchFamily="18" charset="0"/>
-                            <a:ea typeface="Times New Roman" panose="02020603050405020304" pitchFamily="18" charset="0"/>
-                          </a:rPr>
-                          <m:t>𝑦</m:t>
-                        </m:r>
-                      </m:e>
-                      <m:sup>
-                        <m:r>
-                          <a:rPr lang="ru-RU" sz="1800" i="1">
-                            <a:effectLst/>
-                            <a:latin typeface="Cambria Math" panose="02040503050406030204" pitchFamily="18" charset="0"/>
-                            <a:ea typeface="Times New Roman" panose="02020603050405020304" pitchFamily="18" charset="0"/>
-                          </a:rPr>
-                          <m:t>′</m:t>
-                        </m:r>
-                      </m:sup>
-                    </m:sSup>
-                    <m:r>
-                      <a:rPr lang="ru-RU" sz="1800" i="1">
-                        <a:effectLst/>
-                        <a:latin typeface="Cambria Math" panose="02040503050406030204" pitchFamily="18" charset="0"/>
-                        <a:ea typeface="Times New Roman" panose="02020603050405020304" pitchFamily="18" charset="0"/>
-                      </a:rPr>
-                      <m:t>)</m:t>
+                      <m:t>′</m:t>
                     </m:r>
                   </m:oMath>
                 </a14:m>
@@ -10585,89 +10639,6 @@
                         </m:r>
                       </m:sup>
                     </m:sSup>
-                    <m:d>
-                      <m:dPr>
-                        <m:ctrlPr>
-                          <a:rPr lang="ru-RU" sz="1800" i="1">
-                            <a:effectLst/>
-                            <a:latin typeface="Cambria Math" panose="02040503050406030204" pitchFamily="18" charset="0"/>
-                            <a:ea typeface="Times New Roman" panose="02020603050405020304" pitchFamily="18" charset="0"/>
-                          </a:rPr>
-                        </m:ctrlPr>
-                      </m:dPr>
-                      <m:e>
-                        <m:sSup>
-                          <m:sSupPr>
-                            <m:ctrlPr>
-                              <a:rPr lang="ru-RU" sz="1800" i="1">
-                                <a:effectLst/>
-                                <a:latin typeface="Cambria Math" panose="02040503050406030204" pitchFamily="18" charset="0"/>
-                                <a:ea typeface="Times New Roman" panose="02020603050405020304" pitchFamily="18" charset="0"/>
-                              </a:rPr>
-                            </m:ctrlPr>
-                          </m:sSupPr>
-                          <m:e>
-                            <m:r>
-                              <a:rPr lang="ru-RU" sz="1800" i="1">
-                                <a:effectLst/>
-                                <a:latin typeface="Cambria Math" panose="02040503050406030204" pitchFamily="18" charset="0"/>
-                                <a:ea typeface="Times New Roman" panose="02020603050405020304" pitchFamily="18" charset="0"/>
-                              </a:rPr>
-                              <m:t>𝑥</m:t>
-                            </m:r>
-                          </m:e>
-                          <m:sup>
-                            <m:r>
-                              <a:rPr lang="ru-RU" sz="1800" i="1">
-                                <a:effectLst/>
-                                <a:latin typeface="Cambria Math" panose="02040503050406030204" pitchFamily="18" charset="0"/>
-                                <a:ea typeface="Times New Roman" panose="02020603050405020304" pitchFamily="18" charset="0"/>
-                              </a:rPr>
-                              <m:t>′</m:t>
-                            </m:r>
-                          </m:sup>
-                        </m:sSup>
-                        <m:r>
-                          <a:rPr lang="ru-RU" sz="1800" i="1">
-                            <a:effectLst/>
-                            <a:latin typeface="Cambria Math" panose="02040503050406030204" pitchFamily="18" charset="0"/>
-                            <a:ea typeface="Times New Roman" panose="02020603050405020304" pitchFamily="18" charset="0"/>
-                          </a:rPr>
-                          <m:t>,</m:t>
-                        </m:r>
-                        <m:sSup>
-                          <m:sSupPr>
-                            <m:ctrlPr>
-                              <a:rPr lang="ru-RU" sz="1800" i="1">
-                                <a:effectLst/>
-                                <a:latin typeface="Cambria Math" panose="02040503050406030204" pitchFamily="18" charset="0"/>
-                                <a:ea typeface="Times New Roman" panose="02020603050405020304" pitchFamily="18" charset="0"/>
-                              </a:rPr>
-                            </m:ctrlPr>
-                          </m:sSupPr>
-                          <m:e>
-                            <m:r>
-                              <a:rPr lang="ru-RU" sz="1800" i="1">
-                                <a:effectLst/>
-                                <a:latin typeface="Cambria Math" panose="02040503050406030204" pitchFamily="18" charset="0"/>
-                                <a:ea typeface="Times New Roman" panose="02020603050405020304" pitchFamily="18" charset="0"/>
-                              </a:rPr>
-                              <m:t>𝑦</m:t>
-                            </m:r>
-                          </m:e>
-                          <m:sup>
-                            <m:r>
-                              <a:rPr lang="ru-RU" sz="1800" i="1">
-                                <a:effectLst/>
-                                <a:latin typeface="Cambria Math" panose="02040503050406030204" pitchFamily="18" charset="0"/>
-                                <a:ea typeface="Times New Roman" panose="02020603050405020304" pitchFamily="18" charset="0"/>
-                              </a:rPr>
-                              <m:t>′</m:t>
-                            </m:r>
-                          </m:sup>
-                        </m:sSup>
-                      </m:e>
-                    </m:d>
                     <m:r>
                       <a:rPr lang="ru-RU" sz="1800" i="1">
                         <a:effectLst/>
@@ -10707,69 +10678,6 @@
                         </m:r>
                       </m:sub>
                     </m:sSub>
-                    <m:r>
-                      <a:rPr lang="ru-RU" sz="1800" i="1">
-                        <a:effectLst/>
-                        <a:latin typeface="Cambria Math" panose="02040503050406030204" pitchFamily="18" charset="0"/>
-                        <a:ea typeface="Times New Roman" panose="02020603050405020304" pitchFamily="18" charset="0"/>
-                      </a:rPr>
-                      <m:t>(</m:t>
-                    </m:r>
-                    <m:sSup>
-                      <m:sSupPr>
-                        <m:ctrlPr>
-                          <a:rPr lang="ru-RU" sz="1800" i="1">
-                            <a:effectLst/>
-                            <a:latin typeface="Cambria Math" panose="02040503050406030204" pitchFamily="18" charset="0"/>
-                            <a:ea typeface="Times New Roman" panose="02020603050405020304" pitchFamily="18" charset="0"/>
-                          </a:rPr>
-                        </m:ctrlPr>
-                      </m:sSupPr>
-                      <m:e>
-                        <m:r>
-                          <a:rPr lang="ru-RU" sz="1800" i="1">
-                            <a:effectLst/>
-                            <a:latin typeface="Cambria Math" panose="02040503050406030204" pitchFamily="18" charset="0"/>
-                            <a:ea typeface="Times New Roman" panose="02020603050405020304" pitchFamily="18" charset="0"/>
-                          </a:rPr>
-                          <m:t>𝑥</m:t>
-                        </m:r>
-                      </m:e>
-                      <m:sup>
-                        <m:r>
-                          <a:rPr lang="ru-RU" sz="1800" i="1">
-                            <a:effectLst/>
-                            <a:latin typeface="Cambria Math" panose="02040503050406030204" pitchFamily="18" charset="0"/>
-                            <a:ea typeface="Times New Roman" panose="02020603050405020304" pitchFamily="18" charset="0"/>
-                          </a:rPr>
-                          <m:t>′</m:t>
-                        </m:r>
-                      </m:sup>
-                    </m:sSup>
-                    <m:r>
-                      <a:rPr lang="ru-RU" sz="1800" i="1">
-                        <a:effectLst/>
-                        <a:latin typeface="Cambria Math" panose="02040503050406030204" pitchFamily="18" charset="0"/>
-                        <a:ea typeface="Times New Roman" panose="02020603050405020304" pitchFamily="18" charset="0"/>
-                      </a:rPr>
-                      <m:t>,</m:t>
-                    </m:r>
-                    <m:r>
-                      <a:rPr lang="ru-RU" sz="1800" i="1">
-                        <a:effectLst/>
-                        <a:latin typeface="Cambria Math" panose="02040503050406030204" pitchFamily="18" charset="0"/>
-                        <a:ea typeface="Times New Roman" panose="02020603050405020304" pitchFamily="18" charset="0"/>
-                      </a:rPr>
-                      <m:t>𝑦</m:t>
-                    </m:r>
-                    <m:r>
-                      <a:rPr lang="ru-RU" sz="1800" i="1">
-                        <a:effectLst/>
-                        <a:latin typeface="Cambria Math" panose="02040503050406030204" pitchFamily="18" charset="0"/>
-                        <a:ea typeface="Times New Roman" panose="02020603050405020304" pitchFamily="18" charset="0"/>
-                      </a:rPr>
-                      <m:t>′)</m:t>
-                    </m:r>
                   </m:oMath>
                 </a14:m>
                 <a:r>
@@ -10778,13 +10686,13 @@
                     <a:latin typeface="Times New Roman" panose="02020603050405020304" pitchFamily="18" charset="0"/>
                     <a:ea typeface="Times New Roman" panose="02020603050405020304" pitchFamily="18" charset="0"/>
                   </a:rPr>
-                  <a:t>, то пиксел высвечивается с учетом его затемнения, 			иначе точка высвечивается без затемнения</a:t>
+                  <a:t>, то пиксел высвечивается с учетом его затемнения,  иначе точка высвечивается без затемнения</a:t>
                 </a:r>
               </a:p>
             </p:txBody>
           </p:sp>
         </mc:Choice>
-        <mc:Fallback xmlns="">
+        <mc:Fallback>
           <p:sp>
             <p:nvSpPr>
               <p:cNvPr id="4" name="TextBox 3">
@@ -10842,292 +10750,6 @@
 </p:sld>
 </file>
 
-<file path=ppt/slides/slide8.xml><?xml version="1.0" encoding="utf-8"?>
-<p:sld xmlns:a="http://schemas.openxmlformats.org/drawingml/2006/main" xmlns:r="http://schemas.openxmlformats.org/officeDocument/2006/relationships" xmlns:p="http://schemas.openxmlformats.org/presentationml/2006/main">
-  <p:cSld>
-    <p:spTree>
-      <p:nvGrpSpPr>
-        <p:cNvPr id="1" name=""/>
-        <p:cNvGrpSpPr/>
-        <p:nvPr/>
-      </p:nvGrpSpPr>
-      <p:grpSpPr>
-        <a:xfrm>
-          <a:off x="0" y="0"/>
-          <a:ext cx="0" cy="0"/>
-          <a:chOff x="0" y="0"/>
-          <a:chExt cx="0" cy="0"/>
-        </a:xfrm>
-      </p:grpSpPr>
-      <p:sp>
-        <p:nvSpPr>
-          <p:cNvPr id="2" name="Заголовок 1">
-            <a:extLst>
-              <a:ext uri="{FF2B5EF4-FFF2-40B4-BE49-F238E27FC236}">
-                <a16:creationId xmlns:a16="http://schemas.microsoft.com/office/drawing/2014/main" id="{70DA9C02-F807-4672-B786-210812D74F7C}"/>
-              </a:ext>
-            </a:extLst>
-          </p:cNvPr>
-          <p:cNvSpPr>
-            <a:spLocks noGrp="1"/>
-          </p:cNvSpPr>
-          <p:nvPr>
-            <p:ph type="title"/>
-          </p:nvPr>
-        </p:nvSpPr>
-        <p:spPr/>
-        <p:txBody>
-          <a:bodyPr/>
-          <a:lstStyle/>
-          <a:p>
-            <a:r>
-              <a:rPr lang="ru-RU" dirty="0">
-                <a:latin typeface="Times New Roman" panose="02020603050405020304" pitchFamily="18" charset="0"/>
-                <a:cs typeface="Times New Roman" panose="02020603050405020304" pitchFamily="18" charset="0"/>
-              </a:rPr>
-              <a:t>Выбор языка программирования и среды разработки</a:t>
-            </a:r>
-          </a:p>
-        </p:txBody>
-      </p:sp>
-      <p:sp>
-        <p:nvSpPr>
-          <p:cNvPr id="4" name="TextBox 3">
-            <a:extLst>
-              <a:ext uri="{FF2B5EF4-FFF2-40B4-BE49-F238E27FC236}">
-                <a16:creationId xmlns:a16="http://schemas.microsoft.com/office/drawing/2014/main" id="{ED04FD7B-DA19-4A9C-A5CD-CEFEA5C88B05}"/>
-              </a:ext>
-            </a:extLst>
-          </p:cNvPr>
-          <p:cNvSpPr txBox="1"/>
-          <p:nvPr/>
-        </p:nvSpPr>
-        <p:spPr>
-          <a:xfrm>
-            <a:off x="1097280" y="1737360"/>
-            <a:ext cx="10058400" cy="2677656"/>
-          </a:xfrm>
-          <a:prstGeom prst="rect">
-            <a:avLst/>
-          </a:prstGeom>
-          <a:noFill/>
-        </p:spPr>
-        <p:txBody>
-          <a:bodyPr wrap="square">
-            <a:spAutoFit/>
-          </a:bodyPr>
-          <a:lstStyle/>
-          <a:p>
-            <a:r>
-              <a:rPr lang="ru-RU" sz="2400" dirty="0">
-                <a:effectLst/>
-                <a:latin typeface="Times New Roman" panose="02020603050405020304" pitchFamily="18" charset="0"/>
-                <a:ea typeface="Times New Roman" panose="02020603050405020304" pitchFamily="18" charset="0"/>
-              </a:rPr>
-              <a:t>При написании программного продукта использовался язык </a:t>
-            </a:r>
-            <a:r>
-              <a:rPr lang="en-US" sz="2400" dirty="0">
-                <a:effectLst/>
-                <a:latin typeface="Times New Roman" panose="02020603050405020304" pitchFamily="18" charset="0"/>
-                <a:ea typeface="Times New Roman" panose="02020603050405020304" pitchFamily="18" charset="0"/>
-              </a:rPr>
-              <a:t>C</a:t>
-            </a:r>
-            <a:r>
-              <a:rPr lang="ru-RU" sz="2400" dirty="0">
-                <a:effectLst/>
-                <a:latin typeface="Times New Roman" panose="02020603050405020304" pitchFamily="18" charset="0"/>
-                <a:ea typeface="Times New Roman" panose="02020603050405020304" pitchFamily="18" charset="0"/>
-              </a:rPr>
-              <a:t>++:</a:t>
-            </a:r>
-          </a:p>
-          <a:p>
-            <a:pPr marL="342900" indent="-342900">
-              <a:buFont typeface="+mj-lt"/>
-              <a:buAutoNum type="arabicParenR"/>
-            </a:pPr>
-            <a:r>
-              <a:rPr lang="ru-RU" sz="2400" dirty="0">
-                <a:latin typeface="Times New Roman" panose="02020603050405020304" pitchFamily="18" charset="0"/>
-              </a:rPr>
-              <a:t>данный язык преподавался в рамках курса Объектно-Ориентированного Программирования</a:t>
-            </a:r>
-            <a:r>
-              <a:rPr lang="en-US" sz="2400" dirty="0">
-                <a:latin typeface="Times New Roman" panose="02020603050405020304" pitchFamily="18" charset="0"/>
-              </a:rPr>
-              <a:t>;</a:t>
-            </a:r>
-            <a:endParaRPr lang="ru-RU" sz="2400" dirty="0">
-              <a:latin typeface="Times New Roman" panose="02020603050405020304" pitchFamily="18" charset="0"/>
-            </a:endParaRPr>
-          </a:p>
-          <a:p>
-            <a:pPr marL="342900" indent="-342900">
-              <a:buFont typeface="+mj-lt"/>
-              <a:buAutoNum type="arabicParenR"/>
-            </a:pPr>
-            <a:r>
-              <a:rPr lang="ru-RU" sz="2400" dirty="0">
-                <a:latin typeface="Times New Roman" panose="02020603050405020304" pitchFamily="18" charset="0"/>
-              </a:rPr>
-              <a:t>высокая вычислительная производительность</a:t>
-            </a:r>
-            <a:r>
-              <a:rPr lang="en-US" sz="2400" dirty="0">
-                <a:latin typeface="Times New Roman" panose="02020603050405020304" pitchFamily="18" charset="0"/>
-              </a:rPr>
-              <a:t>;</a:t>
-            </a:r>
-          </a:p>
-          <a:p>
-            <a:pPr marL="342900" indent="-342900">
-              <a:buFont typeface="+mj-lt"/>
-              <a:buAutoNum type="arabicParenR"/>
-            </a:pPr>
-            <a:r>
-              <a:rPr lang="ru-RU" sz="2400" dirty="0">
-                <a:latin typeface="Times New Roman" panose="02020603050405020304" pitchFamily="18" charset="0"/>
-              </a:rPr>
-              <a:t>язык поддерживает объектно-ориентированную парадигму программирования</a:t>
-            </a:r>
-            <a:r>
-              <a:rPr lang="en-US" sz="2400" dirty="0">
-                <a:latin typeface="Times New Roman" panose="02020603050405020304" pitchFamily="18" charset="0"/>
-              </a:rPr>
-              <a:t>;</a:t>
-            </a:r>
-          </a:p>
-          <a:p>
-            <a:pPr marL="342900" indent="-342900">
-              <a:buFont typeface="+mj-lt"/>
-              <a:buAutoNum type="arabicParenR"/>
-            </a:pPr>
-            <a:r>
-              <a:rPr lang="ru-RU" sz="2400" dirty="0">
-                <a:latin typeface="Times New Roman" panose="02020603050405020304" pitchFamily="18" charset="0"/>
-              </a:rPr>
-              <a:t>большое количество учебной и справочной литературы</a:t>
-            </a:r>
-            <a:r>
-              <a:rPr lang="en-US" sz="2400" dirty="0">
-                <a:latin typeface="Times New Roman" panose="02020603050405020304" pitchFamily="18" charset="0"/>
-              </a:rPr>
-              <a:t>.</a:t>
-            </a:r>
-          </a:p>
-        </p:txBody>
-      </p:sp>
-      <p:sp>
-        <p:nvSpPr>
-          <p:cNvPr id="5" name="TextBox 4">
-            <a:extLst>
-              <a:ext uri="{FF2B5EF4-FFF2-40B4-BE49-F238E27FC236}">
-                <a16:creationId xmlns:a16="http://schemas.microsoft.com/office/drawing/2014/main" id="{F1670412-FD7D-4EA8-A0B4-1F6574FD463E}"/>
-              </a:ext>
-            </a:extLst>
-          </p:cNvPr>
-          <p:cNvSpPr txBox="1"/>
-          <p:nvPr/>
-        </p:nvSpPr>
-        <p:spPr>
-          <a:xfrm>
-            <a:off x="1036320" y="4415016"/>
-            <a:ext cx="10253133" cy="1569660"/>
-          </a:xfrm>
-          <a:prstGeom prst="rect">
-            <a:avLst/>
-          </a:prstGeom>
-          <a:noFill/>
-        </p:spPr>
-        <p:txBody>
-          <a:bodyPr wrap="square">
-            <a:spAutoFit/>
-          </a:bodyPr>
-          <a:lstStyle/>
-          <a:p>
-            <a:r>
-              <a:rPr lang="ru-RU" sz="2400" dirty="0">
-                <a:latin typeface="Times New Roman" panose="02020603050405020304" pitchFamily="18" charset="0"/>
-                <a:ea typeface="Times New Roman" panose="02020603050405020304" pitchFamily="18" charset="0"/>
-              </a:rPr>
-              <a:t>Была задействована среда разработки </a:t>
-            </a:r>
-            <a:r>
-              <a:rPr lang="en-US" sz="2400" dirty="0">
-                <a:latin typeface="Times New Roman" panose="02020603050405020304" pitchFamily="18" charset="0"/>
-                <a:ea typeface="Times New Roman" panose="02020603050405020304" pitchFamily="18" charset="0"/>
-              </a:rPr>
-              <a:t>QT Creator:</a:t>
-            </a:r>
-            <a:endParaRPr lang="ru-RU" sz="2400" dirty="0">
-              <a:effectLst/>
-              <a:latin typeface="Times New Roman" panose="02020603050405020304" pitchFamily="18" charset="0"/>
-              <a:ea typeface="Times New Roman" panose="02020603050405020304" pitchFamily="18" charset="0"/>
-            </a:endParaRPr>
-          </a:p>
-          <a:p>
-            <a:pPr marL="342900" indent="-342900">
-              <a:buFont typeface="+mj-lt"/>
-              <a:buAutoNum type="arabicParenR"/>
-            </a:pPr>
-            <a:r>
-              <a:rPr lang="ru-RU" sz="2400" dirty="0">
-                <a:latin typeface="Times New Roman" panose="02020603050405020304" pitchFamily="18" charset="0"/>
-              </a:rPr>
-              <a:t>основы работы с данной средой разработки преподавался в рамках курса Программирования на Си</a:t>
-            </a:r>
-            <a:r>
-              <a:rPr lang="en-US" sz="2400" dirty="0">
-                <a:latin typeface="Times New Roman" panose="02020603050405020304" pitchFamily="18" charset="0"/>
-              </a:rPr>
-              <a:t>;</a:t>
-            </a:r>
-            <a:endParaRPr lang="ru-RU" sz="2400" dirty="0">
-              <a:latin typeface="Times New Roman" panose="02020603050405020304" pitchFamily="18" charset="0"/>
-            </a:endParaRPr>
-          </a:p>
-          <a:p>
-            <a:pPr marL="342900" indent="-342900">
-              <a:buFont typeface="+mj-lt"/>
-              <a:buAutoNum type="arabicParenR"/>
-            </a:pPr>
-            <a:r>
-              <a:rPr lang="en-US" sz="2400" dirty="0">
-                <a:latin typeface="Times New Roman" panose="02020603050405020304" pitchFamily="18" charset="0"/>
-              </a:rPr>
-              <a:t>QT Creator </a:t>
-            </a:r>
-            <a:r>
-              <a:rPr lang="ru-RU" sz="2400" dirty="0">
-                <a:latin typeface="Times New Roman" panose="02020603050405020304" pitchFamily="18" charset="0"/>
-              </a:rPr>
-              <a:t>позволяет работать с расширением </a:t>
-            </a:r>
-            <a:r>
-              <a:rPr lang="en-US" sz="2400" dirty="0">
-                <a:latin typeface="Times New Roman" panose="02020603050405020304" pitchFamily="18" charset="0"/>
-              </a:rPr>
-              <a:t>Qt Design.</a:t>
-            </a:r>
-          </a:p>
-        </p:txBody>
-      </p:sp>
-    </p:spTree>
-    <p:extLst>
-      <p:ext uri="{BB962C8B-B14F-4D97-AF65-F5344CB8AC3E}">
-        <p14:creationId xmlns:p14="http://schemas.microsoft.com/office/powerpoint/2010/main" val="3208556358"/>
-      </p:ext>
-    </p:extLst>
-  </p:cSld>
-  <p:clrMapOvr>
-    <a:masterClrMapping/>
-  </p:clrMapOvr>
-</p:sld>
-</file>
-
 <file path=ppt/slides/slide9.xml><?xml version="1.0" encoding="utf-8"?>
 <p:sld xmlns:a="http://schemas.openxmlformats.org/drawingml/2006/main" xmlns:r="http://schemas.openxmlformats.org/officeDocument/2006/relationships" xmlns:p="http://schemas.openxmlformats.org/presentationml/2006/main">
   <p:cSld>
@@ -11171,63 +10793,264 @@
                 <a:latin typeface="Times New Roman" panose="02020603050405020304" pitchFamily="18" charset="0"/>
                 <a:cs typeface="Times New Roman" panose="02020603050405020304" pitchFamily="18" charset="0"/>
               </a:rPr>
-              <a:t>Структура и состав классов</a:t>
+              <a:t>Выбор языка программирования и среды разработки</a:t>
             </a:r>
           </a:p>
         </p:txBody>
       </p:sp>
-      <p:pic>
-        <p:nvPicPr>
-          <p:cNvPr id="3" name="Рисунок 2">
+      <p:sp>
+        <p:nvSpPr>
+          <p:cNvPr id="4" name="TextBox 3">
             <a:extLst>
               <a:ext uri="{FF2B5EF4-FFF2-40B4-BE49-F238E27FC236}">
-                <a16:creationId xmlns:a16="http://schemas.microsoft.com/office/drawing/2014/main" id="{2513F3BF-65B7-4597-9BE0-83C01247D54D}"/>
+                <a16:creationId xmlns:a16="http://schemas.microsoft.com/office/drawing/2014/main" id="{ED04FD7B-DA19-4A9C-A5CD-CEFEA5C88B05}"/>
               </a:ext>
             </a:extLst>
           </p:cNvPr>
-          <p:cNvPicPr/>
+          <p:cNvSpPr txBox="1"/>
           <p:nvPr/>
-        </p:nvPicPr>
-        <p:blipFill>
-          <a:blip r:embed="rId2">
-            <a:extLst>
-              <a:ext uri="{28A0092B-C50C-407E-A947-70E740481C1C}">
-                <a14:useLocalDpi xmlns:a14="http://schemas.microsoft.com/office/drawing/2010/main" val="0"/>
-              </a:ext>
-            </a:extLst>
-          </a:blip>
-          <a:stretch>
-            <a:fillRect/>
-          </a:stretch>
-        </p:blipFill>
-        <p:spPr bwMode="auto">
+        </p:nvSpPr>
+        <p:spPr>
           <a:xfrm>
-            <a:off x="1218142" y="1928494"/>
-            <a:ext cx="9937538" cy="3862705"/>
+            <a:off x="1097279" y="1737360"/>
+            <a:ext cx="10950787" cy="2308324"/>
           </a:xfrm>
           <a:prstGeom prst="rect">
             <a:avLst/>
           </a:prstGeom>
-          <a:ln w="38100" cap="sq">
-            <a:solidFill>
-              <a:srgbClr val="000000"/>
-            </a:solidFill>
-            <a:prstDash val="solid"/>
-            <a:miter lim="800000"/>
-          </a:ln>
-          <a:effectLst>
-            <a:outerShdw blurRad="50800" dist="38100" dir="2700000" algn="tl" rotWithShape="0">
-              <a:srgbClr val="000000">
-                <a:alpha val="43000"/>
-              </a:srgbClr>
-            </a:outerShdw>
-          </a:effectLst>
+          <a:noFill/>
         </p:spPr>
-      </p:pic>
+        <p:txBody>
+          <a:bodyPr wrap="square">
+            <a:spAutoFit/>
+          </a:bodyPr>
+          <a:lstStyle/>
+          <a:p>
+            <a:r>
+              <a:rPr lang="ru-RU" sz="2400" dirty="0">
+                <a:effectLst/>
+                <a:latin typeface="Times New Roman" panose="02020603050405020304" pitchFamily="18" charset="0"/>
+                <a:ea typeface="Times New Roman" panose="02020603050405020304" pitchFamily="18" charset="0"/>
+              </a:rPr>
+              <a:t>При написании программного продукта использовался язык </a:t>
+            </a:r>
+            <a:r>
+              <a:rPr lang="en-US" sz="2400" dirty="0">
+                <a:effectLst/>
+                <a:latin typeface="Times New Roman" panose="02020603050405020304" pitchFamily="18" charset="0"/>
+                <a:ea typeface="Times New Roman" panose="02020603050405020304" pitchFamily="18" charset="0"/>
+              </a:rPr>
+              <a:t>C</a:t>
+            </a:r>
+            <a:r>
+              <a:rPr lang="ru-RU" sz="2400" dirty="0">
+                <a:effectLst/>
+                <a:latin typeface="Times New Roman" panose="02020603050405020304" pitchFamily="18" charset="0"/>
+                <a:ea typeface="Times New Roman" panose="02020603050405020304" pitchFamily="18" charset="0"/>
+              </a:rPr>
+              <a:t>++:</a:t>
+            </a:r>
+          </a:p>
+          <a:p>
+            <a:pPr marL="342900" indent="-342900">
+              <a:buFont typeface="+mj-lt"/>
+              <a:buAutoNum type="arabicParenR"/>
+            </a:pPr>
+            <a:r>
+              <a:rPr lang="ru-RU" sz="2400" dirty="0">
+                <a:latin typeface="Times New Roman" panose="02020603050405020304" pitchFamily="18" charset="0"/>
+              </a:rPr>
+              <a:t>данный язык преподавался в рамках курса Объектно-Ориентированного Программирования</a:t>
+            </a:r>
+            <a:r>
+              <a:rPr lang="en-US" sz="2400" dirty="0">
+                <a:latin typeface="Times New Roman" panose="02020603050405020304" pitchFamily="18" charset="0"/>
+              </a:rPr>
+              <a:t>;</a:t>
+            </a:r>
+            <a:endParaRPr lang="ru-RU" sz="2400" dirty="0">
+              <a:latin typeface="Times New Roman" panose="02020603050405020304" pitchFamily="18" charset="0"/>
+            </a:endParaRPr>
+          </a:p>
+          <a:p>
+            <a:pPr marL="342900" indent="-342900">
+              <a:buFont typeface="+mj-lt"/>
+              <a:buAutoNum type="arabicParenR"/>
+            </a:pPr>
+            <a:r>
+              <a:rPr lang="ru-RU" sz="2400" dirty="0">
+                <a:latin typeface="Times New Roman" panose="02020603050405020304" pitchFamily="18" charset="0"/>
+              </a:rPr>
+              <a:t>высокая вычислительная производительность</a:t>
+            </a:r>
+            <a:r>
+              <a:rPr lang="en-US" sz="2400" dirty="0">
+                <a:latin typeface="Times New Roman" panose="02020603050405020304" pitchFamily="18" charset="0"/>
+              </a:rPr>
+              <a:t>;</a:t>
+            </a:r>
+          </a:p>
+          <a:p>
+            <a:pPr marL="342900" indent="-342900">
+              <a:buFont typeface="+mj-lt"/>
+              <a:buAutoNum type="arabicParenR"/>
+            </a:pPr>
+            <a:r>
+              <a:rPr lang="ru-RU" sz="2400" dirty="0">
+                <a:latin typeface="Times New Roman" panose="02020603050405020304" pitchFamily="18" charset="0"/>
+              </a:rPr>
+              <a:t>язык поддерживает объектно-ориентированную парадигму</a:t>
+            </a:r>
+            <a:r>
+              <a:rPr lang="en-US" sz="2400" dirty="0">
+                <a:latin typeface="Times New Roman" panose="02020603050405020304" pitchFamily="18" charset="0"/>
+              </a:rPr>
+              <a:t> </a:t>
+            </a:r>
+            <a:r>
+              <a:rPr lang="ru-RU" sz="2400" dirty="0">
+                <a:latin typeface="Times New Roman" panose="02020603050405020304" pitchFamily="18" charset="0"/>
+              </a:rPr>
+              <a:t>программирования</a:t>
+            </a:r>
+            <a:r>
+              <a:rPr lang="en-US" sz="2400" dirty="0">
+                <a:latin typeface="Times New Roman" panose="02020603050405020304" pitchFamily="18" charset="0"/>
+              </a:rPr>
+              <a:t>;</a:t>
+            </a:r>
+          </a:p>
+          <a:p>
+            <a:pPr marL="342900" indent="-342900">
+              <a:buFont typeface="+mj-lt"/>
+              <a:buAutoNum type="arabicParenR"/>
+            </a:pPr>
+            <a:r>
+              <a:rPr lang="ru-RU" sz="2400" dirty="0">
+                <a:latin typeface="Times New Roman" panose="02020603050405020304" pitchFamily="18" charset="0"/>
+              </a:rPr>
+              <a:t>большое количество учебной и справочной литературы</a:t>
+            </a:r>
+            <a:r>
+              <a:rPr lang="en-US" sz="2400" dirty="0">
+                <a:latin typeface="Times New Roman" panose="02020603050405020304" pitchFamily="18" charset="0"/>
+              </a:rPr>
+              <a:t>.</a:t>
+            </a:r>
+          </a:p>
+        </p:txBody>
+      </p:sp>
+      <p:sp>
+        <p:nvSpPr>
+          <p:cNvPr id="5" name="TextBox 4">
+            <a:extLst>
+              <a:ext uri="{FF2B5EF4-FFF2-40B4-BE49-F238E27FC236}">
+                <a16:creationId xmlns:a16="http://schemas.microsoft.com/office/drawing/2014/main" id="{F1670412-FD7D-4EA8-A0B4-1F6574FD463E}"/>
+              </a:ext>
+            </a:extLst>
+          </p:cNvPr>
+          <p:cNvSpPr txBox="1"/>
+          <p:nvPr/>
+        </p:nvSpPr>
+        <p:spPr>
+          <a:xfrm>
+            <a:off x="1036320" y="4415016"/>
+            <a:ext cx="11011746" cy="1200329"/>
+          </a:xfrm>
+          <a:prstGeom prst="rect">
+            <a:avLst/>
+          </a:prstGeom>
+          <a:noFill/>
+        </p:spPr>
+        <p:txBody>
+          <a:bodyPr wrap="square">
+            <a:spAutoFit/>
+          </a:bodyPr>
+          <a:lstStyle/>
+          <a:p>
+            <a:r>
+              <a:rPr lang="ru-RU" sz="2400" dirty="0">
+                <a:latin typeface="Times New Roman" panose="02020603050405020304" pitchFamily="18" charset="0"/>
+                <a:ea typeface="Times New Roman" panose="02020603050405020304" pitchFamily="18" charset="0"/>
+              </a:rPr>
+              <a:t>Была задействована среда разработки </a:t>
+            </a:r>
+            <a:r>
+              <a:rPr lang="en-US" sz="2400" dirty="0">
+                <a:latin typeface="Times New Roman" panose="02020603050405020304" pitchFamily="18" charset="0"/>
+                <a:ea typeface="Times New Roman" panose="02020603050405020304" pitchFamily="18" charset="0"/>
+              </a:rPr>
+              <a:t>QT Creator:</a:t>
+            </a:r>
+            <a:endParaRPr lang="ru-RU" sz="2400" dirty="0">
+              <a:effectLst/>
+              <a:latin typeface="Times New Roman" panose="02020603050405020304" pitchFamily="18" charset="0"/>
+              <a:ea typeface="Times New Roman" panose="02020603050405020304" pitchFamily="18" charset="0"/>
+            </a:endParaRPr>
+          </a:p>
+          <a:p>
+            <a:pPr marL="342900" indent="-342900">
+              <a:buFont typeface="+mj-lt"/>
+              <a:buAutoNum type="arabicParenR"/>
+            </a:pPr>
+            <a:r>
+              <a:rPr lang="ru-RU" sz="2400" dirty="0">
+                <a:latin typeface="Times New Roman" panose="02020603050405020304" pitchFamily="18" charset="0"/>
+              </a:rPr>
+              <a:t>работа с </a:t>
+            </a:r>
+            <a:r>
+              <a:rPr lang="en-US" sz="2400" dirty="0">
+                <a:latin typeface="Times New Roman" panose="02020603050405020304" pitchFamily="18" charset="0"/>
+              </a:rPr>
+              <a:t>QT Creator </a:t>
+            </a:r>
+            <a:r>
+              <a:rPr lang="ru-RU" sz="2400" dirty="0">
+                <a:latin typeface="Times New Roman" panose="02020603050405020304" pitchFamily="18" charset="0"/>
+              </a:rPr>
+              <a:t>преподавалась в рамках курса Программирования на Си</a:t>
+            </a:r>
+            <a:r>
+              <a:rPr lang="en-US" sz="2400" dirty="0">
+                <a:latin typeface="Times New Roman" panose="02020603050405020304" pitchFamily="18" charset="0"/>
+              </a:rPr>
+              <a:t>;</a:t>
+            </a:r>
+            <a:endParaRPr lang="ru-RU" sz="2400" dirty="0">
+              <a:latin typeface="Times New Roman" panose="02020603050405020304" pitchFamily="18" charset="0"/>
+            </a:endParaRPr>
+          </a:p>
+          <a:p>
+            <a:pPr marL="342900" indent="-342900">
+              <a:buFont typeface="+mj-lt"/>
+              <a:buAutoNum type="arabicParenR"/>
+            </a:pPr>
+            <a:r>
+              <a:rPr lang="en-US" sz="2400" dirty="0">
+                <a:latin typeface="Times New Roman" panose="02020603050405020304" pitchFamily="18" charset="0"/>
+              </a:rPr>
+              <a:t>QT Creator </a:t>
+            </a:r>
+            <a:r>
+              <a:rPr lang="ru-RU" sz="2400" dirty="0">
+                <a:latin typeface="Times New Roman" panose="02020603050405020304" pitchFamily="18" charset="0"/>
+              </a:rPr>
+              <a:t>позволяет работать с расширением </a:t>
+            </a:r>
+            <a:r>
+              <a:rPr lang="en-US" sz="2400" dirty="0">
+                <a:latin typeface="Times New Roman" panose="02020603050405020304" pitchFamily="18" charset="0"/>
+              </a:rPr>
+              <a:t>Qt Design.</a:t>
+            </a:r>
+          </a:p>
+        </p:txBody>
+      </p:sp>
     </p:spTree>
     <p:extLst>
       <p:ext uri="{BB962C8B-B14F-4D97-AF65-F5344CB8AC3E}">
-        <p14:creationId xmlns:p14="http://schemas.microsoft.com/office/powerpoint/2010/main" val="532674506"/>
+        <p14:creationId xmlns:p14="http://schemas.microsoft.com/office/powerpoint/2010/main" val="3208556358"/>
       </p:ext>
     </p:extLst>
   </p:cSld>

--- a/Presentation/CurseWorkYakuba.pptx
+++ b/Presentation/CurseWorkYakuba.pptx
@@ -1492,7 +1492,7 @@
           <a:p>
             <a:fld id="{6EFF73F2-DCB5-4E8D-8FED-7ED588C8F664}" type="datetimeFigureOut">
               <a:rPr lang="ru-RU" smtClean="0"/>
-              <a:t>28.11.2020</a:t>
+              <a:t>30.11.2020</a:t>
             </a:fld>
             <a:endParaRPr lang="ru-RU"/>
           </a:p>
@@ -1700,7 +1700,7 @@
           <a:p>
             <a:fld id="{6EFF73F2-DCB5-4E8D-8FED-7ED588C8F664}" type="datetimeFigureOut">
               <a:rPr lang="ru-RU" smtClean="0"/>
-              <a:t>28.11.2020</a:t>
+              <a:t>30.11.2020</a:t>
             </a:fld>
             <a:endParaRPr lang="ru-RU"/>
           </a:p>
@@ -1958,7 +1958,7 @@
           <a:p>
             <a:fld id="{6EFF73F2-DCB5-4E8D-8FED-7ED588C8F664}" type="datetimeFigureOut">
               <a:rPr lang="ru-RU" smtClean="0"/>
-              <a:t>28.11.2020</a:t>
+              <a:t>30.11.2020</a:t>
             </a:fld>
             <a:endParaRPr lang="ru-RU"/>
           </a:p>
@@ -2128,7 +2128,7 @@
           <a:p>
             <a:fld id="{6EFF73F2-DCB5-4E8D-8FED-7ED588C8F664}" type="datetimeFigureOut">
               <a:rPr lang="ru-RU" smtClean="0"/>
-              <a:t>28.11.2020</a:t>
+              <a:t>30.11.2020</a:t>
             </a:fld>
             <a:endParaRPr lang="ru-RU"/>
           </a:p>
@@ -2465,7 +2465,7 @@
           <a:p>
             <a:fld id="{6EFF73F2-DCB5-4E8D-8FED-7ED588C8F664}" type="datetimeFigureOut">
               <a:rPr lang="ru-RU" smtClean="0"/>
-              <a:t>28.11.2020</a:t>
+              <a:t>30.11.2020</a:t>
             </a:fld>
             <a:endParaRPr lang="ru-RU"/>
           </a:p>
@@ -2740,7 +2740,7 @@
           <a:p>
             <a:fld id="{6EFF73F2-DCB5-4E8D-8FED-7ED588C8F664}" type="datetimeFigureOut">
               <a:rPr lang="ru-RU" smtClean="0"/>
-              <a:t>28.11.2020</a:t>
+              <a:t>30.11.2020</a:t>
             </a:fld>
             <a:endParaRPr lang="ru-RU"/>
           </a:p>
@@ -3123,7 +3123,7 @@
           <a:p>
             <a:fld id="{6EFF73F2-DCB5-4E8D-8FED-7ED588C8F664}" type="datetimeFigureOut">
               <a:rPr lang="ru-RU" smtClean="0"/>
-              <a:t>28.11.2020</a:t>
+              <a:t>30.11.2020</a:t>
             </a:fld>
             <a:endParaRPr lang="ru-RU"/>
           </a:p>
@@ -3241,7 +3241,7 @@
           <a:p>
             <a:fld id="{6EFF73F2-DCB5-4E8D-8FED-7ED588C8F664}" type="datetimeFigureOut">
               <a:rPr lang="ru-RU" smtClean="0"/>
-              <a:t>28.11.2020</a:t>
+              <a:t>30.11.2020</a:t>
             </a:fld>
             <a:endParaRPr lang="ru-RU"/>
           </a:p>
@@ -3414,7 +3414,7 @@
           <a:p>
             <a:fld id="{6EFF73F2-DCB5-4E8D-8FED-7ED588C8F664}" type="datetimeFigureOut">
               <a:rPr lang="ru-RU" smtClean="0"/>
-              <a:t>28.11.2020</a:t>
+              <a:t>30.11.2020</a:t>
             </a:fld>
             <a:endParaRPr lang="ru-RU"/>
           </a:p>
@@ -3770,7 +3770,7 @@
           <a:p>
             <a:fld id="{6EFF73F2-DCB5-4E8D-8FED-7ED588C8F664}" type="datetimeFigureOut">
               <a:rPr lang="ru-RU" smtClean="0"/>
-              <a:t>28.11.2020</a:t>
+              <a:t>30.11.2020</a:t>
             </a:fld>
             <a:endParaRPr lang="ru-RU"/>
           </a:p>
@@ -4118,7 +4118,7 @@
           <a:p>
             <a:fld id="{6EFF73F2-DCB5-4E8D-8FED-7ED588C8F664}" type="datetimeFigureOut">
               <a:rPr lang="ru-RU" smtClean="0"/>
-              <a:t>28.11.2020</a:t>
+              <a:t>30.11.2020</a:t>
             </a:fld>
             <a:endParaRPr lang="ru-RU"/>
           </a:p>
@@ -4429,7 +4429,7 @@
           <a:p>
             <a:fld id="{6EFF73F2-DCB5-4E8D-8FED-7ED588C8F664}" type="datetimeFigureOut">
               <a:rPr lang="ru-RU" smtClean="0"/>
-              <a:t>28.11.2020</a:t>
+              <a:t>30.11.2020</a:t>
             </a:fld>
             <a:endParaRPr lang="ru-RU"/>
           </a:p>
@@ -5211,7 +5211,7 @@
                 <a:latin typeface="Times New Roman" panose="02020603050405020304" pitchFamily="18" charset="0"/>
                 <a:cs typeface="Times New Roman" panose="02020603050405020304" pitchFamily="18" charset="0"/>
               </a:rPr>
-              <a:t>Структура и состав классов: продолжение</a:t>
+              <a:t>Структура и состав классов</a:t>
             </a:r>
           </a:p>
         </p:txBody>
@@ -5291,8 +5291,8 @@
         </p:blipFill>
         <p:spPr bwMode="auto">
           <a:xfrm>
-            <a:off x="5674783" y="2271607"/>
-            <a:ext cx="6136216" cy="3257126"/>
+            <a:off x="5554133" y="2271607"/>
+            <a:ext cx="6256866" cy="3257126"/>
           </a:xfrm>
           <a:prstGeom prst="rect">
             <a:avLst/>
@@ -6773,18 +6773,18 @@
                         </a:spcAft>
                       </a:pPr>
                       <a:r>
-                        <a:rPr lang="ru-RU" sz="1200">
+                        <a:rPr lang="ru-RU" sz="1200" dirty="0">
                           <a:effectLst/>
                         </a:rPr>
                         <a:t>1</a:t>
                       </a:r>
                       <a:r>
-                        <a:rPr lang="en-US" sz="1200">
+                        <a:rPr lang="en-US" sz="1200" dirty="0">
                           <a:effectLst/>
                         </a:rPr>
                         <a:t>x1</a:t>
                       </a:r>
-                      <a:endParaRPr lang="ru-RU" sz="1200">
+                      <a:endParaRPr lang="ru-RU" sz="1200" dirty="0">
                         <a:effectLst/>
                         <a:latin typeface="Times New Roman" panose="02020603050405020304" pitchFamily="18" charset="0"/>
                         <a:ea typeface="Times New Roman" panose="02020603050405020304" pitchFamily="18" charset="0"/>
@@ -8410,7 +8410,7 @@
         <p:spPr>
           <a:xfrm>
             <a:off x="1097279" y="1737360"/>
-            <a:ext cx="10058399" cy="4462760"/>
+            <a:ext cx="10058399" cy="4893647"/>
           </a:xfrm>
           <a:prstGeom prst="rect">
             <a:avLst/>
@@ -8480,7 +8480,7 @@
                 <a:latin typeface="Times New Roman" panose="02020603050405020304" pitchFamily="18" charset="0"/>
                 <a:ea typeface="Times New Roman" panose="02020603050405020304" pitchFamily="18" charset="0"/>
               </a:rPr>
-              <a:t>Были изучены алгоритмы для решения поставленной задачи</a:t>
+              <a:t>Были изучены и выбраны алгоритмы для решения поставленной задачи</a:t>
             </a:r>
             <a:r>
               <a:rPr lang="en-US" sz="2800" dirty="0">
@@ -9522,7 +9522,7 @@
         <p:spPr>
           <a:xfrm>
             <a:off x="668866" y="1737360"/>
-            <a:ext cx="10223547" cy="1494255"/>
+            <a:ext cx="10223547" cy="3163687"/>
           </a:xfrm>
           <a:prstGeom prst="rect">
             <a:avLst/>
@@ -9544,7 +9544,7 @@
               </a:spcAft>
             </a:pPr>
             <a:r>
-              <a:rPr lang="ru-RU" sz="1800" dirty="0">
+              <a:rPr lang="ru-RU" sz="3200" dirty="0">
                 <a:effectLst/>
                 <a:latin typeface="Times New Roman" panose="02020603050405020304" pitchFamily="18" charset="0"/>
                 <a:ea typeface="Times New Roman" panose="02020603050405020304" pitchFamily="18" charset="0"/>
@@ -9562,7 +9562,7 @@
               </a:spcAft>
             </a:pPr>
             <a:r>
-              <a:rPr lang="ru-RU" sz="1800" dirty="0">
+              <a:rPr lang="ru-RU" sz="3200" dirty="0">
                 <a:effectLst/>
                 <a:latin typeface="Times New Roman" panose="02020603050405020304" pitchFamily="18" charset="0"/>
                 <a:ea typeface="Times New Roman" panose="02020603050405020304" pitchFamily="18" charset="0"/>
@@ -9580,7 +9580,7 @@
               </a:spcAft>
             </a:pPr>
             <a:r>
-              <a:rPr lang="ru-RU" sz="1800" dirty="0">
+              <a:rPr lang="ru-RU" sz="3200" dirty="0">
                 <a:effectLst/>
                 <a:latin typeface="Times New Roman" panose="02020603050405020304" pitchFamily="18" charset="0"/>
                 <a:ea typeface="Times New Roman" panose="02020603050405020304" pitchFamily="18" charset="0"/>
@@ -9588,7 +9588,7 @@
               <a:t>3. Определить падающие</a:t>
             </a:r>
             <a:r>
-              <a:rPr lang="en-US" sz="1800" dirty="0">
+              <a:rPr lang="en-US" sz="3200" dirty="0">
                 <a:effectLst/>
                 <a:latin typeface="Times New Roman" panose="02020603050405020304" pitchFamily="18" charset="0"/>
                 <a:ea typeface="Times New Roman" panose="02020603050405020304" pitchFamily="18" charset="0"/>
@@ -9596,7 +9596,7 @@
               <a:t> </a:t>
             </a:r>
             <a:r>
-              <a:rPr lang="ru-RU" sz="1800" dirty="0">
+              <a:rPr lang="ru-RU" sz="3200" dirty="0">
                 <a:effectLst/>
                 <a:latin typeface="Times New Roman" panose="02020603050405020304" pitchFamily="18" charset="0"/>
                 <a:ea typeface="Times New Roman" panose="02020603050405020304" pitchFamily="18" charset="0"/>
@@ -9604,7 +9604,7 @@
               <a:t>от</a:t>
             </a:r>
             <a:r>
-              <a:rPr lang="en-US" sz="1800" dirty="0">
+              <a:rPr lang="en-US" sz="3200" dirty="0">
                 <a:effectLst/>
                 <a:latin typeface="Times New Roman" panose="02020603050405020304" pitchFamily="18" charset="0"/>
                 <a:ea typeface="Times New Roman" panose="02020603050405020304" pitchFamily="18" charset="0"/>
@@ -9612,7 +9612,7 @@
               <a:t> </a:t>
             </a:r>
             <a:r>
-              <a:rPr lang="ru-RU" sz="1800" dirty="0">
+              <a:rPr lang="ru-RU" sz="3200" dirty="0">
                 <a:effectLst/>
                 <a:latin typeface="Times New Roman" panose="02020603050405020304" pitchFamily="18" charset="0"/>
                 <a:ea typeface="Times New Roman" panose="02020603050405020304" pitchFamily="18" charset="0"/>
@@ -9697,8 +9697,8 @@
           </a:p>
         </p:txBody>
       </p:sp>
-      <mc:AlternateContent xmlns:mc="http://schemas.openxmlformats.org/markup-compatibility/2006">
-        <mc:Choice xmlns:a14="http://schemas.microsoft.com/office/drawing/2010/main" Requires="a14">
+      <mc:AlternateContent xmlns:mc="http://schemas.openxmlformats.org/markup-compatibility/2006" xmlns:a14="http://schemas.microsoft.com/office/drawing/2010/main">
+        <mc:Choice Requires="a14">
           <p:sp>
             <p:nvSpPr>
               <p:cNvPr id="4" name="TextBox 3">
@@ -10064,7 +10064,7 @@
             </p:txBody>
           </p:sp>
         </mc:Choice>
-        <mc:Fallback>
+        <mc:Fallback xmlns="">
           <p:sp>
             <p:nvSpPr>
               <p:cNvPr id="4" name="TextBox 3">
@@ -10184,8 +10184,8 @@
           </a:p>
         </p:txBody>
       </p:sp>
-      <mc:AlternateContent xmlns:mc="http://schemas.openxmlformats.org/markup-compatibility/2006">
-        <mc:Choice xmlns:a14="http://schemas.microsoft.com/office/drawing/2010/main" Requires="a14">
+      <mc:AlternateContent xmlns:mc="http://schemas.openxmlformats.org/markup-compatibility/2006" xmlns:a14="http://schemas.microsoft.com/office/drawing/2010/main">
+        <mc:Choice Requires="a14">
           <p:sp>
             <p:nvSpPr>
               <p:cNvPr id="4" name="TextBox 3">
@@ -10692,7 +10692,7 @@
             </p:txBody>
           </p:sp>
         </mc:Choice>
-        <mc:Fallback>
+        <mc:Fallback xmlns="">
           <p:sp>
             <p:nvSpPr>
               <p:cNvPr id="4" name="TextBox 3">

--- a/Presentation/CurseWorkYakuba.pptx
+++ b/Presentation/CurseWorkYakuba.pptx
@@ -1492,7 +1492,7 @@
           <a:p>
             <a:fld id="{6EFF73F2-DCB5-4E8D-8FED-7ED588C8F664}" type="datetimeFigureOut">
               <a:rPr lang="ru-RU" smtClean="0"/>
-              <a:t>30.11.2020</a:t>
+              <a:t>01.12.2020</a:t>
             </a:fld>
             <a:endParaRPr lang="ru-RU"/>
           </a:p>
@@ -1700,7 +1700,7 @@
           <a:p>
             <a:fld id="{6EFF73F2-DCB5-4E8D-8FED-7ED588C8F664}" type="datetimeFigureOut">
               <a:rPr lang="ru-RU" smtClean="0"/>
-              <a:t>30.11.2020</a:t>
+              <a:t>01.12.2020</a:t>
             </a:fld>
             <a:endParaRPr lang="ru-RU"/>
           </a:p>
@@ -1958,7 +1958,7 @@
           <a:p>
             <a:fld id="{6EFF73F2-DCB5-4E8D-8FED-7ED588C8F664}" type="datetimeFigureOut">
               <a:rPr lang="ru-RU" smtClean="0"/>
-              <a:t>30.11.2020</a:t>
+              <a:t>01.12.2020</a:t>
             </a:fld>
             <a:endParaRPr lang="ru-RU"/>
           </a:p>
@@ -2128,7 +2128,7 @@
           <a:p>
             <a:fld id="{6EFF73F2-DCB5-4E8D-8FED-7ED588C8F664}" type="datetimeFigureOut">
               <a:rPr lang="ru-RU" smtClean="0"/>
-              <a:t>30.11.2020</a:t>
+              <a:t>01.12.2020</a:t>
             </a:fld>
             <a:endParaRPr lang="ru-RU"/>
           </a:p>
@@ -2465,7 +2465,7 @@
           <a:p>
             <a:fld id="{6EFF73F2-DCB5-4E8D-8FED-7ED588C8F664}" type="datetimeFigureOut">
               <a:rPr lang="ru-RU" smtClean="0"/>
-              <a:t>30.11.2020</a:t>
+              <a:t>01.12.2020</a:t>
             </a:fld>
             <a:endParaRPr lang="ru-RU"/>
           </a:p>
@@ -2740,7 +2740,7 @@
           <a:p>
             <a:fld id="{6EFF73F2-DCB5-4E8D-8FED-7ED588C8F664}" type="datetimeFigureOut">
               <a:rPr lang="ru-RU" smtClean="0"/>
-              <a:t>30.11.2020</a:t>
+              <a:t>01.12.2020</a:t>
             </a:fld>
             <a:endParaRPr lang="ru-RU"/>
           </a:p>
@@ -3123,7 +3123,7 @@
           <a:p>
             <a:fld id="{6EFF73F2-DCB5-4E8D-8FED-7ED588C8F664}" type="datetimeFigureOut">
               <a:rPr lang="ru-RU" smtClean="0"/>
-              <a:t>30.11.2020</a:t>
+              <a:t>01.12.2020</a:t>
             </a:fld>
             <a:endParaRPr lang="ru-RU"/>
           </a:p>
@@ -3241,7 +3241,7 @@
           <a:p>
             <a:fld id="{6EFF73F2-DCB5-4E8D-8FED-7ED588C8F664}" type="datetimeFigureOut">
               <a:rPr lang="ru-RU" smtClean="0"/>
-              <a:t>30.11.2020</a:t>
+              <a:t>01.12.2020</a:t>
             </a:fld>
             <a:endParaRPr lang="ru-RU"/>
           </a:p>
@@ -3414,7 +3414,7 @@
           <a:p>
             <a:fld id="{6EFF73F2-DCB5-4E8D-8FED-7ED588C8F664}" type="datetimeFigureOut">
               <a:rPr lang="ru-RU" smtClean="0"/>
-              <a:t>30.11.2020</a:t>
+              <a:t>01.12.2020</a:t>
             </a:fld>
             <a:endParaRPr lang="ru-RU"/>
           </a:p>
@@ -3770,7 +3770,7 @@
           <a:p>
             <a:fld id="{6EFF73F2-DCB5-4E8D-8FED-7ED588C8F664}" type="datetimeFigureOut">
               <a:rPr lang="ru-RU" smtClean="0"/>
-              <a:t>30.11.2020</a:t>
+              <a:t>01.12.2020</a:t>
             </a:fld>
             <a:endParaRPr lang="ru-RU"/>
           </a:p>
@@ -4118,7 +4118,7 @@
           <a:p>
             <a:fld id="{6EFF73F2-DCB5-4E8D-8FED-7ED588C8F664}" type="datetimeFigureOut">
               <a:rPr lang="ru-RU" smtClean="0"/>
-              <a:t>30.11.2020</a:t>
+              <a:t>01.12.2020</a:t>
             </a:fld>
             <a:endParaRPr lang="ru-RU"/>
           </a:p>
@@ -4429,7 +4429,7 @@
           <a:p>
             <a:fld id="{6EFF73F2-DCB5-4E8D-8FED-7ED588C8F664}" type="datetimeFigureOut">
               <a:rPr lang="ru-RU" smtClean="0"/>
-              <a:t>30.11.2020</a:t>
+              <a:t>01.12.2020</a:t>
             </a:fld>
             <a:endParaRPr lang="ru-RU"/>
           </a:p>
@@ -8745,8 +8745,8 @@
         </p:nvSpPr>
         <p:spPr>
           <a:xfrm>
-            <a:off x="1097280" y="1737360"/>
-            <a:ext cx="9997440" cy="4596130"/>
+            <a:off x="1097280" y="1730587"/>
+            <a:ext cx="9997440" cy="4503797"/>
           </a:xfrm>
           <a:prstGeom prst="rect">
             <a:avLst/>
@@ -8764,7 +8764,7 @@
               <a:buChar char=""/>
             </a:pPr>
             <a:r>
-              <a:rPr lang="ru-RU" sz="2200" dirty="0">
+              <a:rPr lang="ru-RU" sz="2000" dirty="0">
                 <a:effectLst/>
                 <a:latin typeface="Times New Roman" panose="02020603050405020304" pitchFamily="18" charset="0"/>
                 <a:ea typeface="Times New Roman" panose="02020603050405020304" pitchFamily="18" charset="0"/>
@@ -8778,7 +8778,7 @@
               <a:buChar char=""/>
             </a:pPr>
             <a:r>
-              <a:rPr lang="ru-RU" sz="2200" dirty="0">
+              <a:rPr lang="ru-RU" sz="2000" dirty="0">
                 <a:effectLst/>
                 <a:latin typeface="Times New Roman" panose="02020603050405020304" pitchFamily="18" charset="0"/>
                 <a:ea typeface="Times New Roman" panose="02020603050405020304" pitchFamily="18" charset="0"/>
@@ -8786,14 +8786,14 @@
               <a:t>Объекты интерьера</a:t>
             </a:r>
             <a:r>
-              <a:rPr lang="en-US" sz="2200" dirty="0">
+              <a:rPr lang="en-US" sz="2000" dirty="0">
                 <a:effectLst/>
                 <a:latin typeface="Times New Roman" panose="02020603050405020304" pitchFamily="18" charset="0"/>
                 <a:ea typeface="Times New Roman" panose="02020603050405020304" pitchFamily="18" charset="0"/>
               </a:rPr>
               <a:t>:</a:t>
             </a:r>
-            <a:endParaRPr lang="ru-RU" sz="2200" dirty="0">
+            <a:endParaRPr lang="ru-RU" sz="2000" dirty="0">
               <a:effectLst/>
               <a:latin typeface="Times New Roman" panose="02020603050405020304" pitchFamily="18" charset="0"/>
               <a:ea typeface="Times New Roman" panose="02020603050405020304" pitchFamily="18" charset="0"/>
@@ -8805,7 +8805,7 @@
               <a:buChar char="o"/>
             </a:pPr>
             <a:r>
-              <a:rPr lang="ru-RU" sz="2200" dirty="0">
+              <a:rPr lang="ru-RU" sz="2000" dirty="0">
                 <a:effectLst/>
                 <a:latin typeface="Times New Roman" panose="02020603050405020304" pitchFamily="18" charset="0"/>
                 <a:ea typeface="Times New Roman" panose="02020603050405020304" pitchFamily="18" charset="0"/>
@@ -8819,7 +8819,7 @@
               <a:buChar char="o"/>
             </a:pPr>
             <a:r>
-              <a:rPr lang="ru-RU" sz="2200" dirty="0">
+              <a:rPr lang="ru-RU" sz="2000" dirty="0">
                 <a:effectLst/>
                 <a:latin typeface="Times New Roman" panose="02020603050405020304" pitchFamily="18" charset="0"/>
                 <a:ea typeface="Times New Roman" panose="02020603050405020304" pitchFamily="18" charset="0"/>
@@ -8833,7 +8833,7 @@
               <a:buChar char="o"/>
             </a:pPr>
             <a:r>
-              <a:rPr lang="ru-RU" sz="2200" dirty="0">
+              <a:rPr lang="ru-RU" sz="2000" dirty="0">
                 <a:effectLst/>
                 <a:latin typeface="Times New Roman" panose="02020603050405020304" pitchFamily="18" charset="0"/>
                 <a:ea typeface="Times New Roman" panose="02020603050405020304" pitchFamily="18" charset="0"/>
@@ -8847,7 +8847,7 @@
               <a:buChar char="o"/>
             </a:pPr>
             <a:r>
-              <a:rPr lang="ru-RU" sz="2200" dirty="0">
+              <a:rPr lang="ru-RU" sz="2000" dirty="0">
                 <a:effectLst/>
                 <a:latin typeface="Times New Roman" panose="02020603050405020304" pitchFamily="18" charset="0"/>
                 <a:ea typeface="Times New Roman" panose="02020603050405020304" pitchFamily="18" charset="0"/>
@@ -8861,7 +8861,7 @@
               <a:buChar char="o"/>
             </a:pPr>
             <a:r>
-              <a:rPr lang="ru-RU" sz="2200" dirty="0">
+              <a:rPr lang="ru-RU" sz="2000" dirty="0">
                 <a:effectLst/>
                 <a:latin typeface="Times New Roman" panose="02020603050405020304" pitchFamily="18" charset="0"/>
                 <a:ea typeface="Times New Roman" panose="02020603050405020304" pitchFamily="18" charset="0"/>
@@ -8875,7 +8875,7 @@
               <a:buChar char="o"/>
             </a:pPr>
             <a:r>
-              <a:rPr lang="ru-RU" sz="2200" dirty="0">
+              <a:rPr lang="ru-RU" sz="2000" dirty="0">
                 <a:effectLst/>
                 <a:latin typeface="Times New Roman" panose="02020603050405020304" pitchFamily="18" charset="0"/>
                 <a:ea typeface="Times New Roman" panose="02020603050405020304" pitchFamily="18" charset="0"/>
@@ -8889,13 +8889,18 @@
               <a:buChar char="o"/>
             </a:pPr>
             <a:r>
-              <a:rPr lang="ru-RU" sz="2200" dirty="0">
+              <a:rPr lang="ru-RU" sz="2000" dirty="0">
                 <a:effectLst/>
                 <a:latin typeface="Times New Roman" panose="02020603050405020304" pitchFamily="18" charset="0"/>
                 <a:ea typeface="Times New Roman" panose="02020603050405020304" pitchFamily="18" charset="0"/>
               </a:rPr>
               <a:t>Подиум для представления выставочных предметов заказчика;</a:t>
             </a:r>
+            <a:endParaRPr lang="en-US" sz="2000" dirty="0">
+              <a:effectLst/>
+              <a:latin typeface="Times New Roman" panose="02020603050405020304" pitchFamily="18" charset="0"/>
+              <a:ea typeface="Times New Roman" panose="02020603050405020304" pitchFamily="18" charset="0"/>
+            </a:endParaRPr>
           </a:p>
           <a:p>
             <a:pPr marL="742950" lvl="1" indent="-285750" algn="just">
@@ -8903,13 +8908,24 @@
               <a:buChar char="o"/>
             </a:pPr>
             <a:r>
-              <a:rPr lang="ru-RU" sz="2200" dirty="0">
-                <a:effectLst/>
+              <a:rPr lang="ru-RU" sz="2000" dirty="0">
                 <a:latin typeface="Times New Roman" panose="02020603050405020304" pitchFamily="18" charset="0"/>
                 <a:ea typeface="Times New Roman" panose="02020603050405020304" pitchFamily="18" charset="0"/>
               </a:rPr>
-              <a:t>Плазменный телевизор;</a:t>
-            </a:r>
+              <a:t>Экран для проектора</a:t>
+            </a:r>
+            <a:r>
+              <a:rPr lang="en-US" sz="2000" dirty="0">
+                <a:latin typeface="Times New Roman" panose="02020603050405020304" pitchFamily="18" charset="0"/>
+                <a:ea typeface="Times New Roman" panose="02020603050405020304" pitchFamily="18" charset="0"/>
+              </a:rPr>
+              <a:t>;</a:t>
+            </a:r>
+            <a:endParaRPr lang="ru-RU" sz="2000" dirty="0">
+              <a:effectLst/>
+              <a:latin typeface="Times New Roman" panose="02020603050405020304" pitchFamily="18" charset="0"/>
+              <a:ea typeface="Times New Roman" panose="02020603050405020304" pitchFamily="18" charset="0"/>
+            </a:endParaRPr>
           </a:p>
           <a:p>
             <a:pPr marL="742950" lvl="1" indent="-285750" algn="just">
@@ -8917,7 +8933,21 @@
               <a:buChar char="o"/>
             </a:pPr>
             <a:r>
-              <a:rPr lang="ru-RU" sz="2200" dirty="0">
+              <a:rPr lang="ru-RU" sz="2000" dirty="0">
+                <a:effectLst/>
+                <a:latin typeface="Times New Roman" panose="02020603050405020304" pitchFamily="18" charset="0"/>
+                <a:ea typeface="Times New Roman" panose="02020603050405020304" pitchFamily="18" charset="0"/>
+              </a:rPr>
+              <a:t>Плазменный телевизор;</a:t>
+            </a:r>
+          </a:p>
+          <a:p>
+            <a:pPr marL="742950" lvl="1" indent="-285750" algn="just">
+              <a:buFont typeface="Courier New" panose="02070309020205020404" pitchFamily="49" charset="0"/>
+              <a:buChar char="o"/>
+            </a:pPr>
+            <a:r>
+              <a:rPr lang="ru-RU" sz="2000" dirty="0">
                 <a:effectLst/>
                 <a:latin typeface="Times New Roman" panose="02020603050405020304" pitchFamily="18" charset="0"/>
                 <a:ea typeface="Times New Roman" panose="02020603050405020304" pitchFamily="18" charset="0"/>
@@ -8934,7 +8964,7 @@
               <a:buChar char="o"/>
             </a:pPr>
             <a:r>
-              <a:rPr lang="ru-RU" sz="2200" dirty="0">
+              <a:rPr lang="ru-RU" sz="2000" dirty="0">
                 <a:effectLst/>
                 <a:latin typeface="Times New Roman" panose="02020603050405020304" pitchFamily="18" charset="0"/>
                 <a:ea typeface="Times New Roman" panose="02020603050405020304" pitchFamily="18" charset="0"/>
@@ -8948,13 +8978,13 @@
               <a:buChar char=""/>
             </a:pPr>
             <a:r>
-              <a:rPr lang="ru-RU" sz="2200" dirty="0">
+              <a:rPr lang="ru-RU" sz="2000" dirty="0">
                 <a:latin typeface="Times New Roman" panose="02020603050405020304" pitchFamily="18" charset="0"/>
                 <a:ea typeface="Times New Roman" panose="02020603050405020304" pitchFamily="18" charset="0"/>
               </a:rPr>
               <a:t>Источники света</a:t>
             </a:r>
-            <a:endParaRPr lang="ru-RU" sz="2200" dirty="0">
+            <a:endParaRPr lang="ru-RU" sz="2000" dirty="0">
               <a:effectLst/>
               <a:latin typeface="Times New Roman" panose="02020603050405020304" pitchFamily="18" charset="0"/>
               <a:ea typeface="Times New Roman" panose="02020603050405020304" pitchFamily="18" charset="0"/>
